--- a/presentation/ise538_final_presentation_keating.pptx
+++ b/presentation/ise538_final_presentation_keating.pptx
@@ -5,17 +5,20 @@
     <p:sldMasterId id="2147483648" r:id="rId1"/>
   </p:sldMasterIdLst>
   <p:notesMasterIdLst>
-    <p:notesMasterId r:id="rId10"/>
+    <p:notesMasterId r:id="rId13"/>
   </p:notesMasterIdLst>
   <p:sldIdLst>
     <p:sldId id="256" r:id="rId2"/>
-    <p:sldId id="257" r:id="rId3"/>
-    <p:sldId id="259" r:id="rId4"/>
-    <p:sldId id="258" r:id="rId5"/>
-    <p:sldId id="260" r:id="rId6"/>
-    <p:sldId id="261" r:id="rId7"/>
-    <p:sldId id="262" r:id="rId8"/>
-    <p:sldId id="263" r:id="rId9"/>
+    <p:sldId id="264" r:id="rId3"/>
+    <p:sldId id="265" r:id="rId4"/>
+    <p:sldId id="266" r:id="rId5"/>
+    <p:sldId id="267" r:id="rId6"/>
+    <p:sldId id="268" r:id="rId7"/>
+    <p:sldId id="258" r:id="rId8"/>
+    <p:sldId id="260" r:id="rId9"/>
+    <p:sldId id="261" r:id="rId10"/>
+    <p:sldId id="262" r:id="rId11"/>
+    <p:sldId id="263" r:id="rId12"/>
   </p:sldIdLst>
   <p:sldSz cx="9144000" cy="5143500" type="screen16x9"/>
   <p:notesSz cx="6858000" cy="9144000"/>
@@ -163,6 +166,6842 @@
 </p:presentation>
 </file>
 
+<file path=ppt/revisionInfo.xml><?xml version="1.0" encoding="utf-8"?>
+<p1510:revInfo xmlns:a="http://schemas.openxmlformats.org/drawingml/2006/main" xmlns:r="http://schemas.openxmlformats.org/officeDocument/2006/relationships" xmlns:p1510="http://schemas.microsoft.com/office/powerpoint/2015/10/main">
+  <p1510:revLst>
+    <p1510:client id="{D6B0E436-D3F6-4851-BC24-C2E34752C2BB}" v="546" dt="2025-07-28T16:43:10.795"/>
+  </p1510:revLst>
+</p1510:revInfo>
+</file>
+
+<file path=ppt/changesInfos/changesInfo1.xml><?xml version="1.0" encoding="utf-8"?>
+<pc:chgInfo xmlns:a="http://schemas.openxmlformats.org/drawingml/2006/main" xmlns:r="http://schemas.openxmlformats.org/officeDocument/2006/relationships" xmlns:ac="http://schemas.microsoft.com/office/drawing/2013/main/command" xmlns:pc="http://schemas.microsoft.com/office/powerpoint/2013/main/command">
+  <pc:docChgLst>
+    <pc:chgData name="Mike Keating" userId="e9fc0780-9e34-49e0-b659-0f7ed16cc762" providerId="ADAL" clId="{D6B0E436-D3F6-4851-BC24-C2E34752C2BB}"/>
+    <pc:docChg chg="custSel addSld delSld modSld sldOrd">
+      <pc:chgData name="Mike Keating" userId="e9fc0780-9e34-49e0-b659-0f7ed16cc762" providerId="ADAL" clId="{D6B0E436-D3F6-4851-BC24-C2E34752C2BB}" dt="2025-07-28T16:52:43.452" v="1846" actId="20577"/>
+      <pc:docMkLst>
+        <pc:docMk/>
+      </pc:docMkLst>
+      <pc:sldChg chg="modSp del mod">
+        <pc:chgData name="Mike Keating" userId="e9fc0780-9e34-49e0-b659-0f7ed16cc762" providerId="ADAL" clId="{D6B0E436-D3F6-4851-BC24-C2E34752C2BB}" dt="2025-07-28T16:52:24.641" v="1841" actId="47"/>
+        <pc:sldMkLst>
+          <pc:docMk/>
+          <pc:sldMk cId="3771410558" sldId="257"/>
+        </pc:sldMkLst>
+        <pc:spChg chg="mod">
+          <ac:chgData name="Mike Keating" userId="e9fc0780-9e34-49e0-b659-0f7ed16cc762" providerId="ADAL" clId="{D6B0E436-D3F6-4851-BC24-C2E34752C2BB}" dt="2025-07-28T16:00:44.298" v="41" actId="20577"/>
+          <ac:spMkLst>
+            <pc:docMk/>
+            <pc:sldMk cId="3771410558" sldId="257"/>
+            <ac:spMk id="1031" creationId="{53E3BE6A-CA52-CDB3-CEB2-94604EE1F23B}"/>
+          </ac:spMkLst>
+        </pc:spChg>
+      </pc:sldChg>
+      <pc:sldChg chg="modSp mod">
+        <pc:chgData name="Mike Keating" userId="e9fc0780-9e34-49e0-b659-0f7ed16cc762" providerId="ADAL" clId="{D6B0E436-D3F6-4851-BC24-C2E34752C2BB}" dt="2025-07-28T16:52:43.452" v="1846" actId="20577"/>
+        <pc:sldMkLst>
+          <pc:docMk/>
+          <pc:sldMk cId="1024325250" sldId="258"/>
+        </pc:sldMkLst>
+        <pc:spChg chg="mod">
+          <ac:chgData name="Mike Keating" userId="e9fc0780-9e34-49e0-b659-0f7ed16cc762" providerId="ADAL" clId="{D6B0E436-D3F6-4851-BC24-C2E34752C2BB}" dt="2025-07-28T16:52:43.452" v="1846" actId="20577"/>
+          <ac:spMkLst>
+            <pc:docMk/>
+            <pc:sldMk cId="1024325250" sldId="258"/>
+            <ac:spMk id="3" creationId="{0C55226F-3D2E-829A-D324-B958F4B66B92}"/>
+          </ac:spMkLst>
+        </pc:spChg>
+      </pc:sldChg>
+      <pc:sldChg chg="del">
+        <pc:chgData name="Mike Keating" userId="e9fc0780-9e34-49e0-b659-0f7ed16cc762" providerId="ADAL" clId="{D6B0E436-D3F6-4851-BC24-C2E34752C2BB}" dt="2025-07-28T16:52:28.625" v="1842" actId="47"/>
+        <pc:sldMkLst>
+          <pc:docMk/>
+          <pc:sldMk cId="145782020" sldId="259"/>
+        </pc:sldMkLst>
+      </pc:sldChg>
+      <pc:sldChg chg="addSp delSp modSp new mod ord modNotesTx">
+        <pc:chgData name="Mike Keating" userId="e9fc0780-9e34-49e0-b659-0f7ed16cc762" providerId="ADAL" clId="{D6B0E436-D3F6-4851-BC24-C2E34752C2BB}" dt="2025-07-28T16:23:28.491" v="642" actId="14100"/>
+        <pc:sldMkLst>
+          <pc:docMk/>
+          <pc:sldMk cId="3863278162" sldId="264"/>
+        </pc:sldMkLst>
+        <pc:spChg chg="mod">
+          <ac:chgData name="Mike Keating" userId="e9fc0780-9e34-49e0-b659-0f7ed16cc762" providerId="ADAL" clId="{D6B0E436-D3F6-4851-BC24-C2E34752C2BB}" dt="2025-07-28T16:05:34.597" v="138" actId="20577"/>
+          <ac:spMkLst>
+            <pc:docMk/>
+            <pc:sldMk cId="3863278162" sldId="264"/>
+            <ac:spMk id="2" creationId="{94097CE0-92E1-7F93-DA73-B9BBF54E096F}"/>
+          </ac:spMkLst>
+        </pc:spChg>
+        <pc:spChg chg="del mod">
+          <ac:chgData name="Mike Keating" userId="e9fc0780-9e34-49e0-b659-0f7ed16cc762" providerId="ADAL" clId="{D6B0E436-D3F6-4851-BC24-C2E34752C2BB}" dt="2025-07-28T16:09:24.451" v="139" actId="1032"/>
+          <ac:spMkLst>
+            <pc:docMk/>
+            <pc:sldMk cId="3863278162" sldId="264"/>
+            <ac:spMk id="3" creationId="{F59FD725-3D15-84BB-1306-A04D82DCEB8A}"/>
+          </ac:spMkLst>
+        </pc:spChg>
+        <pc:spChg chg="del">
+          <ac:chgData name="Mike Keating" userId="e9fc0780-9e34-49e0-b659-0f7ed16cc762" providerId="ADAL" clId="{D6B0E436-D3F6-4851-BC24-C2E34752C2BB}" dt="2025-07-28T15:59:47.004" v="3" actId="478"/>
+          <ac:spMkLst>
+            <pc:docMk/>
+            <pc:sldMk cId="3863278162" sldId="264"/>
+            <ac:spMk id="4" creationId="{606FD9C4-43EC-470B-5F68-CBEB763A2867}"/>
+          </ac:spMkLst>
+        </pc:spChg>
+        <pc:graphicFrameChg chg="add mod modGraphic">
+          <ac:chgData name="Mike Keating" userId="e9fc0780-9e34-49e0-b659-0f7ed16cc762" providerId="ADAL" clId="{D6B0E436-D3F6-4851-BC24-C2E34752C2BB}" dt="2025-07-28T16:23:28.491" v="642" actId="14100"/>
+          <ac:graphicFrameMkLst>
+            <pc:docMk/>
+            <pc:sldMk cId="3863278162" sldId="264"/>
+            <ac:graphicFrameMk id="5" creationId="{4BE36334-92FD-6484-9860-7F69660477AE}"/>
+          </ac:graphicFrameMkLst>
+        </pc:graphicFrameChg>
+      </pc:sldChg>
+      <pc:sldChg chg="addSp delSp modSp add mod modNotesTx">
+        <pc:chgData name="Mike Keating" userId="e9fc0780-9e34-49e0-b659-0f7ed16cc762" providerId="ADAL" clId="{D6B0E436-D3F6-4851-BC24-C2E34752C2BB}" dt="2025-07-28T16:29:19.085" v="722" actId="20577"/>
+        <pc:sldMkLst>
+          <pc:docMk/>
+          <pc:sldMk cId="1063110822" sldId="265"/>
+        </pc:sldMkLst>
+        <pc:spChg chg="add del mod">
+          <ac:chgData name="Mike Keating" userId="e9fc0780-9e34-49e0-b659-0f7ed16cc762" providerId="ADAL" clId="{D6B0E436-D3F6-4851-BC24-C2E34752C2BB}" dt="2025-07-28T16:26:17.282" v="692" actId="478"/>
+          <ac:spMkLst>
+            <pc:docMk/>
+            <pc:sldMk cId="1063110822" sldId="265"/>
+            <ac:spMk id="3" creationId="{5F64A90C-234C-CF38-9C71-E649C1E7F983}"/>
+          </ac:spMkLst>
+        </pc:spChg>
+        <pc:spChg chg="add del mod">
+          <ac:chgData name="Mike Keating" userId="e9fc0780-9e34-49e0-b659-0f7ed16cc762" providerId="ADAL" clId="{D6B0E436-D3F6-4851-BC24-C2E34752C2BB}" dt="2025-07-28T16:26:16.330" v="691" actId="478"/>
+          <ac:spMkLst>
+            <pc:docMk/>
+            <pc:sldMk cId="1063110822" sldId="265"/>
+            <ac:spMk id="4" creationId="{38C9DF1C-6E25-4481-72A9-163112ECA6E2}"/>
+          </ac:spMkLst>
+        </pc:spChg>
+        <pc:spChg chg="add mod">
+          <ac:chgData name="Mike Keating" userId="e9fc0780-9e34-49e0-b659-0f7ed16cc762" providerId="ADAL" clId="{D6B0E436-D3F6-4851-BC24-C2E34752C2BB}" dt="2025-07-28T16:29:08.253" v="720" actId="1076"/>
+          <ac:spMkLst>
+            <pc:docMk/>
+            <pc:sldMk cId="1063110822" sldId="265"/>
+            <ac:spMk id="6" creationId="{98B521F0-99BA-A8DB-56F9-29DBFB1CD2B6}"/>
+          </ac:spMkLst>
+        </pc:spChg>
+        <pc:graphicFrameChg chg="mod">
+          <ac:chgData name="Mike Keating" userId="e9fc0780-9e34-49e0-b659-0f7ed16cc762" providerId="ADAL" clId="{D6B0E436-D3F6-4851-BC24-C2E34752C2BB}" dt="2025-07-28T16:29:00.723" v="718" actId="1076"/>
+          <ac:graphicFrameMkLst>
+            <pc:docMk/>
+            <pc:sldMk cId="1063110822" sldId="265"/>
+            <ac:graphicFrameMk id="5" creationId="{29F7B15B-4F90-4CF5-1C96-B5A6D7ED48DE}"/>
+          </ac:graphicFrameMkLst>
+        </pc:graphicFrameChg>
+        <pc:picChg chg="add del mod">
+          <ac:chgData name="Mike Keating" userId="e9fc0780-9e34-49e0-b659-0f7ed16cc762" providerId="ADAL" clId="{D6B0E436-D3F6-4851-BC24-C2E34752C2BB}" dt="2025-07-28T16:26:14.895" v="690" actId="478"/>
+          <ac:picMkLst>
+            <pc:docMk/>
+            <pc:sldMk cId="1063110822" sldId="265"/>
+            <ac:picMk id="1026" creationId="{4874BD63-5285-BE27-159F-694239BA5A8C}"/>
+          </ac:picMkLst>
+        </pc:picChg>
+        <pc:picChg chg="add mod">
+          <ac:chgData name="Mike Keating" userId="e9fc0780-9e34-49e0-b659-0f7ed16cc762" providerId="ADAL" clId="{D6B0E436-D3F6-4851-BC24-C2E34752C2BB}" dt="2025-07-28T16:29:09.968" v="721" actId="1076"/>
+          <ac:picMkLst>
+            <pc:docMk/>
+            <pc:sldMk cId="1063110822" sldId="265"/>
+            <ac:picMk id="1028" creationId="{88B888D9-06AE-D61D-A466-79AF5F585EE8}"/>
+          </ac:picMkLst>
+        </pc:picChg>
+      </pc:sldChg>
+      <pc:sldChg chg="addSp delSp modSp add mod">
+        <pc:chgData name="Mike Keating" userId="e9fc0780-9e34-49e0-b659-0f7ed16cc762" providerId="ADAL" clId="{D6B0E436-D3F6-4851-BC24-C2E34752C2BB}" dt="2025-07-28T16:38:36.368" v="1020" actId="1076"/>
+        <pc:sldMkLst>
+          <pc:docMk/>
+          <pc:sldMk cId="2191771199" sldId="266"/>
+        </pc:sldMkLst>
+        <pc:spChg chg="mod">
+          <ac:chgData name="Mike Keating" userId="e9fc0780-9e34-49e0-b659-0f7ed16cc762" providerId="ADAL" clId="{D6B0E436-D3F6-4851-BC24-C2E34752C2BB}" dt="2025-07-28T16:31:47.705" v="775" actId="20577"/>
+          <ac:spMkLst>
+            <pc:docMk/>
+            <pc:sldMk cId="2191771199" sldId="266"/>
+            <ac:spMk id="2" creationId="{C0359300-2EEA-0B4E-C339-C3191F3C7D3C}"/>
+          </ac:spMkLst>
+        </pc:spChg>
+        <pc:spChg chg="add mod">
+          <ac:chgData name="Mike Keating" userId="e9fc0780-9e34-49e0-b659-0f7ed16cc762" providerId="ADAL" clId="{D6B0E436-D3F6-4851-BC24-C2E34752C2BB}" dt="2025-07-28T16:31:06.162" v="755" actId="1076"/>
+          <ac:spMkLst>
+            <pc:docMk/>
+            <pc:sldMk cId="2191771199" sldId="266"/>
+            <ac:spMk id="3" creationId="{484F36F5-478A-E42E-5ADA-C343A1EAD01F}"/>
+          </ac:spMkLst>
+        </pc:spChg>
+        <pc:spChg chg="mod">
+          <ac:chgData name="Mike Keating" userId="e9fc0780-9e34-49e0-b659-0f7ed16cc762" providerId="ADAL" clId="{D6B0E436-D3F6-4851-BC24-C2E34752C2BB}" dt="2025-07-28T16:30:18.032" v="746" actId="1076"/>
+          <ac:spMkLst>
+            <pc:docMk/>
+            <pc:sldMk cId="2191771199" sldId="266"/>
+            <ac:spMk id="6" creationId="{5E828984-930A-A48B-799A-1C7CB7A72F9D}"/>
+          </ac:spMkLst>
+        </pc:spChg>
+        <pc:spChg chg="add mod">
+          <ac:chgData name="Mike Keating" userId="e9fc0780-9e34-49e0-b659-0f7ed16cc762" providerId="ADAL" clId="{D6B0E436-D3F6-4851-BC24-C2E34752C2BB}" dt="2025-07-28T16:37:00.194" v="1010" actId="14100"/>
+          <ac:spMkLst>
+            <pc:docMk/>
+            <pc:sldMk cId="2191771199" sldId="266"/>
+            <ac:spMk id="7" creationId="{EAECFE88-C8DE-A262-EE76-84AF5A933F69}"/>
+          </ac:spMkLst>
+        </pc:spChg>
+        <pc:graphicFrameChg chg="del mod">
+          <ac:chgData name="Mike Keating" userId="e9fc0780-9e34-49e0-b659-0f7ed16cc762" providerId="ADAL" clId="{D6B0E436-D3F6-4851-BC24-C2E34752C2BB}" dt="2025-07-28T16:31:37.316" v="757" actId="478"/>
+          <ac:graphicFrameMkLst>
+            <pc:docMk/>
+            <pc:sldMk cId="2191771199" sldId="266"/>
+            <ac:graphicFrameMk id="5" creationId="{6F5A5534-03B8-DF9A-804B-5A3A6BC2D295}"/>
+          </ac:graphicFrameMkLst>
+        </pc:graphicFrameChg>
+        <pc:picChg chg="del">
+          <ac:chgData name="Mike Keating" userId="e9fc0780-9e34-49e0-b659-0f7ed16cc762" providerId="ADAL" clId="{D6B0E436-D3F6-4851-BC24-C2E34752C2BB}" dt="2025-07-28T16:29:35.414" v="724" actId="478"/>
+          <ac:picMkLst>
+            <pc:docMk/>
+            <pc:sldMk cId="2191771199" sldId="266"/>
+            <ac:picMk id="1028" creationId="{6DD42F51-E53E-B4DA-4AD7-5B82EE204D5A}"/>
+          </ac:picMkLst>
+        </pc:picChg>
+        <pc:picChg chg="add mod">
+          <ac:chgData name="Mike Keating" userId="e9fc0780-9e34-49e0-b659-0f7ed16cc762" providerId="ADAL" clId="{D6B0E436-D3F6-4851-BC24-C2E34752C2BB}" dt="2025-07-28T16:30:13.855" v="745" actId="1076"/>
+          <ac:picMkLst>
+            <pc:docMk/>
+            <pc:sldMk cId="2191771199" sldId="266"/>
+            <ac:picMk id="2050" creationId="{DB008BDE-27BB-5D98-7A82-BAE28F5A1DA6}"/>
+          </ac:picMkLst>
+        </pc:picChg>
+        <pc:picChg chg="add mod">
+          <ac:chgData name="Mike Keating" userId="e9fc0780-9e34-49e0-b659-0f7ed16cc762" providerId="ADAL" clId="{D6B0E436-D3F6-4851-BC24-C2E34752C2BB}" dt="2025-07-28T16:37:00.194" v="1010" actId="14100"/>
+          <ac:picMkLst>
+            <pc:docMk/>
+            <pc:sldMk cId="2191771199" sldId="266"/>
+            <ac:picMk id="2052" creationId="{19BB9CC9-AABA-8B01-3721-9CA019161EC2}"/>
+          </ac:picMkLst>
+        </pc:picChg>
+        <pc:picChg chg="add mod">
+          <ac:chgData name="Mike Keating" userId="e9fc0780-9e34-49e0-b659-0f7ed16cc762" providerId="ADAL" clId="{D6B0E436-D3F6-4851-BC24-C2E34752C2BB}" dt="2025-07-28T16:37:24.145" v="1017" actId="1076"/>
+          <ac:picMkLst>
+            <pc:docMk/>
+            <pc:sldMk cId="2191771199" sldId="266"/>
+            <ac:picMk id="2054" creationId="{DFF0E8FE-E00F-59EC-FC40-99630E436459}"/>
+          </ac:picMkLst>
+        </pc:picChg>
+        <pc:picChg chg="add mod">
+          <ac:chgData name="Mike Keating" userId="e9fc0780-9e34-49e0-b659-0f7ed16cc762" providerId="ADAL" clId="{D6B0E436-D3F6-4851-BC24-C2E34752C2BB}" dt="2025-07-28T16:38:36.368" v="1020" actId="1076"/>
+          <ac:picMkLst>
+            <pc:docMk/>
+            <pc:sldMk cId="2191771199" sldId="266"/>
+            <ac:picMk id="2056" creationId="{7AD37546-4DA4-4107-C2D4-FE17A2C2BEA0}"/>
+          </ac:picMkLst>
+        </pc:picChg>
+      </pc:sldChg>
+      <pc:sldChg chg="addSp delSp modSp add mod">
+        <pc:chgData name="Mike Keating" userId="e9fc0780-9e34-49e0-b659-0f7ed16cc762" providerId="ADAL" clId="{D6B0E436-D3F6-4851-BC24-C2E34752C2BB}" dt="2025-07-28T16:45:09.478" v="1242" actId="20577"/>
+        <pc:sldMkLst>
+          <pc:docMk/>
+          <pc:sldMk cId="3730094534" sldId="267"/>
+        </pc:sldMkLst>
+        <pc:spChg chg="mod">
+          <ac:chgData name="Mike Keating" userId="e9fc0780-9e34-49e0-b659-0f7ed16cc762" providerId="ADAL" clId="{D6B0E436-D3F6-4851-BC24-C2E34752C2BB}" dt="2025-07-28T16:45:09.478" v="1242" actId="20577"/>
+          <ac:spMkLst>
+            <pc:docMk/>
+            <pc:sldMk cId="3730094534" sldId="267"/>
+            <ac:spMk id="2" creationId="{50100A31-A551-3031-6631-D4DEB1FD65CB}"/>
+          </ac:spMkLst>
+        </pc:spChg>
+        <pc:spChg chg="del">
+          <ac:chgData name="Mike Keating" userId="e9fc0780-9e34-49e0-b659-0f7ed16cc762" providerId="ADAL" clId="{D6B0E436-D3F6-4851-BC24-C2E34752C2BB}" dt="2025-07-28T16:39:05.622" v="1041" actId="478"/>
+          <ac:spMkLst>
+            <pc:docMk/>
+            <pc:sldMk cId="3730094534" sldId="267"/>
+            <ac:spMk id="3" creationId="{C0A77D9B-E81D-0882-0529-F81EFA9040A8}"/>
+          </ac:spMkLst>
+        </pc:spChg>
+        <pc:spChg chg="add mod">
+          <ac:chgData name="Mike Keating" userId="e9fc0780-9e34-49e0-b659-0f7ed16cc762" providerId="ADAL" clId="{D6B0E436-D3F6-4851-BC24-C2E34752C2BB}" dt="2025-07-28T16:43:14.645" v="1169" actId="1076"/>
+          <ac:spMkLst>
+            <pc:docMk/>
+            <pc:sldMk cId="3730094534" sldId="267"/>
+            <ac:spMk id="4" creationId="{1EFA94E1-66A9-D1E0-7D78-F63C589667B8}"/>
+          </ac:spMkLst>
+        </pc:spChg>
+        <pc:spChg chg="add del">
+          <ac:chgData name="Mike Keating" userId="e9fc0780-9e34-49e0-b659-0f7ed16cc762" providerId="ADAL" clId="{D6B0E436-D3F6-4851-BC24-C2E34752C2BB}" dt="2025-07-28T16:40:55.788" v="1070" actId="478"/>
+          <ac:spMkLst>
+            <pc:docMk/>
+            <pc:sldMk cId="3730094534" sldId="267"/>
+            <ac:spMk id="5" creationId="{F97E2668-C9BD-BC3A-50EC-0995554CC3D3}"/>
+          </ac:spMkLst>
+        </pc:spChg>
+        <pc:spChg chg="del">
+          <ac:chgData name="Mike Keating" userId="e9fc0780-9e34-49e0-b659-0f7ed16cc762" providerId="ADAL" clId="{D6B0E436-D3F6-4851-BC24-C2E34752C2BB}" dt="2025-07-28T16:39:07.501" v="1042" actId="478"/>
+          <ac:spMkLst>
+            <pc:docMk/>
+            <pc:sldMk cId="3730094534" sldId="267"/>
+            <ac:spMk id="6" creationId="{B3039AB1-1575-A194-A082-6BFECB683FD0}"/>
+          </ac:spMkLst>
+        </pc:spChg>
+        <pc:spChg chg="mod">
+          <ac:chgData name="Mike Keating" userId="e9fc0780-9e34-49e0-b659-0f7ed16cc762" providerId="ADAL" clId="{D6B0E436-D3F6-4851-BC24-C2E34752C2BB}" dt="2025-07-28T16:39:00.593" v="1039" actId="20577"/>
+          <ac:spMkLst>
+            <pc:docMk/>
+            <pc:sldMk cId="3730094534" sldId="267"/>
+            <ac:spMk id="7" creationId="{FCF53169-D3A3-E948-77B4-6B0A03475927}"/>
+          </ac:spMkLst>
+        </pc:spChg>
+        <pc:spChg chg="add mod">
+          <ac:chgData name="Mike Keating" userId="e9fc0780-9e34-49e0-b659-0f7ed16cc762" providerId="ADAL" clId="{D6B0E436-D3F6-4851-BC24-C2E34752C2BB}" dt="2025-07-28T16:43:08.947" v="1167" actId="1076"/>
+          <ac:spMkLst>
+            <pc:docMk/>
+            <pc:sldMk cId="3730094534" sldId="267"/>
+            <ac:spMk id="8" creationId="{CF51EA0E-0B85-7471-44F5-552A15240485}"/>
+          </ac:spMkLst>
+        </pc:spChg>
+        <pc:spChg chg="add mod">
+          <ac:chgData name="Mike Keating" userId="e9fc0780-9e34-49e0-b659-0f7ed16cc762" providerId="ADAL" clId="{D6B0E436-D3F6-4851-BC24-C2E34752C2BB}" dt="2025-07-28T16:42:59.481" v="1164" actId="1076"/>
+          <ac:spMkLst>
+            <pc:docMk/>
+            <pc:sldMk cId="3730094534" sldId="267"/>
+            <ac:spMk id="10" creationId="{67464E45-B9C6-2E7F-5266-8FDE5B2ED3FF}"/>
+          </ac:spMkLst>
+        </pc:spChg>
+        <pc:picChg chg="add mod">
+          <ac:chgData name="Mike Keating" userId="e9fc0780-9e34-49e0-b659-0f7ed16cc762" providerId="ADAL" clId="{D6B0E436-D3F6-4851-BC24-C2E34752C2BB}" dt="2025-07-28T16:42:56.845" v="1163" actId="1076"/>
+          <ac:picMkLst>
+            <pc:docMk/>
+            <pc:sldMk cId="3730094534" sldId="267"/>
+            <ac:picMk id="9" creationId="{E28F6966-B0A3-0BFD-E6CD-1D3DC6E6BBA4}"/>
+          </ac:picMkLst>
+        </pc:picChg>
+        <pc:picChg chg="del">
+          <ac:chgData name="Mike Keating" userId="e9fc0780-9e34-49e0-b659-0f7ed16cc762" providerId="ADAL" clId="{D6B0E436-D3F6-4851-BC24-C2E34752C2BB}" dt="2025-07-28T16:39:03.140" v="1040" actId="478"/>
+          <ac:picMkLst>
+            <pc:docMk/>
+            <pc:sldMk cId="3730094534" sldId="267"/>
+            <ac:picMk id="2050" creationId="{D1B3179B-EEB7-36DD-F666-9EB8422061CC}"/>
+          </ac:picMkLst>
+        </pc:picChg>
+        <pc:picChg chg="mod">
+          <ac:chgData name="Mike Keating" userId="e9fc0780-9e34-49e0-b659-0f7ed16cc762" providerId="ADAL" clId="{D6B0E436-D3F6-4851-BC24-C2E34752C2BB}" dt="2025-07-28T16:43:10.789" v="1168" actId="1076"/>
+          <ac:picMkLst>
+            <pc:docMk/>
+            <pc:sldMk cId="3730094534" sldId="267"/>
+            <ac:picMk id="2054" creationId="{48AB1D26-A5A3-3E47-FEFA-B24656153CFF}"/>
+          </ac:picMkLst>
+        </pc:picChg>
+        <pc:picChg chg="del mod">
+          <ac:chgData name="Mike Keating" userId="e9fc0780-9e34-49e0-b659-0f7ed16cc762" providerId="ADAL" clId="{D6B0E436-D3F6-4851-BC24-C2E34752C2BB}" dt="2025-07-28T16:40:55.788" v="1070" actId="478"/>
+          <ac:picMkLst>
+            <pc:docMk/>
+            <pc:sldMk cId="3730094534" sldId="267"/>
+            <ac:picMk id="2056" creationId="{83A03291-B8C7-DE22-E583-EEE03796CEC1}"/>
+          </ac:picMkLst>
+        </pc:picChg>
+        <pc:picChg chg="add mod">
+          <ac:chgData name="Mike Keating" userId="e9fc0780-9e34-49e0-b659-0f7ed16cc762" providerId="ADAL" clId="{D6B0E436-D3F6-4851-BC24-C2E34752C2BB}" dt="2025-07-28T16:43:05.991" v="1166" actId="1076"/>
+          <ac:picMkLst>
+            <pc:docMk/>
+            <pc:sldMk cId="3730094534" sldId="267"/>
+            <ac:picMk id="3076" creationId="{6739107B-0F6A-D964-0FE9-622A8A96F7D7}"/>
+          </ac:picMkLst>
+        </pc:picChg>
+      </pc:sldChg>
+      <pc:sldChg chg="addSp delSp modSp new mod">
+        <pc:chgData name="Mike Keating" userId="e9fc0780-9e34-49e0-b659-0f7ed16cc762" providerId="ADAL" clId="{D6B0E436-D3F6-4851-BC24-C2E34752C2BB}" dt="2025-07-28T16:52:21.900" v="1840" actId="113"/>
+        <pc:sldMkLst>
+          <pc:docMk/>
+          <pc:sldMk cId="3135459254" sldId="268"/>
+        </pc:sldMkLst>
+        <pc:spChg chg="mod">
+          <ac:chgData name="Mike Keating" userId="e9fc0780-9e34-49e0-b659-0f7ed16cc762" providerId="ADAL" clId="{D6B0E436-D3F6-4851-BC24-C2E34752C2BB}" dt="2025-07-28T16:43:32.979" v="1188" actId="20577"/>
+          <ac:spMkLst>
+            <pc:docMk/>
+            <pc:sldMk cId="3135459254" sldId="268"/>
+            <ac:spMk id="2" creationId="{A79F9390-07CF-83B8-A68F-45541735777A}"/>
+          </ac:spMkLst>
+        </pc:spChg>
+        <pc:spChg chg="mod">
+          <ac:chgData name="Mike Keating" userId="e9fc0780-9e34-49e0-b659-0f7ed16cc762" providerId="ADAL" clId="{D6B0E436-D3F6-4851-BC24-C2E34752C2BB}" dt="2025-07-28T16:52:21.900" v="1840" actId="113"/>
+          <ac:spMkLst>
+            <pc:docMk/>
+            <pc:sldMk cId="3135459254" sldId="268"/>
+            <ac:spMk id="3" creationId="{3EBF8000-772D-B55C-8921-CBBF3BC03CB6}"/>
+          </ac:spMkLst>
+        </pc:spChg>
+        <pc:spChg chg="del">
+          <ac:chgData name="Mike Keating" userId="e9fc0780-9e34-49e0-b659-0f7ed16cc762" providerId="ADAL" clId="{D6B0E436-D3F6-4851-BC24-C2E34752C2BB}" dt="2025-07-28T16:43:37.530" v="1189" actId="478"/>
+          <ac:spMkLst>
+            <pc:docMk/>
+            <pc:sldMk cId="3135459254" sldId="268"/>
+            <ac:spMk id="4" creationId="{90C7D296-F81A-5B54-C04A-088EE4346902}"/>
+          </ac:spMkLst>
+        </pc:spChg>
+        <pc:picChg chg="add mod">
+          <ac:chgData name="Mike Keating" userId="e9fc0780-9e34-49e0-b659-0f7ed16cc762" providerId="ADAL" clId="{D6B0E436-D3F6-4851-BC24-C2E34752C2BB}" dt="2025-07-28T16:48:44.098" v="1553" actId="1076"/>
+          <ac:picMkLst>
+            <pc:docMk/>
+            <pc:sldMk cId="3135459254" sldId="268"/>
+            <ac:picMk id="6" creationId="{6B49B6AA-9243-EAE2-FD2D-76EEC5470876}"/>
+          </ac:picMkLst>
+        </pc:picChg>
+      </pc:sldChg>
+    </pc:docChg>
+  </pc:docChgLst>
+</pc:chgInfo>
+</file>
+
+<file path=ppt/diagrams/colors1.xml><?xml version="1.0" encoding="utf-8"?>
+<dgm:colorsDef xmlns:dgm="http://schemas.openxmlformats.org/drawingml/2006/diagram" xmlns:a="http://schemas.openxmlformats.org/drawingml/2006/main" uniqueId="urn:microsoft.com/office/officeart/2005/8/colors/accent1_2">
+  <dgm:title val=""/>
+  <dgm:desc val=""/>
+  <dgm:catLst>
+    <dgm:cat type="accent1" pri="11200"/>
+  </dgm:catLst>
+  <dgm:styleLbl name="node0">
+    <dgm:fillClrLst meth="repeat">
+      <a:schemeClr val="accent1"/>
+    </dgm:fillClrLst>
+    <dgm:linClrLst meth="repeat">
+      <a:schemeClr val="lt1"/>
+    </dgm:linClrLst>
+    <dgm:effectClrLst/>
+    <dgm:txLinClrLst/>
+    <dgm:txFillClrLst/>
+    <dgm:txEffectClrLst/>
+  </dgm:styleLbl>
+  <dgm:styleLbl name="alignNode1">
+    <dgm:fillClrLst meth="repeat">
+      <a:schemeClr val="accent1"/>
+    </dgm:fillClrLst>
+    <dgm:linClrLst meth="repeat">
+      <a:schemeClr val="accent1"/>
+    </dgm:linClrLst>
+    <dgm:effectClrLst/>
+    <dgm:txLinClrLst/>
+    <dgm:txFillClrLst/>
+    <dgm:txEffectClrLst/>
+  </dgm:styleLbl>
+  <dgm:styleLbl name="node1">
+    <dgm:fillClrLst meth="repeat">
+      <a:schemeClr val="accent1"/>
+    </dgm:fillClrLst>
+    <dgm:linClrLst meth="repeat">
+      <a:schemeClr val="lt1"/>
+    </dgm:linClrLst>
+    <dgm:effectClrLst/>
+    <dgm:txLinClrLst/>
+    <dgm:txFillClrLst/>
+    <dgm:txEffectClrLst/>
+  </dgm:styleLbl>
+  <dgm:styleLbl name="lnNode1">
+    <dgm:fillClrLst meth="repeat">
+      <a:schemeClr val="accent1"/>
+    </dgm:fillClrLst>
+    <dgm:linClrLst meth="repeat">
+      <a:schemeClr val="lt1"/>
+    </dgm:linClrLst>
+    <dgm:effectClrLst/>
+    <dgm:txLinClrLst/>
+    <dgm:txFillClrLst/>
+    <dgm:txEffectClrLst/>
+  </dgm:styleLbl>
+  <dgm:styleLbl name="vennNode1">
+    <dgm:fillClrLst meth="repeat">
+      <a:schemeClr val="accent1">
+        <a:alpha val="50000"/>
+      </a:schemeClr>
+    </dgm:fillClrLst>
+    <dgm:linClrLst meth="repeat">
+      <a:schemeClr val="lt1"/>
+    </dgm:linClrLst>
+    <dgm:effectClrLst/>
+    <dgm:txLinClrLst/>
+    <dgm:txFillClrLst/>
+    <dgm:txEffectClrLst/>
+  </dgm:styleLbl>
+  <dgm:styleLbl name="node2">
+    <dgm:fillClrLst meth="repeat">
+      <a:schemeClr val="accent1"/>
+    </dgm:fillClrLst>
+    <dgm:linClrLst meth="repeat">
+      <a:schemeClr val="lt1"/>
+    </dgm:linClrLst>
+    <dgm:effectClrLst/>
+    <dgm:txLinClrLst/>
+    <dgm:txFillClrLst/>
+    <dgm:txEffectClrLst/>
+  </dgm:styleLbl>
+  <dgm:styleLbl name="node3">
+    <dgm:fillClrLst meth="repeat">
+      <a:schemeClr val="accent1"/>
+    </dgm:fillClrLst>
+    <dgm:linClrLst meth="repeat">
+      <a:schemeClr val="lt1"/>
+    </dgm:linClrLst>
+    <dgm:effectClrLst/>
+    <dgm:txLinClrLst/>
+    <dgm:txFillClrLst/>
+    <dgm:txEffectClrLst/>
+  </dgm:styleLbl>
+  <dgm:styleLbl name="node4">
+    <dgm:fillClrLst meth="repeat">
+      <a:schemeClr val="accent1"/>
+    </dgm:fillClrLst>
+    <dgm:linClrLst meth="repeat">
+      <a:schemeClr val="lt1"/>
+    </dgm:linClrLst>
+    <dgm:effectClrLst/>
+    <dgm:txLinClrLst/>
+    <dgm:txFillClrLst/>
+    <dgm:txEffectClrLst/>
+  </dgm:styleLbl>
+  <dgm:styleLbl name="fgImgPlace1">
+    <dgm:fillClrLst meth="repeat">
+      <a:schemeClr val="accent1">
+        <a:tint val="50000"/>
+      </a:schemeClr>
+    </dgm:fillClrLst>
+    <dgm:linClrLst meth="repeat">
+      <a:schemeClr val="lt1"/>
+    </dgm:linClrLst>
+    <dgm:effectClrLst/>
+    <dgm:txLinClrLst/>
+    <dgm:txFillClrLst meth="repeat">
+      <a:schemeClr val="lt1"/>
+    </dgm:txFillClrLst>
+    <dgm:txEffectClrLst/>
+  </dgm:styleLbl>
+  <dgm:styleLbl name="alignImgPlace1">
+    <dgm:fillClrLst meth="repeat">
+      <a:schemeClr val="accent1">
+        <a:tint val="50000"/>
+      </a:schemeClr>
+    </dgm:fillClrLst>
+    <dgm:linClrLst meth="repeat">
+      <a:schemeClr val="lt1"/>
+    </dgm:linClrLst>
+    <dgm:effectClrLst/>
+    <dgm:txLinClrLst/>
+    <dgm:txFillClrLst meth="repeat">
+      <a:schemeClr val="lt1"/>
+    </dgm:txFillClrLst>
+    <dgm:txEffectClrLst/>
+  </dgm:styleLbl>
+  <dgm:styleLbl name="bgImgPlace1">
+    <dgm:fillClrLst meth="repeat">
+      <a:schemeClr val="accent1">
+        <a:tint val="50000"/>
+      </a:schemeClr>
+    </dgm:fillClrLst>
+    <dgm:linClrLst meth="repeat">
+      <a:schemeClr val="lt1"/>
+    </dgm:linClrLst>
+    <dgm:effectClrLst/>
+    <dgm:txLinClrLst/>
+    <dgm:txFillClrLst meth="repeat">
+      <a:schemeClr val="lt1"/>
+    </dgm:txFillClrLst>
+    <dgm:txEffectClrLst/>
+  </dgm:styleLbl>
+  <dgm:styleLbl name="sibTrans2D1">
+    <dgm:fillClrLst meth="repeat">
+      <a:schemeClr val="accent1">
+        <a:tint val="60000"/>
+      </a:schemeClr>
+    </dgm:fillClrLst>
+    <dgm:linClrLst meth="repeat">
+      <a:schemeClr val="accent1">
+        <a:tint val="60000"/>
+      </a:schemeClr>
+    </dgm:linClrLst>
+    <dgm:effectClrLst/>
+    <dgm:txLinClrLst/>
+    <dgm:txFillClrLst/>
+    <dgm:txEffectClrLst/>
+  </dgm:styleLbl>
+  <dgm:styleLbl name="fgSibTrans2D1">
+    <dgm:fillClrLst meth="repeat">
+      <a:schemeClr val="accent1">
+        <a:tint val="60000"/>
+      </a:schemeClr>
+    </dgm:fillClrLst>
+    <dgm:linClrLst meth="repeat">
+      <a:schemeClr val="accent1">
+        <a:tint val="60000"/>
+      </a:schemeClr>
+    </dgm:linClrLst>
+    <dgm:effectClrLst/>
+    <dgm:txLinClrLst/>
+    <dgm:txFillClrLst/>
+    <dgm:txEffectClrLst/>
+  </dgm:styleLbl>
+  <dgm:styleLbl name="bgSibTrans2D1">
+    <dgm:fillClrLst meth="repeat">
+      <a:schemeClr val="accent1">
+        <a:tint val="60000"/>
+      </a:schemeClr>
+    </dgm:fillClrLst>
+    <dgm:linClrLst meth="repeat">
+      <a:schemeClr val="accent1">
+        <a:tint val="60000"/>
+      </a:schemeClr>
+    </dgm:linClrLst>
+    <dgm:effectClrLst/>
+    <dgm:txLinClrLst/>
+    <dgm:txFillClrLst/>
+    <dgm:txEffectClrLst/>
+  </dgm:styleLbl>
+  <dgm:styleLbl name="sibTrans1D1">
+    <dgm:fillClrLst meth="repeat">
+      <a:schemeClr val="accent1"/>
+    </dgm:fillClrLst>
+    <dgm:linClrLst meth="repeat">
+      <a:schemeClr val="accent1"/>
+    </dgm:linClrLst>
+    <dgm:effectClrLst/>
+    <dgm:txLinClrLst/>
+    <dgm:txFillClrLst meth="repeat">
+      <a:schemeClr val="tx1"/>
+    </dgm:txFillClrLst>
+    <dgm:txEffectClrLst/>
+  </dgm:styleLbl>
+  <dgm:styleLbl name="callout">
+    <dgm:fillClrLst meth="repeat">
+      <a:schemeClr val="accent1"/>
+    </dgm:fillClrLst>
+    <dgm:linClrLst meth="repeat">
+      <a:schemeClr val="accent1">
+        <a:tint val="50000"/>
+      </a:schemeClr>
+    </dgm:linClrLst>
+    <dgm:effectClrLst/>
+    <dgm:txLinClrLst/>
+    <dgm:txFillClrLst meth="repeat">
+      <a:schemeClr val="tx1"/>
+    </dgm:txFillClrLst>
+    <dgm:txEffectClrLst/>
+  </dgm:styleLbl>
+  <dgm:styleLbl name="asst0">
+    <dgm:fillClrLst meth="repeat">
+      <a:schemeClr val="accent1"/>
+    </dgm:fillClrLst>
+    <dgm:linClrLst meth="repeat">
+      <a:schemeClr val="lt1"/>
+    </dgm:linClrLst>
+    <dgm:effectClrLst/>
+    <dgm:txLinClrLst/>
+    <dgm:txFillClrLst/>
+    <dgm:txEffectClrLst/>
+  </dgm:styleLbl>
+  <dgm:styleLbl name="asst1">
+    <dgm:fillClrLst meth="repeat">
+      <a:schemeClr val="accent1"/>
+    </dgm:fillClrLst>
+    <dgm:linClrLst meth="repeat">
+      <a:schemeClr val="lt1"/>
+    </dgm:linClrLst>
+    <dgm:effectClrLst/>
+    <dgm:txLinClrLst/>
+    <dgm:txFillClrLst/>
+    <dgm:txEffectClrLst/>
+  </dgm:styleLbl>
+  <dgm:styleLbl name="asst2">
+    <dgm:fillClrLst meth="repeat">
+      <a:schemeClr val="accent1"/>
+    </dgm:fillClrLst>
+    <dgm:linClrLst meth="repeat">
+      <a:schemeClr val="lt1"/>
+    </dgm:linClrLst>
+    <dgm:effectClrLst/>
+    <dgm:txLinClrLst/>
+    <dgm:txFillClrLst/>
+    <dgm:txEffectClrLst/>
+  </dgm:styleLbl>
+  <dgm:styleLbl name="asst3">
+    <dgm:fillClrLst meth="repeat">
+      <a:schemeClr val="accent1"/>
+    </dgm:fillClrLst>
+    <dgm:linClrLst meth="repeat">
+      <a:schemeClr val="lt1"/>
+    </dgm:linClrLst>
+    <dgm:effectClrLst/>
+    <dgm:txLinClrLst/>
+    <dgm:txFillClrLst/>
+    <dgm:txEffectClrLst/>
+  </dgm:styleLbl>
+  <dgm:styleLbl name="asst4">
+    <dgm:fillClrLst meth="repeat">
+      <a:schemeClr val="accent1"/>
+    </dgm:fillClrLst>
+    <dgm:linClrLst meth="repeat">
+      <a:schemeClr val="lt1"/>
+    </dgm:linClrLst>
+    <dgm:effectClrLst/>
+    <dgm:txLinClrLst/>
+    <dgm:txFillClrLst/>
+    <dgm:txEffectClrLst/>
+  </dgm:styleLbl>
+  <dgm:styleLbl name="parChTrans2D1">
+    <dgm:fillClrLst meth="repeat">
+      <a:schemeClr val="accent1">
+        <a:tint val="60000"/>
+      </a:schemeClr>
+    </dgm:fillClrLst>
+    <dgm:linClrLst meth="repeat">
+      <a:schemeClr val="accent1">
+        <a:tint val="60000"/>
+      </a:schemeClr>
+    </dgm:linClrLst>
+    <dgm:effectClrLst/>
+    <dgm:txLinClrLst/>
+    <dgm:txFillClrLst meth="repeat">
+      <a:schemeClr val="lt1"/>
+    </dgm:txFillClrLst>
+    <dgm:txEffectClrLst/>
+  </dgm:styleLbl>
+  <dgm:styleLbl name="parChTrans2D2">
+    <dgm:fillClrLst meth="repeat">
+      <a:schemeClr val="accent1"/>
+    </dgm:fillClrLst>
+    <dgm:linClrLst meth="repeat">
+      <a:schemeClr val="accent1"/>
+    </dgm:linClrLst>
+    <dgm:effectClrLst/>
+    <dgm:txLinClrLst/>
+    <dgm:txFillClrLst meth="repeat">
+      <a:schemeClr val="lt1"/>
+    </dgm:txFillClrLst>
+    <dgm:txEffectClrLst/>
+  </dgm:styleLbl>
+  <dgm:styleLbl name="parChTrans2D3">
+    <dgm:fillClrLst meth="repeat">
+      <a:schemeClr val="accent1"/>
+    </dgm:fillClrLst>
+    <dgm:linClrLst meth="repeat">
+      <a:schemeClr val="accent1"/>
+    </dgm:linClrLst>
+    <dgm:effectClrLst/>
+    <dgm:txLinClrLst/>
+    <dgm:txFillClrLst meth="repeat">
+      <a:schemeClr val="lt1"/>
+    </dgm:txFillClrLst>
+    <dgm:txEffectClrLst/>
+  </dgm:styleLbl>
+  <dgm:styleLbl name="parChTrans2D4">
+    <dgm:fillClrLst meth="repeat">
+      <a:schemeClr val="accent1"/>
+    </dgm:fillClrLst>
+    <dgm:linClrLst meth="repeat">
+      <a:schemeClr val="accent1"/>
+    </dgm:linClrLst>
+    <dgm:effectClrLst/>
+    <dgm:txLinClrLst/>
+    <dgm:txFillClrLst meth="repeat">
+      <a:schemeClr val="lt1"/>
+    </dgm:txFillClrLst>
+    <dgm:txEffectClrLst/>
+  </dgm:styleLbl>
+  <dgm:styleLbl name="parChTrans1D1">
+    <dgm:fillClrLst meth="repeat">
+      <a:schemeClr val="accent1"/>
+    </dgm:fillClrLst>
+    <dgm:linClrLst meth="repeat">
+      <a:schemeClr val="accent1">
+        <a:shade val="60000"/>
+      </a:schemeClr>
+    </dgm:linClrLst>
+    <dgm:effectClrLst/>
+    <dgm:txLinClrLst/>
+    <dgm:txFillClrLst meth="repeat">
+      <a:schemeClr val="tx1"/>
+    </dgm:txFillClrLst>
+    <dgm:txEffectClrLst/>
+  </dgm:styleLbl>
+  <dgm:styleLbl name="parChTrans1D2">
+    <dgm:fillClrLst meth="repeat">
+      <a:schemeClr val="accent1"/>
+    </dgm:fillClrLst>
+    <dgm:linClrLst meth="repeat">
+      <a:schemeClr val="accent1">
+        <a:shade val="60000"/>
+      </a:schemeClr>
+    </dgm:linClrLst>
+    <dgm:effectClrLst/>
+    <dgm:txLinClrLst/>
+    <dgm:txFillClrLst meth="repeat">
+      <a:schemeClr val="tx1"/>
+    </dgm:txFillClrLst>
+    <dgm:txEffectClrLst/>
+  </dgm:styleLbl>
+  <dgm:styleLbl name="parChTrans1D3">
+    <dgm:fillClrLst meth="repeat">
+      <a:schemeClr val="accent1"/>
+    </dgm:fillClrLst>
+    <dgm:linClrLst meth="repeat">
+      <a:schemeClr val="accent1">
+        <a:shade val="80000"/>
+      </a:schemeClr>
+    </dgm:linClrLst>
+    <dgm:effectClrLst/>
+    <dgm:txLinClrLst/>
+    <dgm:txFillClrLst meth="repeat">
+      <a:schemeClr val="tx1"/>
+    </dgm:txFillClrLst>
+    <dgm:txEffectClrLst/>
+  </dgm:styleLbl>
+  <dgm:styleLbl name="parChTrans1D4">
+    <dgm:fillClrLst meth="repeat">
+      <a:schemeClr val="accent1"/>
+    </dgm:fillClrLst>
+    <dgm:linClrLst meth="repeat">
+      <a:schemeClr val="accent1">
+        <a:shade val="80000"/>
+      </a:schemeClr>
+    </dgm:linClrLst>
+    <dgm:effectClrLst/>
+    <dgm:txLinClrLst/>
+    <dgm:txFillClrLst meth="repeat">
+      <a:schemeClr val="tx1"/>
+    </dgm:txFillClrLst>
+    <dgm:txEffectClrLst/>
+  </dgm:styleLbl>
+  <dgm:styleLbl name="fgAcc1">
+    <dgm:fillClrLst meth="repeat">
+      <a:schemeClr val="lt1">
+        <a:alpha val="90000"/>
+      </a:schemeClr>
+    </dgm:fillClrLst>
+    <dgm:linClrLst meth="repeat">
+      <a:schemeClr val="accent1"/>
+    </dgm:linClrLst>
+    <dgm:effectClrLst/>
+    <dgm:txLinClrLst/>
+    <dgm:txFillClrLst meth="repeat">
+      <a:schemeClr val="dk1"/>
+    </dgm:txFillClrLst>
+    <dgm:txEffectClrLst/>
+  </dgm:styleLbl>
+  <dgm:styleLbl name="conFgAcc1">
+    <dgm:fillClrLst meth="repeat">
+      <a:schemeClr val="lt1">
+        <a:alpha val="90000"/>
+      </a:schemeClr>
+    </dgm:fillClrLst>
+    <dgm:linClrLst meth="repeat">
+      <a:schemeClr val="accent1"/>
+    </dgm:linClrLst>
+    <dgm:effectClrLst/>
+    <dgm:txLinClrLst/>
+    <dgm:txFillClrLst meth="repeat">
+      <a:schemeClr val="dk1"/>
+    </dgm:txFillClrLst>
+    <dgm:txEffectClrLst/>
+  </dgm:styleLbl>
+  <dgm:styleLbl name="alignAcc1">
+    <dgm:fillClrLst meth="repeat">
+      <a:schemeClr val="lt1">
+        <a:alpha val="90000"/>
+      </a:schemeClr>
+    </dgm:fillClrLst>
+    <dgm:linClrLst meth="repeat">
+      <a:schemeClr val="accent1"/>
+    </dgm:linClrLst>
+    <dgm:effectClrLst/>
+    <dgm:txLinClrLst/>
+    <dgm:txFillClrLst meth="repeat">
+      <a:schemeClr val="dk1"/>
+    </dgm:txFillClrLst>
+    <dgm:txEffectClrLst/>
+  </dgm:styleLbl>
+  <dgm:styleLbl name="trAlignAcc1">
+    <dgm:fillClrLst meth="repeat">
+      <a:schemeClr val="lt1">
+        <a:alpha val="40000"/>
+      </a:schemeClr>
+    </dgm:fillClrLst>
+    <dgm:linClrLst meth="repeat">
+      <a:schemeClr val="accent1"/>
+    </dgm:linClrLst>
+    <dgm:effectClrLst/>
+    <dgm:txLinClrLst/>
+    <dgm:txFillClrLst meth="repeat">
+      <a:schemeClr val="dk1"/>
+    </dgm:txFillClrLst>
+    <dgm:txEffectClrLst/>
+  </dgm:styleLbl>
+  <dgm:styleLbl name="bgAcc1">
+    <dgm:fillClrLst meth="repeat">
+      <a:schemeClr val="lt1">
+        <a:alpha val="90000"/>
+      </a:schemeClr>
+    </dgm:fillClrLst>
+    <dgm:linClrLst meth="repeat">
+      <a:schemeClr val="accent1"/>
+    </dgm:linClrLst>
+    <dgm:effectClrLst/>
+    <dgm:txLinClrLst/>
+    <dgm:txFillClrLst meth="repeat">
+      <a:schemeClr val="dk1"/>
+    </dgm:txFillClrLst>
+    <dgm:txEffectClrLst/>
+  </dgm:styleLbl>
+  <dgm:styleLbl name="solidFgAcc1">
+    <dgm:fillClrLst meth="repeat">
+      <a:schemeClr val="lt1"/>
+    </dgm:fillClrLst>
+    <dgm:linClrLst meth="repeat">
+      <a:schemeClr val="accent1"/>
+    </dgm:linClrLst>
+    <dgm:effectClrLst/>
+    <dgm:txLinClrLst/>
+    <dgm:txFillClrLst meth="repeat">
+      <a:schemeClr val="dk1"/>
+    </dgm:txFillClrLst>
+    <dgm:txEffectClrLst/>
+  </dgm:styleLbl>
+  <dgm:styleLbl name="solidAlignAcc1">
+    <dgm:fillClrLst meth="repeat">
+      <a:schemeClr val="lt1"/>
+    </dgm:fillClrLst>
+    <dgm:linClrLst meth="repeat">
+      <a:schemeClr val="accent1"/>
+    </dgm:linClrLst>
+    <dgm:effectClrLst/>
+    <dgm:txLinClrLst/>
+    <dgm:txFillClrLst meth="repeat">
+      <a:schemeClr val="dk1"/>
+    </dgm:txFillClrLst>
+    <dgm:txEffectClrLst/>
+  </dgm:styleLbl>
+  <dgm:styleLbl name="solidBgAcc1">
+    <dgm:fillClrLst meth="repeat">
+      <a:schemeClr val="lt1"/>
+    </dgm:fillClrLst>
+    <dgm:linClrLst meth="repeat">
+      <a:schemeClr val="accent1"/>
+    </dgm:linClrLst>
+    <dgm:effectClrLst/>
+    <dgm:txLinClrLst/>
+    <dgm:txFillClrLst meth="repeat">
+      <a:schemeClr val="dk1"/>
+    </dgm:txFillClrLst>
+    <dgm:txEffectClrLst/>
+  </dgm:styleLbl>
+  <dgm:styleLbl name="fgAccFollowNode1">
+    <dgm:fillClrLst meth="repeat">
+      <a:schemeClr val="accent1">
+        <a:alpha val="90000"/>
+        <a:tint val="40000"/>
+      </a:schemeClr>
+    </dgm:fillClrLst>
+    <dgm:linClrLst meth="repeat">
+      <a:schemeClr val="accent1">
+        <a:alpha val="90000"/>
+        <a:tint val="40000"/>
+      </a:schemeClr>
+    </dgm:linClrLst>
+    <dgm:effectClrLst/>
+    <dgm:txLinClrLst/>
+    <dgm:txFillClrLst meth="repeat">
+      <a:schemeClr val="dk1"/>
+    </dgm:txFillClrLst>
+    <dgm:txEffectClrLst/>
+  </dgm:styleLbl>
+  <dgm:styleLbl name="alignAccFollowNode1">
+    <dgm:fillClrLst meth="repeat">
+      <a:schemeClr val="accent1">
+        <a:alpha val="90000"/>
+        <a:tint val="40000"/>
+      </a:schemeClr>
+    </dgm:fillClrLst>
+    <dgm:linClrLst meth="repeat">
+      <a:schemeClr val="accent1">
+        <a:alpha val="90000"/>
+        <a:tint val="40000"/>
+      </a:schemeClr>
+    </dgm:linClrLst>
+    <dgm:effectClrLst/>
+    <dgm:txLinClrLst/>
+    <dgm:txFillClrLst meth="repeat">
+      <a:schemeClr val="dk1"/>
+    </dgm:txFillClrLst>
+    <dgm:txEffectClrLst/>
+  </dgm:styleLbl>
+  <dgm:styleLbl name="bgAccFollowNode1">
+    <dgm:fillClrLst meth="repeat">
+      <a:schemeClr val="accent1">
+        <a:alpha val="90000"/>
+        <a:tint val="40000"/>
+      </a:schemeClr>
+    </dgm:fillClrLst>
+    <dgm:linClrLst meth="repeat">
+      <a:schemeClr val="accent1">
+        <a:alpha val="90000"/>
+        <a:tint val="40000"/>
+      </a:schemeClr>
+    </dgm:linClrLst>
+    <dgm:effectClrLst/>
+    <dgm:txLinClrLst/>
+    <dgm:txFillClrLst meth="repeat">
+      <a:schemeClr val="dk1"/>
+    </dgm:txFillClrLst>
+    <dgm:txEffectClrLst/>
+  </dgm:styleLbl>
+  <dgm:styleLbl name="fgAcc0">
+    <dgm:fillClrLst meth="repeat">
+      <a:schemeClr val="lt1">
+        <a:alpha val="90000"/>
+      </a:schemeClr>
+    </dgm:fillClrLst>
+    <dgm:linClrLst meth="repeat">
+      <a:schemeClr val="accent1"/>
+    </dgm:linClrLst>
+    <dgm:effectClrLst/>
+    <dgm:txLinClrLst/>
+    <dgm:txFillClrLst meth="repeat">
+      <a:schemeClr val="dk1"/>
+    </dgm:txFillClrLst>
+    <dgm:txEffectClrLst/>
+  </dgm:styleLbl>
+  <dgm:styleLbl name="fgAcc2">
+    <dgm:fillClrLst meth="repeat">
+      <a:schemeClr val="lt1">
+        <a:alpha val="90000"/>
+      </a:schemeClr>
+    </dgm:fillClrLst>
+    <dgm:linClrLst meth="repeat">
+      <a:schemeClr val="accent1"/>
+    </dgm:linClrLst>
+    <dgm:effectClrLst/>
+    <dgm:txLinClrLst/>
+    <dgm:txFillClrLst meth="repeat">
+      <a:schemeClr val="dk1"/>
+    </dgm:txFillClrLst>
+    <dgm:txEffectClrLst/>
+  </dgm:styleLbl>
+  <dgm:styleLbl name="fgAcc3">
+    <dgm:fillClrLst meth="repeat">
+      <a:schemeClr val="lt1">
+        <a:alpha val="90000"/>
+      </a:schemeClr>
+    </dgm:fillClrLst>
+    <dgm:linClrLst meth="repeat">
+      <a:schemeClr val="accent1"/>
+    </dgm:linClrLst>
+    <dgm:effectClrLst/>
+    <dgm:txLinClrLst/>
+    <dgm:txFillClrLst meth="repeat">
+      <a:schemeClr val="dk1"/>
+    </dgm:txFillClrLst>
+    <dgm:txEffectClrLst/>
+  </dgm:styleLbl>
+  <dgm:styleLbl name="fgAcc4">
+    <dgm:fillClrLst meth="repeat">
+      <a:schemeClr val="lt1">
+        <a:alpha val="90000"/>
+      </a:schemeClr>
+    </dgm:fillClrLst>
+    <dgm:linClrLst meth="repeat">
+      <a:schemeClr val="accent1"/>
+    </dgm:linClrLst>
+    <dgm:effectClrLst/>
+    <dgm:txLinClrLst/>
+    <dgm:txFillClrLst meth="repeat">
+      <a:schemeClr val="dk1"/>
+    </dgm:txFillClrLst>
+    <dgm:txEffectClrLst/>
+  </dgm:styleLbl>
+  <dgm:styleLbl name="bgShp">
+    <dgm:fillClrLst meth="repeat">
+      <a:schemeClr val="accent1">
+        <a:tint val="40000"/>
+      </a:schemeClr>
+    </dgm:fillClrLst>
+    <dgm:linClrLst meth="repeat">
+      <a:schemeClr val="accent1"/>
+    </dgm:linClrLst>
+    <dgm:effectClrLst/>
+    <dgm:txLinClrLst/>
+    <dgm:txFillClrLst meth="repeat">
+      <a:schemeClr val="dk1"/>
+    </dgm:txFillClrLst>
+    <dgm:txEffectClrLst/>
+  </dgm:styleLbl>
+  <dgm:styleLbl name="dkBgShp">
+    <dgm:fillClrLst meth="repeat">
+      <a:schemeClr val="accent1">
+        <a:shade val="80000"/>
+      </a:schemeClr>
+    </dgm:fillClrLst>
+    <dgm:linClrLst meth="repeat">
+      <a:schemeClr val="accent1"/>
+    </dgm:linClrLst>
+    <dgm:effectClrLst/>
+    <dgm:txLinClrLst/>
+    <dgm:txFillClrLst meth="repeat">
+      <a:schemeClr val="lt1"/>
+    </dgm:txFillClrLst>
+    <dgm:txEffectClrLst/>
+  </dgm:styleLbl>
+  <dgm:styleLbl name="trBgShp">
+    <dgm:fillClrLst meth="repeat">
+      <a:schemeClr val="accent1">
+        <a:tint val="50000"/>
+        <a:alpha val="40000"/>
+      </a:schemeClr>
+    </dgm:fillClrLst>
+    <dgm:linClrLst meth="repeat">
+      <a:schemeClr val="accent1"/>
+    </dgm:linClrLst>
+    <dgm:effectClrLst/>
+    <dgm:txLinClrLst/>
+    <dgm:txFillClrLst meth="repeat">
+      <a:schemeClr val="lt1"/>
+    </dgm:txFillClrLst>
+    <dgm:txEffectClrLst/>
+  </dgm:styleLbl>
+  <dgm:styleLbl name="fgShp">
+    <dgm:fillClrLst meth="repeat">
+      <a:schemeClr val="accent1">
+        <a:tint val="60000"/>
+      </a:schemeClr>
+    </dgm:fillClrLst>
+    <dgm:linClrLst meth="repeat">
+      <a:schemeClr val="lt1"/>
+    </dgm:linClrLst>
+    <dgm:effectClrLst/>
+    <dgm:txLinClrLst/>
+    <dgm:txFillClrLst meth="repeat">
+      <a:schemeClr val="dk1"/>
+    </dgm:txFillClrLst>
+    <dgm:txEffectClrLst/>
+  </dgm:styleLbl>
+  <dgm:styleLbl name="revTx">
+    <dgm:fillClrLst meth="repeat">
+      <a:schemeClr val="lt1">
+        <a:alpha val="0"/>
+      </a:schemeClr>
+    </dgm:fillClrLst>
+    <dgm:linClrLst meth="repeat">
+      <a:schemeClr val="dk1">
+        <a:alpha val="0"/>
+      </a:schemeClr>
+    </dgm:linClrLst>
+    <dgm:effectClrLst/>
+    <dgm:txLinClrLst/>
+    <dgm:txFillClrLst meth="repeat">
+      <a:schemeClr val="tx1"/>
+    </dgm:txFillClrLst>
+    <dgm:txEffectClrLst/>
+  </dgm:styleLbl>
+</dgm:colorsDef>
+</file>
+
+<file path=ppt/diagrams/colors2.xml><?xml version="1.0" encoding="utf-8"?>
+<dgm:colorsDef xmlns:dgm="http://schemas.openxmlformats.org/drawingml/2006/diagram" xmlns:a="http://schemas.openxmlformats.org/drawingml/2006/main" uniqueId="urn:microsoft.com/office/officeart/2005/8/colors/accent1_2">
+  <dgm:title val=""/>
+  <dgm:desc val=""/>
+  <dgm:catLst>
+    <dgm:cat type="accent1" pri="11200"/>
+  </dgm:catLst>
+  <dgm:styleLbl name="node0">
+    <dgm:fillClrLst meth="repeat">
+      <a:schemeClr val="accent1"/>
+    </dgm:fillClrLst>
+    <dgm:linClrLst meth="repeat">
+      <a:schemeClr val="lt1"/>
+    </dgm:linClrLst>
+    <dgm:effectClrLst/>
+    <dgm:txLinClrLst/>
+    <dgm:txFillClrLst/>
+    <dgm:txEffectClrLst/>
+  </dgm:styleLbl>
+  <dgm:styleLbl name="alignNode1">
+    <dgm:fillClrLst meth="repeat">
+      <a:schemeClr val="accent1"/>
+    </dgm:fillClrLst>
+    <dgm:linClrLst meth="repeat">
+      <a:schemeClr val="accent1"/>
+    </dgm:linClrLst>
+    <dgm:effectClrLst/>
+    <dgm:txLinClrLst/>
+    <dgm:txFillClrLst/>
+    <dgm:txEffectClrLst/>
+  </dgm:styleLbl>
+  <dgm:styleLbl name="node1">
+    <dgm:fillClrLst meth="repeat">
+      <a:schemeClr val="accent1"/>
+    </dgm:fillClrLst>
+    <dgm:linClrLst meth="repeat">
+      <a:schemeClr val="lt1"/>
+    </dgm:linClrLst>
+    <dgm:effectClrLst/>
+    <dgm:txLinClrLst/>
+    <dgm:txFillClrLst/>
+    <dgm:txEffectClrLst/>
+  </dgm:styleLbl>
+  <dgm:styleLbl name="lnNode1">
+    <dgm:fillClrLst meth="repeat">
+      <a:schemeClr val="accent1"/>
+    </dgm:fillClrLst>
+    <dgm:linClrLst meth="repeat">
+      <a:schemeClr val="lt1"/>
+    </dgm:linClrLst>
+    <dgm:effectClrLst/>
+    <dgm:txLinClrLst/>
+    <dgm:txFillClrLst/>
+    <dgm:txEffectClrLst/>
+  </dgm:styleLbl>
+  <dgm:styleLbl name="vennNode1">
+    <dgm:fillClrLst meth="repeat">
+      <a:schemeClr val="accent1">
+        <a:alpha val="50000"/>
+      </a:schemeClr>
+    </dgm:fillClrLst>
+    <dgm:linClrLst meth="repeat">
+      <a:schemeClr val="lt1"/>
+    </dgm:linClrLst>
+    <dgm:effectClrLst/>
+    <dgm:txLinClrLst/>
+    <dgm:txFillClrLst/>
+    <dgm:txEffectClrLst/>
+  </dgm:styleLbl>
+  <dgm:styleLbl name="node2">
+    <dgm:fillClrLst meth="repeat">
+      <a:schemeClr val="accent1"/>
+    </dgm:fillClrLst>
+    <dgm:linClrLst meth="repeat">
+      <a:schemeClr val="lt1"/>
+    </dgm:linClrLst>
+    <dgm:effectClrLst/>
+    <dgm:txLinClrLst/>
+    <dgm:txFillClrLst/>
+    <dgm:txEffectClrLst/>
+  </dgm:styleLbl>
+  <dgm:styleLbl name="node3">
+    <dgm:fillClrLst meth="repeat">
+      <a:schemeClr val="accent1"/>
+    </dgm:fillClrLst>
+    <dgm:linClrLst meth="repeat">
+      <a:schemeClr val="lt1"/>
+    </dgm:linClrLst>
+    <dgm:effectClrLst/>
+    <dgm:txLinClrLst/>
+    <dgm:txFillClrLst/>
+    <dgm:txEffectClrLst/>
+  </dgm:styleLbl>
+  <dgm:styleLbl name="node4">
+    <dgm:fillClrLst meth="repeat">
+      <a:schemeClr val="accent1"/>
+    </dgm:fillClrLst>
+    <dgm:linClrLst meth="repeat">
+      <a:schemeClr val="lt1"/>
+    </dgm:linClrLst>
+    <dgm:effectClrLst/>
+    <dgm:txLinClrLst/>
+    <dgm:txFillClrLst/>
+    <dgm:txEffectClrLst/>
+  </dgm:styleLbl>
+  <dgm:styleLbl name="fgImgPlace1">
+    <dgm:fillClrLst meth="repeat">
+      <a:schemeClr val="accent1">
+        <a:tint val="50000"/>
+      </a:schemeClr>
+    </dgm:fillClrLst>
+    <dgm:linClrLst meth="repeat">
+      <a:schemeClr val="lt1"/>
+    </dgm:linClrLst>
+    <dgm:effectClrLst/>
+    <dgm:txLinClrLst/>
+    <dgm:txFillClrLst meth="repeat">
+      <a:schemeClr val="lt1"/>
+    </dgm:txFillClrLst>
+    <dgm:txEffectClrLst/>
+  </dgm:styleLbl>
+  <dgm:styleLbl name="alignImgPlace1">
+    <dgm:fillClrLst meth="repeat">
+      <a:schemeClr val="accent1">
+        <a:tint val="50000"/>
+      </a:schemeClr>
+    </dgm:fillClrLst>
+    <dgm:linClrLst meth="repeat">
+      <a:schemeClr val="lt1"/>
+    </dgm:linClrLst>
+    <dgm:effectClrLst/>
+    <dgm:txLinClrLst/>
+    <dgm:txFillClrLst meth="repeat">
+      <a:schemeClr val="lt1"/>
+    </dgm:txFillClrLst>
+    <dgm:txEffectClrLst/>
+  </dgm:styleLbl>
+  <dgm:styleLbl name="bgImgPlace1">
+    <dgm:fillClrLst meth="repeat">
+      <a:schemeClr val="accent1">
+        <a:tint val="50000"/>
+      </a:schemeClr>
+    </dgm:fillClrLst>
+    <dgm:linClrLst meth="repeat">
+      <a:schemeClr val="lt1"/>
+    </dgm:linClrLst>
+    <dgm:effectClrLst/>
+    <dgm:txLinClrLst/>
+    <dgm:txFillClrLst meth="repeat">
+      <a:schemeClr val="lt1"/>
+    </dgm:txFillClrLst>
+    <dgm:txEffectClrLst/>
+  </dgm:styleLbl>
+  <dgm:styleLbl name="sibTrans2D1">
+    <dgm:fillClrLst meth="repeat">
+      <a:schemeClr val="accent1">
+        <a:tint val="60000"/>
+      </a:schemeClr>
+    </dgm:fillClrLst>
+    <dgm:linClrLst meth="repeat">
+      <a:schemeClr val="accent1">
+        <a:tint val="60000"/>
+      </a:schemeClr>
+    </dgm:linClrLst>
+    <dgm:effectClrLst/>
+    <dgm:txLinClrLst/>
+    <dgm:txFillClrLst/>
+    <dgm:txEffectClrLst/>
+  </dgm:styleLbl>
+  <dgm:styleLbl name="fgSibTrans2D1">
+    <dgm:fillClrLst meth="repeat">
+      <a:schemeClr val="accent1">
+        <a:tint val="60000"/>
+      </a:schemeClr>
+    </dgm:fillClrLst>
+    <dgm:linClrLst meth="repeat">
+      <a:schemeClr val="accent1">
+        <a:tint val="60000"/>
+      </a:schemeClr>
+    </dgm:linClrLst>
+    <dgm:effectClrLst/>
+    <dgm:txLinClrLst/>
+    <dgm:txFillClrLst/>
+    <dgm:txEffectClrLst/>
+  </dgm:styleLbl>
+  <dgm:styleLbl name="bgSibTrans2D1">
+    <dgm:fillClrLst meth="repeat">
+      <a:schemeClr val="accent1">
+        <a:tint val="60000"/>
+      </a:schemeClr>
+    </dgm:fillClrLst>
+    <dgm:linClrLst meth="repeat">
+      <a:schemeClr val="accent1">
+        <a:tint val="60000"/>
+      </a:schemeClr>
+    </dgm:linClrLst>
+    <dgm:effectClrLst/>
+    <dgm:txLinClrLst/>
+    <dgm:txFillClrLst/>
+    <dgm:txEffectClrLst/>
+  </dgm:styleLbl>
+  <dgm:styleLbl name="sibTrans1D1">
+    <dgm:fillClrLst meth="repeat">
+      <a:schemeClr val="accent1"/>
+    </dgm:fillClrLst>
+    <dgm:linClrLst meth="repeat">
+      <a:schemeClr val="accent1"/>
+    </dgm:linClrLst>
+    <dgm:effectClrLst/>
+    <dgm:txLinClrLst/>
+    <dgm:txFillClrLst meth="repeat">
+      <a:schemeClr val="tx1"/>
+    </dgm:txFillClrLst>
+    <dgm:txEffectClrLst/>
+  </dgm:styleLbl>
+  <dgm:styleLbl name="callout">
+    <dgm:fillClrLst meth="repeat">
+      <a:schemeClr val="accent1"/>
+    </dgm:fillClrLst>
+    <dgm:linClrLst meth="repeat">
+      <a:schemeClr val="accent1">
+        <a:tint val="50000"/>
+      </a:schemeClr>
+    </dgm:linClrLst>
+    <dgm:effectClrLst/>
+    <dgm:txLinClrLst/>
+    <dgm:txFillClrLst meth="repeat">
+      <a:schemeClr val="tx1"/>
+    </dgm:txFillClrLst>
+    <dgm:txEffectClrLst/>
+  </dgm:styleLbl>
+  <dgm:styleLbl name="asst0">
+    <dgm:fillClrLst meth="repeat">
+      <a:schemeClr val="accent1"/>
+    </dgm:fillClrLst>
+    <dgm:linClrLst meth="repeat">
+      <a:schemeClr val="lt1"/>
+    </dgm:linClrLst>
+    <dgm:effectClrLst/>
+    <dgm:txLinClrLst/>
+    <dgm:txFillClrLst/>
+    <dgm:txEffectClrLst/>
+  </dgm:styleLbl>
+  <dgm:styleLbl name="asst1">
+    <dgm:fillClrLst meth="repeat">
+      <a:schemeClr val="accent1"/>
+    </dgm:fillClrLst>
+    <dgm:linClrLst meth="repeat">
+      <a:schemeClr val="lt1"/>
+    </dgm:linClrLst>
+    <dgm:effectClrLst/>
+    <dgm:txLinClrLst/>
+    <dgm:txFillClrLst/>
+    <dgm:txEffectClrLst/>
+  </dgm:styleLbl>
+  <dgm:styleLbl name="asst2">
+    <dgm:fillClrLst meth="repeat">
+      <a:schemeClr val="accent1"/>
+    </dgm:fillClrLst>
+    <dgm:linClrLst meth="repeat">
+      <a:schemeClr val="lt1"/>
+    </dgm:linClrLst>
+    <dgm:effectClrLst/>
+    <dgm:txLinClrLst/>
+    <dgm:txFillClrLst/>
+    <dgm:txEffectClrLst/>
+  </dgm:styleLbl>
+  <dgm:styleLbl name="asst3">
+    <dgm:fillClrLst meth="repeat">
+      <a:schemeClr val="accent1"/>
+    </dgm:fillClrLst>
+    <dgm:linClrLst meth="repeat">
+      <a:schemeClr val="lt1"/>
+    </dgm:linClrLst>
+    <dgm:effectClrLst/>
+    <dgm:txLinClrLst/>
+    <dgm:txFillClrLst/>
+    <dgm:txEffectClrLst/>
+  </dgm:styleLbl>
+  <dgm:styleLbl name="asst4">
+    <dgm:fillClrLst meth="repeat">
+      <a:schemeClr val="accent1"/>
+    </dgm:fillClrLst>
+    <dgm:linClrLst meth="repeat">
+      <a:schemeClr val="lt1"/>
+    </dgm:linClrLst>
+    <dgm:effectClrLst/>
+    <dgm:txLinClrLst/>
+    <dgm:txFillClrLst/>
+    <dgm:txEffectClrLst/>
+  </dgm:styleLbl>
+  <dgm:styleLbl name="parChTrans2D1">
+    <dgm:fillClrLst meth="repeat">
+      <a:schemeClr val="accent1">
+        <a:tint val="60000"/>
+      </a:schemeClr>
+    </dgm:fillClrLst>
+    <dgm:linClrLst meth="repeat">
+      <a:schemeClr val="accent1">
+        <a:tint val="60000"/>
+      </a:schemeClr>
+    </dgm:linClrLst>
+    <dgm:effectClrLst/>
+    <dgm:txLinClrLst/>
+    <dgm:txFillClrLst meth="repeat">
+      <a:schemeClr val="lt1"/>
+    </dgm:txFillClrLst>
+    <dgm:txEffectClrLst/>
+  </dgm:styleLbl>
+  <dgm:styleLbl name="parChTrans2D2">
+    <dgm:fillClrLst meth="repeat">
+      <a:schemeClr val="accent1"/>
+    </dgm:fillClrLst>
+    <dgm:linClrLst meth="repeat">
+      <a:schemeClr val="accent1"/>
+    </dgm:linClrLst>
+    <dgm:effectClrLst/>
+    <dgm:txLinClrLst/>
+    <dgm:txFillClrLst meth="repeat">
+      <a:schemeClr val="lt1"/>
+    </dgm:txFillClrLst>
+    <dgm:txEffectClrLst/>
+  </dgm:styleLbl>
+  <dgm:styleLbl name="parChTrans2D3">
+    <dgm:fillClrLst meth="repeat">
+      <a:schemeClr val="accent1"/>
+    </dgm:fillClrLst>
+    <dgm:linClrLst meth="repeat">
+      <a:schemeClr val="accent1"/>
+    </dgm:linClrLst>
+    <dgm:effectClrLst/>
+    <dgm:txLinClrLst/>
+    <dgm:txFillClrLst meth="repeat">
+      <a:schemeClr val="lt1"/>
+    </dgm:txFillClrLst>
+    <dgm:txEffectClrLst/>
+  </dgm:styleLbl>
+  <dgm:styleLbl name="parChTrans2D4">
+    <dgm:fillClrLst meth="repeat">
+      <a:schemeClr val="accent1"/>
+    </dgm:fillClrLst>
+    <dgm:linClrLst meth="repeat">
+      <a:schemeClr val="accent1"/>
+    </dgm:linClrLst>
+    <dgm:effectClrLst/>
+    <dgm:txLinClrLst/>
+    <dgm:txFillClrLst meth="repeat">
+      <a:schemeClr val="lt1"/>
+    </dgm:txFillClrLst>
+    <dgm:txEffectClrLst/>
+  </dgm:styleLbl>
+  <dgm:styleLbl name="parChTrans1D1">
+    <dgm:fillClrLst meth="repeat">
+      <a:schemeClr val="accent1"/>
+    </dgm:fillClrLst>
+    <dgm:linClrLst meth="repeat">
+      <a:schemeClr val="accent1">
+        <a:shade val="60000"/>
+      </a:schemeClr>
+    </dgm:linClrLst>
+    <dgm:effectClrLst/>
+    <dgm:txLinClrLst/>
+    <dgm:txFillClrLst meth="repeat">
+      <a:schemeClr val="tx1"/>
+    </dgm:txFillClrLst>
+    <dgm:txEffectClrLst/>
+  </dgm:styleLbl>
+  <dgm:styleLbl name="parChTrans1D2">
+    <dgm:fillClrLst meth="repeat">
+      <a:schemeClr val="accent1"/>
+    </dgm:fillClrLst>
+    <dgm:linClrLst meth="repeat">
+      <a:schemeClr val="accent1">
+        <a:shade val="60000"/>
+      </a:schemeClr>
+    </dgm:linClrLst>
+    <dgm:effectClrLst/>
+    <dgm:txLinClrLst/>
+    <dgm:txFillClrLst meth="repeat">
+      <a:schemeClr val="tx1"/>
+    </dgm:txFillClrLst>
+    <dgm:txEffectClrLst/>
+  </dgm:styleLbl>
+  <dgm:styleLbl name="parChTrans1D3">
+    <dgm:fillClrLst meth="repeat">
+      <a:schemeClr val="accent1"/>
+    </dgm:fillClrLst>
+    <dgm:linClrLst meth="repeat">
+      <a:schemeClr val="accent1">
+        <a:shade val="80000"/>
+      </a:schemeClr>
+    </dgm:linClrLst>
+    <dgm:effectClrLst/>
+    <dgm:txLinClrLst/>
+    <dgm:txFillClrLst meth="repeat">
+      <a:schemeClr val="tx1"/>
+    </dgm:txFillClrLst>
+    <dgm:txEffectClrLst/>
+  </dgm:styleLbl>
+  <dgm:styleLbl name="parChTrans1D4">
+    <dgm:fillClrLst meth="repeat">
+      <a:schemeClr val="accent1"/>
+    </dgm:fillClrLst>
+    <dgm:linClrLst meth="repeat">
+      <a:schemeClr val="accent1">
+        <a:shade val="80000"/>
+      </a:schemeClr>
+    </dgm:linClrLst>
+    <dgm:effectClrLst/>
+    <dgm:txLinClrLst/>
+    <dgm:txFillClrLst meth="repeat">
+      <a:schemeClr val="tx1"/>
+    </dgm:txFillClrLst>
+    <dgm:txEffectClrLst/>
+  </dgm:styleLbl>
+  <dgm:styleLbl name="fgAcc1">
+    <dgm:fillClrLst meth="repeat">
+      <a:schemeClr val="lt1">
+        <a:alpha val="90000"/>
+      </a:schemeClr>
+    </dgm:fillClrLst>
+    <dgm:linClrLst meth="repeat">
+      <a:schemeClr val="accent1"/>
+    </dgm:linClrLst>
+    <dgm:effectClrLst/>
+    <dgm:txLinClrLst/>
+    <dgm:txFillClrLst meth="repeat">
+      <a:schemeClr val="dk1"/>
+    </dgm:txFillClrLst>
+    <dgm:txEffectClrLst/>
+  </dgm:styleLbl>
+  <dgm:styleLbl name="conFgAcc1">
+    <dgm:fillClrLst meth="repeat">
+      <a:schemeClr val="lt1">
+        <a:alpha val="90000"/>
+      </a:schemeClr>
+    </dgm:fillClrLst>
+    <dgm:linClrLst meth="repeat">
+      <a:schemeClr val="accent1"/>
+    </dgm:linClrLst>
+    <dgm:effectClrLst/>
+    <dgm:txLinClrLst/>
+    <dgm:txFillClrLst meth="repeat">
+      <a:schemeClr val="dk1"/>
+    </dgm:txFillClrLst>
+    <dgm:txEffectClrLst/>
+  </dgm:styleLbl>
+  <dgm:styleLbl name="alignAcc1">
+    <dgm:fillClrLst meth="repeat">
+      <a:schemeClr val="lt1">
+        <a:alpha val="90000"/>
+      </a:schemeClr>
+    </dgm:fillClrLst>
+    <dgm:linClrLst meth="repeat">
+      <a:schemeClr val="accent1"/>
+    </dgm:linClrLst>
+    <dgm:effectClrLst/>
+    <dgm:txLinClrLst/>
+    <dgm:txFillClrLst meth="repeat">
+      <a:schemeClr val="dk1"/>
+    </dgm:txFillClrLst>
+    <dgm:txEffectClrLst/>
+  </dgm:styleLbl>
+  <dgm:styleLbl name="trAlignAcc1">
+    <dgm:fillClrLst meth="repeat">
+      <a:schemeClr val="lt1">
+        <a:alpha val="40000"/>
+      </a:schemeClr>
+    </dgm:fillClrLst>
+    <dgm:linClrLst meth="repeat">
+      <a:schemeClr val="accent1"/>
+    </dgm:linClrLst>
+    <dgm:effectClrLst/>
+    <dgm:txLinClrLst/>
+    <dgm:txFillClrLst meth="repeat">
+      <a:schemeClr val="dk1"/>
+    </dgm:txFillClrLst>
+    <dgm:txEffectClrLst/>
+  </dgm:styleLbl>
+  <dgm:styleLbl name="bgAcc1">
+    <dgm:fillClrLst meth="repeat">
+      <a:schemeClr val="lt1">
+        <a:alpha val="90000"/>
+      </a:schemeClr>
+    </dgm:fillClrLst>
+    <dgm:linClrLst meth="repeat">
+      <a:schemeClr val="accent1"/>
+    </dgm:linClrLst>
+    <dgm:effectClrLst/>
+    <dgm:txLinClrLst/>
+    <dgm:txFillClrLst meth="repeat">
+      <a:schemeClr val="dk1"/>
+    </dgm:txFillClrLst>
+    <dgm:txEffectClrLst/>
+  </dgm:styleLbl>
+  <dgm:styleLbl name="solidFgAcc1">
+    <dgm:fillClrLst meth="repeat">
+      <a:schemeClr val="lt1"/>
+    </dgm:fillClrLst>
+    <dgm:linClrLst meth="repeat">
+      <a:schemeClr val="accent1"/>
+    </dgm:linClrLst>
+    <dgm:effectClrLst/>
+    <dgm:txLinClrLst/>
+    <dgm:txFillClrLst meth="repeat">
+      <a:schemeClr val="dk1"/>
+    </dgm:txFillClrLst>
+    <dgm:txEffectClrLst/>
+  </dgm:styleLbl>
+  <dgm:styleLbl name="solidAlignAcc1">
+    <dgm:fillClrLst meth="repeat">
+      <a:schemeClr val="lt1"/>
+    </dgm:fillClrLst>
+    <dgm:linClrLst meth="repeat">
+      <a:schemeClr val="accent1"/>
+    </dgm:linClrLst>
+    <dgm:effectClrLst/>
+    <dgm:txLinClrLst/>
+    <dgm:txFillClrLst meth="repeat">
+      <a:schemeClr val="dk1"/>
+    </dgm:txFillClrLst>
+    <dgm:txEffectClrLst/>
+  </dgm:styleLbl>
+  <dgm:styleLbl name="solidBgAcc1">
+    <dgm:fillClrLst meth="repeat">
+      <a:schemeClr val="lt1"/>
+    </dgm:fillClrLst>
+    <dgm:linClrLst meth="repeat">
+      <a:schemeClr val="accent1"/>
+    </dgm:linClrLst>
+    <dgm:effectClrLst/>
+    <dgm:txLinClrLst/>
+    <dgm:txFillClrLst meth="repeat">
+      <a:schemeClr val="dk1"/>
+    </dgm:txFillClrLst>
+    <dgm:txEffectClrLst/>
+  </dgm:styleLbl>
+  <dgm:styleLbl name="fgAccFollowNode1">
+    <dgm:fillClrLst meth="repeat">
+      <a:schemeClr val="accent1">
+        <a:alpha val="90000"/>
+        <a:tint val="40000"/>
+      </a:schemeClr>
+    </dgm:fillClrLst>
+    <dgm:linClrLst meth="repeat">
+      <a:schemeClr val="accent1">
+        <a:alpha val="90000"/>
+        <a:tint val="40000"/>
+      </a:schemeClr>
+    </dgm:linClrLst>
+    <dgm:effectClrLst/>
+    <dgm:txLinClrLst/>
+    <dgm:txFillClrLst meth="repeat">
+      <a:schemeClr val="dk1"/>
+    </dgm:txFillClrLst>
+    <dgm:txEffectClrLst/>
+  </dgm:styleLbl>
+  <dgm:styleLbl name="alignAccFollowNode1">
+    <dgm:fillClrLst meth="repeat">
+      <a:schemeClr val="accent1">
+        <a:alpha val="90000"/>
+        <a:tint val="40000"/>
+      </a:schemeClr>
+    </dgm:fillClrLst>
+    <dgm:linClrLst meth="repeat">
+      <a:schemeClr val="accent1">
+        <a:alpha val="90000"/>
+        <a:tint val="40000"/>
+      </a:schemeClr>
+    </dgm:linClrLst>
+    <dgm:effectClrLst/>
+    <dgm:txLinClrLst/>
+    <dgm:txFillClrLst meth="repeat">
+      <a:schemeClr val="dk1"/>
+    </dgm:txFillClrLst>
+    <dgm:txEffectClrLst/>
+  </dgm:styleLbl>
+  <dgm:styleLbl name="bgAccFollowNode1">
+    <dgm:fillClrLst meth="repeat">
+      <a:schemeClr val="accent1">
+        <a:alpha val="90000"/>
+        <a:tint val="40000"/>
+      </a:schemeClr>
+    </dgm:fillClrLst>
+    <dgm:linClrLst meth="repeat">
+      <a:schemeClr val="accent1">
+        <a:alpha val="90000"/>
+        <a:tint val="40000"/>
+      </a:schemeClr>
+    </dgm:linClrLst>
+    <dgm:effectClrLst/>
+    <dgm:txLinClrLst/>
+    <dgm:txFillClrLst meth="repeat">
+      <a:schemeClr val="dk1"/>
+    </dgm:txFillClrLst>
+    <dgm:txEffectClrLst/>
+  </dgm:styleLbl>
+  <dgm:styleLbl name="fgAcc0">
+    <dgm:fillClrLst meth="repeat">
+      <a:schemeClr val="lt1">
+        <a:alpha val="90000"/>
+      </a:schemeClr>
+    </dgm:fillClrLst>
+    <dgm:linClrLst meth="repeat">
+      <a:schemeClr val="accent1"/>
+    </dgm:linClrLst>
+    <dgm:effectClrLst/>
+    <dgm:txLinClrLst/>
+    <dgm:txFillClrLst meth="repeat">
+      <a:schemeClr val="dk1"/>
+    </dgm:txFillClrLst>
+    <dgm:txEffectClrLst/>
+  </dgm:styleLbl>
+  <dgm:styleLbl name="fgAcc2">
+    <dgm:fillClrLst meth="repeat">
+      <a:schemeClr val="lt1">
+        <a:alpha val="90000"/>
+      </a:schemeClr>
+    </dgm:fillClrLst>
+    <dgm:linClrLst meth="repeat">
+      <a:schemeClr val="accent1"/>
+    </dgm:linClrLst>
+    <dgm:effectClrLst/>
+    <dgm:txLinClrLst/>
+    <dgm:txFillClrLst meth="repeat">
+      <a:schemeClr val="dk1"/>
+    </dgm:txFillClrLst>
+    <dgm:txEffectClrLst/>
+  </dgm:styleLbl>
+  <dgm:styleLbl name="fgAcc3">
+    <dgm:fillClrLst meth="repeat">
+      <a:schemeClr val="lt1">
+        <a:alpha val="90000"/>
+      </a:schemeClr>
+    </dgm:fillClrLst>
+    <dgm:linClrLst meth="repeat">
+      <a:schemeClr val="accent1"/>
+    </dgm:linClrLst>
+    <dgm:effectClrLst/>
+    <dgm:txLinClrLst/>
+    <dgm:txFillClrLst meth="repeat">
+      <a:schemeClr val="dk1"/>
+    </dgm:txFillClrLst>
+    <dgm:txEffectClrLst/>
+  </dgm:styleLbl>
+  <dgm:styleLbl name="fgAcc4">
+    <dgm:fillClrLst meth="repeat">
+      <a:schemeClr val="lt1">
+        <a:alpha val="90000"/>
+      </a:schemeClr>
+    </dgm:fillClrLst>
+    <dgm:linClrLst meth="repeat">
+      <a:schemeClr val="accent1"/>
+    </dgm:linClrLst>
+    <dgm:effectClrLst/>
+    <dgm:txLinClrLst/>
+    <dgm:txFillClrLst meth="repeat">
+      <a:schemeClr val="dk1"/>
+    </dgm:txFillClrLst>
+    <dgm:txEffectClrLst/>
+  </dgm:styleLbl>
+  <dgm:styleLbl name="bgShp">
+    <dgm:fillClrLst meth="repeat">
+      <a:schemeClr val="accent1">
+        <a:tint val="40000"/>
+      </a:schemeClr>
+    </dgm:fillClrLst>
+    <dgm:linClrLst meth="repeat">
+      <a:schemeClr val="accent1"/>
+    </dgm:linClrLst>
+    <dgm:effectClrLst/>
+    <dgm:txLinClrLst/>
+    <dgm:txFillClrLst meth="repeat">
+      <a:schemeClr val="dk1"/>
+    </dgm:txFillClrLst>
+    <dgm:txEffectClrLst/>
+  </dgm:styleLbl>
+  <dgm:styleLbl name="dkBgShp">
+    <dgm:fillClrLst meth="repeat">
+      <a:schemeClr val="accent1">
+        <a:shade val="80000"/>
+      </a:schemeClr>
+    </dgm:fillClrLst>
+    <dgm:linClrLst meth="repeat">
+      <a:schemeClr val="accent1"/>
+    </dgm:linClrLst>
+    <dgm:effectClrLst/>
+    <dgm:txLinClrLst/>
+    <dgm:txFillClrLst meth="repeat">
+      <a:schemeClr val="lt1"/>
+    </dgm:txFillClrLst>
+    <dgm:txEffectClrLst/>
+  </dgm:styleLbl>
+  <dgm:styleLbl name="trBgShp">
+    <dgm:fillClrLst meth="repeat">
+      <a:schemeClr val="accent1">
+        <a:tint val="50000"/>
+        <a:alpha val="40000"/>
+      </a:schemeClr>
+    </dgm:fillClrLst>
+    <dgm:linClrLst meth="repeat">
+      <a:schemeClr val="accent1"/>
+    </dgm:linClrLst>
+    <dgm:effectClrLst/>
+    <dgm:txLinClrLst/>
+    <dgm:txFillClrLst meth="repeat">
+      <a:schemeClr val="lt1"/>
+    </dgm:txFillClrLst>
+    <dgm:txEffectClrLst/>
+  </dgm:styleLbl>
+  <dgm:styleLbl name="fgShp">
+    <dgm:fillClrLst meth="repeat">
+      <a:schemeClr val="accent1">
+        <a:tint val="60000"/>
+      </a:schemeClr>
+    </dgm:fillClrLst>
+    <dgm:linClrLst meth="repeat">
+      <a:schemeClr val="lt1"/>
+    </dgm:linClrLst>
+    <dgm:effectClrLst/>
+    <dgm:txLinClrLst/>
+    <dgm:txFillClrLst meth="repeat">
+      <a:schemeClr val="dk1"/>
+    </dgm:txFillClrLst>
+    <dgm:txEffectClrLst/>
+  </dgm:styleLbl>
+  <dgm:styleLbl name="revTx">
+    <dgm:fillClrLst meth="repeat">
+      <a:schemeClr val="lt1">
+        <a:alpha val="0"/>
+      </a:schemeClr>
+    </dgm:fillClrLst>
+    <dgm:linClrLst meth="repeat">
+      <a:schemeClr val="dk1">
+        <a:alpha val="0"/>
+      </a:schemeClr>
+    </dgm:linClrLst>
+    <dgm:effectClrLst/>
+    <dgm:txLinClrLst/>
+    <dgm:txFillClrLst meth="repeat">
+      <a:schemeClr val="tx1"/>
+    </dgm:txFillClrLst>
+    <dgm:txEffectClrLst/>
+  </dgm:styleLbl>
+</dgm:colorsDef>
+</file>
+
+<file path=ppt/diagrams/data1.xml><?xml version="1.0" encoding="utf-8"?>
+<dgm:dataModel xmlns:dgm="http://schemas.openxmlformats.org/drawingml/2006/diagram" xmlns:a="http://schemas.openxmlformats.org/drawingml/2006/main">
+  <dgm:ptLst>
+    <dgm:pt modelId="{C458CAAF-420A-4E3D-9D65-FBA217540191}" type="doc">
+      <dgm:prSet loTypeId="urn:microsoft.com/office/officeart/2005/8/layout/hProcess4" loCatId="process" qsTypeId="urn:microsoft.com/office/officeart/2005/8/quickstyle/simple1" qsCatId="simple" csTypeId="urn:microsoft.com/office/officeart/2005/8/colors/accent1_2" csCatId="accent1" phldr="1"/>
+      <dgm:spPr/>
+      <dgm:t>
+        <a:bodyPr/>
+        <a:lstStyle/>
+        <a:p>
+          <a:endParaRPr lang="en-US"/>
+        </a:p>
+      </dgm:t>
+    </dgm:pt>
+    <dgm:pt modelId="{FDA01C44-475A-49FA-997B-F8FE6A32F782}">
+      <dgm:prSet phldrT="[Text]"/>
+      <dgm:spPr/>
+      <dgm:t>
+        <a:bodyPr/>
+        <a:lstStyle/>
+        <a:p>
+          <a:r>
+            <a:rPr lang="en-US" dirty="0"/>
+            <a:t>Design</a:t>
+          </a:r>
+        </a:p>
+      </dgm:t>
+    </dgm:pt>
+    <dgm:pt modelId="{382ED45E-30CB-4C2B-B441-39C55ABD781C}" type="parTrans" cxnId="{36E4E71F-5B81-42C7-803B-86BA19515401}">
+      <dgm:prSet/>
+      <dgm:spPr/>
+      <dgm:t>
+        <a:bodyPr/>
+        <a:lstStyle/>
+        <a:p>
+          <a:endParaRPr lang="en-US"/>
+        </a:p>
+      </dgm:t>
+    </dgm:pt>
+    <dgm:pt modelId="{64B984C7-E3C9-4DFC-8383-E5F5C0A6173C}" type="sibTrans" cxnId="{36E4E71F-5B81-42C7-803B-86BA19515401}">
+      <dgm:prSet/>
+      <dgm:spPr/>
+      <dgm:t>
+        <a:bodyPr/>
+        <a:lstStyle/>
+        <a:p>
+          <a:endParaRPr lang="en-US"/>
+        </a:p>
+      </dgm:t>
+    </dgm:pt>
+    <dgm:pt modelId="{1B075544-E937-4437-BA68-45FFF9DE825C}">
+      <dgm:prSet phldrT="[Text]"/>
+      <dgm:spPr/>
+      <dgm:t>
+        <a:bodyPr/>
+        <a:lstStyle/>
+        <a:p>
+          <a:r>
+            <a:rPr lang="en-US" dirty="0"/>
+            <a:t>Design Criteria</a:t>
+          </a:r>
+        </a:p>
+      </dgm:t>
+    </dgm:pt>
+    <dgm:pt modelId="{C81FB0DB-7046-4D0B-9D7B-1439C46C5E65}" type="parTrans" cxnId="{8AD23F1B-4F24-4A29-BA1E-1199A65E36CC}">
+      <dgm:prSet/>
+      <dgm:spPr/>
+      <dgm:t>
+        <a:bodyPr/>
+        <a:lstStyle/>
+        <a:p>
+          <a:endParaRPr lang="en-US"/>
+        </a:p>
+      </dgm:t>
+    </dgm:pt>
+    <dgm:pt modelId="{732166D6-5EA7-4E2C-8430-6A473B3EF7E0}" type="sibTrans" cxnId="{8AD23F1B-4F24-4A29-BA1E-1199A65E36CC}">
+      <dgm:prSet/>
+      <dgm:spPr/>
+      <dgm:t>
+        <a:bodyPr/>
+        <a:lstStyle/>
+        <a:p>
+          <a:endParaRPr lang="en-US"/>
+        </a:p>
+      </dgm:t>
+    </dgm:pt>
+    <dgm:pt modelId="{A33F843C-B224-4CDC-B4B1-3899C46E084F}">
+      <dgm:prSet phldrT="[Text]"/>
+      <dgm:spPr/>
+      <dgm:t>
+        <a:bodyPr/>
+        <a:lstStyle/>
+        <a:p>
+          <a:r>
+            <a:rPr lang="en-US" dirty="0"/>
+            <a:t>Data</a:t>
+          </a:r>
+        </a:p>
+      </dgm:t>
+    </dgm:pt>
+    <dgm:pt modelId="{FC6114A9-23C9-478E-A76A-69F0E5AA5FB2}" type="parTrans" cxnId="{E5CFC821-6B47-470D-9B66-662F60C034F3}">
+      <dgm:prSet/>
+      <dgm:spPr/>
+      <dgm:t>
+        <a:bodyPr/>
+        <a:lstStyle/>
+        <a:p>
+          <a:endParaRPr lang="en-US"/>
+        </a:p>
+      </dgm:t>
+    </dgm:pt>
+    <dgm:pt modelId="{4AC582BF-7852-4291-8780-D63F7DA854E1}" type="sibTrans" cxnId="{E5CFC821-6B47-470D-9B66-662F60C034F3}">
+      <dgm:prSet/>
+      <dgm:spPr/>
+      <dgm:t>
+        <a:bodyPr/>
+        <a:lstStyle/>
+        <a:p>
+          <a:endParaRPr lang="en-US"/>
+        </a:p>
+      </dgm:t>
+    </dgm:pt>
+    <dgm:pt modelId="{B53EFD40-F323-4847-812F-085581B04DE2}">
+      <dgm:prSet phldrT="[Text]"/>
+      <dgm:spPr/>
+      <dgm:t>
+        <a:bodyPr/>
+        <a:lstStyle/>
+        <a:p>
+          <a:r>
+            <a:rPr lang="en-US" dirty="0"/>
+            <a:t> Gather data on candidate materials to compare.</a:t>
+          </a:r>
+        </a:p>
+      </dgm:t>
+    </dgm:pt>
+    <dgm:pt modelId="{1D067FFF-ECDC-4A96-B2AD-21CCA24C4984}" type="parTrans" cxnId="{0C640CCD-F12F-4113-8261-09F98ADBA845}">
+      <dgm:prSet/>
+      <dgm:spPr/>
+      <dgm:t>
+        <a:bodyPr/>
+        <a:lstStyle/>
+        <a:p>
+          <a:endParaRPr lang="en-US"/>
+        </a:p>
+      </dgm:t>
+    </dgm:pt>
+    <dgm:pt modelId="{641EE3F3-C217-40B8-9BCF-E7352CBA85D1}" type="sibTrans" cxnId="{0C640CCD-F12F-4113-8261-09F98ADBA845}">
+      <dgm:prSet/>
+      <dgm:spPr/>
+      <dgm:t>
+        <a:bodyPr/>
+        <a:lstStyle/>
+        <a:p>
+          <a:endParaRPr lang="en-US"/>
+        </a:p>
+      </dgm:t>
+    </dgm:pt>
+    <dgm:pt modelId="{E920B225-22BD-46A9-A47E-DEDCB0213306}">
+      <dgm:prSet phldrT="[Text]"/>
+      <dgm:spPr/>
+      <dgm:t>
+        <a:bodyPr/>
+        <a:lstStyle/>
+        <a:p>
+          <a:r>
+            <a:rPr lang="en-US" dirty="0"/>
+            <a:t> Mechanical data can be provided by supplier or performed by testing lab.</a:t>
+          </a:r>
+        </a:p>
+      </dgm:t>
+    </dgm:pt>
+    <dgm:pt modelId="{78657386-24E7-4671-948C-0EF17B349455}" type="parTrans" cxnId="{902B576E-AD66-487C-9C99-59CB90AB8501}">
+      <dgm:prSet/>
+      <dgm:spPr/>
+      <dgm:t>
+        <a:bodyPr/>
+        <a:lstStyle/>
+        <a:p>
+          <a:endParaRPr lang="en-US"/>
+        </a:p>
+      </dgm:t>
+    </dgm:pt>
+    <dgm:pt modelId="{D4580CE4-C1A9-4402-B1FA-2AEB31F785B3}" type="sibTrans" cxnId="{902B576E-AD66-487C-9C99-59CB90AB8501}">
+      <dgm:prSet/>
+      <dgm:spPr/>
+      <dgm:t>
+        <a:bodyPr/>
+        <a:lstStyle/>
+        <a:p>
+          <a:endParaRPr lang="en-US"/>
+        </a:p>
+      </dgm:t>
+    </dgm:pt>
+    <dgm:pt modelId="{FF0F8786-1B0F-4AFA-BA1F-E90BA8AD9132}">
+      <dgm:prSet phldrT="[Text]"/>
+      <dgm:spPr/>
+      <dgm:t>
+        <a:bodyPr/>
+        <a:lstStyle/>
+        <a:p>
+          <a:r>
+            <a:rPr lang="en-US" dirty="0"/>
+            <a:t>Selection</a:t>
+          </a:r>
+        </a:p>
+      </dgm:t>
+    </dgm:pt>
+    <dgm:pt modelId="{8858B471-624B-46D2-9169-80703CB5824B}" type="parTrans" cxnId="{9EDDF200-B7D9-4943-883E-FBB87C37A7EE}">
+      <dgm:prSet/>
+      <dgm:spPr/>
+      <dgm:t>
+        <a:bodyPr/>
+        <a:lstStyle/>
+        <a:p>
+          <a:endParaRPr lang="en-US"/>
+        </a:p>
+      </dgm:t>
+    </dgm:pt>
+    <dgm:pt modelId="{756C50C4-A878-4674-942A-C0CE6587E376}" type="sibTrans" cxnId="{9EDDF200-B7D9-4943-883E-FBB87C37A7EE}">
+      <dgm:prSet/>
+      <dgm:spPr/>
+      <dgm:t>
+        <a:bodyPr/>
+        <a:lstStyle/>
+        <a:p>
+          <a:endParaRPr lang="en-US"/>
+        </a:p>
+      </dgm:t>
+    </dgm:pt>
+    <dgm:pt modelId="{DAF429DE-8545-4142-99DE-12862F322004}">
+      <dgm:prSet phldrT="[Text]"/>
+      <dgm:spPr/>
+      <dgm:t>
+        <a:bodyPr/>
+        <a:lstStyle/>
+        <a:p>
+          <a:r>
+            <a:rPr lang="en-US" dirty="0"/>
+            <a:t> Select material based that meets the optimum criteria.</a:t>
+          </a:r>
+        </a:p>
+      </dgm:t>
+    </dgm:pt>
+    <dgm:pt modelId="{638FF5F5-24F4-40EE-96F7-DAAB25DD6172}" type="parTrans" cxnId="{20DD7B4D-9180-46E7-ACB8-E86680D4DA45}">
+      <dgm:prSet/>
+      <dgm:spPr/>
+      <dgm:t>
+        <a:bodyPr/>
+        <a:lstStyle/>
+        <a:p>
+          <a:endParaRPr lang="en-US"/>
+        </a:p>
+      </dgm:t>
+    </dgm:pt>
+    <dgm:pt modelId="{27AAB2A7-8626-4601-8326-E30BC0B3DEEB}" type="sibTrans" cxnId="{20DD7B4D-9180-46E7-ACB8-E86680D4DA45}">
+      <dgm:prSet/>
+      <dgm:spPr/>
+      <dgm:t>
+        <a:bodyPr/>
+        <a:lstStyle/>
+        <a:p>
+          <a:endParaRPr lang="en-US"/>
+        </a:p>
+      </dgm:t>
+    </dgm:pt>
+    <dgm:pt modelId="{D6E29168-CE64-4AEF-876C-4AE4DBED6036}">
+      <dgm:prSet phldrT="[Text]"/>
+      <dgm:spPr/>
+      <dgm:t>
+        <a:bodyPr/>
+        <a:lstStyle/>
+        <a:p>
+          <a:r>
+            <a:rPr lang="en-US" dirty="0"/>
+            <a:t> Often a balance that varies from project to project.</a:t>
+          </a:r>
+        </a:p>
+      </dgm:t>
+    </dgm:pt>
+    <dgm:pt modelId="{68316ACC-1290-41C9-A558-BF33134CA30A}" type="parTrans" cxnId="{EEAFC79F-4976-402A-9B96-EC87E0AFE6EF}">
+      <dgm:prSet/>
+      <dgm:spPr/>
+      <dgm:t>
+        <a:bodyPr/>
+        <a:lstStyle/>
+        <a:p>
+          <a:endParaRPr lang="en-US"/>
+        </a:p>
+      </dgm:t>
+    </dgm:pt>
+    <dgm:pt modelId="{1B584227-8EC9-4689-95A0-CD3B1DDA25E7}" type="sibTrans" cxnId="{EEAFC79F-4976-402A-9B96-EC87E0AFE6EF}">
+      <dgm:prSet/>
+      <dgm:spPr/>
+      <dgm:t>
+        <a:bodyPr/>
+        <a:lstStyle/>
+        <a:p>
+          <a:endParaRPr lang="en-US"/>
+        </a:p>
+      </dgm:t>
+    </dgm:pt>
+    <dgm:pt modelId="{57E78541-8B8E-4BE6-A2FB-4AF271B1CAD5}">
+      <dgm:prSet phldrT="[Text]"/>
+      <dgm:spPr/>
+      <dgm:t>
+        <a:bodyPr/>
+        <a:lstStyle/>
+        <a:p>
+          <a:endParaRPr lang="en-US" dirty="0"/>
+        </a:p>
+      </dgm:t>
+    </dgm:pt>
+    <dgm:pt modelId="{2EC4E568-EBA9-402B-9425-FA0357E70836}" type="parTrans" cxnId="{8F1B4B79-9D16-4211-AAF8-34AA82B104C8}">
+      <dgm:prSet/>
+      <dgm:spPr/>
+      <dgm:t>
+        <a:bodyPr/>
+        <a:lstStyle/>
+        <a:p>
+          <a:endParaRPr lang="en-US"/>
+        </a:p>
+      </dgm:t>
+    </dgm:pt>
+    <dgm:pt modelId="{51B0F153-A0D8-454F-BF18-4D6685EA6AB5}" type="sibTrans" cxnId="{8F1B4B79-9D16-4211-AAF8-34AA82B104C8}">
+      <dgm:prSet/>
+      <dgm:spPr/>
+      <dgm:t>
+        <a:bodyPr/>
+        <a:lstStyle/>
+        <a:p>
+          <a:endParaRPr lang="en-US"/>
+        </a:p>
+      </dgm:t>
+    </dgm:pt>
+    <dgm:pt modelId="{D950B71F-BA4B-401C-983A-C6D0DA91B033}">
+      <dgm:prSet phldrT="[Text]"/>
+      <dgm:spPr/>
+      <dgm:t>
+        <a:bodyPr/>
+        <a:lstStyle/>
+        <a:p>
+          <a:r>
+            <a:rPr lang="en-US" dirty="0"/>
+            <a:t>Physical</a:t>
+          </a:r>
+        </a:p>
+      </dgm:t>
+    </dgm:pt>
+    <dgm:pt modelId="{0C8A9870-D16E-4371-B332-71B05828375A}" type="parTrans" cxnId="{FA4FC5D9-E8A3-4AC4-B911-8BB220A9055A}">
+      <dgm:prSet/>
+      <dgm:spPr/>
+      <dgm:t>
+        <a:bodyPr/>
+        <a:lstStyle/>
+        <a:p>
+          <a:endParaRPr lang="en-US"/>
+        </a:p>
+      </dgm:t>
+    </dgm:pt>
+    <dgm:pt modelId="{A8BD3FF4-78F2-4862-B6F7-6AEBEF3EA5F1}" type="sibTrans" cxnId="{FA4FC5D9-E8A3-4AC4-B911-8BB220A9055A}">
+      <dgm:prSet/>
+      <dgm:spPr/>
+      <dgm:t>
+        <a:bodyPr/>
+        <a:lstStyle/>
+        <a:p>
+          <a:endParaRPr lang="en-US"/>
+        </a:p>
+      </dgm:t>
+    </dgm:pt>
+    <dgm:pt modelId="{29348789-8D03-4108-BFF2-AB4BDBE2DE19}">
+      <dgm:prSet phldrT="[Text]"/>
+      <dgm:spPr/>
+      <dgm:t>
+        <a:bodyPr/>
+        <a:lstStyle/>
+        <a:p>
+          <a:r>
+            <a:rPr lang="en-US" dirty="0"/>
+            <a:t>Mechanical</a:t>
+          </a:r>
+        </a:p>
+      </dgm:t>
+    </dgm:pt>
+    <dgm:pt modelId="{82F067A5-5B79-432D-BA7D-C5CB42963910}" type="parTrans" cxnId="{78A92E0D-E8AB-4D7C-AB37-B9EBFC9C812B}">
+      <dgm:prSet/>
+      <dgm:spPr/>
+      <dgm:t>
+        <a:bodyPr/>
+        <a:lstStyle/>
+        <a:p>
+          <a:endParaRPr lang="en-US"/>
+        </a:p>
+      </dgm:t>
+    </dgm:pt>
+    <dgm:pt modelId="{B7B400A5-FD0D-43A0-86C7-2728E4FF691C}" type="sibTrans" cxnId="{78A92E0D-E8AB-4D7C-AB37-B9EBFC9C812B}">
+      <dgm:prSet/>
+      <dgm:spPr/>
+      <dgm:t>
+        <a:bodyPr/>
+        <a:lstStyle/>
+        <a:p>
+          <a:endParaRPr lang="en-US"/>
+        </a:p>
+      </dgm:t>
+    </dgm:pt>
+    <dgm:pt modelId="{7550CCA3-52A1-40B3-AFB8-F5E34350C04B}">
+      <dgm:prSet phldrT="[Text]"/>
+      <dgm:spPr/>
+      <dgm:t>
+        <a:bodyPr/>
+        <a:lstStyle/>
+        <a:p>
+          <a:r>
+            <a:rPr lang="en-US" dirty="0"/>
+            <a:t>Regulatory</a:t>
+          </a:r>
+        </a:p>
+      </dgm:t>
+    </dgm:pt>
+    <dgm:pt modelId="{E6D45146-3B3E-454B-AB08-129BC7B31573}" type="parTrans" cxnId="{1D8D8105-966E-4B64-A194-285A0195BFAD}">
+      <dgm:prSet/>
+      <dgm:spPr/>
+      <dgm:t>
+        <a:bodyPr/>
+        <a:lstStyle/>
+        <a:p>
+          <a:endParaRPr lang="en-US"/>
+        </a:p>
+      </dgm:t>
+    </dgm:pt>
+    <dgm:pt modelId="{E1345939-0539-4700-B35E-D827889C55EF}" type="sibTrans" cxnId="{1D8D8105-966E-4B64-A194-285A0195BFAD}">
+      <dgm:prSet/>
+      <dgm:spPr/>
+      <dgm:t>
+        <a:bodyPr/>
+        <a:lstStyle/>
+        <a:p>
+          <a:endParaRPr lang="en-US"/>
+        </a:p>
+      </dgm:t>
+    </dgm:pt>
+    <dgm:pt modelId="{60EF5842-C8D5-4A5C-9EAC-42E9E127792E}">
+      <dgm:prSet phldrT="[Text]"/>
+      <dgm:spPr/>
+      <dgm:t>
+        <a:bodyPr/>
+        <a:lstStyle/>
+        <a:p>
+          <a:r>
+            <a:rPr lang="en-US" dirty="0"/>
+            <a:t>Cost</a:t>
+          </a:r>
+        </a:p>
+      </dgm:t>
+    </dgm:pt>
+    <dgm:pt modelId="{672E3851-FC03-428A-8F5F-A7A99F902C62}" type="parTrans" cxnId="{8BDCC5B4-3D86-43F5-8F21-8605F91FD4C8}">
+      <dgm:prSet/>
+      <dgm:spPr/>
+      <dgm:t>
+        <a:bodyPr/>
+        <a:lstStyle/>
+        <a:p>
+          <a:endParaRPr lang="en-US"/>
+        </a:p>
+      </dgm:t>
+    </dgm:pt>
+    <dgm:pt modelId="{DCFD16FC-939A-43BE-954D-FEDDCA311466}" type="sibTrans" cxnId="{8BDCC5B4-3D86-43F5-8F21-8605F91FD4C8}">
+      <dgm:prSet/>
+      <dgm:spPr/>
+      <dgm:t>
+        <a:bodyPr/>
+        <a:lstStyle/>
+        <a:p>
+          <a:endParaRPr lang="en-US"/>
+        </a:p>
+      </dgm:t>
+    </dgm:pt>
+    <dgm:pt modelId="{BE11FA3E-DDB3-4B74-A459-910CF1A39250}" type="pres">
+      <dgm:prSet presAssocID="{C458CAAF-420A-4E3D-9D65-FBA217540191}" presName="Name0" presStyleCnt="0">
+        <dgm:presLayoutVars>
+          <dgm:dir/>
+          <dgm:animLvl val="lvl"/>
+          <dgm:resizeHandles val="exact"/>
+        </dgm:presLayoutVars>
+      </dgm:prSet>
+      <dgm:spPr/>
+    </dgm:pt>
+    <dgm:pt modelId="{46B56AEA-233E-489C-8C62-E5C949FA802D}" type="pres">
+      <dgm:prSet presAssocID="{C458CAAF-420A-4E3D-9D65-FBA217540191}" presName="tSp" presStyleCnt="0"/>
+      <dgm:spPr/>
+    </dgm:pt>
+    <dgm:pt modelId="{8C291D71-1CA6-4AD0-B69C-932B8FD04308}" type="pres">
+      <dgm:prSet presAssocID="{C458CAAF-420A-4E3D-9D65-FBA217540191}" presName="bSp" presStyleCnt="0"/>
+      <dgm:spPr/>
+    </dgm:pt>
+    <dgm:pt modelId="{CBD1CE34-5005-41BA-A317-82A0528FD57E}" type="pres">
+      <dgm:prSet presAssocID="{C458CAAF-420A-4E3D-9D65-FBA217540191}" presName="process" presStyleCnt="0"/>
+      <dgm:spPr/>
+    </dgm:pt>
+    <dgm:pt modelId="{10BDEFF4-9243-4753-83FB-79CF9875FD56}" type="pres">
+      <dgm:prSet presAssocID="{FDA01C44-475A-49FA-997B-F8FE6A32F782}" presName="composite1" presStyleCnt="0"/>
+      <dgm:spPr/>
+    </dgm:pt>
+    <dgm:pt modelId="{19CFDABA-0F8B-42D7-9FE4-4FA9DC21118D}" type="pres">
+      <dgm:prSet presAssocID="{FDA01C44-475A-49FA-997B-F8FE6A32F782}" presName="dummyNode1" presStyleLbl="node1" presStyleIdx="0" presStyleCnt="3"/>
+      <dgm:spPr/>
+    </dgm:pt>
+    <dgm:pt modelId="{2DCF2BF5-8D1C-403D-9BF2-875A3DA25E18}" type="pres">
+      <dgm:prSet presAssocID="{FDA01C44-475A-49FA-997B-F8FE6A32F782}" presName="childNode1" presStyleLbl="bgAcc1" presStyleIdx="0" presStyleCnt="3" custLinFactNeighborX="-8966" custLinFactNeighborY="-1812">
+        <dgm:presLayoutVars>
+          <dgm:bulletEnabled val="1"/>
+        </dgm:presLayoutVars>
+      </dgm:prSet>
+      <dgm:spPr/>
+    </dgm:pt>
+    <dgm:pt modelId="{1DD231A7-1DCC-44A2-A37C-5D67E26AC1AE}" type="pres">
+      <dgm:prSet presAssocID="{FDA01C44-475A-49FA-997B-F8FE6A32F782}" presName="childNode1tx" presStyleLbl="bgAcc1" presStyleIdx="0" presStyleCnt="3">
+        <dgm:presLayoutVars>
+          <dgm:bulletEnabled val="1"/>
+        </dgm:presLayoutVars>
+      </dgm:prSet>
+      <dgm:spPr/>
+    </dgm:pt>
+    <dgm:pt modelId="{9B905092-F45E-4666-9BAE-2182EFB2B2A0}" type="pres">
+      <dgm:prSet presAssocID="{FDA01C44-475A-49FA-997B-F8FE6A32F782}" presName="parentNode1" presStyleLbl="node1" presStyleIdx="0" presStyleCnt="3">
+        <dgm:presLayoutVars>
+          <dgm:chMax val="1"/>
+          <dgm:bulletEnabled val="1"/>
+        </dgm:presLayoutVars>
+      </dgm:prSet>
+      <dgm:spPr/>
+    </dgm:pt>
+    <dgm:pt modelId="{17C6E24F-D3EA-4BF9-B912-04C2F9D8C286}" type="pres">
+      <dgm:prSet presAssocID="{FDA01C44-475A-49FA-997B-F8FE6A32F782}" presName="connSite1" presStyleCnt="0"/>
+      <dgm:spPr/>
+    </dgm:pt>
+    <dgm:pt modelId="{A3C22735-5804-42F6-8BE4-C33F0AE9A284}" type="pres">
+      <dgm:prSet presAssocID="{64B984C7-E3C9-4DFC-8383-E5F5C0A6173C}" presName="Name9" presStyleLbl="sibTrans2D1" presStyleIdx="0" presStyleCnt="2"/>
+      <dgm:spPr/>
+    </dgm:pt>
+    <dgm:pt modelId="{BF6E0BE7-AAA9-4ABF-9070-5AA946924BFA}" type="pres">
+      <dgm:prSet presAssocID="{A33F843C-B224-4CDC-B4B1-3899C46E084F}" presName="composite2" presStyleCnt="0"/>
+      <dgm:spPr/>
+    </dgm:pt>
+    <dgm:pt modelId="{44943FDD-6FA1-4C16-8695-098013D175C6}" type="pres">
+      <dgm:prSet presAssocID="{A33F843C-B224-4CDC-B4B1-3899C46E084F}" presName="dummyNode2" presStyleLbl="node1" presStyleIdx="0" presStyleCnt="3"/>
+      <dgm:spPr/>
+    </dgm:pt>
+    <dgm:pt modelId="{310F74E9-A08E-4E4D-8372-70A44BB1D06B}" type="pres">
+      <dgm:prSet presAssocID="{A33F843C-B224-4CDC-B4B1-3899C46E084F}" presName="childNode2" presStyleLbl="bgAcc1" presStyleIdx="1" presStyleCnt="3">
+        <dgm:presLayoutVars>
+          <dgm:bulletEnabled val="1"/>
+        </dgm:presLayoutVars>
+      </dgm:prSet>
+      <dgm:spPr/>
+    </dgm:pt>
+    <dgm:pt modelId="{3ADE1CFA-15F3-4CAD-ABA2-B4825DC0F741}" type="pres">
+      <dgm:prSet presAssocID="{A33F843C-B224-4CDC-B4B1-3899C46E084F}" presName="childNode2tx" presStyleLbl="bgAcc1" presStyleIdx="1" presStyleCnt="3">
+        <dgm:presLayoutVars>
+          <dgm:bulletEnabled val="1"/>
+        </dgm:presLayoutVars>
+      </dgm:prSet>
+      <dgm:spPr/>
+    </dgm:pt>
+    <dgm:pt modelId="{E896E783-E40C-441A-864D-7FD0E196AE23}" type="pres">
+      <dgm:prSet presAssocID="{A33F843C-B224-4CDC-B4B1-3899C46E084F}" presName="parentNode2" presStyleLbl="node1" presStyleIdx="1" presStyleCnt="3">
+        <dgm:presLayoutVars>
+          <dgm:chMax val="0"/>
+          <dgm:bulletEnabled val="1"/>
+        </dgm:presLayoutVars>
+      </dgm:prSet>
+      <dgm:spPr/>
+    </dgm:pt>
+    <dgm:pt modelId="{594F13F5-387A-42A0-A1E5-14B89F53E7CC}" type="pres">
+      <dgm:prSet presAssocID="{A33F843C-B224-4CDC-B4B1-3899C46E084F}" presName="connSite2" presStyleCnt="0"/>
+      <dgm:spPr/>
+    </dgm:pt>
+    <dgm:pt modelId="{87E935FD-9FD5-47B1-955F-127D66D1527B}" type="pres">
+      <dgm:prSet presAssocID="{4AC582BF-7852-4291-8780-D63F7DA854E1}" presName="Name18" presStyleLbl="sibTrans2D1" presStyleIdx="1" presStyleCnt="2"/>
+      <dgm:spPr/>
+    </dgm:pt>
+    <dgm:pt modelId="{34F11199-1533-4D25-8202-A77279F9EE2D}" type="pres">
+      <dgm:prSet presAssocID="{FF0F8786-1B0F-4AFA-BA1F-E90BA8AD9132}" presName="composite1" presStyleCnt="0"/>
+      <dgm:spPr/>
+    </dgm:pt>
+    <dgm:pt modelId="{340055E0-D249-4516-A237-27AC12AF167C}" type="pres">
+      <dgm:prSet presAssocID="{FF0F8786-1B0F-4AFA-BA1F-E90BA8AD9132}" presName="dummyNode1" presStyleLbl="node1" presStyleIdx="1" presStyleCnt="3"/>
+      <dgm:spPr/>
+    </dgm:pt>
+    <dgm:pt modelId="{55C57EFB-97F6-460E-B401-7EFA9F35B5C4}" type="pres">
+      <dgm:prSet presAssocID="{FF0F8786-1B0F-4AFA-BA1F-E90BA8AD9132}" presName="childNode1" presStyleLbl="bgAcc1" presStyleIdx="2" presStyleCnt="3">
+        <dgm:presLayoutVars>
+          <dgm:bulletEnabled val="1"/>
+        </dgm:presLayoutVars>
+      </dgm:prSet>
+      <dgm:spPr/>
+    </dgm:pt>
+    <dgm:pt modelId="{923BC052-2609-4955-A974-EB06CDB32A0F}" type="pres">
+      <dgm:prSet presAssocID="{FF0F8786-1B0F-4AFA-BA1F-E90BA8AD9132}" presName="childNode1tx" presStyleLbl="bgAcc1" presStyleIdx="2" presStyleCnt="3">
+        <dgm:presLayoutVars>
+          <dgm:bulletEnabled val="1"/>
+        </dgm:presLayoutVars>
+      </dgm:prSet>
+      <dgm:spPr/>
+    </dgm:pt>
+    <dgm:pt modelId="{92E2CD9F-2C70-4FEE-BC13-1F5C34282A3A}" type="pres">
+      <dgm:prSet presAssocID="{FF0F8786-1B0F-4AFA-BA1F-E90BA8AD9132}" presName="parentNode1" presStyleLbl="node1" presStyleIdx="2" presStyleCnt="3">
+        <dgm:presLayoutVars>
+          <dgm:chMax val="1"/>
+          <dgm:bulletEnabled val="1"/>
+        </dgm:presLayoutVars>
+      </dgm:prSet>
+      <dgm:spPr/>
+    </dgm:pt>
+    <dgm:pt modelId="{1BBEC937-9EE4-4F32-8ACB-4E6ADC4D6C31}" type="pres">
+      <dgm:prSet presAssocID="{FF0F8786-1B0F-4AFA-BA1F-E90BA8AD9132}" presName="connSite1" presStyleCnt="0"/>
+      <dgm:spPr/>
+    </dgm:pt>
+  </dgm:ptLst>
+  <dgm:cxnLst>
+    <dgm:cxn modelId="{F99A4E00-C5F6-4C9B-96B0-7C963071FBF4}" type="presOf" srcId="{DAF429DE-8545-4142-99DE-12862F322004}" destId="{923BC052-2609-4955-A974-EB06CDB32A0F}" srcOrd="1" destOrd="0" presId="urn:microsoft.com/office/officeart/2005/8/layout/hProcess4"/>
+    <dgm:cxn modelId="{9EDDF200-B7D9-4943-883E-FBB87C37A7EE}" srcId="{C458CAAF-420A-4E3D-9D65-FBA217540191}" destId="{FF0F8786-1B0F-4AFA-BA1F-E90BA8AD9132}" srcOrd="2" destOrd="0" parTransId="{8858B471-624B-46D2-9169-80703CB5824B}" sibTransId="{756C50C4-A878-4674-942A-C0CE6587E376}"/>
+    <dgm:cxn modelId="{9DEAC703-1225-42CB-ACA7-00441C350DB2}" type="presOf" srcId="{DAF429DE-8545-4142-99DE-12862F322004}" destId="{55C57EFB-97F6-460E-B401-7EFA9F35B5C4}" srcOrd="0" destOrd="0" presId="urn:microsoft.com/office/officeart/2005/8/layout/hProcess4"/>
+    <dgm:cxn modelId="{02F57204-4816-4A19-8B60-55E1A8FE9DA0}" type="presOf" srcId="{E920B225-22BD-46A9-A47E-DEDCB0213306}" destId="{3ADE1CFA-15F3-4CAD-ABA2-B4825DC0F741}" srcOrd="1" destOrd="1" presId="urn:microsoft.com/office/officeart/2005/8/layout/hProcess4"/>
+    <dgm:cxn modelId="{1D8D8105-966E-4B64-A194-285A0195BFAD}" srcId="{1B075544-E937-4437-BA68-45FFF9DE825C}" destId="{7550CCA3-52A1-40B3-AFB8-F5E34350C04B}" srcOrd="2" destOrd="0" parTransId="{E6D45146-3B3E-454B-AB08-129BC7B31573}" sibTransId="{E1345939-0539-4700-B35E-D827889C55EF}"/>
+    <dgm:cxn modelId="{608D500C-AE30-48EA-BB31-F87B78FDC672}" type="presOf" srcId="{D6E29168-CE64-4AEF-876C-4AE4DBED6036}" destId="{55C57EFB-97F6-460E-B401-7EFA9F35B5C4}" srcOrd="0" destOrd="1" presId="urn:microsoft.com/office/officeart/2005/8/layout/hProcess4"/>
+    <dgm:cxn modelId="{78A92E0D-E8AB-4D7C-AB37-B9EBFC9C812B}" srcId="{1B075544-E937-4437-BA68-45FFF9DE825C}" destId="{29348789-8D03-4108-BFF2-AB4BDBE2DE19}" srcOrd="1" destOrd="0" parTransId="{82F067A5-5B79-432D-BA7D-C5CB42963910}" sibTransId="{B7B400A5-FD0D-43A0-86C7-2728E4FF691C}"/>
+    <dgm:cxn modelId="{6D1C230F-65A1-4C34-BF94-C1A838AEB3E5}" type="presOf" srcId="{FF0F8786-1B0F-4AFA-BA1F-E90BA8AD9132}" destId="{92E2CD9F-2C70-4FEE-BC13-1F5C34282A3A}" srcOrd="0" destOrd="0" presId="urn:microsoft.com/office/officeart/2005/8/layout/hProcess4"/>
+    <dgm:cxn modelId="{D4D78911-0017-43EE-8D66-34F9109D4A78}" type="presOf" srcId="{B53EFD40-F323-4847-812F-085581B04DE2}" destId="{3ADE1CFA-15F3-4CAD-ABA2-B4825DC0F741}" srcOrd="1" destOrd="0" presId="urn:microsoft.com/office/officeart/2005/8/layout/hProcess4"/>
+    <dgm:cxn modelId="{EFCB2D14-0E25-4AF8-BB7D-8F72B3DB648F}" type="presOf" srcId="{57E78541-8B8E-4BE6-A2FB-4AF271B1CAD5}" destId="{2DCF2BF5-8D1C-403D-9BF2-875A3DA25E18}" srcOrd="0" destOrd="5" presId="urn:microsoft.com/office/officeart/2005/8/layout/hProcess4"/>
+    <dgm:cxn modelId="{8AD23F1B-4F24-4A29-BA1E-1199A65E36CC}" srcId="{FDA01C44-475A-49FA-997B-F8FE6A32F782}" destId="{1B075544-E937-4437-BA68-45FFF9DE825C}" srcOrd="0" destOrd="0" parTransId="{C81FB0DB-7046-4D0B-9D7B-1439C46C5E65}" sibTransId="{732166D6-5EA7-4E2C-8430-6A473B3EF7E0}"/>
+    <dgm:cxn modelId="{36E4E71F-5B81-42C7-803B-86BA19515401}" srcId="{C458CAAF-420A-4E3D-9D65-FBA217540191}" destId="{FDA01C44-475A-49FA-997B-F8FE6A32F782}" srcOrd="0" destOrd="0" parTransId="{382ED45E-30CB-4C2B-B441-39C55ABD781C}" sibTransId="{64B984C7-E3C9-4DFC-8383-E5F5C0A6173C}"/>
+    <dgm:cxn modelId="{E5CFC821-6B47-470D-9B66-662F60C034F3}" srcId="{C458CAAF-420A-4E3D-9D65-FBA217540191}" destId="{A33F843C-B224-4CDC-B4B1-3899C46E084F}" srcOrd="1" destOrd="0" parTransId="{FC6114A9-23C9-478E-A76A-69F0E5AA5FB2}" sibTransId="{4AC582BF-7852-4291-8780-D63F7DA854E1}"/>
+    <dgm:cxn modelId="{A272013E-E287-4D24-AC2D-25AD4C8A9653}" type="presOf" srcId="{60EF5842-C8D5-4A5C-9EAC-42E9E127792E}" destId="{2DCF2BF5-8D1C-403D-9BF2-875A3DA25E18}" srcOrd="0" destOrd="4" presId="urn:microsoft.com/office/officeart/2005/8/layout/hProcess4"/>
+    <dgm:cxn modelId="{227FE95B-EF3B-4B4E-86DA-9FF4C9DFCDC2}" type="presOf" srcId="{4AC582BF-7852-4291-8780-D63F7DA854E1}" destId="{87E935FD-9FD5-47B1-955F-127D66D1527B}" srcOrd="0" destOrd="0" presId="urn:microsoft.com/office/officeart/2005/8/layout/hProcess4"/>
+    <dgm:cxn modelId="{CF96455D-5317-4C01-BAED-DCC119081EC1}" type="presOf" srcId="{E920B225-22BD-46A9-A47E-DEDCB0213306}" destId="{310F74E9-A08E-4E4D-8372-70A44BB1D06B}" srcOrd="0" destOrd="1" presId="urn:microsoft.com/office/officeart/2005/8/layout/hProcess4"/>
+    <dgm:cxn modelId="{7973614A-CAFC-4015-8BB8-72E9BCC11C71}" type="presOf" srcId="{57E78541-8B8E-4BE6-A2FB-4AF271B1CAD5}" destId="{1DD231A7-1DCC-44A2-A37C-5D67E26AC1AE}" srcOrd="1" destOrd="5" presId="urn:microsoft.com/office/officeart/2005/8/layout/hProcess4"/>
+    <dgm:cxn modelId="{D6FF064C-46C5-4DD1-8BA7-0566791251C1}" type="presOf" srcId="{D950B71F-BA4B-401C-983A-C6D0DA91B033}" destId="{2DCF2BF5-8D1C-403D-9BF2-875A3DA25E18}" srcOrd="0" destOrd="1" presId="urn:microsoft.com/office/officeart/2005/8/layout/hProcess4"/>
+    <dgm:cxn modelId="{20DD7B4D-9180-46E7-ACB8-E86680D4DA45}" srcId="{FF0F8786-1B0F-4AFA-BA1F-E90BA8AD9132}" destId="{DAF429DE-8545-4142-99DE-12862F322004}" srcOrd="0" destOrd="0" parTransId="{638FF5F5-24F4-40EE-96F7-DAAB25DD6172}" sibTransId="{27AAB2A7-8626-4601-8326-E30BC0B3DEEB}"/>
+    <dgm:cxn modelId="{902B576E-AD66-487C-9C99-59CB90AB8501}" srcId="{A33F843C-B224-4CDC-B4B1-3899C46E084F}" destId="{E920B225-22BD-46A9-A47E-DEDCB0213306}" srcOrd="1" destOrd="0" parTransId="{78657386-24E7-4671-948C-0EF17B349455}" sibTransId="{D4580CE4-C1A9-4402-B1FA-2AEB31F785B3}"/>
+    <dgm:cxn modelId="{6B697050-C5F2-46C8-B5F2-0A4E9B80C157}" type="presOf" srcId="{7550CCA3-52A1-40B3-AFB8-F5E34350C04B}" destId="{2DCF2BF5-8D1C-403D-9BF2-875A3DA25E18}" srcOrd="0" destOrd="3" presId="urn:microsoft.com/office/officeart/2005/8/layout/hProcess4"/>
+    <dgm:cxn modelId="{13AD1676-D8E5-4EA5-94C2-77E9C818B2B4}" type="presOf" srcId="{29348789-8D03-4108-BFF2-AB4BDBE2DE19}" destId="{2DCF2BF5-8D1C-403D-9BF2-875A3DA25E18}" srcOrd="0" destOrd="2" presId="urn:microsoft.com/office/officeart/2005/8/layout/hProcess4"/>
+    <dgm:cxn modelId="{0B3ECD57-663A-4093-A533-2483273F23F4}" type="presOf" srcId="{60EF5842-C8D5-4A5C-9EAC-42E9E127792E}" destId="{1DD231A7-1DCC-44A2-A37C-5D67E26AC1AE}" srcOrd="1" destOrd="4" presId="urn:microsoft.com/office/officeart/2005/8/layout/hProcess4"/>
+    <dgm:cxn modelId="{70D7F358-3131-43F0-A968-C6E4949CCF77}" type="presOf" srcId="{B53EFD40-F323-4847-812F-085581B04DE2}" destId="{310F74E9-A08E-4E4D-8372-70A44BB1D06B}" srcOrd="0" destOrd="0" presId="urn:microsoft.com/office/officeart/2005/8/layout/hProcess4"/>
+    <dgm:cxn modelId="{8F1B4B79-9D16-4211-AAF8-34AA82B104C8}" srcId="{FDA01C44-475A-49FA-997B-F8FE6A32F782}" destId="{57E78541-8B8E-4BE6-A2FB-4AF271B1CAD5}" srcOrd="1" destOrd="0" parTransId="{2EC4E568-EBA9-402B-9425-FA0357E70836}" sibTransId="{51B0F153-A0D8-454F-BF18-4D6685EA6AB5}"/>
+    <dgm:cxn modelId="{9BF82D7C-9831-4502-8547-ABE3CDF4AF29}" type="presOf" srcId="{29348789-8D03-4108-BFF2-AB4BDBE2DE19}" destId="{1DD231A7-1DCC-44A2-A37C-5D67E26AC1AE}" srcOrd="1" destOrd="2" presId="urn:microsoft.com/office/officeart/2005/8/layout/hProcess4"/>
+    <dgm:cxn modelId="{13ACFB7D-9B3E-4780-BB16-405D129CD5C2}" type="presOf" srcId="{A33F843C-B224-4CDC-B4B1-3899C46E084F}" destId="{E896E783-E40C-441A-864D-7FD0E196AE23}" srcOrd="0" destOrd="0" presId="urn:microsoft.com/office/officeart/2005/8/layout/hProcess4"/>
+    <dgm:cxn modelId="{807AFA87-672C-4F54-BAE2-993C7624871C}" type="presOf" srcId="{C458CAAF-420A-4E3D-9D65-FBA217540191}" destId="{BE11FA3E-DDB3-4B74-A459-910CF1A39250}" srcOrd="0" destOrd="0" presId="urn:microsoft.com/office/officeart/2005/8/layout/hProcess4"/>
+    <dgm:cxn modelId="{E08FAD98-06AB-404C-B912-6B3612990A08}" type="presOf" srcId="{FDA01C44-475A-49FA-997B-F8FE6A32F782}" destId="{9B905092-F45E-4666-9BAE-2182EFB2B2A0}" srcOrd="0" destOrd="0" presId="urn:microsoft.com/office/officeart/2005/8/layout/hProcess4"/>
+    <dgm:cxn modelId="{EEAFC79F-4976-402A-9B96-EC87E0AFE6EF}" srcId="{FF0F8786-1B0F-4AFA-BA1F-E90BA8AD9132}" destId="{D6E29168-CE64-4AEF-876C-4AE4DBED6036}" srcOrd="1" destOrd="0" parTransId="{68316ACC-1290-41C9-A558-BF33134CA30A}" sibTransId="{1B584227-8EC9-4689-95A0-CD3B1DDA25E7}"/>
+    <dgm:cxn modelId="{73D2C5AC-4DE2-4733-BB84-9D72E37E8D66}" type="presOf" srcId="{1B075544-E937-4437-BA68-45FFF9DE825C}" destId="{2DCF2BF5-8D1C-403D-9BF2-875A3DA25E18}" srcOrd="0" destOrd="0" presId="urn:microsoft.com/office/officeart/2005/8/layout/hProcess4"/>
+    <dgm:cxn modelId="{8BDCC5B4-3D86-43F5-8F21-8605F91FD4C8}" srcId="{1B075544-E937-4437-BA68-45FFF9DE825C}" destId="{60EF5842-C8D5-4A5C-9EAC-42E9E127792E}" srcOrd="3" destOrd="0" parTransId="{672E3851-FC03-428A-8F5F-A7A99F902C62}" sibTransId="{DCFD16FC-939A-43BE-954D-FEDDCA311466}"/>
+    <dgm:cxn modelId="{F35527B7-6E75-4AC4-997B-A1B5E89C8673}" type="presOf" srcId="{7550CCA3-52A1-40B3-AFB8-F5E34350C04B}" destId="{1DD231A7-1DCC-44A2-A37C-5D67E26AC1AE}" srcOrd="1" destOrd="3" presId="urn:microsoft.com/office/officeart/2005/8/layout/hProcess4"/>
+    <dgm:cxn modelId="{82650AC2-AE0A-4ED3-9E35-B31DBAC57EC4}" type="presOf" srcId="{64B984C7-E3C9-4DFC-8383-E5F5C0A6173C}" destId="{A3C22735-5804-42F6-8BE4-C33F0AE9A284}" srcOrd="0" destOrd="0" presId="urn:microsoft.com/office/officeart/2005/8/layout/hProcess4"/>
+    <dgm:cxn modelId="{0C640CCD-F12F-4113-8261-09F98ADBA845}" srcId="{A33F843C-B224-4CDC-B4B1-3899C46E084F}" destId="{B53EFD40-F323-4847-812F-085581B04DE2}" srcOrd="0" destOrd="0" parTransId="{1D067FFF-ECDC-4A96-B2AD-21CCA24C4984}" sibTransId="{641EE3F3-C217-40B8-9BCF-E7352CBA85D1}"/>
+    <dgm:cxn modelId="{FA4FC5D9-E8A3-4AC4-B911-8BB220A9055A}" srcId="{1B075544-E937-4437-BA68-45FFF9DE825C}" destId="{D950B71F-BA4B-401C-983A-C6D0DA91B033}" srcOrd="0" destOrd="0" parTransId="{0C8A9870-D16E-4371-B332-71B05828375A}" sibTransId="{A8BD3FF4-78F2-4862-B6F7-6AEBEF3EA5F1}"/>
+    <dgm:cxn modelId="{70D7D3F2-860B-4384-A8ED-23401C802956}" type="presOf" srcId="{D950B71F-BA4B-401C-983A-C6D0DA91B033}" destId="{1DD231A7-1DCC-44A2-A37C-5D67E26AC1AE}" srcOrd="1" destOrd="1" presId="urn:microsoft.com/office/officeart/2005/8/layout/hProcess4"/>
+    <dgm:cxn modelId="{15B481F6-8E5B-4A02-914D-529AC1C28AC1}" type="presOf" srcId="{D6E29168-CE64-4AEF-876C-4AE4DBED6036}" destId="{923BC052-2609-4955-A974-EB06CDB32A0F}" srcOrd="1" destOrd="1" presId="urn:microsoft.com/office/officeart/2005/8/layout/hProcess4"/>
+    <dgm:cxn modelId="{8FC795F8-D0D4-484B-9C32-96D00D1451C9}" type="presOf" srcId="{1B075544-E937-4437-BA68-45FFF9DE825C}" destId="{1DD231A7-1DCC-44A2-A37C-5D67E26AC1AE}" srcOrd="1" destOrd="0" presId="urn:microsoft.com/office/officeart/2005/8/layout/hProcess4"/>
+    <dgm:cxn modelId="{50A7793E-0DB7-4705-93F8-6B432C5CB92D}" type="presParOf" srcId="{BE11FA3E-DDB3-4B74-A459-910CF1A39250}" destId="{46B56AEA-233E-489C-8C62-E5C949FA802D}" srcOrd="0" destOrd="0" presId="urn:microsoft.com/office/officeart/2005/8/layout/hProcess4"/>
+    <dgm:cxn modelId="{11FB15F0-03D4-4CCE-A584-1BB27EB23506}" type="presParOf" srcId="{BE11FA3E-DDB3-4B74-A459-910CF1A39250}" destId="{8C291D71-1CA6-4AD0-B69C-932B8FD04308}" srcOrd="1" destOrd="0" presId="urn:microsoft.com/office/officeart/2005/8/layout/hProcess4"/>
+    <dgm:cxn modelId="{B88041E5-6247-42A3-9CE0-FFB07F469AD8}" type="presParOf" srcId="{BE11FA3E-DDB3-4B74-A459-910CF1A39250}" destId="{CBD1CE34-5005-41BA-A317-82A0528FD57E}" srcOrd="2" destOrd="0" presId="urn:microsoft.com/office/officeart/2005/8/layout/hProcess4"/>
+    <dgm:cxn modelId="{71CAFA6C-5AEB-4ED2-AA7D-09BE163E8A8D}" type="presParOf" srcId="{CBD1CE34-5005-41BA-A317-82A0528FD57E}" destId="{10BDEFF4-9243-4753-83FB-79CF9875FD56}" srcOrd="0" destOrd="0" presId="urn:microsoft.com/office/officeart/2005/8/layout/hProcess4"/>
+    <dgm:cxn modelId="{D4B6525C-1352-4FD1-8B32-A7041BC3E5FE}" type="presParOf" srcId="{10BDEFF4-9243-4753-83FB-79CF9875FD56}" destId="{19CFDABA-0F8B-42D7-9FE4-4FA9DC21118D}" srcOrd="0" destOrd="0" presId="urn:microsoft.com/office/officeart/2005/8/layout/hProcess4"/>
+    <dgm:cxn modelId="{910AA42B-BD51-4340-9519-E18DFB8BE5DF}" type="presParOf" srcId="{10BDEFF4-9243-4753-83FB-79CF9875FD56}" destId="{2DCF2BF5-8D1C-403D-9BF2-875A3DA25E18}" srcOrd="1" destOrd="0" presId="urn:microsoft.com/office/officeart/2005/8/layout/hProcess4"/>
+    <dgm:cxn modelId="{C8E474C4-819F-4540-BCE8-77F05F966D4B}" type="presParOf" srcId="{10BDEFF4-9243-4753-83FB-79CF9875FD56}" destId="{1DD231A7-1DCC-44A2-A37C-5D67E26AC1AE}" srcOrd="2" destOrd="0" presId="urn:microsoft.com/office/officeart/2005/8/layout/hProcess4"/>
+    <dgm:cxn modelId="{B40FBE6A-A92A-4393-962A-3DAE2F0AF070}" type="presParOf" srcId="{10BDEFF4-9243-4753-83FB-79CF9875FD56}" destId="{9B905092-F45E-4666-9BAE-2182EFB2B2A0}" srcOrd="3" destOrd="0" presId="urn:microsoft.com/office/officeart/2005/8/layout/hProcess4"/>
+    <dgm:cxn modelId="{4D09EDB4-2414-4802-BE0A-A6A413C1359E}" type="presParOf" srcId="{10BDEFF4-9243-4753-83FB-79CF9875FD56}" destId="{17C6E24F-D3EA-4BF9-B912-04C2F9D8C286}" srcOrd="4" destOrd="0" presId="urn:microsoft.com/office/officeart/2005/8/layout/hProcess4"/>
+    <dgm:cxn modelId="{C243D5AE-FAD6-4D07-A203-439FDA924D41}" type="presParOf" srcId="{CBD1CE34-5005-41BA-A317-82A0528FD57E}" destId="{A3C22735-5804-42F6-8BE4-C33F0AE9A284}" srcOrd="1" destOrd="0" presId="urn:microsoft.com/office/officeart/2005/8/layout/hProcess4"/>
+    <dgm:cxn modelId="{D0F74CC2-C562-4A85-9E24-4CBA2CB4BFFB}" type="presParOf" srcId="{CBD1CE34-5005-41BA-A317-82A0528FD57E}" destId="{BF6E0BE7-AAA9-4ABF-9070-5AA946924BFA}" srcOrd="2" destOrd="0" presId="urn:microsoft.com/office/officeart/2005/8/layout/hProcess4"/>
+    <dgm:cxn modelId="{42B43237-A69D-43A7-B15B-9DC685E5571B}" type="presParOf" srcId="{BF6E0BE7-AAA9-4ABF-9070-5AA946924BFA}" destId="{44943FDD-6FA1-4C16-8695-098013D175C6}" srcOrd="0" destOrd="0" presId="urn:microsoft.com/office/officeart/2005/8/layout/hProcess4"/>
+    <dgm:cxn modelId="{9BC03543-AB28-42A7-BF9F-EA47C47E5B4A}" type="presParOf" srcId="{BF6E0BE7-AAA9-4ABF-9070-5AA946924BFA}" destId="{310F74E9-A08E-4E4D-8372-70A44BB1D06B}" srcOrd="1" destOrd="0" presId="urn:microsoft.com/office/officeart/2005/8/layout/hProcess4"/>
+    <dgm:cxn modelId="{83554961-120C-4A3A-A675-5A3D7D0DFF2B}" type="presParOf" srcId="{BF6E0BE7-AAA9-4ABF-9070-5AA946924BFA}" destId="{3ADE1CFA-15F3-4CAD-ABA2-B4825DC0F741}" srcOrd="2" destOrd="0" presId="urn:microsoft.com/office/officeart/2005/8/layout/hProcess4"/>
+    <dgm:cxn modelId="{84CD5DBF-B56E-40B2-9D0D-529B6C46A5B9}" type="presParOf" srcId="{BF6E0BE7-AAA9-4ABF-9070-5AA946924BFA}" destId="{E896E783-E40C-441A-864D-7FD0E196AE23}" srcOrd="3" destOrd="0" presId="urn:microsoft.com/office/officeart/2005/8/layout/hProcess4"/>
+    <dgm:cxn modelId="{5E73BD87-E5D1-4C16-B3C9-FD0FE2FAE155}" type="presParOf" srcId="{BF6E0BE7-AAA9-4ABF-9070-5AA946924BFA}" destId="{594F13F5-387A-42A0-A1E5-14B89F53E7CC}" srcOrd="4" destOrd="0" presId="urn:microsoft.com/office/officeart/2005/8/layout/hProcess4"/>
+    <dgm:cxn modelId="{CE08FC92-3903-49F3-97B3-1655688643E8}" type="presParOf" srcId="{CBD1CE34-5005-41BA-A317-82A0528FD57E}" destId="{87E935FD-9FD5-47B1-955F-127D66D1527B}" srcOrd="3" destOrd="0" presId="urn:microsoft.com/office/officeart/2005/8/layout/hProcess4"/>
+    <dgm:cxn modelId="{BB387433-6E55-4CCD-8F59-C655D7D12651}" type="presParOf" srcId="{CBD1CE34-5005-41BA-A317-82A0528FD57E}" destId="{34F11199-1533-4D25-8202-A77279F9EE2D}" srcOrd="4" destOrd="0" presId="urn:microsoft.com/office/officeart/2005/8/layout/hProcess4"/>
+    <dgm:cxn modelId="{88B2D43E-0D1E-463D-B933-7924C55E29B6}" type="presParOf" srcId="{34F11199-1533-4D25-8202-A77279F9EE2D}" destId="{340055E0-D249-4516-A237-27AC12AF167C}" srcOrd="0" destOrd="0" presId="urn:microsoft.com/office/officeart/2005/8/layout/hProcess4"/>
+    <dgm:cxn modelId="{8DC04590-D8DC-4388-B6E4-519343F41ED7}" type="presParOf" srcId="{34F11199-1533-4D25-8202-A77279F9EE2D}" destId="{55C57EFB-97F6-460E-B401-7EFA9F35B5C4}" srcOrd="1" destOrd="0" presId="urn:microsoft.com/office/officeart/2005/8/layout/hProcess4"/>
+    <dgm:cxn modelId="{3877E243-B65A-4C5A-A86A-B3894B79C9D5}" type="presParOf" srcId="{34F11199-1533-4D25-8202-A77279F9EE2D}" destId="{923BC052-2609-4955-A974-EB06CDB32A0F}" srcOrd="2" destOrd="0" presId="urn:microsoft.com/office/officeart/2005/8/layout/hProcess4"/>
+    <dgm:cxn modelId="{165EB26A-988A-4D89-B324-8E7B58C42345}" type="presParOf" srcId="{34F11199-1533-4D25-8202-A77279F9EE2D}" destId="{92E2CD9F-2C70-4FEE-BC13-1F5C34282A3A}" srcOrd="3" destOrd="0" presId="urn:microsoft.com/office/officeart/2005/8/layout/hProcess4"/>
+    <dgm:cxn modelId="{6834200A-4BCC-4351-9458-32FE3818BBA6}" type="presParOf" srcId="{34F11199-1533-4D25-8202-A77279F9EE2D}" destId="{1BBEC937-9EE4-4F32-8ACB-4E6ADC4D6C31}" srcOrd="4" destOrd="0" presId="urn:microsoft.com/office/officeart/2005/8/layout/hProcess4"/>
+  </dgm:cxnLst>
+  <dgm:bg/>
+  <dgm:whole/>
+  <dgm:extLst>
+    <a:ext uri="http://schemas.microsoft.com/office/drawing/2008/diagram">
+      <dsp:dataModelExt xmlns:dsp="http://schemas.microsoft.com/office/drawing/2008/diagram" relId="rId7" minVer="http://schemas.openxmlformats.org/drawingml/2006/diagram"/>
+    </a:ext>
+  </dgm:extLst>
+</dgm:dataModel>
+</file>
+
+<file path=ppt/diagrams/data2.xml><?xml version="1.0" encoding="utf-8"?>
+<dgm:dataModel xmlns:dgm="http://schemas.openxmlformats.org/drawingml/2006/diagram" xmlns:a="http://schemas.openxmlformats.org/drawingml/2006/main">
+  <dgm:ptLst>
+    <dgm:pt modelId="{C458CAAF-420A-4E3D-9D65-FBA217540191}" type="doc">
+      <dgm:prSet loTypeId="urn:microsoft.com/office/officeart/2005/8/layout/hProcess4" loCatId="process" qsTypeId="urn:microsoft.com/office/officeart/2005/8/quickstyle/simple1" qsCatId="simple" csTypeId="urn:microsoft.com/office/officeart/2005/8/colors/accent1_2" csCatId="accent1" phldr="1"/>
+      <dgm:spPr/>
+      <dgm:t>
+        <a:bodyPr/>
+        <a:lstStyle/>
+        <a:p>
+          <a:endParaRPr lang="en-US"/>
+        </a:p>
+      </dgm:t>
+    </dgm:pt>
+    <dgm:pt modelId="{A33F843C-B224-4CDC-B4B1-3899C46E084F}">
+      <dgm:prSet phldrT="[Text]"/>
+      <dgm:spPr/>
+      <dgm:t>
+        <a:bodyPr/>
+        <a:lstStyle/>
+        <a:p>
+          <a:r>
+            <a:rPr lang="en-US" dirty="0"/>
+            <a:t>Data</a:t>
+          </a:r>
+        </a:p>
+      </dgm:t>
+    </dgm:pt>
+    <dgm:pt modelId="{FC6114A9-23C9-478E-A76A-69F0E5AA5FB2}" type="parTrans" cxnId="{E5CFC821-6B47-470D-9B66-662F60C034F3}">
+      <dgm:prSet/>
+      <dgm:spPr/>
+      <dgm:t>
+        <a:bodyPr/>
+        <a:lstStyle/>
+        <a:p>
+          <a:endParaRPr lang="en-US"/>
+        </a:p>
+      </dgm:t>
+    </dgm:pt>
+    <dgm:pt modelId="{4AC582BF-7852-4291-8780-D63F7DA854E1}" type="sibTrans" cxnId="{E5CFC821-6B47-470D-9B66-662F60C034F3}">
+      <dgm:prSet/>
+      <dgm:spPr/>
+      <dgm:t>
+        <a:bodyPr/>
+        <a:lstStyle/>
+        <a:p>
+          <a:endParaRPr lang="en-US"/>
+        </a:p>
+      </dgm:t>
+    </dgm:pt>
+    <dgm:pt modelId="{B53EFD40-F323-4847-812F-085581B04DE2}">
+      <dgm:prSet phldrT="[Text]"/>
+      <dgm:spPr/>
+      <dgm:t>
+        <a:bodyPr/>
+        <a:lstStyle/>
+        <a:p>
+          <a:r>
+            <a:rPr lang="en-US" dirty="0"/>
+            <a:t> Gather data on candidate materials to compare.</a:t>
+          </a:r>
+        </a:p>
+      </dgm:t>
+    </dgm:pt>
+    <dgm:pt modelId="{1D067FFF-ECDC-4A96-B2AD-21CCA24C4984}" type="parTrans" cxnId="{0C640CCD-F12F-4113-8261-09F98ADBA845}">
+      <dgm:prSet/>
+      <dgm:spPr/>
+      <dgm:t>
+        <a:bodyPr/>
+        <a:lstStyle/>
+        <a:p>
+          <a:endParaRPr lang="en-US"/>
+        </a:p>
+      </dgm:t>
+    </dgm:pt>
+    <dgm:pt modelId="{641EE3F3-C217-40B8-9BCF-E7352CBA85D1}" type="sibTrans" cxnId="{0C640CCD-F12F-4113-8261-09F98ADBA845}">
+      <dgm:prSet/>
+      <dgm:spPr/>
+      <dgm:t>
+        <a:bodyPr/>
+        <a:lstStyle/>
+        <a:p>
+          <a:endParaRPr lang="en-US"/>
+        </a:p>
+      </dgm:t>
+    </dgm:pt>
+    <dgm:pt modelId="{E920B225-22BD-46A9-A47E-DEDCB0213306}">
+      <dgm:prSet phldrT="[Text]"/>
+      <dgm:spPr/>
+      <dgm:t>
+        <a:bodyPr/>
+        <a:lstStyle/>
+        <a:p>
+          <a:r>
+            <a:rPr lang="en-US" dirty="0"/>
+            <a:t> Mechanical data can be provided by supplier or performed by testing lab.</a:t>
+          </a:r>
+        </a:p>
+      </dgm:t>
+    </dgm:pt>
+    <dgm:pt modelId="{78657386-24E7-4671-948C-0EF17B349455}" type="parTrans" cxnId="{902B576E-AD66-487C-9C99-59CB90AB8501}">
+      <dgm:prSet/>
+      <dgm:spPr/>
+      <dgm:t>
+        <a:bodyPr/>
+        <a:lstStyle/>
+        <a:p>
+          <a:endParaRPr lang="en-US"/>
+        </a:p>
+      </dgm:t>
+    </dgm:pt>
+    <dgm:pt modelId="{D4580CE4-C1A9-4402-B1FA-2AEB31F785B3}" type="sibTrans" cxnId="{902B576E-AD66-487C-9C99-59CB90AB8501}">
+      <dgm:prSet/>
+      <dgm:spPr/>
+      <dgm:t>
+        <a:bodyPr/>
+        <a:lstStyle/>
+        <a:p>
+          <a:endParaRPr lang="en-US"/>
+        </a:p>
+      </dgm:t>
+    </dgm:pt>
+    <dgm:pt modelId="{BE11FA3E-DDB3-4B74-A459-910CF1A39250}" type="pres">
+      <dgm:prSet presAssocID="{C458CAAF-420A-4E3D-9D65-FBA217540191}" presName="Name0" presStyleCnt="0">
+        <dgm:presLayoutVars>
+          <dgm:dir/>
+          <dgm:animLvl val="lvl"/>
+          <dgm:resizeHandles val="exact"/>
+        </dgm:presLayoutVars>
+      </dgm:prSet>
+      <dgm:spPr/>
+    </dgm:pt>
+    <dgm:pt modelId="{46B56AEA-233E-489C-8C62-E5C949FA802D}" type="pres">
+      <dgm:prSet presAssocID="{C458CAAF-420A-4E3D-9D65-FBA217540191}" presName="tSp" presStyleCnt="0"/>
+      <dgm:spPr/>
+    </dgm:pt>
+    <dgm:pt modelId="{8C291D71-1CA6-4AD0-B69C-932B8FD04308}" type="pres">
+      <dgm:prSet presAssocID="{C458CAAF-420A-4E3D-9D65-FBA217540191}" presName="bSp" presStyleCnt="0"/>
+      <dgm:spPr/>
+    </dgm:pt>
+    <dgm:pt modelId="{CBD1CE34-5005-41BA-A317-82A0528FD57E}" type="pres">
+      <dgm:prSet presAssocID="{C458CAAF-420A-4E3D-9D65-FBA217540191}" presName="process" presStyleCnt="0"/>
+      <dgm:spPr/>
+    </dgm:pt>
+    <dgm:pt modelId="{F2410A89-E0BD-48DB-A58B-A52DBF3989E6}" type="pres">
+      <dgm:prSet presAssocID="{A33F843C-B224-4CDC-B4B1-3899C46E084F}" presName="composite1" presStyleCnt="0"/>
+      <dgm:spPr/>
+    </dgm:pt>
+    <dgm:pt modelId="{23D0F059-D59A-4574-9548-FCF8FD6F3310}" type="pres">
+      <dgm:prSet presAssocID="{A33F843C-B224-4CDC-B4B1-3899C46E084F}" presName="dummyNode1" presStyleLbl="node1" presStyleIdx="0" presStyleCnt="1"/>
+      <dgm:spPr/>
+    </dgm:pt>
+    <dgm:pt modelId="{DF502B60-2774-4CAA-B414-036252F77BE4}" type="pres">
+      <dgm:prSet presAssocID="{A33F843C-B224-4CDC-B4B1-3899C46E084F}" presName="childNode1" presStyleLbl="bgAcc1" presStyleIdx="0" presStyleCnt="1">
+        <dgm:presLayoutVars>
+          <dgm:bulletEnabled val="1"/>
+        </dgm:presLayoutVars>
+      </dgm:prSet>
+      <dgm:spPr/>
+    </dgm:pt>
+    <dgm:pt modelId="{03028FFF-046C-461C-B1DB-0207D7B271AE}" type="pres">
+      <dgm:prSet presAssocID="{A33F843C-B224-4CDC-B4B1-3899C46E084F}" presName="childNode1tx" presStyleLbl="bgAcc1" presStyleIdx="0" presStyleCnt="1">
+        <dgm:presLayoutVars>
+          <dgm:bulletEnabled val="1"/>
+        </dgm:presLayoutVars>
+      </dgm:prSet>
+      <dgm:spPr/>
+    </dgm:pt>
+    <dgm:pt modelId="{3A48A9A0-B3C2-4FC1-9783-2B8E7DA04D08}" type="pres">
+      <dgm:prSet presAssocID="{A33F843C-B224-4CDC-B4B1-3899C46E084F}" presName="parentNode1" presStyleLbl="node1" presStyleIdx="0" presStyleCnt="1">
+        <dgm:presLayoutVars>
+          <dgm:chMax val="1"/>
+          <dgm:bulletEnabled val="1"/>
+        </dgm:presLayoutVars>
+      </dgm:prSet>
+      <dgm:spPr/>
+    </dgm:pt>
+    <dgm:pt modelId="{76504327-D4EA-41F6-9914-2BE15FAE9A87}" type="pres">
+      <dgm:prSet presAssocID="{A33F843C-B224-4CDC-B4B1-3899C46E084F}" presName="connSite1" presStyleCnt="0"/>
+      <dgm:spPr/>
+    </dgm:pt>
+  </dgm:ptLst>
+  <dgm:cxnLst>
+    <dgm:cxn modelId="{3295B701-6C6E-4027-96E0-270610D8A86B}" type="presOf" srcId="{E920B225-22BD-46A9-A47E-DEDCB0213306}" destId="{DF502B60-2774-4CAA-B414-036252F77BE4}" srcOrd="0" destOrd="1" presId="urn:microsoft.com/office/officeart/2005/8/layout/hProcess4"/>
+    <dgm:cxn modelId="{45161F17-D7E9-42C4-B65F-4FFE41B7F143}" type="presOf" srcId="{B53EFD40-F323-4847-812F-085581B04DE2}" destId="{DF502B60-2774-4CAA-B414-036252F77BE4}" srcOrd="0" destOrd="0" presId="urn:microsoft.com/office/officeart/2005/8/layout/hProcess4"/>
+    <dgm:cxn modelId="{E5CFC821-6B47-470D-9B66-662F60C034F3}" srcId="{C458CAAF-420A-4E3D-9D65-FBA217540191}" destId="{A33F843C-B224-4CDC-B4B1-3899C46E084F}" srcOrd="0" destOrd="0" parTransId="{FC6114A9-23C9-478E-A76A-69F0E5AA5FB2}" sibTransId="{4AC582BF-7852-4291-8780-D63F7DA854E1}"/>
+    <dgm:cxn modelId="{902B576E-AD66-487C-9C99-59CB90AB8501}" srcId="{A33F843C-B224-4CDC-B4B1-3899C46E084F}" destId="{E920B225-22BD-46A9-A47E-DEDCB0213306}" srcOrd="1" destOrd="0" parTransId="{78657386-24E7-4671-948C-0EF17B349455}" sibTransId="{D4580CE4-C1A9-4402-B1FA-2AEB31F785B3}"/>
+    <dgm:cxn modelId="{21EFA477-B811-4155-9DBE-8BBE9996F9D1}" type="presOf" srcId="{B53EFD40-F323-4847-812F-085581B04DE2}" destId="{03028FFF-046C-461C-B1DB-0207D7B271AE}" srcOrd="1" destOrd="0" presId="urn:microsoft.com/office/officeart/2005/8/layout/hProcess4"/>
+    <dgm:cxn modelId="{807AFA87-672C-4F54-BAE2-993C7624871C}" type="presOf" srcId="{C458CAAF-420A-4E3D-9D65-FBA217540191}" destId="{BE11FA3E-DDB3-4B74-A459-910CF1A39250}" srcOrd="0" destOrd="0" presId="urn:microsoft.com/office/officeart/2005/8/layout/hProcess4"/>
+    <dgm:cxn modelId="{0C640CCD-F12F-4113-8261-09F98ADBA845}" srcId="{A33F843C-B224-4CDC-B4B1-3899C46E084F}" destId="{B53EFD40-F323-4847-812F-085581B04DE2}" srcOrd="0" destOrd="0" parTransId="{1D067FFF-ECDC-4A96-B2AD-21CCA24C4984}" sibTransId="{641EE3F3-C217-40B8-9BCF-E7352CBA85D1}"/>
+    <dgm:cxn modelId="{CB041CD0-1EB9-4D18-B195-52C8C060BDE1}" type="presOf" srcId="{E920B225-22BD-46A9-A47E-DEDCB0213306}" destId="{03028FFF-046C-461C-B1DB-0207D7B271AE}" srcOrd="1" destOrd="1" presId="urn:microsoft.com/office/officeart/2005/8/layout/hProcess4"/>
+    <dgm:cxn modelId="{48EC57F7-F3EE-400B-89AE-4B80661D20A0}" type="presOf" srcId="{A33F843C-B224-4CDC-B4B1-3899C46E084F}" destId="{3A48A9A0-B3C2-4FC1-9783-2B8E7DA04D08}" srcOrd="0" destOrd="0" presId="urn:microsoft.com/office/officeart/2005/8/layout/hProcess4"/>
+    <dgm:cxn modelId="{50A7793E-0DB7-4705-93F8-6B432C5CB92D}" type="presParOf" srcId="{BE11FA3E-DDB3-4B74-A459-910CF1A39250}" destId="{46B56AEA-233E-489C-8C62-E5C949FA802D}" srcOrd="0" destOrd="0" presId="urn:microsoft.com/office/officeart/2005/8/layout/hProcess4"/>
+    <dgm:cxn modelId="{11FB15F0-03D4-4CCE-A584-1BB27EB23506}" type="presParOf" srcId="{BE11FA3E-DDB3-4B74-A459-910CF1A39250}" destId="{8C291D71-1CA6-4AD0-B69C-932B8FD04308}" srcOrd="1" destOrd="0" presId="urn:microsoft.com/office/officeart/2005/8/layout/hProcess4"/>
+    <dgm:cxn modelId="{B88041E5-6247-42A3-9CE0-FFB07F469AD8}" type="presParOf" srcId="{BE11FA3E-DDB3-4B74-A459-910CF1A39250}" destId="{CBD1CE34-5005-41BA-A317-82A0528FD57E}" srcOrd="2" destOrd="0" presId="urn:microsoft.com/office/officeart/2005/8/layout/hProcess4"/>
+    <dgm:cxn modelId="{470A055D-2F08-400F-858C-EA97CB130DA9}" type="presParOf" srcId="{CBD1CE34-5005-41BA-A317-82A0528FD57E}" destId="{F2410A89-E0BD-48DB-A58B-A52DBF3989E6}" srcOrd="0" destOrd="0" presId="urn:microsoft.com/office/officeart/2005/8/layout/hProcess4"/>
+    <dgm:cxn modelId="{BF24F408-3D16-47CE-AD27-FA172A3156EB}" type="presParOf" srcId="{F2410A89-E0BD-48DB-A58B-A52DBF3989E6}" destId="{23D0F059-D59A-4574-9548-FCF8FD6F3310}" srcOrd="0" destOrd="0" presId="urn:microsoft.com/office/officeart/2005/8/layout/hProcess4"/>
+    <dgm:cxn modelId="{350C835A-4DA9-421B-BD9A-1393B6416BB9}" type="presParOf" srcId="{F2410A89-E0BD-48DB-A58B-A52DBF3989E6}" destId="{DF502B60-2774-4CAA-B414-036252F77BE4}" srcOrd="1" destOrd="0" presId="urn:microsoft.com/office/officeart/2005/8/layout/hProcess4"/>
+    <dgm:cxn modelId="{3140BB06-3040-42AC-8A1A-0E878D9A855F}" type="presParOf" srcId="{F2410A89-E0BD-48DB-A58B-A52DBF3989E6}" destId="{03028FFF-046C-461C-B1DB-0207D7B271AE}" srcOrd="2" destOrd="0" presId="urn:microsoft.com/office/officeart/2005/8/layout/hProcess4"/>
+    <dgm:cxn modelId="{F49A8CCB-EBC0-4BEE-A329-CFBF85455386}" type="presParOf" srcId="{F2410A89-E0BD-48DB-A58B-A52DBF3989E6}" destId="{3A48A9A0-B3C2-4FC1-9783-2B8E7DA04D08}" srcOrd="3" destOrd="0" presId="urn:microsoft.com/office/officeart/2005/8/layout/hProcess4"/>
+    <dgm:cxn modelId="{5EF16B9E-EE5C-4463-ABB4-D884D62A4981}" type="presParOf" srcId="{F2410A89-E0BD-48DB-A58B-A52DBF3989E6}" destId="{76504327-D4EA-41F6-9914-2BE15FAE9A87}" srcOrd="4" destOrd="0" presId="urn:microsoft.com/office/officeart/2005/8/layout/hProcess4"/>
+  </dgm:cxnLst>
+  <dgm:bg/>
+  <dgm:whole/>
+  <dgm:extLst>
+    <a:ext uri="http://schemas.microsoft.com/office/drawing/2008/diagram">
+      <dsp:dataModelExt xmlns:dsp="http://schemas.microsoft.com/office/drawing/2008/diagram" relId="rId7" minVer="http://schemas.openxmlformats.org/drawingml/2006/diagram"/>
+    </a:ext>
+  </dgm:extLst>
+</dgm:dataModel>
+</file>
+
+<file path=ppt/diagrams/drawing1.xml><?xml version="1.0" encoding="utf-8"?>
+<dsp:drawing xmlns:dgm="http://schemas.openxmlformats.org/drawingml/2006/diagram" xmlns:dsp="http://schemas.microsoft.com/office/drawing/2008/diagram" xmlns:a="http://schemas.openxmlformats.org/drawingml/2006/main">
+  <dsp:spTree>
+    <dsp:nvGrpSpPr>
+      <dsp:cNvPr id="0" name=""/>
+      <dsp:cNvGrpSpPr/>
+    </dsp:nvGrpSpPr>
+    <dsp:grpSpPr/>
+    <dsp:sp modelId="{2DCF2BF5-8D1C-403D-9BF2-875A3DA25E18}">
+      <dsp:nvSpPr>
+        <dsp:cNvPr id="0" name=""/>
+        <dsp:cNvSpPr/>
+      </dsp:nvSpPr>
+      <dsp:spPr>
+        <a:xfrm>
+          <a:off x="0" y="975077"/>
+          <a:ext cx="1353850" cy="1116643"/>
+        </a:xfrm>
+        <a:prstGeom prst="roundRect">
+          <a:avLst>
+            <a:gd name="adj" fmla="val 10000"/>
+          </a:avLst>
+        </a:prstGeom>
+        <a:solidFill>
+          <a:schemeClr val="lt1">
+            <a:alpha val="90000"/>
+            <a:hueOff val="0"/>
+            <a:satOff val="0"/>
+            <a:lumOff val="0"/>
+            <a:alphaOff val="0"/>
+          </a:schemeClr>
+        </a:solidFill>
+        <a:ln w="25400" cap="flat" cmpd="sng" algn="ctr">
+          <a:solidFill>
+            <a:schemeClr val="accent1">
+              <a:hueOff val="0"/>
+              <a:satOff val="0"/>
+              <a:lumOff val="0"/>
+              <a:alphaOff val="0"/>
+            </a:schemeClr>
+          </a:solidFill>
+          <a:prstDash val="solid"/>
+        </a:ln>
+        <a:effectLst/>
+      </dsp:spPr>
+      <dsp:style>
+        <a:lnRef idx="2">
+          <a:scrgbClr r="0" g="0" b="0"/>
+        </a:lnRef>
+        <a:fillRef idx="1">
+          <a:scrgbClr r="0" g="0" b="0"/>
+        </a:fillRef>
+        <a:effectRef idx="0">
+          <a:scrgbClr r="0" g="0" b="0"/>
+        </a:effectRef>
+        <a:fontRef idx="minor"/>
+      </dsp:style>
+      <dsp:txBody>
+        <a:bodyPr spcFirstLastPara="0" vert="horz" wrap="square" lIns="15240" tIns="15240" rIns="15240" bIns="15240" numCol="1" spcCol="1270" anchor="t" anchorCtr="0">
+          <a:noAutofit/>
+        </a:bodyPr>
+        <a:lstStyle/>
+        <a:p>
+          <a:pPr marL="57150" lvl="1" indent="-57150" algn="l" defTabSz="355600">
+            <a:lnSpc>
+              <a:spcPct val="90000"/>
+            </a:lnSpc>
+            <a:spcBef>
+              <a:spcPct val="0"/>
+            </a:spcBef>
+            <a:spcAft>
+              <a:spcPct val="15000"/>
+            </a:spcAft>
+            <a:buChar char="•"/>
+          </a:pPr>
+          <a:r>
+            <a:rPr lang="en-US" sz="800" kern="1200" dirty="0"/>
+            <a:t>Design Criteria</a:t>
+          </a:r>
+        </a:p>
+        <a:p>
+          <a:pPr marL="114300" lvl="2" indent="-57150" algn="l" defTabSz="355600">
+            <a:lnSpc>
+              <a:spcPct val="90000"/>
+            </a:lnSpc>
+            <a:spcBef>
+              <a:spcPct val="0"/>
+            </a:spcBef>
+            <a:spcAft>
+              <a:spcPct val="15000"/>
+            </a:spcAft>
+            <a:buChar char="•"/>
+          </a:pPr>
+          <a:r>
+            <a:rPr lang="en-US" sz="800" kern="1200" dirty="0"/>
+            <a:t>Physical</a:t>
+          </a:r>
+        </a:p>
+        <a:p>
+          <a:pPr marL="114300" lvl="2" indent="-57150" algn="l" defTabSz="355600">
+            <a:lnSpc>
+              <a:spcPct val="90000"/>
+            </a:lnSpc>
+            <a:spcBef>
+              <a:spcPct val="0"/>
+            </a:spcBef>
+            <a:spcAft>
+              <a:spcPct val="15000"/>
+            </a:spcAft>
+            <a:buChar char="•"/>
+          </a:pPr>
+          <a:r>
+            <a:rPr lang="en-US" sz="800" kern="1200" dirty="0"/>
+            <a:t>Mechanical</a:t>
+          </a:r>
+        </a:p>
+        <a:p>
+          <a:pPr marL="114300" lvl="2" indent="-57150" algn="l" defTabSz="355600">
+            <a:lnSpc>
+              <a:spcPct val="90000"/>
+            </a:lnSpc>
+            <a:spcBef>
+              <a:spcPct val="0"/>
+            </a:spcBef>
+            <a:spcAft>
+              <a:spcPct val="15000"/>
+            </a:spcAft>
+            <a:buChar char="•"/>
+          </a:pPr>
+          <a:r>
+            <a:rPr lang="en-US" sz="800" kern="1200" dirty="0"/>
+            <a:t>Regulatory</a:t>
+          </a:r>
+        </a:p>
+        <a:p>
+          <a:pPr marL="114300" lvl="2" indent="-57150" algn="l" defTabSz="355600">
+            <a:lnSpc>
+              <a:spcPct val="90000"/>
+            </a:lnSpc>
+            <a:spcBef>
+              <a:spcPct val="0"/>
+            </a:spcBef>
+            <a:spcAft>
+              <a:spcPct val="15000"/>
+            </a:spcAft>
+            <a:buChar char="•"/>
+          </a:pPr>
+          <a:r>
+            <a:rPr lang="en-US" sz="800" kern="1200" dirty="0"/>
+            <a:t>Cost</a:t>
+          </a:r>
+        </a:p>
+        <a:p>
+          <a:pPr marL="57150" lvl="1" indent="-57150" algn="l" defTabSz="355600">
+            <a:lnSpc>
+              <a:spcPct val="90000"/>
+            </a:lnSpc>
+            <a:spcBef>
+              <a:spcPct val="0"/>
+            </a:spcBef>
+            <a:spcAft>
+              <a:spcPct val="15000"/>
+            </a:spcAft>
+            <a:buChar char="•"/>
+          </a:pPr>
+          <a:endParaRPr lang="en-US" sz="800" kern="1200" dirty="0"/>
+        </a:p>
+      </dsp:txBody>
+      <dsp:txXfrm>
+        <a:off x="25697" y="1000774"/>
+        <a:ext cx="1302456" cy="825968"/>
+      </dsp:txXfrm>
+    </dsp:sp>
+    <dsp:sp modelId="{A3C22735-5804-42F6-8BE4-C33F0AE9A284}">
+      <dsp:nvSpPr>
+        <dsp:cNvPr id="0" name=""/>
+        <dsp:cNvSpPr/>
+      </dsp:nvSpPr>
+      <dsp:spPr>
+        <a:xfrm>
+          <a:off x="777721" y="1310623"/>
+          <a:ext cx="1420122" cy="1420122"/>
+        </a:xfrm>
+        <a:prstGeom prst="leftCircularArrow">
+          <a:avLst>
+            <a:gd name="adj1" fmla="val 2644"/>
+            <a:gd name="adj2" fmla="val 321569"/>
+            <a:gd name="adj3" fmla="val 2097080"/>
+            <a:gd name="adj4" fmla="val 9024489"/>
+            <a:gd name="adj5" fmla="val 3085"/>
+          </a:avLst>
+        </a:prstGeom>
+        <a:solidFill>
+          <a:schemeClr val="accent1">
+            <a:tint val="60000"/>
+            <a:hueOff val="0"/>
+            <a:satOff val="0"/>
+            <a:lumOff val="0"/>
+            <a:alphaOff val="0"/>
+          </a:schemeClr>
+        </a:solidFill>
+        <a:ln>
+          <a:noFill/>
+        </a:ln>
+        <a:effectLst/>
+      </dsp:spPr>
+      <dsp:style>
+        <a:lnRef idx="0">
+          <a:scrgbClr r="0" g="0" b="0"/>
+        </a:lnRef>
+        <a:fillRef idx="1">
+          <a:scrgbClr r="0" g="0" b="0"/>
+        </a:fillRef>
+        <a:effectRef idx="0">
+          <a:scrgbClr r="0" g="0" b="0"/>
+        </a:effectRef>
+        <a:fontRef idx="minor">
+          <a:schemeClr val="lt1"/>
+        </a:fontRef>
+      </dsp:style>
+    </dsp:sp>
+    <dsp:sp modelId="{9B905092-F45E-4666-9BAE-2182EFB2B2A0}">
+      <dsp:nvSpPr>
+        <dsp:cNvPr id="0" name=""/>
+        <dsp:cNvSpPr/>
+      </dsp:nvSpPr>
+      <dsp:spPr>
+        <a:xfrm>
+          <a:off x="304004" y="1872673"/>
+          <a:ext cx="1203422" cy="478561"/>
+        </a:xfrm>
+        <a:prstGeom prst="roundRect">
+          <a:avLst>
+            <a:gd name="adj" fmla="val 10000"/>
+          </a:avLst>
+        </a:prstGeom>
+        <a:solidFill>
+          <a:schemeClr val="accent1">
+            <a:hueOff val="0"/>
+            <a:satOff val="0"/>
+            <a:lumOff val="0"/>
+            <a:alphaOff val="0"/>
+          </a:schemeClr>
+        </a:solidFill>
+        <a:ln w="25400" cap="flat" cmpd="sng" algn="ctr">
+          <a:solidFill>
+            <a:schemeClr val="lt1">
+              <a:hueOff val="0"/>
+              <a:satOff val="0"/>
+              <a:lumOff val="0"/>
+              <a:alphaOff val="0"/>
+            </a:schemeClr>
+          </a:solidFill>
+          <a:prstDash val="solid"/>
+        </a:ln>
+        <a:effectLst/>
+      </dsp:spPr>
+      <dsp:style>
+        <a:lnRef idx="2">
+          <a:scrgbClr r="0" g="0" b="0"/>
+        </a:lnRef>
+        <a:fillRef idx="1">
+          <a:scrgbClr r="0" g="0" b="0"/>
+        </a:fillRef>
+        <a:effectRef idx="0">
+          <a:scrgbClr r="0" g="0" b="0"/>
+        </a:effectRef>
+        <a:fontRef idx="minor">
+          <a:schemeClr val="lt1"/>
+        </a:fontRef>
+      </dsp:style>
+      <dsp:txBody>
+        <a:bodyPr spcFirstLastPara="0" vert="horz" wrap="square" lIns="41910" tIns="27940" rIns="41910" bIns="27940" numCol="1" spcCol="1270" anchor="ctr" anchorCtr="0">
+          <a:noAutofit/>
+        </a:bodyPr>
+        <a:lstStyle/>
+        <a:p>
+          <a:pPr marL="0" lvl="0" indent="0" algn="ctr" defTabSz="977900">
+            <a:lnSpc>
+              <a:spcPct val="90000"/>
+            </a:lnSpc>
+            <a:spcBef>
+              <a:spcPct val="0"/>
+            </a:spcBef>
+            <a:spcAft>
+              <a:spcPct val="35000"/>
+            </a:spcAft>
+            <a:buNone/>
+          </a:pPr>
+          <a:r>
+            <a:rPr lang="en-US" sz="2200" kern="1200" dirty="0"/>
+            <a:t>Design</a:t>
+          </a:r>
+        </a:p>
+      </dsp:txBody>
+      <dsp:txXfrm>
+        <a:off x="318021" y="1886690"/>
+        <a:ext cx="1175388" cy="450527"/>
+      </dsp:txXfrm>
+    </dsp:sp>
+    <dsp:sp modelId="{310F74E9-A08E-4E4D-8372-70A44BB1D06B}">
+      <dsp:nvSpPr>
+        <dsp:cNvPr id="0" name=""/>
+        <dsp:cNvSpPr/>
+      </dsp:nvSpPr>
+      <dsp:spPr>
+        <a:xfrm>
+          <a:off x="1686258" y="995311"/>
+          <a:ext cx="1353850" cy="1116643"/>
+        </a:xfrm>
+        <a:prstGeom prst="roundRect">
+          <a:avLst>
+            <a:gd name="adj" fmla="val 10000"/>
+          </a:avLst>
+        </a:prstGeom>
+        <a:solidFill>
+          <a:schemeClr val="lt1">
+            <a:alpha val="90000"/>
+            <a:hueOff val="0"/>
+            <a:satOff val="0"/>
+            <a:lumOff val="0"/>
+            <a:alphaOff val="0"/>
+          </a:schemeClr>
+        </a:solidFill>
+        <a:ln w="25400" cap="flat" cmpd="sng" algn="ctr">
+          <a:solidFill>
+            <a:schemeClr val="accent1">
+              <a:hueOff val="0"/>
+              <a:satOff val="0"/>
+              <a:lumOff val="0"/>
+              <a:alphaOff val="0"/>
+            </a:schemeClr>
+          </a:solidFill>
+          <a:prstDash val="solid"/>
+        </a:ln>
+        <a:effectLst/>
+      </dsp:spPr>
+      <dsp:style>
+        <a:lnRef idx="2">
+          <a:scrgbClr r="0" g="0" b="0"/>
+        </a:lnRef>
+        <a:fillRef idx="1">
+          <a:scrgbClr r="0" g="0" b="0"/>
+        </a:fillRef>
+        <a:effectRef idx="0">
+          <a:scrgbClr r="0" g="0" b="0"/>
+        </a:effectRef>
+        <a:fontRef idx="minor"/>
+      </dsp:style>
+      <dsp:txBody>
+        <a:bodyPr spcFirstLastPara="0" vert="horz" wrap="square" lIns="15240" tIns="15240" rIns="15240" bIns="15240" numCol="1" spcCol="1270" anchor="t" anchorCtr="0">
+          <a:noAutofit/>
+        </a:bodyPr>
+        <a:lstStyle/>
+        <a:p>
+          <a:pPr marL="57150" lvl="1" indent="-57150" algn="l" defTabSz="355600">
+            <a:lnSpc>
+              <a:spcPct val="90000"/>
+            </a:lnSpc>
+            <a:spcBef>
+              <a:spcPct val="0"/>
+            </a:spcBef>
+            <a:spcAft>
+              <a:spcPct val="15000"/>
+            </a:spcAft>
+            <a:buChar char="•"/>
+          </a:pPr>
+          <a:r>
+            <a:rPr lang="en-US" sz="800" kern="1200" dirty="0"/>
+            <a:t> Gather data on candidate materials to compare.</a:t>
+          </a:r>
+        </a:p>
+        <a:p>
+          <a:pPr marL="57150" lvl="1" indent="-57150" algn="l" defTabSz="355600">
+            <a:lnSpc>
+              <a:spcPct val="90000"/>
+            </a:lnSpc>
+            <a:spcBef>
+              <a:spcPct val="0"/>
+            </a:spcBef>
+            <a:spcAft>
+              <a:spcPct val="15000"/>
+            </a:spcAft>
+            <a:buChar char="•"/>
+          </a:pPr>
+          <a:r>
+            <a:rPr lang="en-US" sz="800" kern="1200" dirty="0"/>
+            <a:t> Mechanical data can be provided by supplier or performed by testing lab.</a:t>
+          </a:r>
+        </a:p>
+      </dsp:txBody>
+      <dsp:txXfrm>
+        <a:off x="1711955" y="1260289"/>
+        <a:ext cx="1302456" cy="825968"/>
+      </dsp:txXfrm>
+    </dsp:sp>
+    <dsp:sp modelId="{87E935FD-9FD5-47B1-955F-127D66D1527B}">
+      <dsp:nvSpPr>
+        <dsp:cNvPr id="0" name=""/>
+        <dsp:cNvSpPr/>
+      </dsp:nvSpPr>
+      <dsp:spPr>
+        <a:xfrm>
+          <a:off x="2449548" y="332737"/>
+          <a:ext cx="1593114" cy="1593114"/>
+        </a:xfrm>
+        <a:prstGeom prst="circularArrow">
+          <a:avLst>
+            <a:gd name="adj1" fmla="val 2357"/>
+            <a:gd name="adj2" fmla="val 284749"/>
+            <a:gd name="adj3" fmla="val 19539741"/>
+            <a:gd name="adj4" fmla="val 12575511"/>
+            <a:gd name="adj5" fmla="val 2750"/>
+          </a:avLst>
+        </a:prstGeom>
+        <a:solidFill>
+          <a:schemeClr val="accent1">
+            <a:tint val="60000"/>
+            <a:hueOff val="0"/>
+            <a:satOff val="0"/>
+            <a:lumOff val="0"/>
+            <a:alphaOff val="0"/>
+          </a:schemeClr>
+        </a:solidFill>
+        <a:ln>
+          <a:noFill/>
+        </a:ln>
+        <a:effectLst/>
+      </dsp:spPr>
+      <dsp:style>
+        <a:lnRef idx="0">
+          <a:scrgbClr r="0" g="0" b="0"/>
+        </a:lnRef>
+        <a:fillRef idx="1">
+          <a:scrgbClr r="0" g="0" b="0"/>
+        </a:fillRef>
+        <a:effectRef idx="0">
+          <a:scrgbClr r="0" g="0" b="0"/>
+        </a:effectRef>
+        <a:fontRef idx="minor">
+          <a:schemeClr val="lt1"/>
+        </a:fontRef>
+      </dsp:style>
+    </dsp:sp>
+    <dsp:sp modelId="{E896E783-E40C-441A-864D-7FD0E196AE23}">
+      <dsp:nvSpPr>
+        <dsp:cNvPr id="0" name=""/>
+        <dsp:cNvSpPr/>
+      </dsp:nvSpPr>
+      <dsp:spPr>
+        <a:xfrm>
+          <a:off x="1987114" y="756030"/>
+          <a:ext cx="1203422" cy="478561"/>
+        </a:xfrm>
+        <a:prstGeom prst="roundRect">
+          <a:avLst>
+            <a:gd name="adj" fmla="val 10000"/>
+          </a:avLst>
+        </a:prstGeom>
+        <a:solidFill>
+          <a:schemeClr val="accent1">
+            <a:hueOff val="0"/>
+            <a:satOff val="0"/>
+            <a:lumOff val="0"/>
+            <a:alphaOff val="0"/>
+          </a:schemeClr>
+        </a:solidFill>
+        <a:ln w="25400" cap="flat" cmpd="sng" algn="ctr">
+          <a:solidFill>
+            <a:schemeClr val="lt1">
+              <a:hueOff val="0"/>
+              <a:satOff val="0"/>
+              <a:lumOff val="0"/>
+              <a:alphaOff val="0"/>
+            </a:schemeClr>
+          </a:solidFill>
+          <a:prstDash val="solid"/>
+        </a:ln>
+        <a:effectLst/>
+      </dsp:spPr>
+      <dsp:style>
+        <a:lnRef idx="2">
+          <a:scrgbClr r="0" g="0" b="0"/>
+        </a:lnRef>
+        <a:fillRef idx="1">
+          <a:scrgbClr r="0" g="0" b="0"/>
+        </a:fillRef>
+        <a:effectRef idx="0">
+          <a:scrgbClr r="0" g="0" b="0"/>
+        </a:effectRef>
+        <a:fontRef idx="minor">
+          <a:schemeClr val="lt1"/>
+        </a:fontRef>
+      </dsp:style>
+      <dsp:txBody>
+        <a:bodyPr spcFirstLastPara="0" vert="horz" wrap="square" lIns="41910" tIns="27940" rIns="41910" bIns="27940" numCol="1" spcCol="1270" anchor="ctr" anchorCtr="0">
+          <a:noAutofit/>
+        </a:bodyPr>
+        <a:lstStyle/>
+        <a:p>
+          <a:pPr marL="0" lvl="0" indent="0" algn="ctr" defTabSz="977900">
+            <a:lnSpc>
+              <a:spcPct val="90000"/>
+            </a:lnSpc>
+            <a:spcBef>
+              <a:spcPct val="0"/>
+            </a:spcBef>
+            <a:spcAft>
+              <a:spcPct val="35000"/>
+            </a:spcAft>
+            <a:buNone/>
+          </a:pPr>
+          <a:r>
+            <a:rPr lang="en-US" sz="2200" kern="1200" dirty="0"/>
+            <a:t>Data</a:t>
+          </a:r>
+        </a:p>
+      </dsp:txBody>
+      <dsp:txXfrm>
+        <a:off x="2001131" y="770047"/>
+        <a:ext cx="1175388" cy="450527"/>
+      </dsp:txXfrm>
+    </dsp:sp>
+    <dsp:sp modelId="{55C57EFB-97F6-460E-B401-7EFA9F35B5C4}">
+      <dsp:nvSpPr>
+        <dsp:cNvPr id="0" name=""/>
+        <dsp:cNvSpPr/>
+      </dsp:nvSpPr>
+      <dsp:spPr>
+        <a:xfrm>
+          <a:off x="3369368" y="995311"/>
+          <a:ext cx="1353850" cy="1116643"/>
+        </a:xfrm>
+        <a:prstGeom prst="roundRect">
+          <a:avLst>
+            <a:gd name="adj" fmla="val 10000"/>
+          </a:avLst>
+        </a:prstGeom>
+        <a:solidFill>
+          <a:schemeClr val="lt1">
+            <a:alpha val="90000"/>
+            <a:hueOff val="0"/>
+            <a:satOff val="0"/>
+            <a:lumOff val="0"/>
+            <a:alphaOff val="0"/>
+          </a:schemeClr>
+        </a:solidFill>
+        <a:ln w="25400" cap="flat" cmpd="sng" algn="ctr">
+          <a:solidFill>
+            <a:schemeClr val="accent1">
+              <a:hueOff val="0"/>
+              <a:satOff val="0"/>
+              <a:lumOff val="0"/>
+              <a:alphaOff val="0"/>
+            </a:schemeClr>
+          </a:solidFill>
+          <a:prstDash val="solid"/>
+        </a:ln>
+        <a:effectLst/>
+      </dsp:spPr>
+      <dsp:style>
+        <a:lnRef idx="2">
+          <a:scrgbClr r="0" g="0" b="0"/>
+        </a:lnRef>
+        <a:fillRef idx="1">
+          <a:scrgbClr r="0" g="0" b="0"/>
+        </a:fillRef>
+        <a:effectRef idx="0">
+          <a:scrgbClr r="0" g="0" b="0"/>
+        </a:effectRef>
+        <a:fontRef idx="minor"/>
+      </dsp:style>
+      <dsp:txBody>
+        <a:bodyPr spcFirstLastPara="0" vert="horz" wrap="square" lIns="15240" tIns="15240" rIns="15240" bIns="15240" numCol="1" spcCol="1270" anchor="t" anchorCtr="0">
+          <a:noAutofit/>
+        </a:bodyPr>
+        <a:lstStyle/>
+        <a:p>
+          <a:pPr marL="57150" lvl="1" indent="-57150" algn="l" defTabSz="355600">
+            <a:lnSpc>
+              <a:spcPct val="90000"/>
+            </a:lnSpc>
+            <a:spcBef>
+              <a:spcPct val="0"/>
+            </a:spcBef>
+            <a:spcAft>
+              <a:spcPct val="15000"/>
+            </a:spcAft>
+            <a:buChar char="•"/>
+          </a:pPr>
+          <a:r>
+            <a:rPr lang="en-US" sz="800" kern="1200" dirty="0"/>
+            <a:t> Select material based that meets the optimum criteria.</a:t>
+          </a:r>
+        </a:p>
+        <a:p>
+          <a:pPr marL="57150" lvl="1" indent="-57150" algn="l" defTabSz="355600">
+            <a:lnSpc>
+              <a:spcPct val="90000"/>
+            </a:lnSpc>
+            <a:spcBef>
+              <a:spcPct val="0"/>
+            </a:spcBef>
+            <a:spcAft>
+              <a:spcPct val="15000"/>
+            </a:spcAft>
+            <a:buChar char="•"/>
+          </a:pPr>
+          <a:r>
+            <a:rPr lang="en-US" sz="800" kern="1200" dirty="0"/>
+            <a:t> Often a balance that varies from project to project.</a:t>
+          </a:r>
+        </a:p>
+      </dsp:txBody>
+      <dsp:txXfrm>
+        <a:off x="3395065" y="1021008"/>
+        <a:ext cx="1302456" cy="825968"/>
+      </dsp:txXfrm>
+    </dsp:sp>
+    <dsp:sp modelId="{92E2CD9F-2C70-4FEE-BC13-1F5C34282A3A}">
+      <dsp:nvSpPr>
+        <dsp:cNvPr id="0" name=""/>
+        <dsp:cNvSpPr/>
+      </dsp:nvSpPr>
+      <dsp:spPr>
+        <a:xfrm>
+          <a:off x="3670223" y="1872673"/>
+          <a:ext cx="1203422" cy="478561"/>
+        </a:xfrm>
+        <a:prstGeom prst="roundRect">
+          <a:avLst>
+            <a:gd name="adj" fmla="val 10000"/>
+          </a:avLst>
+        </a:prstGeom>
+        <a:solidFill>
+          <a:schemeClr val="accent1">
+            <a:hueOff val="0"/>
+            <a:satOff val="0"/>
+            <a:lumOff val="0"/>
+            <a:alphaOff val="0"/>
+          </a:schemeClr>
+        </a:solidFill>
+        <a:ln w="25400" cap="flat" cmpd="sng" algn="ctr">
+          <a:solidFill>
+            <a:schemeClr val="lt1">
+              <a:hueOff val="0"/>
+              <a:satOff val="0"/>
+              <a:lumOff val="0"/>
+              <a:alphaOff val="0"/>
+            </a:schemeClr>
+          </a:solidFill>
+          <a:prstDash val="solid"/>
+        </a:ln>
+        <a:effectLst/>
+      </dsp:spPr>
+      <dsp:style>
+        <a:lnRef idx="2">
+          <a:scrgbClr r="0" g="0" b="0"/>
+        </a:lnRef>
+        <a:fillRef idx="1">
+          <a:scrgbClr r="0" g="0" b="0"/>
+        </a:fillRef>
+        <a:effectRef idx="0">
+          <a:scrgbClr r="0" g="0" b="0"/>
+        </a:effectRef>
+        <a:fontRef idx="minor">
+          <a:schemeClr val="lt1"/>
+        </a:fontRef>
+      </dsp:style>
+      <dsp:txBody>
+        <a:bodyPr spcFirstLastPara="0" vert="horz" wrap="square" lIns="41910" tIns="27940" rIns="41910" bIns="27940" numCol="1" spcCol="1270" anchor="ctr" anchorCtr="0">
+          <a:noAutofit/>
+        </a:bodyPr>
+        <a:lstStyle/>
+        <a:p>
+          <a:pPr marL="0" lvl="0" indent="0" algn="ctr" defTabSz="977900">
+            <a:lnSpc>
+              <a:spcPct val="90000"/>
+            </a:lnSpc>
+            <a:spcBef>
+              <a:spcPct val="0"/>
+            </a:spcBef>
+            <a:spcAft>
+              <a:spcPct val="35000"/>
+            </a:spcAft>
+            <a:buNone/>
+          </a:pPr>
+          <a:r>
+            <a:rPr lang="en-US" sz="2200" kern="1200" dirty="0"/>
+            <a:t>Selection</a:t>
+          </a:r>
+        </a:p>
+      </dsp:txBody>
+      <dsp:txXfrm>
+        <a:off x="3684240" y="1886690"/>
+        <a:ext cx="1175388" cy="450527"/>
+      </dsp:txXfrm>
+    </dsp:sp>
+  </dsp:spTree>
+</dsp:drawing>
+</file>
+
+<file path=ppt/diagrams/drawing2.xml><?xml version="1.0" encoding="utf-8"?>
+<dsp:drawing xmlns:dgm="http://schemas.openxmlformats.org/drawingml/2006/diagram" xmlns:dsp="http://schemas.microsoft.com/office/drawing/2008/diagram" xmlns:a="http://schemas.openxmlformats.org/drawingml/2006/main">
+  <dsp:spTree>
+    <dsp:nvGrpSpPr>
+      <dsp:cNvPr id="0" name=""/>
+      <dsp:cNvGrpSpPr/>
+    </dsp:nvGrpSpPr>
+    <dsp:grpSpPr/>
+    <dsp:sp modelId="{DF502B60-2774-4CAA-B414-036252F77BE4}">
+      <dsp:nvSpPr>
+        <dsp:cNvPr id="0" name=""/>
+        <dsp:cNvSpPr/>
+      </dsp:nvSpPr>
+      <dsp:spPr>
+        <a:xfrm>
+          <a:off x="1307551" y="823523"/>
+          <a:ext cx="1918614" cy="1582455"/>
+        </a:xfrm>
+        <a:prstGeom prst="roundRect">
+          <a:avLst>
+            <a:gd name="adj" fmla="val 10000"/>
+          </a:avLst>
+        </a:prstGeom>
+        <a:solidFill>
+          <a:schemeClr val="lt1">
+            <a:alpha val="90000"/>
+            <a:hueOff val="0"/>
+            <a:satOff val="0"/>
+            <a:lumOff val="0"/>
+            <a:alphaOff val="0"/>
+          </a:schemeClr>
+        </a:solidFill>
+        <a:ln w="25400" cap="flat" cmpd="sng" algn="ctr">
+          <a:solidFill>
+            <a:schemeClr val="accent1">
+              <a:hueOff val="0"/>
+              <a:satOff val="0"/>
+              <a:lumOff val="0"/>
+              <a:alphaOff val="0"/>
+            </a:schemeClr>
+          </a:solidFill>
+          <a:prstDash val="solid"/>
+        </a:ln>
+        <a:effectLst/>
+      </dsp:spPr>
+      <dsp:style>
+        <a:lnRef idx="2">
+          <a:scrgbClr r="0" g="0" b="0"/>
+        </a:lnRef>
+        <a:fillRef idx="1">
+          <a:scrgbClr r="0" g="0" b="0"/>
+        </a:fillRef>
+        <a:effectRef idx="0">
+          <a:scrgbClr r="0" g="0" b="0"/>
+        </a:effectRef>
+        <a:fontRef idx="minor"/>
+      </dsp:style>
+      <dsp:txBody>
+        <a:bodyPr spcFirstLastPara="0" vert="horz" wrap="square" lIns="22860" tIns="22860" rIns="22860" bIns="22860" numCol="1" spcCol="1270" anchor="t" anchorCtr="0">
+          <a:noAutofit/>
+        </a:bodyPr>
+        <a:lstStyle/>
+        <a:p>
+          <a:pPr marL="114300" lvl="1" indent="-114300" algn="l" defTabSz="533400">
+            <a:lnSpc>
+              <a:spcPct val="90000"/>
+            </a:lnSpc>
+            <a:spcBef>
+              <a:spcPct val="0"/>
+            </a:spcBef>
+            <a:spcAft>
+              <a:spcPct val="15000"/>
+            </a:spcAft>
+            <a:buChar char="•"/>
+          </a:pPr>
+          <a:r>
+            <a:rPr lang="en-US" sz="1200" kern="1200" dirty="0"/>
+            <a:t> Gather data on candidate materials to compare.</a:t>
+          </a:r>
+        </a:p>
+        <a:p>
+          <a:pPr marL="114300" lvl="1" indent="-114300" algn="l" defTabSz="533400">
+            <a:lnSpc>
+              <a:spcPct val="90000"/>
+            </a:lnSpc>
+            <a:spcBef>
+              <a:spcPct val="0"/>
+            </a:spcBef>
+            <a:spcAft>
+              <a:spcPct val="15000"/>
+            </a:spcAft>
+            <a:buChar char="•"/>
+          </a:pPr>
+          <a:r>
+            <a:rPr lang="en-US" sz="1200" kern="1200" dirty="0"/>
+            <a:t> Mechanical data can be provided by supplier or performed by testing lab.</a:t>
+          </a:r>
+        </a:p>
+      </dsp:txBody>
+      <dsp:txXfrm>
+        <a:off x="1343968" y="859940"/>
+        <a:ext cx="1845780" cy="1170524"/>
+      </dsp:txXfrm>
+    </dsp:sp>
+    <dsp:sp modelId="{3A48A9A0-B3C2-4FC1-9783-2B8E7DA04D08}">
+      <dsp:nvSpPr>
+        <dsp:cNvPr id="0" name=""/>
+        <dsp:cNvSpPr/>
+      </dsp:nvSpPr>
+      <dsp:spPr>
+        <a:xfrm>
+          <a:off x="1733910" y="2066881"/>
+          <a:ext cx="1705435" cy="678195"/>
+        </a:xfrm>
+        <a:prstGeom prst="roundRect">
+          <a:avLst>
+            <a:gd name="adj" fmla="val 10000"/>
+          </a:avLst>
+        </a:prstGeom>
+        <a:solidFill>
+          <a:schemeClr val="accent1">
+            <a:hueOff val="0"/>
+            <a:satOff val="0"/>
+            <a:lumOff val="0"/>
+            <a:alphaOff val="0"/>
+          </a:schemeClr>
+        </a:solidFill>
+        <a:ln w="25400" cap="flat" cmpd="sng" algn="ctr">
+          <a:solidFill>
+            <a:schemeClr val="lt1">
+              <a:hueOff val="0"/>
+              <a:satOff val="0"/>
+              <a:lumOff val="0"/>
+              <a:alphaOff val="0"/>
+            </a:schemeClr>
+          </a:solidFill>
+          <a:prstDash val="solid"/>
+        </a:ln>
+        <a:effectLst/>
+      </dsp:spPr>
+      <dsp:style>
+        <a:lnRef idx="2">
+          <a:scrgbClr r="0" g="0" b="0"/>
+        </a:lnRef>
+        <a:fillRef idx="1">
+          <a:scrgbClr r="0" g="0" b="0"/>
+        </a:fillRef>
+        <a:effectRef idx="0">
+          <a:scrgbClr r="0" g="0" b="0"/>
+        </a:effectRef>
+        <a:fontRef idx="minor">
+          <a:schemeClr val="lt1"/>
+        </a:fontRef>
+      </dsp:style>
+      <dsp:txBody>
+        <a:bodyPr spcFirstLastPara="0" vert="horz" wrap="square" lIns="72390" tIns="48260" rIns="72390" bIns="48260" numCol="1" spcCol="1270" anchor="ctr" anchorCtr="0">
+          <a:noAutofit/>
+        </a:bodyPr>
+        <a:lstStyle/>
+        <a:p>
+          <a:pPr marL="0" lvl="0" indent="0" algn="ctr" defTabSz="1689100">
+            <a:lnSpc>
+              <a:spcPct val="90000"/>
+            </a:lnSpc>
+            <a:spcBef>
+              <a:spcPct val="0"/>
+            </a:spcBef>
+            <a:spcAft>
+              <a:spcPct val="35000"/>
+            </a:spcAft>
+            <a:buNone/>
+          </a:pPr>
+          <a:r>
+            <a:rPr lang="en-US" sz="3800" kern="1200" dirty="0"/>
+            <a:t>Data</a:t>
+          </a:r>
+        </a:p>
+      </dsp:txBody>
+      <dsp:txXfrm>
+        <a:off x="1753774" y="2086745"/>
+        <a:ext cx="1665707" cy="638467"/>
+      </dsp:txXfrm>
+    </dsp:sp>
+  </dsp:spTree>
+</dsp:drawing>
+</file>
+
+<file path=ppt/diagrams/layout1.xml><?xml version="1.0" encoding="utf-8"?>
+<dgm:layoutDef xmlns:dgm="http://schemas.openxmlformats.org/drawingml/2006/diagram" xmlns:a="http://schemas.openxmlformats.org/drawingml/2006/main" uniqueId="urn:microsoft.com/office/officeart/2005/8/layout/hProcess4">
+  <dgm:title val=""/>
+  <dgm:desc val=""/>
+  <dgm:catLst>
+    <dgm:cat type="process" pri="4000"/>
+  </dgm:catLst>
+  <dgm:sampData>
+    <dgm:dataModel>
+      <dgm:ptLst>
+        <dgm:pt modelId="0" type="doc"/>
+        <dgm:pt modelId="1">
+          <dgm:prSet phldr="1"/>
+        </dgm:pt>
+        <dgm:pt modelId="11">
+          <dgm:prSet phldr="1"/>
+        </dgm:pt>
+        <dgm:pt modelId="12">
+          <dgm:prSet phldr="1"/>
+        </dgm:pt>
+        <dgm:pt modelId="2">
+          <dgm:prSet phldr="1"/>
+        </dgm:pt>
+        <dgm:pt modelId="21">
+          <dgm:prSet phldr="1"/>
+        </dgm:pt>
+        <dgm:pt modelId="22">
+          <dgm:prSet phldr="1"/>
+        </dgm:pt>
+        <dgm:pt modelId="3">
+          <dgm:prSet phldr="1"/>
+        </dgm:pt>
+        <dgm:pt modelId="31">
+          <dgm:prSet phldr="1"/>
+        </dgm:pt>
+        <dgm:pt modelId="32">
+          <dgm:prSet phldr="1"/>
+        </dgm:pt>
+      </dgm:ptLst>
+      <dgm:cxnLst>
+        <dgm:cxn modelId="4" srcId="0" destId="1" srcOrd="0" destOrd="0"/>
+        <dgm:cxn modelId="5" srcId="0" destId="2" srcOrd="1" destOrd="0"/>
+        <dgm:cxn modelId="6" srcId="0" destId="3" srcOrd="2" destOrd="0"/>
+        <dgm:cxn modelId="13" srcId="1" destId="11" srcOrd="0" destOrd="0"/>
+        <dgm:cxn modelId="14" srcId="1" destId="12" srcOrd="1" destOrd="0"/>
+        <dgm:cxn modelId="23" srcId="2" destId="21" srcOrd="0" destOrd="0"/>
+        <dgm:cxn modelId="24" srcId="2" destId="22" srcOrd="1" destOrd="0"/>
+        <dgm:cxn modelId="33" srcId="3" destId="31" srcOrd="0" destOrd="0"/>
+        <dgm:cxn modelId="34" srcId="3" destId="32" srcOrd="1" destOrd="0"/>
+      </dgm:cxnLst>
+      <dgm:bg/>
+      <dgm:whole/>
+    </dgm:dataModel>
+  </dgm:sampData>
+  <dgm:styleData>
+    <dgm:dataModel>
+      <dgm:ptLst>
+        <dgm:pt modelId="0" type="doc"/>
+        <dgm:pt modelId="1"/>
+        <dgm:pt modelId="11"/>
+        <dgm:pt modelId="2"/>
+        <dgm:pt modelId="21"/>
+      </dgm:ptLst>
+      <dgm:cxnLst>
+        <dgm:cxn modelId="4" srcId="0" destId="1" srcOrd="0" destOrd="0"/>
+        <dgm:cxn modelId="5" srcId="0" destId="2" srcOrd="1" destOrd="0"/>
+        <dgm:cxn modelId="13" srcId="1" destId="11" srcOrd="0" destOrd="0"/>
+        <dgm:cxn modelId="23" srcId="2" destId="21" srcOrd="0" destOrd="0"/>
+      </dgm:cxnLst>
+      <dgm:bg/>
+      <dgm:whole/>
+    </dgm:dataModel>
+  </dgm:styleData>
+  <dgm:clrData>
+    <dgm:dataModel>
+      <dgm:ptLst>
+        <dgm:pt modelId="0" type="doc"/>
+        <dgm:pt modelId="1"/>
+        <dgm:pt modelId="11"/>
+        <dgm:pt modelId="2"/>
+        <dgm:pt modelId="21"/>
+        <dgm:pt modelId="3"/>
+        <dgm:pt modelId="31"/>
+        <dgm:pt modelId="4"/>
+        <dgm:pt modelId="41"/>
+      </dgm:ptLst>
+      <dgm:cxnLst>
+        <dgm:cxn modelId="5" srcId="0" destId="1" srcOrd="0" destOrd="0"/>
+        <dgm:cxn modelId="6" srcId="0" destId="2" srcOrd="1" destOrd="0"/>
+        <dgm:cxn modelId="7" srcId="0" destId="3" srcOrd="2" destOrd="0"/>
+        <dgm:cxn modelId="8" srcId="0" destId="4" srcOrd="3" destOrd="0"/>
+        <dgm:cxn modelId="13" srcId="1" destId="11" srcOrd="0" destOrd="0"/>
+        <dgm:cxn modelId="23" srcId="2" destId="21" srcOrd="0" destOrd="0"/>
+        <dgm:cxn modelId="33" srcId="3" destId="31" srcOrd="0" destOrd="0"/>
+        <dgm:cxn modelId="43" srcId="4" destId="41" srcOrd="0" destOrd="0"/>
+      </dgm:cxnLst>
+      <dgm:bg/>
+      <dgm:whole/>
+    </dgm:dataModel>
+  </dgm:clrData>
+  <dgm:layoutNode name="Name0">
+    <dgm:varLst>
+      <dgm:dir/>
+      <dgm:animLvl val="lvl"/>
+      <dgm:resizeHandles val="exact"/>
+    </dgm:varLst>
+    <dgm:alg type="composite"/>
+    <dgm:shape xmlns:r="http://schemas.openxmlformats.org/officeDocument/2006/relationships" r:blip="">
+      <dgm:adjLst/>
+    </dgm:shape>
+    <dgm:presOf/>
+    <dgm:constrLst>
+      <dgm:constr type="w" for="ch" forName="tSp" refType="w"/>
+      <dgm:constr type="h" for="ch" forName="tSp" refType="h" fact="0.15"/>
+      <dgm:constr type="l" for="ch" forName="tSp"/>
+      <dgm:constr type="t" for="ch" forName="tSp"/>
+      <dgm:constr type="w" for="ch" forName="bSp" refType="w"/>
+      <dgm:constr type="h" for="ch" forName="bSp" refType="h" fact="0.15"/>
+      <dgm:constr type="l" for="ch" forName="bSp"/>
+      <dgm:constr type="t" for="ch" forName="bSp" refType="h" fact="0.85"/>
+      <dgm:constr type="w" for="ch" forName="process" refType="w"/>
+      <dgm:constr type="h" for="ch" forName="process" refType="h" fact="0.7"/>
+      <dgm:constr type="l" for="ch" forName="process"/>
+      <dgm:constr type="t" for="ch" forName="process" refType="h" fact="0.15"/>
+    </dgm:constrLst>
+    <dgm:ruleLst/>
+    <dgm:layoutNode name="tSp">
+      <dgm:alg type="sp"/>
+      <dgm:shape xmlns:r="http://schemas.openxmlformats.org/officeDocument/2006/relationships" r:blip="">
+        <dgm:adjLst/>
+      </dgm:shape>
+      <dgm:presOf/>
+      <dgm:constrLst/>
+      <dgm:ruleLst/>
+    </dgm:layoutNode>
+    <dgm:layoutNode name="bSp">
+      <dgm:alg type="sp"/>
+      <dgm:shape xmlns:r="http://schemas.openxmlformats.org/officeDocument/2006/relationships" r:blip="">
+        <dgm:adjLst/>
+      </dgm:shape>
+      <dgm:presOf/>
+      <dgm:constrLst/>
+      <dgm:ruleLst/>
+    </dgm:layoutNode>
+    <dgm:layoutNode name="process">
+      <dgm:choose name="Name1">
+        <dgm:if name="Name2" func="var" arg="dir" op="equ" val="norm">
+          <dgm:alg type="lin">
+            <dgm:param type="linDir" val="fromL"/>
+          </dgm:alg>
+        </dgm:if>
+        <dgm:else name="Name3">
+          <dgm:alg type="lin">
+            <dgm:param type="linDir" val="fromR"/>
+          </dgm:alg>
+        </dgm:else>
+      </dgm:choose>
+      <dgm:shape xmlns:r="http://schemas.openxmlformats.org/officeDocument/2006/relationships" r:blip="">
+        <dgm:adjLst/>
+      </dgm:shape>
+      <dgm:presOf/>
+      <dgm:constrLst>
+        <dgm:constr type="w" for="ch" forName="composite1" refType="w"/>
+        <dgm:constr type="w" for="ch" forName="composite2" refType="w" refFor="ch" refForName="composite1" op="equ"/>
+        <dgm:constr type="h" for="ch" forName="composite1" refType="h"/>
+        <dgm:constr type="h" for="ch" forName="composite2" refType="h" refFor="ch" refForName="composite1" op="equ"/>
+        <dgm:constr type="primFontSz" for="des" forName="parentNode1" val="65"/>
+        <dgm:constr type="primFontSz" for="des" forName="parentNode2" refType="primFontSz" refFor="des" refForName="parentNode1" op="equ"/>
+        <dgm:constr type="secFontSz" for="des" forName="childNode1tx" val="65"/>
+        <dgm:constr type="secFontSz" for="des" forName="childNode2tx" refType="secFontSz" refFor="des" refForName="childNode1tx" op="equ"/>
+        <dgm:constr type="w" for="des" ptType="sibTrans" refType="w" refFor="ch" refForName="composite1" op="equ" fact="0.05"/>
+      </dgm:constrLst>
+      <dgm:ruleLst/>
+      <dgm:forEach name="Name4" axis="ch" ptType="node" step="2">
+        <dgm:layoutNode name="composite1">
+          <dgm:alg type="composite">
+            <dgm:param type="ar" val="0.943"/>
+          </dgm:alg>
+          <dgm:shape xmlns:r="http://schemas.openxmlformats.org/officeDocument/2006/relationships" r:blip="">
+            <dgm:adjLst/>
+          </dgm:shape>
+          <dgm:presOf/>
+          <dgm:choose name="Name5">
+            <dgm:if name="Name6" func="var" arg="dir" op="equ" val="norm">
+              <dgm:constrLst>
+                <dgm:constr type="h" refType="w" fact="1.06"/>
+                <dgm:constr type="w" for="ch" forName="dummyNode1" refType="w"/>
+                <dgm:constr type="h" for="ch" forName="dummyNode1" refType="h"/>
+                <dgm:constr type="t" for="ch" forName="dummyNode1"/>
+                <dgm:constr type="l" for="ch" forName="dummyNode1"/>
+                <dgm:constr type="w" for="ch" forName="childNode1" refType="w" fact="0.9"/>
+                <dgm:constr type="h" for="ch" forName="childNode1" refType="h" fact="0.7"/>
+                <dgm:constr type="t" for="ch" forName="childNode1" refType="h" fact="0.15"/>
+                <dgm:constr type="l" for="ch" forName="childNode1"/>
+                <dgm:constr type="w" for="ch" forName="childNode1tx" refType="w" fact="0.9"/>
+                <dgm:constr type="h" for="ch" forName="childNode1tx" refType="h" fact="0.55"/>
+                <dgm:constr type="t" for="ch" forName="childNode1tx" refType="h" fact="0.15"/>
+                <dgm:constr type="l" for="ch" forName="childNode1tx"/>
+                <dgm:constr type="w" for="ch" forName="parentNode1" refType="w" fact="0.8"/>
+                <dgm:constr type="h" for="ch" forName="parentNode1" refType="h" fact="0.3"/>
+                <dgm:constr type="t" for="ch" forName="parentNode1" refType="h" fact="0.7"/>
+                <dgm:constr type="l" for="ch" forName="parentNode1" refType="w" fact="0.2"/>
+                <dgm:constr type="w" for="ch" forName="connSite1" refType="w" fact="0.01"/>
+                <dgm:constr type="h" for="ch" forName="connSite1" refType="h" fact="0.01"/>
+                <dgm:constr type="t" for="ch" forName="connSite1"/>
+                <dgm:constr type="l" for="ch" forName="connSite1" refType="w" fact="0.35"/>
+              </dgm:constrLst>
+            </dgm:if>
+            <dgm:else name="Name7">
+              <dgm:constrLst>
+                <dgm:constr type="h" refType="w" fact="1.06"/>
+                <dgm:constr type="w" for="ch" forName="dummyNode1" refType="w"/>
+                <dgm:constr type="h" for="ch" forName="dummyNode1" refType="h"/>
+                <dgm:constr type="t" for="ch" forName="dummyNode1"/>
+                <dgm:constr type="l" for="ch" forName="dummyNode1"/>
+                <dgm:constr type="w" for="ch" forName="childNode1" refType="w" fact="0.9"/>
+                <dgm:constr type="h" for="ch" forName="childNode1" refType="h" fact="0.7"/>
+                <dgm:constr type="t" for="ch" forName="childNode1" refType="h" fact="0.15"/>
+                <dgm:constr type="l" for="ch" forName="childNode1" refType="w" fact="0.1"/>
+                <dgm:constr type="w" for="ch" forName="childNode1tx" refType="w" fact="0.9"/>
+                <dgm:constr type="h" for="ch" forName="childNode1tx" refType="h" fact="0.55"/>
+                <dgm:constr type="t" for="ch" forName="childNode1tx" refType="h" fact="0.15"/>
+                <dgm:constr type="l" for="ch" forName="childNode1tx" refType="w" fact="0.1"/>
+                <dgm:constr type="w" for="ch" forName="parentNode1" refType="w" fact="0.8"/>
+                <dgm:constr type="h" for="ch" forName="parentNode1" refType="h" fact="0.3"/>
+                <dgm:constr type="t" for="ch" forName="parentNode1" refType="h" fact="0.7"/>
+                <dgm:constr type="l" for="ch" forName="parentNode1"/>
+                <dgm:constr type="w" for="ch" forName="connSite1" refType="w" fact="0.01"/>
+                <dgm:constr type="h" for="ch" forName="connSite1" refType="h" fact="0.01"/>
+                <dgm:constr type="t" for="ch" forName="connSite1"/>
+                <dgm:constr type="l" for="ch" forName="connSite1" refType="w" fact="0.65"/>
+              </dgm:constrLst>
+            </dgm:else>
+          </dgm:choose>
+          <dgm:ruleLst/>
+          <dgm:layoutNode name="dummyNode1">
+            <dgm:alg type="sp"/>
+            <dgm:shape xmlns:r="http://schemas.openxmlformats.org/officeDocument/2006/relationships" type="rect" r:blip="" hideGeom="1">
+              <dgm:adjLst/>
+            </dgm:shape>
+            <dgm:presOf/>
+            <dgm:constrLst/>
+            <dgm:ruleLst/>
+          </dgm:layoutNode>
+          <dgm:layoutNode name="childNode1" styleLbl="bgAcc1">
+            <dgm:varLst>
+              <dgm:bulletEnabled val="1"/>
+            </dgm:varLst>
+            <dgm:alg type="sp"/>
+            <dgm:shape xmlns:r="http://schemas.openxmlformats.org/officeDocument/2006/relationships" type="roundRect" r:blip="">
+              <dgm:adjLst>
+                <dgm:adj idx="1" val="0.1"/>
+              </dgm:adjLst>
+            </dgm:shape>
+            <dgm:presOf axis="des" ptType="node"/>
+            <dgm:constrLst/>
+            <dgm:ruleLst/>
+          </dgm:layoutNode>
+          <dgm:layoutNode name="childNode1tx" styleLbl="bgAcc1">
+            <dgm:varLst>
+              <dgm:bulletEnabled val="1"/>
+            </dgm:varLst>
+            <dgm:alg type="tx">
+              <dgm:param type="stBulletLvl" val="1"/>
+            </dgm:alg>
+            <dgm:shape xmlns:r="http://schemas.openxmlformats.org/officeDocument/2006/relationships" type="roundRect" r:blip="" hideGeom="1">
+              <dgm:adjLst>
+                <dgm:adj idx="1" val="0.1"/>
+              </dgm:adjLst>
+            </dgm:shape>
+            <dgm:presOf axis="des" ptType="node"/>
+            <dgm:constrLst>
+              <dgm:constr type="secFontSz" val="65"/>
+              <dgm:constr type="primFontSz" refType="secFontSz"/>
+              <dgm:constr type="tMarg" refType="secFontSz" fact="0.15"/>
+              <dgm:constr type="bMarg" refType="secFontSz" fact="0.15"/>
+              <dgm:constr type="lMarg" refType="secFontSz" fact="0.15"/>
+              <dgm:constr type="rMarg" refType="secFontSz" fact="0.15"/>
+            </dgm:constrLst>
+            <dgm:ruleLst>
+              <dgm:rule type="secFontSz" val="5" fact="NaN" max="NaN"/>
+            </dgm:ruleLst>
+          </dgm:layoutNode>
+          <dgm:layoutNode name="parentNode1" styleLbl="node1">
+            <dgm:varLst>
+              <dgm:chMax val="1"/>
+              <dgm:bulletEnabled val="1"/>
+            </dgm:varLst>
+            <dgm:alg type="tx"/>
+            <dgm:shape xmlns:r="http://schemas.openxmlformats.org/officeDocument/2006/relationships" type="roundRect" r:blip="">
+              <dgm:adjLst>
+                <dgm:adj idx="1" val="0.1"/>
+              </dgm:adjLst>
+            </dgm:shape>
+            <dgm:presOf axis="self"/>
+            <dgm:constrLst>
+              <dgm:constr type="tMarg" refType="primFontSz" fact="0.1"/>
+              <dgm:constr type="bMarg" refType="primFontSz" fact="0.1"/>
+              <dgm:constr type="lMarg" refType="primFontSz" fact="0.15"/>
+              <dgm:constr type="rMarg" refType="primFontSz" fact="0.15"/>
+            </dgm:constrLst>
+            <dgm:ruleLst>
+              <dgm:rule type="primFontSz" val="5" fact="NaN" max="NaN"/>
+            </dgm:ruleLst>
+          </dgm:layoutNode>
+          <dgm:layoutNode name="connSite1" moveWith="childNode1">
+            <dgm:alg type="sp"/>
+            <dgm:shape xmlns:r="http://schemas.openxmlformats.org/officeDocument/2006/relationships" r:blip="">
+              <dgm:adjLst/>
+            </dgm:shape>
+            <dgm:presOf/>
+            <dgm:constrLst/>
+            <dgm:ruleLst/>
+          </dgm:layoutNode>
+        </dgm:layoutNode>
+        <dgm:forEach name="Name8" axis="followSib" ptType="sibTrans" cnt="1">
+          <dgm:layoutNode name="Name9">
+            <dgm:alg type="conn">
+              <dgm:param type="connRout" val="curve"/>
+              <dgm:param type="srcNode" val="parentNode1"/>
+              <dgm:param type="dstNode" val="connSite2"/>
+              <dgm:param type="begPts" val="bCtr"/>
+              <dgm:param type="endPts" val="bCtr"/>
+            </dgm:alg>
+            <dgm:shape xmlns:r="http://schemas.openxmlformats.org/officeDocument/2006/relationships" type="conn" r:blip="" zOrderOff="-2">
+              <dgm:adjLst/>
+            </dgm:shape>
+            <dgm:presOf axis="self"/>
+            <dgm:choose name="Name10">
+              <dgm:if name="Name11" func="var" arg="dir" op="equ" val="norm">
+                <dgm:constrLst>
+                  <dgm:constr type="h" refType="w" fact="0.35"/>
+                  <dgm:constr type="wArH" refType="h"/>
+                  <dgm:constr type="hArH" refType="h"/>
+                  <dgm:constr type="connDist"/>
+                  <dgm:constr type="diam" refType="connDist" fact="-1.15"/>
+                  <dgm:constr type="begPad"/>
+                  <dgm:constr type="endPad"/>
+                </dgm:constrLst>
+              </dgm:if>
+              <dgm:else name="Name12">
+                <dgm:constrLst>
+                  <dgm:constr type="h" refType="w" fact="0.35"/>
+                  <dgm:constr type="wArH" refType="h"/>
+                  <dgm:constr type="hArH" refType="h"/>
+                  <dgm:constr type="connDist"/>
+                  <dgm:constr type="diam" refType="connDist" fact="1.15"/>
+                  <dgm:constr type="begPad"/>
+                  <dgm:constr type="endPad"/>
+                </dgm:constrLst>
+              </dgm:else>
+            </dgm:choose>
+            <dgm:ruleLst/>
+          </dgm:layoutNode>
+        </dgm:forEach>
+        <dgm:forEach name="Name13" axis="followSib" ptType="node" cnt="1">
+          <dgm:layoutNode name="composite2">
+            <dgm:alg type="composite">
+              <dgm:param type="ar" val="0.943"/>
+            </dgm:alg>
+            <dgm:shape xmlns:r="http://schemas.openxmlformats.org/officeDocument/2006/relationships" r:blip="">
+              <dgm:adjLst/>
+            </dgm:shape>
+            <dgm:presOf/>
+            <dgm:choose name="Name14">
+              <dgm:if name="Name15" func="var" arg="dir" op="equ" val="norm">
+                <dgm:constrLst>
+                  <dgm:constr type="h" refType="w" fact="1.06"/>
+                  <dgm:constr type="w" for="ch" forName="dummyNode2" refType="w"/>
+                  <dgm:constr type="h" for="ch" forName="dummyNode2" refType="h"/>
+                  <dgm:constr type="t" for="ch" forName="dummyNode2"/>
+                  <dgm:constr type="l" for="ch" forName="dummyNode2"/>
+                  <dgm:constr type="w" for="ch" forName="childNode2" refType="w" fact="0.9"/>
+                  <dgm:constr type="h" for="ch" forName="childNode2" refType="h" fact="0.7"/>
+                  <dgm:constr type="t" for="ch" forName="childNode2" refType="h" fact="0.15"/>
+                  <dgm:constr type="l" for="ch" forName="childNode2"/>
+                  <dgm:constr type="w" for="ch" forName="childNode2tx" refType="w" fact="0.9"/>
+                  <dgm:constr type="h" for="ch" forName="childNode2tx" refType="h" fact="0.55"/>
+                  <dgm:constr type="t" for="ch" forName="childNode2tx" refType="h" fact="0.3"/>
+                  <dgm:constr type="l" for="ch" forName="childNode2tx"/>
+                  <dgm:constr type="w" for="ch" forName="parentNode2" refType="w" fact="0.8"/>
+                  <dgm:constr type="h" for="ch" forName="parentNode2" refType="h" fact="0.3"/>
+                  <dgm:constr type="t" for="ch" forName="parentNode2"/>
+                  <dgm:constr type="l" for="ch" forName="parentNode2" refType="w" fact="0.2"/>
+                  <dgm:constr type="w" for="ch" forName="connSite2" refType="w" fact="0.01"/>
+                  <dgm:constr type="h" for="ch" forName="connSite2" refType="h" fact="0.01"/>
+                  <dgm:constr type="t" for="ch" forName="connSite2" refType="h" fact="0.99"/>
+                  <dgm:constr type="l" for="ch" forName="connSite2" refType="w" fact="0.25"/>
+                </dgm:constrLst>
+              </dgm:if>
+              <dgm:else name="Name16">
+                <dgm:constrLst>
+                  <dgm:constr type="h" refType="w" fact="1.06"/>
+                  <dgm:constr type="w" for="ch" forName="dummyNode2" refType="w"/>
+                  <dgm:constr type="h" for="ch" forName="dummyNode2" refType="h"/>
+                  <dgm:constr type="t" for="ch" forName="dummyNode2"/>
+                  <dgm:constr type="l" for="ch" forName="dummyNode2"/>
+                  <dgm:constr type="w" for="ch" forName="childNode2" refType="w" fact="0.9"/>
+                  <dgm:constr type="h" for="ch" forName="childNode2" refType="h" fact="0.7"/>
+                  <dgm:constr type="t" for="ch" forName="childNode2" refType="h" fact="0.15"/>
+                  <dgm:constr type="l" for="ch" forName="childNode2" refType="w" fact="0.1"/>
+                  <dgm:constr type="w" for="ch" forName="childNode2tx" refType="w" fact="0.9"/>
+                  <dgm:constr type="h" for="ch" forName="childNode2tx" refType="h" fact="0.55"/>
+                  <dgm:constr type="t" for="ch" forName="childNode2tx" refType="h" fact="0.3"/>
+                  <dgm:constr type="l" for="ch" forName="childNode2tx" refType="w" fact="0.1"/>
+                  <dgm:constr type="w" for="ch" forName="parentNode2" refType="w" fact="0.8"/>
+                  <dgm:constr type="h" for="ch" forName="parentNode2" refType="h" fact="0.3"/>
+                  <dgm:constr type="t" for="ch" forName="parentNode2"/>
+                  <dgm:constr type="l" for="ch" forName="parentNode2"/>
+                  <dgm:constr type="w" for="ch" forName="connSite2" refType="w" fact="0.01"/>
+                  <dgm:constr type="h" for="ch" forName="connSite2" refType="h" fact="0.01"/>
+                  <dgm:constr type="t" for="ch" forName="connSite2" refType="h" fact="0.99"/>
+                  <dgm:constr type="l" for="ch" forName="connSite2" refType="w" fact="0.85"/>
+                </dgm:constrLst>
+              </dgm:else>
+            </dgm:choose>
+            <dgm:ruleLst/>
+            <dgm:layoutNode name="dummyNode2">
+              <dgm:alg type="sp"/>
+              <dgm:shape xmlns:r="http://schemas.openxmlformats.org/officeDocument/2006/relationships" type="rect" r:blip="" hideGeom="1">
+                <dgm:adjLst/>
+              </dgm:shape>
+              <dgm:presOf/>
+              <dgm:constrLst/>
+              <dgm:ruleLst/>
+            </dgm:layoutNode>
+            <dgm:layoutNode name="childNode2" styleLbl="bgAcc1">
+              <dgm:varLst>
+                <dgm:bulletEnabled val="1"/>
+              </dgm:varLst>
+              <dgm:alg type="sp"/>
+              <dgm:shape xmlns:r="http://schemas.openxmlformats.org/officeDocument/2006/relationships" type="roundRect" r:blip="">
+                <dgm:adjLst>
+                  <dgm:adj idx="1" val="0.1"/>
+                </dgm:adjLst>
+              </dgm:shape>
+              <dgm:presOf axis="des" ptType="node"/>
+              <dgm:constrLst/>
+              <dgm:ruleLst/>
+            </dgm:layoutNode>
+            <dgm:layoutNode name="childNode2tx" styleLbl="bgAcc1">
+              <dgm:varLst>
+                <dgm:bulletEnabled val="1"/>
+              </dgm:varLst>
+              <dgm:alg type="tx">
+                <dgm:param type="stBulletLvl" val="1"/>
+              </dgm:alg>
+              <dgm:shape xmlns:r="http://schemas.openxmlformats.org/officeDocument/2006/relationships" type="roundRect" r:blip="" hideGeom="1">
+                <dgm:adjLst>
+                  <dgm:adj idx="1" val="0.1"/>
+                </dgm:adjLst>
+              </dgm:shape>
+              <dgm:presOf axis="des" ptType="node"/>
+              <dgm:constrLst>
+                <dgm:constr type="secFontSz" val="65"/>
+                <dgm:constr type="primFontSz" refType="secFontSz"/>
+                <dgm:constr type="tMarg" refType="secFontSz" fact="0.15"/>
+                <dgm:constr type="bMarg" refType="secFontSz" fact="0.15"/>
+                <dgm:constr type="lMarg" refType="secFontSz" fact="0.15"/>
+                <dgm:constr type="rMarg" refType="secFontSz" fact="0.15"/>
+              </dgm:constrLst>
+              <dgm:ruleLst>
+                <dgm:rule type="secFontSz" val="5" fact="NaN" max="NaN"/>
+              </dgm:ruleLst>
+            </dgm:layoutNode>
+            <dgm:layoutNode name="parentNode2" styleLbl="node1">
+              <dgm:varLst>
+                <dgm:chMax val="0"/>
+                <dgm:bulletEnabled val="1"/>
+              </dgm:varLst>
+              <dgm:alg type="tx"/>
+              <dgm:shape xmlns:r="http://schemas.openxmlformats.org/officeDocument/2006/relationships" type="roundRect" r:blip="">
+                <dgm:adjLst>
+                  <dgm:adj idx="1" val="0.1"/>
+                </dgm:adjLst>
+              </dgm:shape>
+              <dgm:presOf axis="self"/>
+              <dgm:constrLst>
+                <dgm:constr type="tMarg" refType="primFontSz" fact="0.1"/>
+                <dgm:constr type="bMarg" refType="primFontSz" fact="0.1"/>
+                <dgm:constr type="lMarg" refType="primFontSz" fact="0.15"/>
+                <dgm:constr type="rMarg" refType="primFontSz" fact="0.15"/>
+              </dgm:constrLst>
+              <dgm:ruleLst>
+                <dgm:rule type="primFontSz" val="5" fact="NaN" max="NaN"/>
+              </dgm:ruleLst>
+            </dgm:layoutNode>
+            <dgm:layoutNode name="connSite2" moveWith="childNode2">
+              <dgm:alg type="sp"/>
+              <dgm:shape xmlns:r="http://schemas.openxmlformats.org/officeDocument/2006/relationships" r:blip="">
+                <dgm:adjLst/>
+              </dgm:shape>
+              <dgm:presOf/>
+              <dgm:constrLst/>
+              <dgm:ruleLst/>
+            </dgm:layoutNode>
+          </dgm:layoutNode>
+          <dgm:forEach name="Name17" axis="followSib" ptType="sibTrans" cnt="1">
+            <dgm:layoutNode name="Name18">
+              <dgm:alg type="conn">
+                <dgm:param type="connRout" val="curve"/>
+                <dgm:param type="srcNode" val="parentNode2"/>
+                <dgm:param type="dstNode" val="connSite1"/>
+                <dgm:param type="begPts" val="tCtr"/>
+                <dgm:param type="endPts" val="tCtr"/>
+              </dgm:alg>
+              <dgm:shape xmlns:r="http://schemas.openxmlformats.org/officeDocument/2006/relationships" type="conn" r:blip="" zOrderOff="-2">
+                <dgm:adjLst/>
+              </dgm:shape>
+              <dgm:presOf axis="self"/>
+              <dgm:choose name="Name19">
+                <dgm:if name="Name20" func="var" arg="dir" op="equ" val="norm">
+                  <dgm:constrLst>
+                    <dgm:constr type="h" refType="w" fact="0.35"/>
+                    <dgm:constr type="wArH" refType="h"/>
+                    <dgm:constr type="hArH" refType="h"/>
+                    <dgm:constr type="connDist"/>
+                    <dgm:constr type="diam" refType="connDist" fact="1.15"/>
+                    <dgm:constr type="begPad"/>
+                    <dgm:constr type="endPad"/>
+                  </dgm:constrLst>
+                </dgm:if>
+                <dgm:else name="Name21">
+                  <dgm:constrLst>
+                    <dgm:constr type="h" refType="w" fact="0.35"/>
+                    <dgm:constr type="wArH" refType="h"/>
+                    <dgm:constr type="hArH" refType="h"/>
+                    <dgm:constr type="connDist"/>
+                    <dgm:constr type="diam" refType="connDist" fact="-1.15"/>
+                    <dgm:constr type="begPad"/>
+                    <dgm:constr type="endPad"/>
+                  </dgm:constrLst>
+                </dgm:else>
+              </dgm:choose>
+              <dgm:ruleLst/>
+            </dgm:layoutNode>
+          </dgm:forEach>
+        </dgm:forEach>
+      </dgm:forEach>
+    </dgm:layoutNode>
+  </dgm:layoutNode>
+</dgm:layoutDef>
+</file>
+
+<file path=ppt/diagrams/layout2.xml><?xml version="1.0" encoding="utf-8"?>
+<dgm:layoutDef xmlns:dgm="http://schemas.openxmlformats.org/drawingml/2006/diagram" xmlns:a="http://schemas.openxmlformats.org/drawingml/2006/main" uniqueId="urn:microsoft.com/office/officeart/2005/8/layout/hProcess4">
+  <dgm:title val=""/>
+  <dgm:desc val=""/>
+  <dgm:catLst>
+    <dgm:cat type="process" pri="4000"/>
+  </dgm:catLst>
+  <dgm:sampData>
+    <dgm:dataModel>
+      <dgm:ptLst>
+        <dgm:pt modelId="0" type="doc"/>
+        <dgm:pt modelId="1">
+          <dgm:prSet phldr="1"/>
+        </dgm:pt>
+        <dgm:pt modelId="11">
+          <dgm:prSet phldr="1"/>
+        </dgm:pt>
+        <dgm:pt modelId="12">
+          <dgm:prSet phldr="1"/>
+        </dgm:pt>
+        <dgm:pt modelId="2">
+          <dgm:prSet phldr="1"/>
+        </dgm:pt>
+        <dgm:pt modelId="21">
+          <dgm:prSet phldr="1"/>
+        </dgm:pt>
+        <dgm:pt modelId="22">
+          <dgm:prSet phldr="1"/>
+        </dgm:pt>
+        <dgm:pt modelId="3">
+          <dgm:prSet phldr="1"/>
+        </dgm:pt>
+        <dgm:pt modelId="31">
+          <dgm:prSet phldr="1"/>
+        </dgm:pt>
+        <dgm:pt modelId="32">
+          <dgm:prSet phldr="1"/>
+        </dgm:pt>
+      </dgm:ptLst>
+      <dgm:cxnLst>
+        <dgm:cxn modelId="4" srcId="0" destId="1" srcOrd="0" destOrd="0"/>
+        <dgm:cxn modelId="5" srcId="0" destId="2" srcOrd="1" destOrd="0"/>
+        <dgm:cxn modelId="6" srcId="0" destId="3" srcOrd="2" destOrd="0"/>
+        <dgm:cxn modelId="13" srcId="1" destId="11" srcOrd="0" destOrd="0"/>
+        <dgm:cxn modelId="14" srcId="1" destId="12" srcOrd="1" destOrd="0"/>
+        <dgm:cxn modelId="23" srcId="2" destId="21" srcOrd="0" destOrd="0"/>
+        <dgm:cxn modelId="24" srcId="2" destId="22" srcOrd="1" destOrd="0"/>
+        <dgm:cxn modelId="33" srcId="3" destId="31" srcOrd="0" destOrd="0"/>
+        <dgm:cxn modelId="34" srcId="3" destId="32" srcOrd="1" destOrd="0"/>
+      </dgm:cxnLst>
+      <dgm:bg/>
+      <dgm:whole/>
+    </dgm:dataModel>
+  </dgm:sampData>
+  <dgm:styleData>
+    <dgm:dataModel>
+      <dgm:ptLst>
+        <dgm:pt modelId="0" type="doc"/>
+        <dgm:pt modelId="1"/>
+        <dgm:pt modelId="11"/>
+        <dgm:pt modelId="2"/>
+        <dgm:pt modelId="21"/>
+      </dgm:ptLst>
+      <dgm:cxnLst>
+        <dgm:cxn modelId="4" srcId="0" destId="1" srcOrd="0" destOrd="0"/>
+        <dgm:cxn modelId="5" srcId="0" destId="2" srcOrd="1" destOrd="0"/>
+        <dgm:cxn modelId="13" srcId="1" destId="11" srcOrd="0" destOrd="0"/>
+        <dgm:cxn modelId="23" srcId="2" destId="21" srcOrd="0" destOrd="0"/>
+      </dgm:cxnLst>
+      <dgm:bg/>
+      <dgm:whole/>
+    </dgm:dataModel>
+  </dgm:styleData>
+  <dgm:clrData>
+    <dgm:dataModel>
+      <dgm:ptLst>
+        <dgm:pt modelId="0" type="doc"/>
+        <dgm:pt modelId="1"/>
+        <dgm:pt modelId="11"/>
+        <dgm:pt modelId="2"/>
+        <dgm:pt modelId="21"/>
+        <dgm:pt modelId="3"/>
+        <dgm:pt modelId="31"/>
+        <dgm:pt modelId="4"/>
+        <dgm:pt modelId="41"/>
+      </dgm:ptLst>
+      <dgm:cxnLst>
+        <dgm:cxn modelId="5" srcId="0" destId="1" srcOrd="0" destOrd="0"/>
+        <dgm:cxn modelId="6" srcId="0" destId="2" srcOrd="1" destOrd="0"/>
+        <dgm:cxn modelId="7" srcId="0" destId="3" srcOrd="2" destOrd="0"/>
+        <dgm:cxn modelId="8" srcId="0" destId="4" srcOrd="3" destOrd="0"/>
+        <dgm:cxn modelId="13" srcId="1" destId="11" srcOrd="0" destOrd="0"/>
+        <dgm:cxn modelId="23" srcId="2" destId="21" srcOrd="0" destOrd="0"/>
+        <dgm:cxn modelId="33" srcId="3" destId="31" srcOrd="0" destOrd="0"/>
+        <dgm:cxn modelId="43" srcId="4" destId="41" srcOrd="0" destOrd="0"/>
+      </dgm:cxnLst>
+      <dgm:bg/>
+      <dgm:whole/>
+    </dgm:dataModel>
+  </dgm:clrData>
+  <dgm:layoutNode name="Name0">
+    <dgm:varLst>
+      <dgm:dir/>
+      <dgm:animLvl val="lvl"/>
+      <dgm:resizeHandles val="exact"/>
+    </dgm:varLst>
+    <dgm:alg type="composite"/>
+    <dgm:shape xmlns:r="http://schemas.openxmlformats.org/officeDocument/2006/relationships" r:blip="">
+      <dgm:adjLst/>
+    </dgm:shape>
+    <dgm:presOf/>
+    <dgm:constrLst>
+      <dgm:constr type="w" for="ch" forName="tSp" refType="w"/>
+      <dgm:constr type="h" for="ch" forName="tSp" refType="h" fact="0.15"/>
+      <dgm:constr type="l" for="ch" forName="tSp"/>
+      <dgm:constr type="t" for="ch" forName="tSp"/>
+      <dgm:constr type="w" for="ch" forName="bSp" refType="w"/>
+      <dgm:constr type="h" for="ch" forName="bSp" refType="h" fact="0.15"/>
+      <dgm:constr type="l" for="ch" forName="bSp"/>
+      <dgm:constr type="t" for="ch" forName="bSp" refType="h" fact="0.85"/>
+      <dgm:constr type="w" for="ch" forName="process" refType="w"/>
+      <dgm:constr type="h" for="ch" forName="process" refType="h" fact="0.7"/>
+      <dgm:constr type="l" for="ch" forName="process"/>
+      <dgm:constr type="t" for="ch" forName="process" refType="h" fact="0.15"/>
+    </dgm:constrLst>
+    <dgm:ruleLst/>
+    <dgm:layoutNode name="tSp">
+      <dgm:alg type="sp"/>
+      <dgm:shape xmlns:r="http://schemas.openxmlformats.org/officeDocument/2006/relationships" r:blip="">
+        <dgm:adjLst/>
+      </dgm:shape>
+      <dgm:presOf/>
+      <dgm:constrLst/>
+      <dgm:ruleLst/>
+    </dgm:layoutNode>
+    <dgm:layoutNode name="bSp">
+      <dgm:alg type="sp"/>
+      <dgm:shape xmlns:r="http://schemas.openxmlformats.org/officeDocument/2006/relationships" r:blip="">
+        <dgm:adjLst/>
+      </dgm:shape>
+      <dgm:presOf/>
+      <dgm:constrLst/>
+      <dgm:ruleLst/>
+    </dgm:layoutNode>
+    <dgm:layoutNode name="process">
+      <dgm:choose name="Name1">
+        <dgm:if name="Name2" func="var" arg="dir" op="equ" val="norm">
+          <dgm:alg type="lin">
+            <dgm:param type="linDir" val="fromL"/>
+          </dgm:alg>
+        </dgm:if>
+        <dgm:else name="Name3">
+          <dgm:alg type="lin">
+            <dgm:param type="linDir" val="fromR"/>
+          </dgm:alg>
+        </dgm:else>
+      </dgm:choose>
+      <dgm:shape xmlns:r="http://schemas.openxmlformats.org/officeDocument/2006/relationships" r:blip="">
+        <dgm:adjLst/>
+      </dgm:shape>
+      <dgm:presOf/>
+      <dgm:constrLst>
+        <dgm:constr type="w" for="ch" forName="composite1" refType="w"/>
+        <dgm:constr type="w" for="ch" forName="composite2" refType="w" refFor="ch" refForName="composite1" op="equ"/>
+        <dgm:constr type="h" for="ch" forName="composite1" refType="h"/>
+        <dgm:constr type="h" for="ch" forName="composite2" refType="h" refFor="ch" refForName="composite1" op="equ"/>
+        <dgm:constr type="primFontSz" for="des" forName="parentNode1" val="65"/>
+        <dgm:constr type="primFontSz" for="des" forName="parentNode2" refType="primFontSz" refFor="des" refForName="parentNode1" op="equ"/>
+        <dgm:constr type="secFontSz" for="des" forName="childNode1tx" val="65"/>
+        <dgm:constr type="secFontSz" for="des" forName="childNode2tx" refType="secFontSz" refFor="des" refForName="childNode1tx" op="equ"/>
+        <dgm:constr type="w" for="des" ptType="sibTrans" refType="w" refFor="ch" refForName="composite1" op="equ" fact="0.05"/>
+      </dgm:constrLst>
+      <dgm:ruleLst/>
+      <dgm:forEach name="Name4" axis="ch" ptType="node" step="2">
+        <dgm:layoutNode name="composite1">
+          <dgm:alg type="composite">
+            <dgm:param type="ar" val="0.943"/>
+          </dgm:alg>
+          <dgm:shape xmlns:r="http://schemas.openxmlformats.org/officeDocument/2006/relationships" r:blip="">
+            <dgm:adjLst/>
+          </dgm:shape>
+          <dgm:presOf/>
+          <dgm:choose name="Name5">
+            <dgm:if name="Name6" func="var" arg="dir" op="equ" val="norm">
+              <dgm:constrLst>
+                <dgm:constr type="h" refType="w" fact="1.06"/>
+                <dgm:constr type="w" for="ch" forName="dummyNode1" refType="w"/>
+                <dgm:constr type="h" for="ch" forName="dummyNode1" refType="h"/>
+                <dgm:constr type="t" for="ch" forName="dummyNode1"/>
+                <dgm:constr type="l" for="ch" forName="dummyNode1"/>
+                <dgm:constr type="w" for="ch" forName="childNode1" refType="w" fact="0.9"/>
+                <dgm:constr type="h" for="ch" forName="childNode1" refType="h" fact="0.7"/>
+                <dgm:constr type="t" for="ch" forName="childNode1" refType="h" fact="0.15"/>
+                <dgm:constr type="l" for="ch" forName="childNode1"/>
+                <dgm:constr type="w" for="ch" forName="childNode1tx" refType="w" fact="0.9"/>
+                <dgm:constr type="h" for="ch" forName="childNode1tx" refType="h" fact="0.55"/>
+                <dgm:constr type="t" for="ch" forName="childNode1tx" refType="h" fact="0.15"/>
+                <dgm:constr type="l" for="ch" forName="childNode1tx"/>
+                <dgm:constr type="w" for="ch" forName="parentNode1" refType="w" fact="0.8"/>
+                <dgm:constr type="h" for="ch" forName="parentNode1" refType="h" fact="0.3"/>
+                <dgm:constr type="t" for="ch" forName="parentNode1" refType="h" fact="0.7"/>
+                <dgm:constr type="l" for="ch" forName="parentNode1" refType="w" fact="0.2"/>
+                <dgm:constr type="w" for="ch" forName="connSite1" refType="w" fact="0.01"/>
+                <dgm:constr type="h" for="ch" forName="connSite1" refType="h" fact="0.01"/>
+                <dgm:constr type="t" for="ch" forName="connSite1"/>
+                <dgm:constr type="l" for="ch" forName="connSite1" refType="w" fact="0.35"/>
+              </dgm:constrLst>
+            </dgm:if>
+            <dgm:else name="Name7">
+              <dgm:constrLst>
+                <dgm:constr type="h" refType="w" fact="1.06"/>
+                <dgm:constr type="w" for="ch" forName="dummyNode1" refType="w"/>
+                <dgm:constr type="h" for="ch" forName="dummyNode1" refType="h"/>
+                <dgm:constr type="t" for="ch" forName="dummyNode1"/>
+                <dgm:constr type="l" for="ch" forName="dummyNode1"/>
+                <dgm:constr type="w" for="ch" forName="childNode1" refType="w" fact="0.9"/>
+                <dgm:constr type="h" for="ch" forName="childNode1" refType="h" fact="0.7"/>
+                <dgm:constr type="t" for="ch" forName="childNode1" refType="h" fact="0.15"/>
+                <dgm:constr type="l" for="ch" forName="childNode1" refType="w" fact="0.1"/>
+                <dgm:constr type="w" for="ch" forName="childNode1tx" refType="w" fact="0.9"/>
+                <dgm:constr type="h" for="ch" forName="childNode1tx" refType="h" fact="0.55"/>
+                <dgm:constr type="t" for="ch" forName="childNode1tx" refType="h" fact="0.15"/>
+                <dgm:constr type="l" for="ch" forName="childNode1tx" refType="w" fact="0.1"/>
+                <dgm:constr type="w" for="ch" forName="parentNode1" refType="w" fact="0.8"/>
+                <dgm:constr type="h" for="ch" forName="parentNode1" refType="h" fact="0.3"/>
+                <dgm:constr type="t" for="ch" forName="parentNode1" refType="h" fact="0.7"/>
+                <dgm:constr type="l" for="ch" forName="parentNode1"/>
+                <dgm:constr type="w" for="ch" forName="connSite1" refType="w" fact="0.01"/>
+                <dgm:constr type="h" for="ch" forName="connSite1" refType="h" fact="0.01"/>
+                <dgm:constr type="t" for="ch" forName="connSite1"/>
+                <dgm:constr type="l" for="ch" forName="connSite1" refType="w" fact="0.65"/>
+              </dgm:constrLst>
+            </dgm:else>
+          </dgm:choose>
+          <dgm:ruleLst/>
+          <dgm:layoutNode name="dummyNode1">
+            <dgm:alg type="sp"/>
+            <dgm:shape xmlns:r="http://schemas.openxmlformats.org/officeDocument/2006/relationships" type="rect" r:blip="" hideGeom="1">
+              <dgm:adjLst/>
+            </dgm:shape>
+            <dgm:presOf/>
+            <dgm:constrLst/>
+            <dgm:ruleLst/>
+          </dgm:layoutNode>
+          <dgm:layoutNode name="childNode1" styleLbl="bgAcc1">
+            <dgm:varLst>
+              <dgm:bulletEnabled val="1"/>
+            </dgm:varLst>
+            <dgm:alg type="sp"/>
+            <dgm:shape xmlns:r="http://schemas.openxmlformats.org/officeDocument/2006/relationships" type="roundRect" r:blip="">
+              <dgm:adjLst>
+                <dgm:adj idx="1" val="0.1"/>
+              </dgm:adjLst>
+            </dgm:shape>
+            <dgm:presOf axis="des" ptType="node"/>
+            <dgm:constrLst/>
+            <dgm:ruleLst/>
+          </dgm:layoutNode>
+          <dgm:layoutNode name="childNode1tx" styleLbl="bgAcc1">
+            <dgm:varLst>
+              <dgm:bulletEnabled val="1"/>
+            </dgm:varLst>
+            <dgm:alg type="tx">
+              <dgm:param type="stBulletLvl" val="1"/>
+            </dgm:alg>
+            <dgm:shape xmlns:r="http://schemas.openxmlformats.org/officeDocument/2006/relationships" type="roundRect" r:blip="" hideGeom="1">
+              <dgm:adjLst>
+                <dgm:adj idx="1" val="0.1"/>
+              </dgm:adjLst>
+            </dgm:shape>
+            <dgm:presOf axis="des" ptType="node"/>
+            <dgm:constrLst>
+              <dgm:constr type="secFontSz" val="65"/>
+              <dgm:constr type="primFontSz" refType="secFontSz"/>
+              <dgm:constr type="tMarg" refType="secFontSz" fact="0.15"/>
+              <dgm:constr type="bMarg" refType="secFontSz" fact="0.15"/>
+              <dgm:constr type="lMarg" refType="secFontSz" fact="0.15"/>
+              <dgm:constr type="rMarg" refType="secFontSz" fact="0.15"/>
+            </dgm:constrLst>
+            <dgm:ruleLst>
+              <dgm:rule type="secFontSz" val="5" fact="NaN" max="NaN"/>
+            </dgm:ruleLst>
+          </dgm:layoutNode>
+          <dgm:layoutNode name="parentNode1" styleLbl="node1">
+            <dgm:varLst>
+              <dgm:chMax val="1"/>
+              <dgm:bulletEnabled val="1"/>
+            </dgm:varLst>
+            <dgm:alg type="tx"/>
+            <dgm:shape xmlns:r="http://schemas.openxmlformats.org/officeDocument/2006/relationships" type="roundRect" r:blip="">
+              <dgm:adjLst>
+                <dgm:adj idx="1" val="0.1"/>
+              </dgm:adjLst>
+            </dgm:shape>
+            <dgm:presOf axis="self"/>
+            <dgm:constrLst>
+              <dgm:constr type="tMarg" refType="primFontSz" fact="0.1"/>
+              <dgm:constr type="bMarg" refType="primFontSz" fact="0.1"/>
+              <dgm:constr type="lMarg" refType="primFontSz" fact="0.15"/>
+              <dgm:constr type="rMarg" refType="primFontSz" fact="0.15"/>
+            </dgm:constrLst>
+            <dgm:ruleLst>
+              <dgm:rule type="primFontSz" val="5" fact="NaN" max="NaN"/>
+            </dgm:ruleLst>
+          </dgm:layoutNode>
+          <dgm:layoutNode name="connSite1" moveWith="childNode1">
+            <dgm:alg type="sp"/>
+            <dgm:shape xmlns:r="http://schemas.openxmlformats.org/officeDocument/2006/relationships" r:blip="">
+              <dgm:adjLst/>
+            </dgm:shape>
+            <dgm:presOf/>
+            <dgm:constrLst/>
+            <dgm:ruleLst/>
+          </dgm:layoutNode>
+        </dgm:layoutNode>
+        <dgm:forEach name="Name8" axis="followSib" ptType="sibTrans" cnt="1">
+          <dgm:layoutNode name="Name9">
+            <dgm:alg type="conn">
+              <dgm:param type="connRout" val="curve"/>
+              <dgm:param type="srcNode" val="parentNode1"/>
+              <dgm:param type="dstNode" val="connSite2"/>
+              <dgm:param type="begPts" val="bCtr"/>
+              <dgm:param type="endPts" val="bCtr"/>
+            </dgm:alg>
+            <dgm:shape xmlns:r="http://schemas.openxmlformats.org/officeDocument/2006/relationships" type="conn" r:blip="" zOrderOff="-2">
+              <dgm:adjLst/>
+            </dgm:shape>
+            <dgm:presOf axis="self"/>
+            <dgm:choose name="Name10">
+              <dgm:if name="Name11" func="var" arg="dir" op="equ" val="norm">
+                <dgm:constrLst>
+                  <dgm:constr type="h" refType="w" fact="0.35"/>
+                  <dgm:constr type="wArH" refType="h"/>
+                  <dgm:constr type="hArH" refType="h"/>
+                  <dgm:constr type="connDist"/>
+                  <dgm:constr type="diam" refType="connDist" fact="-1.15"/>
+                  <dgm:constr type="begPad"/>
+                  <dgm:constr type="endPad"/>
+                </dgm:constrLst>
+              </dgm:if>
+              <dgm:else name="Name12">
+                <dgm:constrLst>
+                  <dgm:constr type="h" refType="w" fact="0.35"/>
+                  <dgm:constr type="wArH" refType="h"/>
+                  <dgm:constr type="hArH" refType="h"/>
+                  <dgm:constr type="connDist"/>
+                  <dgm:constr type="diam" refType="connDist" fact="1.15"/>
+                  <dgm:constr type="begPad"/>
+                  <dgm:constr type="endPad"/>
+                </dgm:constrLst>
+              </dgm:else>
+            </dgm:choose>
+            <dgm:ruleLst/>
+          </dgm:layoutNode>
+        </dgm:forEach>
+        <dgm:forEach name="Name13" axis="followSib" ptType="node" cnt="1">
+          <dgm:layoutNode name="composite2">
+            <dgm:alg type="composite">
+              <dgm:param type="ar" val="0.943"/>
+            </dgm:alg>
+            <dgm:shape xmlns:r="http://schemas.openxmlformats.org/officeDocument/2006/relationships" r:blip="">
+              <dgm:adjLst/>
+            </dgm:shape>
+            <dgm:presOf/>
+            <dgm:choose name="Name14">
+              <dgm:if name="Name15" func="var" arg="dir" op="equ" val="norm">
+                <dgm:constrLst>
+                  <dgm:constr type="h" refType="w" fact="1.06"/>
+                  <dgm:constr type="w" for="ch" forName="dummyNode2" refType="w"/>
+                  <dgm:constr type="h" for="ch" forName="dummyNode2" refType="h"/>
+                  <dgm:constr type="t" for="ch" forName="dummyNode2"/>
+                  <dgm:constr type="l" for="ch" forName="dummyNode2"/>
+                  <dgm:constr type="w" for="ch" forName="childNode2" refType="w" fact="0.9"/>
+                  <dgm:constr type="h" for="ch" forName="childNode2" refType="h" fact="0.7"/>
+                  <dgm:constr type="t" for="ch" forName="childNode2" refType="h" fact="0.15"/>
+                  <dgm:constr type="l" for="ch" forName="childNode2"/>
+                  <dgm:constr type="w" for="ch" forName="childNode2tx" refType="w" fact="0.9"/>
+                  <dgm:constr type="h" for="ch" forName="childNode2tx" refType="h" fact="0.55"/>
+                  <dgm:constr type="t" for="ch" forName="childNode2tx" refType="h" fact="0.3"/>
+                  <dgm:constr type="l" for="ch" forName="childNode2tx"/>
+                  <dgm:constr type="w" for="ch" forName="parentNode2" refType="w" fact="0.8"/>
+                  <dgm:constr type="h" for="ch" forName="parentNode2" refType="h" fact="0.3"/>
+                  <dgm:constr type="t" for="ch" forName="parentNode2"/>
+                  <dgm:constr type="l" for="ch" forName="parentNode2" refType="w" fact="0.2"/>
+                  <dgm:constr type="w" for="ch" forName="connSite2" refType="w" fact="0.01"/>
+                  <dgm:constr type="h" for="ch" forName="connSite2" refType="h" fact="0.01"/>
+                  <dgm:constr type="t" for="ch" forName="connSite2" refType="h" fact="0.99"/>
+                  <dgm:constr type="l" for="ch" forName="connSite2" refType="w" fact="0.25"/>
+                </dgm:constrLst>
+              </dgm:if>
+              <dgm:else name="Name16">
+                <dgm:constrLst>
+                  <dgm:constr type="h" refType="w" fact="1.06"/>
+                  <dgm:constr type="w" for="ch" forName="dummyNode2" refType="w"/>
+                  <dgm:constr type="h" for="ch" forName="dummyNode2" refType="h"/>
+                  <dgm:constr type="t" for="ch" forName="dummyNode2"/>
+                  <dgm:constr type="l" for="ch" forName="dummyNode2"/>
+                  <dgm:constr type="w" for="ch" forName="childNode2" refType="w" fact="0.9"/>
+                  <dgm:constr type="h" for="ch" forName="childNode2" refType="h" fact="0.7"/>
+                  <dgm:constr type="t" for="ch" forName="childNode2" refType="h" fact="0.15"/>
+                  <dgm:constr type="l" for="ch" forName="childNode2" refType="w" fact="0.1"/>
+                  <dgm:constr type="w" for="ch" forName="childNode2tx" refType="w" fact="0.9"/>
+                  <dgm:constr type="h" for="ch" forName="childNode2tx" refType="h" fact="0.55"/>
+                  <dgm:constr type="t" for="ch" forName="childNode2tx" refType="h" fact="0.3"/>
+                  <dgm:constr type="l" for="ch" forName="childNode2tx" refType="w" fact="0.1"/>
+                  <dgm:constr type="w" for="ch" forName="parentNode2" refType="w" fact="0.8"/>
+                  <dgm:constr type="h" for="ch" forName="parentNode2" refType="h" fact="0.3"/>
+                  <dgm:constr type="t" for="ch" forName="parentNode2"/>
+                  <dgm:constr type="l" for="ch" forName="parentNode2"/>
+                  <dgm:constr type="w" for="ch" forName="connSite2" refType="w" fact="0.01"/>
+                  <dgm:constr type="h" for="ch" forName="connSite2" refType="h" fact="0.01"/>
+                  <dgm:constr type="t" for="ch" forName="connSite2" refType="h" fact="0.99"/>
+                  <dgm:constr type="l" for="ch" forName="connSite2" refType="w" fact="0.85"/>
+                </dgm:constrLst>
+              </dgm:else>
+            </dgm:choose>
+            <dgm:ruleLst/>
+            <dgm:layoutNode name="dummyNode2">
+              <dgm:alg type="sp"/>
+              <dgm:shape xmlns:r="http://schemas.openxmlformats.org/officeDocument/2006/relationships" type="rect" r:blip="" hideGeom="1">
+                <dgm:adjLst/>
+              </dgm:shape>
+              <dgm:presOf/>
+              <dgm:constrLst/>
+              <dgm:ruleLst/>
+            </dgm:layoutNode>
+            <dgm:layoutNode name="childNode2" styleLbl="bgAcc1">
+              <dgm:varLst>
+                <dgm:bulletEnabled val="1"/>
+              </dgm:varLst>
+              <dgm:alg type="sp"/>
+              <dgm:shape xmlns:r="http://schemas.openxmlformats.org/officeDocument/2006/relationships" type="roundRect" r:blip="">
+                <dgm:adjLst>
+                  <dgm:adj idx="1" val="0.1"/>
+                </dgm:adjLst>
+              </dgm:shape>
+              <dgm:presOf axis="des" ptType="node"/>
+              <dgm:constrLst/>
+              <dgm:ruleLst/>
+            </dgm:layoutNode>
+            <dgm:layoutNode name="childNode2tx" styleLbl="bgAcc1">
+              <dgm:varLst>
+                <dgm:bulletEnabled val="1"/>
+              </dgm:varLst>
+              <dgm:alg type="tx">
+                <dgm:param type="stBulletLvl" val="1"/>
+              </dgm:alg>
+              <dgm:shape xmlns:r="http://schemas.openxmlformats.org/officeDocument/2006/relationships" type="roundRect" r:blip="" hideGeom="1">
+                <dgm:adjLst>
+                  <dgm:adj idx="1" val="0.1"/>
+                </dgm:adjLst>
+              </dgm:shape>
+              <dgm:presOf axis="des" ptType="node"/>
+              <dgm:constrLst>
+                <dgm:constr type="secFontSz" val="65"/>
+                <dgm:constr type="primFontSz" refType="secFontSz"/>
+                <dgm:constr type="tMarg" refType="secFontSz" fact="0.15"/>
+                <dgm:constr type="bMarg" refType="secFontSz" fact="0.15"/>
+                <dgm:constr type="lMarg" refType="secFontSz" fact="0.15"/>
+                <dgm:constr type="rMarg" refType="secFontSz" fact="0.15"/>
+              </dgm:constrLst>
+              <dgm:ruleLst>
+                <dgm:rule type="secFontSz" val="5" fact="NaN" max="NaN"/>
+              </dgm:ruleLst>
+            </dgm:layoutNode>
+            <dgm:layoutNode name="parentNode2" styleLbl="node1">
+              <dgm:varLst>
+                <dgm:chMax val="0"/>
+                <dgm:bulletEnabled val="1"/>
+              </dgm:varLst>
+              <dgm:alg type="tx"/>
+              <dgm:shape xmlns:r="http://schemas.openxmlformats.org/officeDocument/2006/relationships" type="roundRect" r:blip="">
+                <dgm:adjLst>
+                  <dgm:adj idx="1" val="0.1"/>
+                </dgm:adjLst>
+              </dgm:shape>
+              <dgm:presOf axis="self"/>
+              <dgm:constrLst>
+                <dgm:constr type="tMarg" refType="primFontSz" fact="0.1"/>
+                <dgm:constr type="bMarg" refType="primFontSz" fact="0.1"/>
+                <dgm:constr type="lMarg" refType="primFontSz" fact="0.15"/>
+                <dgm:constr type="rMarg" refType="primFontSz" fact="0.15"/>
+              </dgm:constrLst>
+              <dgm:ruleLst>
+                <dgm:rule type="primFontSz" val="5" fact="NaN" max="NaN"/>
+              </dgm:ruleLst>
+            </dgm:layoutNode>
+            <dgm:layoutNode name="connSite2" moveWith="childNode2">
+              <dgm:alg type="sp"/>
+              <dgm:shape xmlns:r="http://schemas.openxmlformats.org/officeDocument/2006/relationships" r:blip="">
+                <dgm:adjLst/>
+              </dgm:shape>
+              <dgm:presOf/>
+              <dgm:constrLst/>
+              <dgm:ruleLst/>
+            </dgm:layoutNode>
+          </dgm:layoutNode>
+          <dgm:forEach name="Name17" axis="followSib" ptType="sibTrans" cnt="1">
+            <dgm:layoutNode name="Name18">
+              <dgm:alg type="conn">
+                <dgm:param type="connRout" val="curve"/>
+                <dgm:param type="srcNode" val="parentNode2"/>
+                <dgm:param type="dstNode" val="connSite1"/>
+                <dgm:param type="begPts" val="tCtr"/>
+                <dgm:param type="endPts" val="tCtr"/>
+              </dgm:alg>
+              <dgm:shape xmlns:r="http://schemas.openxmlformats.org/officeDocument/2006/relationships" type="conn" r:blip="" zOrderOff="-2">
+                <dgm:adjLst/>
+              </dgm:shape>
+              <dgm:presOf axis="self"/>
+              <dgm:choose name="Name19">
+                <dgm:if name="Name20" func="var" arg="dir" op="equ" val="norm">
+                  <dgm:constrLst>
+                    <dgm:constr type="h" refType="w" fact="0.35"/>
+                    <dgm:constr type="wArH" refType="h"/>
+                    <dgm:constr type="hArH" refType="h"/>
+                    <dgm:constr type="connDist"/>
+                    <dgm:constr type="diam" refType="connDist" fact="1.15"/>
+                    <dgm:constr type="begPad"/>
+                    <dgm:constr type="endPad"/>
+                  </dgm:constrLst>
+                </dgm:if>
+                <dgm:else name="Name21">
+                  <dgm:constrLst>
+                    <dgm:constr type="h" refType="w" fact="0.35"/>
+                    <dgm:constr type="wArH" refType="h"/>
+                    <dgm:constr type="hArH" refType="h"/>
+                    <dgm:constr type="connDist"/>
+                    <dgm:constr type="diam" refType="connDist" fact="-1.15"/>
+                    <dgm:constr type="begPad"/>
+                    <dgm:constr type="endPad"/>
+                  </dgm:constrLst>
+                </dgm:else>
+              </dgm:choose>
+              <dgm:ruleLst/>
+            </dgm:layoutNode>
+          </dgm:forEach>
+        </dgm:forEach>
+      </dgm:forEach>
+    </dgm:layoutNode>
+  </dgm:layoutNode>
+</dgm:layoutDef>
+</file>
+
+<file path=ppt/diagrams/quickStyle1.xml><?xml version="1.0" encoding="utf-8"?>
+<dgm:styleDef xmlns:dgm="http://schemas.openxmlformats.org/drawingml/2006/diagram" xmlns:a="http://schemas.openxmlformats.org/drawingml/2006/main" uniqueId="urn:microsoft.com/office/officeart/2005/8/quickstyle/simple1">
+  <dgm:title val=""/>
+  <dgm:desc val=""/>
+  <dgm:catLst>
+    <dgm:cat type="simple" pri="10100"/>
+  </dgm:catLst>
+  <dgm:scene3d>
+    <a:camera prst="orthographicFront"/>
+    <a:lightRig rig="threePt" dir="t"/>
+  </dgm:scene3d>
+  <dgm:styleLbl name="node0">
+    <dgm:scene3d>
+      <a:camera prst="orthographicFront"/>
+      <a:lightRig rig="threePt" dir="t"/>
+    </dgm:scene3d>
+    <dgm:sp3d/>
+    <dgm:txPr/>
+    <dgm:style>
+      <a:lnRef idx="2">
+        <a:scrgbClr r="0" g="0" b="0"/>
+      </a:lnRef>
+      <a:fillRef idx="1">
+        <a:scrgbClr r="0" g="0" b="0"/>
+      </a:fillRef>
+      <a:effectRef idx="0">
+        <a:scrgbClr r="0" g="0" b="0"/>
+      </a:effectRef>
+      <a:fontRef idx="minor">
+        <a:schemeClr val="lt1"/>
+      </a:fontRef>
+    </dgm:style>
+  </dgm:styleLbl>
+  <dgm:styleLbl name="lnNode1">
+    <dgm:scene3d>
+      <a:camera prst="orthographicFront"/>
+      <a:lightRig rig="threePt" dir="t"/>
+    </dgm:scene3d>
+    <dgm:sp3d/>
+    <dgm:txPr/>
+    <dgm:style>
+      <a:lnRef idx="2">
+        <a:scrgbClr r="0" g="0" b="0"/>
+      </a:lnRef>
+      <a:fillRef idx="1">
+        <a:scrgbClr r="0" g="0" b="0"/>
+      </a:fillRef>
+      <a:effectRef idx="0">
+        <a:scrgbClr r="0" g="0" b="0"/>
+      </a:effectRef>
+      <a:fontRef idx="minor">
+        <a:schemeClr val="lt1"/>
+      </a:fontRef>
+    </dgm:style>
+  </dgm:styleLbl>
+  <dgm:styleLbl name="vennNode1">
+    <dgm:scene3d>
+      <a:camera prst="orthographicFront"/>
+      <a:lightRig rig="threePt" dir="t"/>
+    </dgm:scene3d>
+    <dgm:sp3d/>
+    <dgm:txPr/>
+    <dgm:style>
+      <a:lnRef idx="2">
+        <a:scrgbClr r="0" g="0" b="0"/>
+      </a:lnRef>
+      <a:fillRef idx="1">
+        <a:scrgbClr r="0" g="0" b="0"/>
+      </a:fillRef>
+      <a:effectRef idx="0">
+        <a:scrgbClr r="0" g="0" b="0"/>
+      </a:effectRef>
+      <a:fontRef idx="minor">
+        <a:schemeClr val="tx1"/>
+      </a:fontRef>
+    </dgm:style>
+  </dgm:styleLbl>
+  <dgm:styleLbl name="alignNode1">
+    <dgm:scene3d>
+      <a:camera prst="orthographicFront"/>
+      <a:lightRig rig="threePt" dir="t"/>
+    </dgm:scene3d>
+    <dgm:sp3d/>
+    <dgm:txPr/>
+    <dgm:style>
+      <a:lnRef idx="2">
+        <a:scrgbClr r="0" g="0" b="0"/>
+      </a:lnRef>
+      <a:fillRef idx="1">
+        <a:scrgbClr r="0" g="0" b="0"/>
+      </a:fillRef>
+      <a:effectRef idx="0">
+        <a:scrgbClr r="0" g="0" b="0"/>
+      </a:effectRef>
+      <a:fontRef idx="minor">
+        <a:schemeClr val="lt1"/>
+      </a:fontRef>
+    </dgm:style>
+  </dgm:styleLbl>
+  <dgm:styleLbl name="node1">
+    <dgm:scene3d>
+      <a:camera prst="orthographicFront"/>
+      <a:lightRig rig="threePt" dir="t"/>
+    </dgm:scene3d>
+    <dgm:sp3d/>
+    <dgm:txPr/>
+    <dgm:style>
+      <a:lnRef idx="2">
+        <a:scrgbClr r="0" g="0" b="0"/>
+      </a:lnRef>
+      <a:fillRef idx="1">
+        <a:scrgbClr r="0" g="0" b="0"/>
+      </a:fillRef>
+      <a:effectRef idx="0">
+        <a:scrgbClr r="0" g="0" b="0"/>
+      </a:effectRef>
+      <a:fontRef idx="minor">
+        <a:schemeClr val="lt1"/>
+      </a:fontRef>
+    </dgm:style>
+  </dgm:styleLbl>
+  <dgm:styleLbl name="node2">
+    <dgm:scene3d>
+      <a:camera prst="orthographicFront"/>
+      <a:lightRig rig="threePt" dir="t"/>
+    </dgm:scene3d>
+    <dgm:sp3d/>
+    <dgm:txPr/>
+    <dgm:style>
+      <a:lnRef idx="2">
+        <a:scrgbClr r="0" g="0" b="0"/>
+      </a:lnRef>
+      <a:fillRef idx="1">
+        <a:scrgbClr r="0" g="0" b="0"/>
+      </a:fillRef>
+      <a:effectRef idx="0">
+        <a:scrgbClr r="0" g="0" b="0"/>
+      </a:effectRef>
+      <a:fontRef idx="minor">
+        <a:schemeClr val="lt1"/>
+      </a:fontRef>
+    </dgm:style>
+  </dgm:styleLbl>
+  <dgm:styleLbl name="node3">
+    <dgm:scene3d>
+      <a:camera prst="orthographicFront"/>
+      <a:lightRig rig="threePt" dir="t"/>
+    </dgm:scene3d>
+    <dgm:sp3d/>
+    <dgm:txPr/>
+    <dgm:style>
+      <a:lnRef idx="2">
+        <a:scrgbClr r="0" g="0" b="0"/>
+      </a:lnRef>
+      <a:fillRef idx="1">
+        <a:scrgbClr r="0" g="0" b="0"/>
+      </a:fillRef>
+      <a:effectRef idx="0">
+        <a:scrgbClr r="0" g="0" b="0"/>
+      </a:effectRef>
+      <a:fontRef idx="minor">
+        <a:schemeClr val="lt1"/>
+      </a:fontRef>
+    </dgm:style>
+  </dgm:styleLbl>
+  <dgm:styleLbl name="node4">
+    <dgm:scene3d>
+      <a:camera prst="orthographicFront"/>
+      <a:lightRig rig="threePt" dir="t"/>
+    </dgm:scene3d>
+    <dgm:sp3d/>
+    <dgm:txPr/>
+    <dgm:style>
+      <a:lnRef idx="2">
+        <a:scrgbClr r="0" g="0" b="0"/>
+      </a:lnRef>
+      <a:fillRef idx="1">
+        <a:scrgbClr r="0" g="0" b="0"/>
+      </a:fillRef>
+      <a:effectRef idx="0">
+        <a:scrgbClr r="0" g="0" b="0"/>
+      </a:effectRef>
+      <a:fontRef idx="minor">
+        <a:schemeClr val="lt1"/>
+      </a:fontRef>
+    </dgm:style>
+  </dgm:styleLbl>
+  <dgm:styleLbl name="fgImgPlace1">
+    <dgm:scene3d>
+      <a:camera prst="orthographicFront"/>
+      <a:lightRig rig="threePt" dir="t"/>
+    </dgm:scene3d>
+    <dgm:sp3d/>
+    <dgm:txPr/>
+    <dgm:style>
+      <a:lnRef idx="2">
+        <a:scrgbClr r="0" g="0" b="0"/>
+      </a:lnRef>
+      <a:fillRef idx="1">
+        <a:scrgbClr r="0" g="0" b="0"/>
+      </a:fillRef>
+      <a:effectRef idx="0">
+        <a:scrgbClr r="0" g="0" b="0"/>
+      </a:effectRef>
+      <a:fontRef idx="minor"/>
+    </dgm:style>
+  </dgm:styleLbl>
+  <dgm:styleLbl name="alignImgPlace1">
+    <dgm:scene3d>
+      <a:camera prst="orthographicFront"/>
+      <a:lightRig rig="threePt" dir="t"/>
+    </dgm:scene3d>
+    <dgm:sp3d/>
+    <dgm:txPr/>
+    <dgm:style>
+      <a:lnRef idx="2">
+        <a:scrgbClr r="0" g="0" b="0"/>
+      </a:lnRef>
+      <a:fillRef idx="1">
+        <a:scrgbClr r="0" g="0" b="0"/>
+      </a:fillRef>
+      <a:effectRef idx="0">
+        <a:scrgbClr r="0" g="0" b="0"/>
+      </a:effectRef>
+      <a:fontRef idx="minor"/>
+    </dgm:style>
+  </dgm:styleLbl>
+  <dgm:styleLbl name="bgImgPlace1">
+    <dgm:scene3d>
+      <a:camera prst="orthographicFront"/>
+      <a:lightRig rig="threePt" dir="t"/>
+    </dgm:scene3d>
+    <dgm:sp3d/>
+    <dgm:txPr/>
+    <dgm:style>
+      <a:lnRef idx="2">
+        <a:scrgbClr r="0" g="0" b="0"/>
+      </a:lnRef>
+      <a:fillRef idx="1">
+        <a:scrgbClr r="0" g="0" b="0"/>
+      </a:fillRef>
+      <a:effectRef idx="0">
+        <a:scrgbClr r="0" g="0" b="0"/>
+      </a:effectRef>
+      <a:fontRef idx="minor"/>
+    </dgm:style>
+  </dgm:styleLbl>
+  <dgm:styleLbl name="sibTrans2D1">
+    <dgm:scene3d>
+      <a:camera prst="orthographicFront"/>
+      <a:lightRig rig="threePt" dir="t"/>
+    </dgm:scene3d>
+    <dgm:sp3d/>
+    <dgm:txPr/>
+    <dgm:style>
+      <a:lnRef idx="0">
+        <a:scrgbClr r="0" g="0" b="0"/>
+      </a:lnRef>
+      <a:fillRef idx="1">
+        <a:scrgbClr r="0" g="0" b="0"/>
+      </a:fillRef>
+      <a:effectRef idx="0">
+        <a:scrgbClr r="0" g="0" b="0"/>
+      </a:effectRef>
+      <a:fontRef idx="minor">
+        <a:schemeClr val="lt1"/>
+      </a:fontRef>
+    </dgm:style>
+  </dgm:styleLbl>
+  <dgm:styleLbl name="fgSibTrans2D1">
+    <dgm:scene3d>
+      <a:camera prst="orthographicFront"/>
+      <a:lightRig rig="threePt" dir="t"/>
+    </dgm:scene3d>
+    <dgm:sp3d/>
+    <dgm:txPr/>
+    <dgm:style>
+      <a:lnRef idx="0">
+        <a:scrgbClr r="0" g="0" b="0"/>
+      </a:lnRef>
+      <a:fillRef idx="1">
+        <a:scrgbClr r="0" g="0" b="0"/>
+      </a:fillRef>
+      <a:effectRef idx="0">
+        <a:scrgbClr r="0" g="0" b="0"/>
+      </a:effectRef>
+      <a:fontRef idx="minor">
+        <a:schemeClr val="lt1"/>
+      </a:fontRef>
+    </dgm:style>
+  </dgm:styleLbl>
+  <dgm:styleLbl name="bgSibTrans2D1">
+    <dgm:scene3d>
+      <a:camera prst="orthographicFront"/>
+      <a:lightRig rig="threePt" dir="t"/>
+    </dgm:scene3d>
+    <dgm:sp3d/>
+    <dgm:txPr/>
+    <dgm:style>
+      <a:lnRef idx="0">
+        <a:scrgbClr r="0" g="0" b="0"/>
+      </a:lnRef>
+      <a:fillRef idx="1">
+        <a:scrgbClr r="0" g="0" b="0"/>
+      </a:fillRef>
+      <a:effectRef idx="0">
+        <a:scrgbClr r="0" g="0" b="0"/>
+      </a:effectRef>
+      <a:fontRef idx="minor">
+        <a:schemeClr val="lt1"/>
+      </a:fontRef>
+    </dgm:style>
+  </dgm:styleLbl>
+  <dgm:styleLbl name="sibTrans1D1">
+    <dgm:scene3d>
+      <a:camera prst="orthographicFront"/>
+      <a:lightRig rig="threePt" dir="t"/>
+    </dgm:scene3d>
+    <dgm:sp3d/>
+    <dgm:txPr/>
+    <dgm:style>
+      <a:lnRef idx="1">
+        <a:scrgbClr r="0" g="0" b="0"/>
+      </a:lnRef>
+      <a:fillRef idx="0">
+        <a:scrgbClr r="0" g="0" b="0"/>
+      </a:fillRef>
+      <a:effectRef idx="0">
+        <a:scrgbClr r="0" g="0" b="0"/>
+      </a:effectRef>
+      <a:fontRef idx="minor"/>
+    </dgm:style>
+  </dgm:styleLbl>
+  <dgm:styleLbl name="callout">
+    <dgm:scene3d>
+      <a:camera prst="orthographicFront"/>
+      <a:lightRig rig="threePt" dir="t"/>
+    </dgm:scene3d>
+    <dgm:sp3d/>
+    <dgm:txPr/>
+    <dgm:style>
+      <a:lnRef idx="2">
+        <a:scrgbClr r="0" g="0" b="0"/>
+      </a:lnRef>
+      <a:fillRef idx="1">
+        <a:scrgbClr r="0" g="0" b="0"/>
+      </a:fillRef>
+      <a:effectRef idx="0">
+        <a:scrgbClr r="0" g="0" b="0"/>
+      </a:effectRef>
+      <a:fontRef idx="minor"/>
+    </dgm:style>
+  </dgm:styleLbl>
+  <dgm:styleLbl name="asst0">
+    <dgm:scene3d>
+      <a:camera prst="orthographicFront"/>
+      <a:lightRig rig="threePt" dir="t"/>
+    </dgm:scene3d>
+    <dgm:sp3d/>
+    <dgm:txPr/>
+    <dgm:style>
+      <a:lnRef idx="2">
+        <a:scrgbClr r="0" g="0" b="0"/>
+      </a:lnRef>
+      <a:fillRef idx="1">
+        <a:scrgbClr r="0" g="0" b="0"/>
+      </a:fillRef>
+      <a:effectRef idx="0">
+        <a:scrgbClr r="0" g="0" b="0"/>
+      </a:effectRef>
+      <a:fontRef idx="minor">
+        <a:schemeClr val="lt1"/>
+      </a:fontRef>
+    </dgm:style>
+  </dgm:styleLbl>
+  <dgm:styleLbl name="asst1">
+    <dgm:scene3d>
+      <a:camera prst="orthographicFront"/>
+      <a:lightRig rig="threePt" dir="t"/>
+    </dgm:scene3d>
+    <dgm:sp3d/>
+    <dgm:txPr/>
+    <dgm:style>
+      <a:lnRef idx="2">
+        <a:scrgbClr r="0" g="0" b="0"/>
+      </a:lnRef>
+      <a:fillRef idx="1">
+        <a:scrgbClr r="0" g="0" b="0"/>
+      </a:fillRef>
+      <a:effectRef idx="0">
+        <a:scrgbClr r="0" g="0" b="0"/>
+      </a:effectRef>
+      <a:fontRef idx="minor">
+        <a:schemeClr val="lt1"/>
+      </a:fontRef>
+    </dgm:style>
+  </dgm:styleLbl>
+  <dgm:styleLbl name="asst2">
+    <dgm:scene3d>
+      <a:camera prst="orthographicFront"/>
+      <a:lightRig rig="threePt" dir="t"/>
+    </dgm:scene3d>
+    <dgm:sp3d/>
+    <dgm:txPr/>
+    <dgm:style>
+      <a:lnRef idx="2">
+        <a:scrgbClr r="0" g="0" b="0"/>
+      </a:lnRef>
+      <a:fillRef idx="1">
+        <a:scrgbClr r="0" g="0" b="0"/>
+      </a:fillRef>
+      <a:effectRef idx="0">
+        <a:scrgbClr r="0" g="0" b="0"/>
+      </a:effectRef>
+      <a:fontRef idx="minor">
+        <a:schemeClr val="lt1"/>
+      </a:fontRef>
+    </dgm:style>
+  </dgm:styleLbl>
+  <dgm:styleLbl name="asst3">
+    <dgm:scene3d>
+      <a:camera prst="orthographicFront"/>
+      <a:lightRig rig="threePt" dir="t"/>
+    </dgm:scene3d>
+    <dgm:sp3d/>
+    <dgm:txPr/>
+    <dgm:style>
+      <a:lnRef idx="2">
+        <a:scrgbClr r="0" g="0" b="0"/>
+      </a:lnRef>
+      <a:fillRef idx="1">
+        <a:scrgbClr r="0" g="0" b="0"/>
+      </a:fillRef>
+      <a:effectRef idx="0">
+        <a:scrgbClr r="0" g="0" b="0"/>
+      </a:effectRef>
+      <a:fontRef idx="minor">
+        <a:schemeClr val="lt1"/>
+      </a:fontRef>
+    </dgm:style>
+  </dgm:styleLbl>
+  <dgm:styleLbl name="asst4">
+    <dgm:scene3d>
+      <a:camera prst="orthographicFront"/>
+      <a:lightRig rig="threePt" dir="t"/>
+    </dgm:scene3d>
+    <dgm:sp3d/>
+    <dgm:txPr/>
+    <dgm:style>
+      <a:lnRef idx="2">
+        <a:scrgbClr r="0" g="0" b="0"/>
+      </a:lnRef>
+      <a:fillRef idx="1">
+        <a:scrgbClr r="0" g="0" b="0"/>
+      </a:fillRef>
+      <a:effectRef idx="0">
+        <a:scrgbClr r="0" g="0" b="0"/>
+      </a:effectRef>
+      <a:fontRef idx="minor">
+        <a:schemeClr val="lt1"/>
+      </a:fontRef>
+    </dgm:style>
+  </dgm:styleLbl>
+  <dgm:styleLbl name="parChTrans2D1">
+    <dgm:scene3d>
+      <a:camera prst="orthographicFront"/>
+      <a:lightRig rig="threePt" dir="t"/>
+    </dgm:scene3d>
+    <dgm:sp3d/>
+    <dgm:txPr/>
+    <dgm:style>
+      <a:lnRef idx="2">
+        <a:scrgbClr r="0" g="0" b="0"/>
+      </a:lnRef>
+      <a:fillRef idx="1">
+        <a:scrgbClr r="0" g="0" b="0"/>
+      </a:fillRef>
+      <a:effectRef idx="0">
+        <a:scrgbClr r="0" g="0" b="0"/>
+      </a:effectRef>
+      <a:fontRef idx="minor">
+        <a:schemeClr val="lt1"/>
+      </a:fontRef>
+    </dgm:style>
+  </dgm:styleLbl>
+  <dgm:styleLbl name="parChTrans2D2">
+    <dgm:scene3d>
+      <a:camera prst="orthographicFront"/>
+      <a:lightRig rig="threePt" dir="t"/>
+    </dgm:scene3d>
+    <dgm:sp3d/>
+    <dgm:txPr/>
+    <dgm:style>
+      <a:lnRef idx="2">
+        <a:scrgbClr r="0" g="0" b="0"/>
+      </a:lnRef>
+      <a:fillRef idx="1">
+        <a:scrgbClr r="0" g="0" b="0"/>
+      </a:fillRef>
+      <a:effectRef idx="0">
+        <a:scrgbClr r="0" g="0" b="0"/>
+      </a:effectRef>
+      <a:fontRef idx="minor">
+        <a:schemeClr val="lt1"/>
+      </a:fontRef>
+    </dgm:style>
+  </dgm:styleLbl>
+  <dgm:styleLbl name="parChTrans2D3">
+    <dgm:scene3d>
+      <a:camera prst="orthographicFront"/>
+      <a:lightRig rig="threePt" dir="t"/>
+    </dgm:scene3d>
+    <dgm:sp3d/>
+    <dgm:txPr/>
+    <dgm:style>
+      <a:lnRef idx="2">
+        <a:scrgbClr r="0" g="0" b="0"/>
+      </a:lnRef>
+      <a:fillRef idx="1">
+        <a:scrgbClr r="0" g="0" b="0"/>
+      </a:fillRef>
+      <a:effectRef idx="0">
+        <a:scrgbClr r="0" g="0" b="0"/>
+      </a:effectRef>
+      <a:fontRef idx="minor">
+        <a:schemeClr val="lt1"/>
+      </a:fontRef>
+    </dgm:style>
+  </dgm:styleLbl>
+  <dgm:styleLbl name="parChTrans2D4">
+    <dgm:scene3d>
+      <a:camera prst="orthographicFront"/>
+      <a:lightRig rig="threePt" dir="t"/>
+    </dgm:scene3d>
+    <dgm:sp3d/>
+    <dgm:txPr/>
+    <dgm:style>
+      <a:lnRef idx="2">
+        <a:scrgbClr r="0" g="0" b="0"/>
+      </a:lnRef>
+      <a:fillRef idx="1">
+        <a:scrgbClr r="0" g="0" b="0"/>
+      </a:fillRef>
+      <a:effectRef idx="0">
+        <a:scrgbClr r="0" g="0" b="0"/>
+      </a:effectRef>
+      <a:fontRef idx="minor">
+        <a:schemeClr val="lt1"/>
+      </a:fontRef>
+    </dgm:style>
+  </dgm:styleLbl>
+  <dgm:styleLbl name="parChTrans1D1">
+    <dgm:scene3d>
+      <a:camera prst="orthographicFront"/>
+      <a:lightRig rig="threePt" dir="t"/>
+    </dgm:scene3d>
+    <dgm:sp3d/>
+    <dgm:txPr/>
+    <dgm:style>
+      <a:lnRef idx="2">
+        <a:scrgbClr r="0" g="0" b="0"/>
+      </a:lnRef>
+      <a:fillRef idx="0">
+        <a:scrgbClr r="0" g="0" b="0"/>
+      </a:fillRef>
+      <a:effectRef idx="0">
+        <a:scrgbClr r="0" g="0" b="0"/>
+      </a:effectRef>
+      <a:fontRef idx="minor"/>
+    </dgm:style>
+  </dgm:styleLbl>
+  <dgm:styleLbl name="parChTrans1D2">
+    <dgm:scene3d>
+      <a:camera prst="orthographicFront"/>
+      <a:lightRig rig="threePt" dir="t"/>
+    </dgm:scene3d>
+    <dgm:sp3d/>
+    <dgm:txPr/>
+    <dgm:style>
+      <a:lnRef idx="2">
+        <a:scrgbClr r="0" g="0" b="0"/>
+      </a:lnRef>
+      <a:fillRef idx="0">
+        <a:scrgbClr r="0" g="0" b="0"/>
+      </a:fillRef>
+      <a:effectRef idx="0">
+        <a:scrgbClr r="0" g="0" b="0"/>
+      </a:effectRef>
+      <a:fontRef idx="minor"/>
+    </dgm:style>
+  </dgm:styleLbl>
+  <dgm:styleLbl name="parChTrans1D3">
+    <dgm:scene3d>
+      <a:camera prst="orthographicFront"/>
+      <a:lightRig rig="threePt" dir="t"/>
+    </dgm:scene3d>
+    <dgm:sp3d/>
+    <dgm:txPr/>
+    <dgm:style>
+      <a:lnRef idx="2">
+        <a:scrgbClr r="0" g="0" b="0"/>
+      </a:lnRef>
+      <a:fillRef idx="0">
+        <a:scrgbClr r="0" g="0" b="0"/>
+      </a:fillRef>
+      <a:effectRef idx="0">
+        <a:scrgbClr r="0" g="0" b="0"/>
+      </a:effectRef>
+      <a:fontRef idx="minor"/>
+    </dgm:style>
+  </dgm:styleLbl>
+  <dgm:styleLbl name="parChTrans1D4">
+    <dgm:scene3d>
+      <a:camera prst="orthographicFront"/>
+      <a:lightRig rig="threePt" dir="t"/>
+    </dgm:scene3d>
+    <dgm:sp3d/>
+    <dgm:txPr/>
+    <dgm:style>
+      <a:lnRef idx="2">
+        <a:scrgbClr r="0" g="0" b="0"/>
+      </a:lnRef>
+      <a:fillRef idx="0">
+        <a:scrgbClr r="0" g="0" b="0"/>
+      </a:fillRef>
+      <a:effectRef idx="0">
+        <a:scrgbClr r="0" g="0" b="0"/>
+      </a:effectRef>
+      <a:fontRef idx="minor"/>
+    </dgm:style>
+  </dgm:styleLbl>
+  <dgm:styleLbl name="fgAcc1">
+    <dgm:scene3d>
+      <a:camera prst="orthographicFront"/>
+      <a:lightRig rig="threePt" dir="t"/>
+    </dgm:scene3d>
+    <dgm:sp3d/>
+    <dgm:txPr/>
+    <dgm:style>
+      <a:lnRef idx="2">
+        <a:scrgbClr r="0" g="0" b="0"/>
+      </a:lnRef>
+      <a:fillRef idx="1">
+        <a:scrgbClr r="0" g="0" b="0"/>
+      </a:fillRef>
+      <a:effectRef idx="0">
+        <a:scrgbClr r="0" g="0" b="0"/>
+      </a:effectRef>
+      <a:fontRef idx="minor"/>
+    </dgm:style>
+  </dgm:styleLbl>
+  <dgm:styleLbl name="conFgAcc1">
+    <dgm:scene3d>
+      <a:camera prst="orthographicFront"/>
+      <a:lightRig rig="threePt" dir="t"/>
+    </dgm:scene3d>
+    <dgm:sp3d/>
+    <dgm:txPr/>
+    <dgm:style>
+      <a:lnRef idx="2">
+        <a:scrgbClr r="0" g="0" b="0"/>
+      </a:lnRef>
+      <a:fillRef idx="1">
+        <a:scrgbClr r="0" g="0" b="0"/>
+      </a:fillRef>
+      <a:effectRef idx="0">
+        <a:scrgbClr r="0" g="0" b="0"/>
+      </a:effectRef>
+      <a:fontRef idx="minor"/>
+    </dgm:style>
+  </dgm:styleLbl>
+  <dgm:styleLbl name="alignAcc1">
+    <dgm:scene3d>
+      <a:camera prst="orthographicFront"/>
+      <a:lightRig rig="threePt" dir="t"/>
+    </dgm:scene3d>
+    <dgm:sp3d/>
+    <dgm:txPr/>
+    <dgm:style>
+      <a:lnRef idx="2">
+        <a:scrgbClr r="0" g="0" b="0"/>
+      </a:lnRef>
+      <a:fillRef idx="1">
+        <a:scrgbClr r="0" g="0" b="0"/>
+      </a:fillRef>
+      <a:effectRef idx="0">
+        <a:scrgbClr r="0" g="0" b="0"/>
+      </a:effectRef>
+      <a:fontRef idx="minor"/>
+    </dgm:style>
+  </dgm:styleLbl>
+  <dgm:styleLbl name="trAlignAcc1">
+    <dgm:scene3d>
+      <a:camera prst="orthographicFront"/>
+      <a:lightRig rig="threePt" dir="t"/>
+    </dgm:scene3d>
+    <dgm:sp3d/>
+    <dgm:txPr/>
+    <dgm:style>
+      <a:lnRef idx="1">
+        <a:scrgbClr r="0" g="0" b="0"/>
+      </a:lnRef>
+      <a:fillRef idx="1">
+        <a:scrgbClr r="0" g="0" b="0"/>
+      </a:fillRef>
+      <a:effectRef idx="0">
+        <a:scrgbClr r="0" g="0" b="0"/>
+      </a:effectRef>
+      <a:fontRef idx="minor"/>
+    </dgm:style>
+  </dgm:styleLbl>
+  <dgm:styleLbl name="bgAcc1">
+    <dgm:scene3d>
+      <a:camera prst="orthographicFront"/>
+      <a:lightRig rig="threePt" dir="t"/>
+    </dgm:scene3d>
+    <dgm:sp3d/>
+    <dgm:txPr/>
+    <dgm:style>
+      <a:lnRef idx="2">
+        <a:scrgbClr r="0" g="0" b="0"/>
+      </a:lnRef>
+      <a:fillRef idx="1">
+        <a:scrgbClr r="0" g="0" b="0"/>
+      </a:fillRef>
+      <a:effectRef idx="0">
+        <a:scrgbClr r="0" g="0" b="0"/>
+      </a:effectRef>
+      <a:fontRef idx="minor"/>
+    </dgm:style>
+  </dgm:styleLbl>
+  <dgm:styleLbl name="solidFgAcc1">
+    <dgm:scene3d>
+      <a:camera prst="orthographicFront"/>
+      <a:lightRig rig="threePt" dir="t"/>
+    </dgm:scene3d>
+    <dgm:sp3d/>
+    <dgm:txPr/>
+    <dgm:style>
+      <a:lnRef idx="2">
+        <a:scrgbClr r="0" g="0" b="0"/>
+      </a:lnRef>
+      <a:fillRef idx="1">
+        <a:scrgbClr r="0" g="0" b="0"/>
+      </a:fillRef>
+      <a:effectRef idx="0">
+        <a:scrgbClr r="0" g="0" b="0"/>
+      </a:effectRef>
+      <a:fontRef idx="minor"/>
+    </dgm:style>
+  </dgm:styleLbl>
+  <dgm:styleLbl name="solidAlignAcc1">
+    <dgm:scene3d>
+      <a:camera prst="orthographicFront"/>
+      <a:lightRig rig="threePt" dir="t"/>
+    </dgm:scene3d>
+    <dgm:sp3d/>
+    <dgm:txPr/>
+    <dgm:style>
+      <a:lnRef idx="2">
+        <a:scrgbClr r="0" g="0" b="0"/>
+      </a:lnRef>
+      <a:fillRef idx="1">
+        <a:scrgbClr r="0" g="0" b="0"/>
+      </a:fillRef>
+      <a:effectRef idx="0">
+        <a:scrgbClr r="0" g="0" b="0"/>
+      </a:effectRef>
+      <a:fontRef idx="minor"/>
+    </dgm:style>
+  </dgm:styleLbl>
+  <dgm:styleLbl name="solidBgAcc1">
+    <dgm:scene3d>
+      <a:camera prst="orthographicFront"/>
+      <a:lightRig rig="threePt" dir="t"/>
+    </dgm:scene3d>
+    <dgm:sp3d/>
+    <dgm:txPr/>
+    <dgm:style>
+      <a:lnRef idx="2">
+        <a:scrgbClr r="0" g="0" b="0"/>
+      </a:lnRef>
+      <a:fillRef idx="1">
+        <a:scrgbClr r="0" g="0" b="0"/>
+      </a:fillRef>
+      <a:effectRef idx="0">
+        <a:scrgbClr r="0" g="0" b="0"/>
+      </a:effectRef>
+      <a:fontRef idx="minor"/>
+    </dgm:style>
+  </dgm:styleLbl>
+  <dgm:styleLbl name="fgAccFollowNode1">
+    <dgm:scene3d>
+      <a:camera prst="orthographicFront"/>
+      <a:lightRig rig="threePt" dir="t"/>
+    </dgm:scene3d>
+    <dgm:sp3d/>
+    <dgm:txPr/>
+    <dgm:style>
+      <a:lnRef idx="2">
+        <a:scrgbClr r="0" g="0" b="0"/>
+      </a:lnRef>
+      <a:fillRef idx="1">
+        <a:scrgbClr r="0" g="0" b="0"/>
+      </a:fillRef>
+      <a:effectRef idx="0">
+        <a:scrgbClr r="0" g="0" b="0"/>
+      </a:effectRef>
+      <a:fontRef idx="minor"/>
+    </dgm:style>
+  </dgm:styleLbl>
+  <dgm:styleLbl name="alignAccFollowNode1">
+    <dgm:scene3d>
+      <a:camera prst="orthographicFront"/>
+      <a:lightRig rig="threePt" dir="t"/>
+    </dgm:scene3d>
+    <dgm:sp3d/>
+    <dgm:txPr/>
+    <dgm:style>
+      <a:lnRef idx="2">
+        <a:scrgbClr r="0" g="0" b="0"/>
+      </a:lnRef>
+      <a:fillRef idx="1">
+        <a:scrgbClr r="0" g="0" b="0"/>
+      </a:fillRef>
+      <a:effectRef idx="0">
+        <a:scrgbClr r="0" g="0" b="0"/>
+      </a:effectRef>
+      <a:fontRef idx="minor"/>
+    </dgm:style>
+  </dgm:styleLbl>
+  <dgm:styleLbl name="bgAccFollowNode1">
+    <dgm:scene3d>
+      <a:camera prst="orthographicFront"/>
+      <a:lightRig rig="threePt" dir="t"/>
+    </dgm:scene3d>
+    <dgm:sp3d/>
+    <dgm:txPr/>
+    <dgm:style>
+      <a:lnRef idx="2">
+        <a:scrgbClr r="0" g="0" b="0"/>
+      </a:lnRef>
+      <a:fillRef idx="1">
+        <a:scrgbClr r="0" g="0" b="0"/>
+      </a:fillRef>
+      <a:effectRef idx="0">
+        <a:scrgbClr r="0" g="0" b="0"/>
+      </a:effectRef>
+      <a:fontRef idx="minor"/>
+    </dgm:style>
+  </dgm:styleLbl>
+  <dgm:styleLbl name="fgAcc0">
+    <dgm:scene3d>
+      <a:camera prst="orthographicFront"/>
+      <a:lightRig rig="threePt" dir="t"/>
+    </dgm:scene3d>
+    <dgm:sp3d/>
+    <dgm:txPr/>
+    <dgm:style>
+      <a:lnRef idx="2">
+        <a:scrgbClr r="0" g="0" b="0"/>
+      </a:lnRef>
+      <a:fillRef idx="1">
+        <a:scrgbClr r="0" g="0" b="0"/>
+      </a:fillRef>
+      <a:effectRef idx="0">
+        <a:scrgbClr r="0" g="0" b="0"/>
+      </a:effectRef>
+      <a:fontRef idx="minor"/>
+    </dgm:style>
+  </dgm:styleLbl>
+  <dgm:styleLbl name="fgAcc2">
+    <dgm:scene3d>
+      <a:camera prst="orthographicFront"/>
+      <a:lightRig rig="threePt" dir="t"/>
+    </dgm:scene3d>
+    <dgm:sp3d/>
+    <dgm:txPr/>
+    <dgm:style>
+      <a:lnRef idx="2">
+        <a:scrgbClr r="0" g="0" b="0"/>
+      </a:lnRef>
+      <a:fillRef idx="1">
+        <a:scrgbClr r="0" g="0" b="0"/>
+      </a:fillRef>
+      <a:effectRef idx="0">
+        <a:scrgbClr r="0" g="0" b="0"/>
+      </a:effectRef>
+      <a:fontRef idx="minor"/>
+    </dgm:style>
+  </dgm:styleLbl>
+  <dgm:styleLbl name="fgAcc3">
+    <dgm:scene3d>
+      <a:camera prst="orthographicFront"/>
+      <a:lightRig rig="threePt" dir="t"/>
+    </dgm:scene3d>
+    <dgm:sp3d/>
+    <dgm:txPr/>
+    <dgm:style>
+      <a:lnRef idx="2">
+        <a:scrgbClr r="0" g="0" b="0"/>
+      </a:lnRef>
+      <a:fillRef idx="1">
+        <a:scrgbClr r="0" g="0" b="0"/>
+      </a:fillRef>
+      <a:effectRef idx="0">
+        <a:scrgbClr r="0" g="0" b="0"/>
+      </a:effectRef>
+      <a:fontRef idx="minor"/>
+    </dgm:style>
+  </dgm:styleLbl>
+  <dgm:styleLbl name="fgAcc4">
+    <dgm:scene3d>
+      <a:camera prst="orthographicFront"/>
+      <a:lightRig rig="threePt" dir="t"/>
+    </dgm:scene3d>
+    <dgm:sp3d/>
+    <dgm:txPr/>
+    <dgm:style>
+      <a:lnRef idx="2">
+        <a:scrgbClr r="0" g="0" b="0"/>
+      </a:lnRef>
+      <a:fillRef idx="1">
+        <a:scrgbClr r="0" g="0" b="0"/>
+      </a:fillRef>
+      <a:effectRef idx="0">
+        <a:scrgbClr r="0" g="0" b="0"/>
+      </a:effectRef>
+      <a:fontRef idx="minor"/>
+    </dgm:style>
+  </dgm:styleLbl>
+  <dgm:styleLbl name="bgShp">
+    <dgm:scene3d>
+      <a:camera prst="orthographicFront"/>
+      <a:lightRig rig="threePt" dir="t"/>
+    </dgm:scene3d>
+    <dgm:sp3d/>
+    <dgm:txPr/>
+    <dgm:style>
+      <a:lnRef idx="0">
+        <a:scrgbClr r="0" g="0" b="0"/>
+      </a:lnRef>
+      <a:fillRef idx="1">
+        <a:scrgbClr r="0" g="0" b="0"/>
+      </a:fillRef>
+      <a:effectRef idx="0">
+        <a:scrgbClr r="0" g="0" b="0"/>
+      </a:effectRef>
+      <a:fontRef idx="minor"/>
+    </dgm:style>
+  </dgm:styleLbl>
+  <dgm:styleLbl name="dkBgShp">
+    <dgm:scene3d>
+      <a:camera prst="orthographicFront"/>
+      <a:lightRig rig="threePt" dir="t"/>
+    </dgm:scene3d>
+    <dgm:sp3d/>
+    <dgm:txPr/>
+    <dgm:style>
+      <a:lnRef idx="0">
+        <a:scrgbClr r="0" g="0" b="0"/>
+      </a:lnRef>
+      <a:fillRef idx="1">
+        <a:scrgbClr r="0" g="0" b="0"/>
+      </a:fillRef>
+      <a:effectRef idx="0">
+        <a:scrgbClr r="0" g="0" b="0"/>
+      </a:effectRef>
+      <a:fontRef idx="minor"/>
+    </dgm:style>
+  </dgm:styleLbl>
+  <dgm:styleLbl name="trBgShp">
+    <dgm:scene3d>
+      <a:camera prst="orthographicFront"/>
+      <a:lightRig rig="threePt" dir="t"/>
+    </dgm:scene3d>
+    <dgm:sp3d/>
+    <dgm:txPr/>
+    <dgm:style>
+      <a:lnRef idx="0">
+        <a:scrgbClr r="0" g="0" b="0"/>
+      </a:lnRef>
+      <a:fillRef idx="1">
+        <a:scrgbClr r="0" g="0" b="0"/>
+      </a:fillRef>
+      <a:effectRef idx="0">
+        <a:scrgbClr r="0" g="0" b="0"/>
+      </a:effectRef>
+      <a:fontRef idx="minor"/>
+    </dgm:style>
+  </dgm:styleLbl>
+  <dgm:styleLbl name="fgShp">
+    <dgm:scene3d>
+      <a:camera prst="orthographicFront"/>
+      <a:lightRig rig="threePt" dir="t"/>
+    </dgm:scene3d>
+    <dgm:sp3d/>
+    <dgm:txPr/>
+    <dgm:style>
+      <a:lnRef idx="2">
+        <a:scrgbClr r="0" g="0" b="0"/>
+      </a:lnRef>
+      <a:fillRef idx="1">
+        <a:scrgbClr r="0" g="0" b="0"/>
+      </a:fillRef>
+      <a:effectRef idx="0">
+        <a:scrgbClr r="0" g="0" b="0"/>
+      </a:effectRef>
+      <a:fontRef idx="minor"/>
+    </dgm:style>
+  </dgm:styleLbl>
+  <dgm:styleLbl name="revTx">
+    <dgm:scene3d>
+      <a:camera prst="orthographicFront"/>
+      <a:lightRig rig="threePt" dir="t"/>
+    </dgm:scene3d>
+    <dgm:sp3d/>
+    <dgm:txPr/>
+    <dgm:style>
+      <a:lnRef idx="0">
+        <a:scrgbClr r="0" g="0" b="0"/>
+      </a:lnRef>
+      <a:fillRef idx="0">
+        <a:scrgbClr r="0" g="0" b="0"/>
+      </a:fillRef>
+      <a:effectRef idx="0">
+        <a:scrgbClr r="0" g="0" b="0"/>
+      </a:effectRef>
+      <a:fontRef idx="minor"/>
+    </dgm:style>
+  </dgm:styleLbl>
+</dgm:styleDef>
+</file>
+
+<file path=ppt/diagrams/quickStyle2.xml><?xml version="1.0" encoding="utf-8"?>
+<dgm:styleDef xmlns:dgm="http://schemas.openxmlformats.org/drawingml/2006/diagram" xmlns:a="http://schemas.openxmlformats.org/drawingml/2006/main" uniqueId="urn:microsoft.com/office/officeart/2005/8/quickstyle/simple1">
+  <dgm:title val=""/>
+  <dgm:desc val=""/>
+  <dgm:catLst>
+    <dgm:cat type="simple" pri="10100"/>
+  </dgm:catLst>
+  <dgm:scene3d>
+    <a:camera prst="orthographicFront"/>
+    <a:lightRig rig="threePt" dir="t"/>
+  </dgm:scene3d>
+  <dgm:styleLbl name="node0">
+    <dgm:scene3d>
+      <a:camera prst="orthographicFront"/>
+      <a:lightRig rig="threePt" dir="t"/>
+    </dgm:scene3d>
+    <dgm:sp3d/>
+    <dgm:txPr/>
+    <dgm:style>
+      <a:lnRef idx="2">
+        <a:scrgbClr r="0" g="0" b="0"/>
+      </a:lnRef>
+      <a:fillRef idx="1">
+        <a:scrgbClr r="0" g="0" b="0"/>
+      </a:fillRef>
+      <a:effectRef idx="0">
+        <a:scrgbClr r="0" g="0" b="0"/>
+      </a:effectRef>
+      <a:fontRef idx="minor">
+        <a:schemeClr val="lt1"/>
+      </a:fontRef>
+    </dgm:style>
+  </dgm:styleLbl>
+  <dgm:styleLbl name="lnNode1">
+    <dgm:scene3d>
+      <a:camera prst="orthographicFront"/>
+      <a:lightRig rig="threePt" dir="t"/>
+    </dgm:scene3d>
+    <dgm:sp3d/>
+    <dgm:txPr/>
+    <dgm:style>
+      <a:lnRef idx="2">
+        <a:scrgbClr r="0" g="0" b="0"/>
+      </a:lnRef>
+      <a:fillRef idx="1">
+        <a:scrgbClr r="0" g="0" b="0"/>
+      </a:fillRef>
+      <a:effectRef idx="0">
+        <a:scrgbClr r="0" g="0" b="0"/>
+      </a:effectRef>
+      <a:fontRef idx="minor">
+        <a:schemeClr val="lt1"/>
+      </a:fontRef>
+    </dgm:style>
+  </dgm:styleLbl>
+  <dgm:styleLbl name="vennNode1">
+    <dgm:scene3d>
+      <a:camera prst="orthographicFront"/>
+      <a:lightRig rig="threePt" dir="t"/>
+    </dgm:scene3d>
+    <dgm:sp3d/>
+    <dgm:txPr/>
+    <dgm:style>
+      <a:lnRef idx="2">
+        <a:scrgbClr r="0" g="0" b="0"/>
+      </a:lnRef>
+      <a:fillRef idx="1">
+        <a:scrgbClr r="0" g="0" b="0"/>
+      </a:fillRef>
+      <a:effectRef idx="0">
+        <a:scrgbClr r="0" g="0" b="0"/>
+      </a:effectRef>
+      <a:fontRef idx="minor">
+        <a:schemeClr val="tx1"/>
+      </a:fontRef>
+    </dgm:style>
+  </dgm:styleLbl>
+  <dgm:styleLbl name="alignNode1">
+    <dgm:scene3d>
+      <a:camera prst="orthographicFront"/>
+      <a:lightRig rig="threePt" dir="t"/>
+    </dgm:scene3d>
+    <dgm:sp3d/>
+    <dgm:txPr/>
+    <dgm:style>
+      <a:lnRef idx="2">
+        <a:scrgbClr r="0" g="0" b="0"/>
+      </a:lnRef>
+      <a:fillRef idx="1">
+        <a:scrgbClr r="0" g="0" b="0"/>
+      </a:fillRef>
+      <a:effectRef idx="0">
+        <a:scrgbClr r="0" g="0" b="0"/>
+      </a:effectRef>
+      <a:fontRef idx="minor">
+        <a:schemeClr val="lt1"/>
+      </a:fontRef>
+    </dgm:style>
+  </dgm:styleLbl>
+  <dgm:styleLbl name="node1">
+    <dgm:scene3d>
+      <a:camera prst="orthographicFront"/>
+      <a:lightRig rig="threePt" dir="t"/>
+    </dgm:scene3d>
+    <dgm:sp3d/>
+    <dgm:txPr/>
+    <dgm:style>
+      <a:lnRef idx="2">
+        <a:scrgbClr r="0" g="0" b="0"/>
+      </a:lnRef>
+      <a:fillRef idx="1">
+        <a:scrgbClr r="0" g="0" b="0"/>
+      </a:fillRef>
+      <a:effectRef idx="0">
+        <a:scrgbClr r="0" g="0" b="0"/>
+      </a:effectRef>
+      <a:fontRef idx="minor">
+        <a:schemeClr val="lt1"/>
+      </a:fontRef>
+    </dgm:style>
+  </dgm:styleLbl>
+  <dgm:styleLbl name="node2">
+    <dgm:scene3d>
+      <a:camera prst="orthographicFront"/>
+      <a:lightRig rig="threePt" dir="t"/>
+    </dgm:scene3d>
+    <dgm:sp3d/>
+    <dgm:txPr/>
+    <dgm:style>
+      <a:lnRef idx="2">
+        <a:scrgbClr r="0" g="0" b="0"/>
+      </a:lnRef>
+      <a:fillRef idx="1">
+        <a:scrgbClr r="0" g="0" b="0"/>
+      </a:fillRef>
+      <a:effectRef idx="0">
+        <a:scrgbClr r="0" g="0" b="0"/>
+      </a:effectRef>
+      <a:fontRef idx="minor">
+        <a:schemeClr val="lt1"/>
+      </a:fontRef>
+    </dgm:style>
+  </dgm:styleLbl>
+  <dgm:styleLbl name="node3">
+    <dgm:scene3d>
+      <a:camera prst="orthographicFront"/>
+      <a:lightRig rig="threePt" dir="t"/>
+    </dgm:scene3d>
+    <dgm:sp3d/>
+    <dgm:txPr/>
+    <dgm:style>
+      <a:lnRef idx="2">
+        <a:scrgbClr r="0" g="0" b="0"/>
+      </a:lnRef>
+      <a:fillRef idx="1">
+        <a:scrgbClr r="0" g="0" b="0"/>
+      </a:fillRef>
+      <a:effectRef idx="0">
+        <a:scrgbClr r="0" g="0" b="0"/>
+      </a:effectRef>
+      <a:fontRef idx="minor">
+        <a:schemeClr val="lt1"/>
+      </a:fontRef>
+    </dgm:style>
+  </dgm:styleLbl>
+  <dgm:styleLbl name="node4">
+    <dgm:scene3d>
+      <a:camera prst="orthographicFront"/>
+      <a:lightRig rig="threePt" dir="t"/>
+    </dgm:scene3d>
+    <dgm:sp3d/>
+    <dgm:txPr/>
+    <dgm:style>
+      <a:lnRef idx="2">
+        <a:scrgbClr r="0" g="0" b="0"/>
+      </a:lnRef>
+      <a:fillRef idx="1">
+        <a:scrgbClr r="0" g="0" b="0"/>
+      </a:fillRef>
+      <a:effectRef idx="0">
+        <a:scrgbClr r="0" g="0" b="0"/>
+      </a:effectRef>
+      <a:fontRef idx="minor">
+        <a:schemeClr val="lt1"/>
+      </a:fontRef>
+    </dgm:style>
+  </dgm:styleLbl>
+  <dgm:styleLbl name="fgImgPlace1">
+    <dgm:scene3d>
+      <a:camera prst="orthographicFront"/>
+      <a:lightRig rig="threePt" dir="t"/>
+    </dgm:scene3d>
+    <dgm:sp3d/>
+    <dgm:txPr/>
+    <dgm:style>
+      <a:lnRef idx="2">
+        <a:scrgbClr r="0" g="0" b="0"/>
+      </a:lnRef>
+      <a:fillRef idx="1">
+        <a:scrgbClr r="0" g="0" b="0"/>
+      </a:fillRef>
+      <a:effectRef idx="0">
+        <a:scrgbClr r="0" g="0" b="0"/>
+      </a:effectRef>
+      <a:fontRef idx="minor"/>
+    </dgm:style>
+  </dgm:styleLbl>
+  <dgm:styleLbl name="alignImgPlace1">
+    <dgm:scene3d>
+      <a:camera prst="orthographicFront"/>
+      <a:lightRig rig="threePt" dir="t"/>
+    </dgm:scene3d>
+    <dgm:sp3d/>
+    <dgm:txPr/>
+    <dgm:style>
+      <a:lnRef idx="2">
+        <a:scrgbClr r="0" g="0" b="0"/>
+      </a:lnRef>
+      <a:fillRef idx="1">
+        <a:scrgbClr r="0" g="0" b="0"/>
+      </a:fillRef>
+      <a:effectRef idx="0">
+        <a:scrgbClr r="0" g="0" b="0"/>
+      </a:effectRef>
+      <a:fontRef idx="minor"/>
+    </dgm:style>
+  </dgm:styleLbl>
+  <dgm:styleLbl name="bgImgPlace1">
+    <dgm:scene3d>
+      <a:camera prst="orthographicFront"/>
+      <a:lightRig rig="threePt" dir="t"/>
+    </dgm:scene3d>
+    <dgm:sp3d/>
+    <dgm:txPr/>
+    <dgm:style>
+      <a:lnRef idx="2">
+        <a:scrgbClr r="0" g="0" b="0"/>
+      </a:lnRef>
+      <a:fillRef idx="1">
+        <a:scrgbClr r="0" g="0" b="0"/>
+      </a:fillRef>
+      <a:effectRef idx="0">
+        <a:scrgbClr r="0" g="0" b="0"/>
+      </a:effectRef>
+      <a:fontRef idx="minor"/>
+    </dgm:style>
+  </dgm:styleLbl>
+  <dgm:styleLbl name="sibTrans2D1">
+    <dgm:scene3d>
+      <a:camera prst="orthographicFront"/>
+      <a:lightRig rig="threePt" dir="t"/>
+    </dgm:scene3d>
+    <dgm:sp3d/>
+    <dgm:txPr/>
+    <dgm:style>
+      <a:lnRef idx="0">
+        <a:scrgbClr r="0" g="0" b="0"/>
+      </a:lnRef>
+      <a:fillRef idx="1">
+        <a:scrgbClr r="0" g="0" b="0"/>
+      </a:fillRef>
+      <a:effectRef idx="0">
+        <a:scrgbClr r="0" g="0" b="0"/>
+      </a:effectRef>
+      <a:fontRef idx="minor">
+        <a:schemeClr val="lt1"/>
+      </a:fontRef>
+    </dgm:style>
+  </dgm:styleLbl>
+  <dgm:styleLbl name="fgSibTrans2D1">
+    <dgm:scene3d>
+      <a:camera prst="orthographicFront"/>
+      <a:lightRig rig="threePt" dir="t"/>
+    </dgm:scene3d>
+    <dgm:sp3d/>
+    <dgm:txPr/>
+    <dgm:style>
+      <a:lnRef idx="0">
+        <a:scrgbClr r="0" g="0" b="0"/>
+      </a:lnRef>
+      <a:fillRef idx="1">
+        <a:scrgbClr r="0" g="0" b="0"/>
+      </a:fillRef>
+      <a:effectRef idx="0">
+        <a:scrgbClr r="0" g="0" b="0"/>
+      </a:effectRef>
+      <a:fontRef idx="minor">
+        <a:schemeClr val="lt1"/>
+      </a:fontRef>
+    </dgm:style>
+  </dgm:styleLbl>
+  <dgm:styleLbl name="bgSibTrans2D1">
+    <dgm:scene3d>
+      <a:camera prst="orthographicFront"/>
+      <a:lightRig rig="threePt" dir="t"/>
+    </dgm:scene3d>
+    <dgm:sp3d/>
+    <dgm:txPr/>
+    <dgm:style>
+      <a:lnRef idx="0">
+        <a:scrgbClr r="0" g="0" b="0"/>
+      </a:lnRef>
+      <a:fillRef idx="1">
+        <a:scrgbClr r="0" g="0" b="0"/>
+      </a:fillRef>
+      <a:effectRef idx="0">
+        <a:scrgbClr r="0" g="0" b="0"/>
+      </a:effectRef>
+      <a:fontRef idx="minor">
+        <a:schemeClr val="lt1"/>
+      </a:fontRef>
+    </dgm:style>
+  </dgm:styleLbl>
+  <dgm:styleLbl name="sibTrans1D1">
+    <dgm:scene3d>
+      <a:camera prst="orthographicFront"/>
+      <a:lightRig rig="threePt" dir="t"/>
+    </dgm:scene3d>
+    <dgm:sp3d/>
+    <dgm:txPr/>
+    <dgm:style>
+      <a:lnRef idx="1">
+        <a:scrgbClr r="0" g="0" b="0"/>
+      </a:lnRef>
+      <a:fillRef idx="0">
+        <a:scrgbClr r="0" g="0" b="0"/>
+      </a:fillRef>
+      <a:effectRef idx="0">
+        <a:scrgbClr r="0" g="0" b="0"/>
+      </a:effectRef>
+      <a:fontRef idx="minor"/>
+    </dgm:style>
+  </dgm:styleLbl>
+  <dgm:styleLbl name="callout">
+    <dgm:scene3d>
+      <a:camera prst="orthographicFront"/>
+      <a:lightRig rig="threePt" dir="t"/>
+    </dgm:scene3d>
+    <dgm:sp3d/>
+    <dgm:txPr/>
+    <dgm:style>
+      <a:lnRef idx="2">
+        <a:scrgbClr r="0" g="0" b="0"/>
+      </a:lnRef>
+      <a:fillRef idx="1">
+        <a:scrgbClr r="0" g="0" b="0"/>
+      </a:fillRef>
+      <a:effectRef idx="0">
+        <a:scrgbClr r="0" g="0" b="0"/>
+      </a:effectRef>
+      <a:fontRef idx="minor"/>
+    </dgm:style>
+  </dgm:styleLbl>
+  <dgm:styleLbl name="asst0">
+    <dgm:scene3d>
+      <a:camera prst="orthographicFront"/>
+      <a:lightRig rig="threePt" dir="t"/>
+    </dgm:scene3d>
+    <dgm:sp3d/>
+    <dgm:txPr/>
+    <dgm:style>
+      <a:lnRef idx="2">
+        <a:scrgbClr r="0" g="0" b="0"/>
+      </a:lnRef>
+      <a:fillRef idx="1">
+        <a:scrgbClr r="0" g="0" b="0"/>
+      </a:fillRef>
+      <a:effectRef idx="0">
+        <a:scrgbClr r="0" g="0" b="0"/>
+      </a:effectRef>
+      <a:fontRef idx="minor">
+        <a:schemeClr val="lt1"/>
+      </a:fontRef>
+    </dgm:style>
+  </dgm:styleLbl>
+  <dgm:styleLbl name="asst1">
+    <dgm:scene3d>
+      <a:camera prst="orthographicFront"/>
+      <a:lightRig rig="threePt" dir="t"/>
+    </dgm:scene3d>
+    <dgm:sp3d/>
+    <dgm:txPr/>
+    <dgm:style>
+      <a:lnRef idx="2">
+        <a:scrgbClr r="0" g="0" b="0"/>
+      </a:lnRef>
+      <a:fillRef idx="1">
+        <a:scrgbClr r="0" g="0" b="0"/>
+      </a:fillRef>
+      <a:effectRef idx="0">
+        <a:scrgbClr r="0" g="0" b="0"/>
+      </a:effectRef>
+      <a:fontRef idx="minor">
+        <a:schemeClr val="lt1"/>
+      </a:fontRef>
+    </dgm:style>
+  </dgm:styleLbl>
+  <dgm:styleLbl name="asst2">
+    <dgm:scene3d>
+      <a:camera prst="orthographicFront"/>
+      <a:lightRig rig="threePt" dir="t"/>
+    </dgm:scene3d>
+    <dgm:sp3d/>
+    <dgm:txPr/>
+    <dgm:style>
+      <a:lnRef idx="2">
+        <a:scrgbClr r="0" g="0" b="0"/>
+      </a:lnRef>
+      <a:fillRef idx="1">
+        <a:scrgbClr r="0" g="0" b="0"/>
+      </a:fillRef>
+      <a:effectRef idx="0">
+        <a:scrgbClr r="0" g="0" b="0"/>
+      </a:effectRef>
+      <a:fontRef idx="minor">
+        <a:schemeClr val="lt1"/>
+      </a:fontRef>
+    </dgm:style>
+  </dgm:styleLbl>
+  <dgm:styleLbl name="asst3">
+    <dgm:scene3d>
+      <a:camera prst="orthographicFront"/>
+      <a:lightRig rig="threePt" dir="t"/>
+    </dgm:scene3d>
+    <dgm:sp3d/>
+    <dgm:txPr/>
+    <dgm:style>
+      <a:lnRef idx="2">
+        <a:scrgbClr r="0" g="0" b="0"/>
+      </a:lnRef>
+      <a:fillRef idx="1">
+        <a:scrgbClr r="0" g="0" b="0"/>
+      </a:fillRef>
+      <a:effectRef idx="0">
+        <a:scrgbClr r="0" g="0" b="0"/>
+      </a:effectRef>
+      <a:fontRef idx="minor">
+        <a:schemeClr val="lt1"/>
+      </a:fontRef>
+    </dgm:style>
+  </dgm:styleLbl>
+  <dgm:styleLbl name="asst4">
+    <dgm:scene3d>
+      <a:camera prst="orthographicFront"/>
+      <a:lightRig rig="threePt" dir="t"/>
+    </dgm:scene3d>
+    <dgm:sp3d/>
+    <dgm:txPr/>
+    <dgm:style>
+      <a:lnRef idx="2">
+        <a:scrgbClr r="0" g="0" b="0"/>
+      </a:lnRef>
+      <a:fillRef idx="1">
+        <a:scrgbClr r="0" g="0" b="0"/>
+      </a:fillRef>
+      <a:effectRef idx="0">
+        <a:scrgbClr r="0" g="0" b="0"/>
+      </a:effectRef>
+      <a:fontRef idx="minor">
+        <a:schemeClr val="lt1"/>
+      </a:fontRef>
+    </dgm:style>
+  </dgm:styleLbl>
+  <dgm:styleLbl name="parChTrans2D1">
+    <dgm:scene3d>
+      <a:camera prst="orthographicFront"/>
+      <a:lightRig rig="threePt" dir="t"/>
+    </dgm:scene3d>
+    <dgm:sp3d/>
+    <dgm:txPr/>
+    <dgm:style>
+      <a:lnRef idx="2">
+        <a:scrgbClr r="0" g="0" b="0"/>
+      </a:lnRef>
+      <a:fillRef idx="1">
+        <a:scrgbClr r="0" g="0" b="0"/>
+      </a:fillRef>
+      <a:effectRef idx="0">
+        <a:scrgbClr r="0" g="0" b="0"/>
+      </a:effectRef>
+      <a:fontRef idx="minor">
+        <a:schemeClr val="lt1"/>
+      </a:fontRef>
+    </dgm:style>
+  </dgm:styleLbl>
+  <dgm:styleLbl name="parChTrans2D2">
+    <dgm:scene3d>
+      <a:camera prst="orthographicFront"/>
+      <a:lightRig rig="threePt" dir="t"/>
+    </dgm:scene3d>
+    <dgm:sp3d/>
+    <dgm:txPr/>
+    <dgm:style>
+      <a:lnRef idx="2">
+        <a:scrgbClr r="0" g="0" b="0"/>
+      </a:lnRef>
+      <a:fillRef idx="1">
+        <a:scrgbClr r="0" g="0" b="0"/>
+      </a:fillRef>
+      <a:effectRef idx="0">
+        <a:scrgbClr r="0" g="0" b="0"/>
+      </a:effectRef>
+      <a:fontRef idx="minor">
+        <a:schemeClr val="lt1"/>
+      </a:fontRef>
+    </dgm:style>
+  </dgm:styleLbl>
+  <dgm:styleLbl name="parChTrans2D3">
+    <dgm:scene3d>
+      <a:camera prst="orthographicFront"/>
+      <a:lightRig rig="threePt" dir="t"/>
+    </dgm:scene3d>
+    <dgm:sp3d/>
+    <dgm:txPr/>
+    <dgm:style>
+      <a:lnRef idx="2">
+        <a:scrgbClr r="0" g="0" b="0"/>
+      </a:lnRef>
+      <a:fillRef idx="1">
+        <a:scrgbClr r="0" g="0" b="0"/>
+      </a:fillRef>
+      <a:effectRef idx="0">
+        <a:scrgbClr r="0" g="0" b="0"/>
+      </a:effectRef>
+      <a:fontRef idx="minor">
+        <a:schemeClr val="lt1"/>
+      </a:fontRef>
+    </dgm:style>
+  </dgm:styleLbl>
+  <dgm:styleLbl name="parChTrans2D4">
+    <dgm:scene3d>
+      <a:camera prst="orthographicFront"/>
+      <a:lightRig rig="threePt" dir="t"/>
+    </dgm:scene3d>
+    <dgm:sp3d/>
+    <dgm:txPr/>
+    <dgm:style>
+      <a:lnRef idx="2">
+        <a:scrgbClr r="0" g="0" b="0"/>
+      </a:lnRef>
+      <a:fillRef idx="1">
+        <a:scrgbClr r="0" g="0" b="0"/>
+      </a:fillRef>
+      <a:effectRef idx="0">
+        <a:scrgbClr r="0" g="0" b="0"/>
+      </a:effectRef>
+      <a:fontRef idx="minor">
+        <a:schemeClr val="lt1"/>
+      </a:fontRef>
+    </dgm:style>
+  </dgm:styleLbl>
+  <dgm:styleLbl name="parChTrans1D1">
+    <dgm:scene3d>
+      <a:camera prst="orthographicFront"/>
+      <a:lightRig rig="threePt" dir="t"/>
+    </dgm:scene3d>
+    <dgm:sp3d/>
+    <dgm:txPr/>
+    <dgm:style>
+      <a:lnRef idx="2">
+        <a:scrgbClr r="0" g="0" b="0"/>
+      </a:lnRef>
+      <a:fillRef idx="0">
+        <a:scrgbClr r="0" g="0" b="0"/>
+      </a:fillRef>
+      <a:effectRef idx="0">
+        <a:scrgbClr r="0" g="0" b="0"/>
+      </a:effectRef>
+      <a:fontRef idx="minor"/>
+    </dgm:style>
+  </dgm:styleLbl>
+  <dgm:styleLbl name="parChTrans1D2">
+    <dgm:scene3d>
+      <a:camera prst="orthographicFront"/>
+      <a:lightRig rig="threePt" dir="t"/>
+    </dgm:scene3d>
+    <dgm:sp3d/>
+    <dgm:txPr/>
+    <dgm:style>
+      <a:lnRef idx="2">
+        <a:scrgbClr r="0" g="0" b="0"/>
+      </a:lnRef>
+      <a:fillRef idx="0">
+        <a:scrgbClr r="0" g="0" b="0"/>
+      </a:fillRef>
+      <a:effectRef idx="0">
+        <a:scrgbClr r="0" g="0" b="0"/>
+      </a:effectRef>
+      <a:fontRef idx="minor"/>
+    </dgm:style>
+  </dgm:styleLbl>
+  <dgm:styleLbl name="parChTrans1D3">
+    <dgm:scene3d>
+      <a:camera prst="orthographicFront"/>
+      <a:lightRig rig="threePt" dir="t"/>
+    </dgm:scene3d>
+    <dgm:sp3d/>
+    <dgm:txPr/>
+    <dgm:style>
+      <a:lnRef idx="2">
+        <a:scrgbClr r="0" g="0" b="0"/>
+      </a:lnRef>
+      <a:fillRef idx="0">
+        <a:scrgbClr r="0" g="0" b="0"/>
+      </a:fillRef>
+      <a:effectRef idx="0">
+        <a:scrgbClr r="0" g="0" b="0"/>
+      </a:effectRef>
+      <a:fontRef idx="minor"/>
+    </dgm:style>
+  </dgm:styleLbl>
+  <dgm:styleLbl name="parChTrans1D4">
+    <dgm:scene3d>
+      <a:camera prst="orthographicFront"/>
+      <a:lightRig rig="threePt" dir="t"/>
+    </dgm:scene3d>
+    <dgm:sp3d/>
+    <dgm:txPr/>
+    <dgm:style>
+      <a:lnRef idx="2">
+        <a:scrgbClr r="0" g="0" b="0"/>
+      </a:lnRef>
+      <a:fillRef idx="0">
+        <a:scrgbClr r="0" g="0" b="0"/>
+      </a:fillRef>
+      <a:effectRef idx="0">
+        <a:scrgbClr r="0" g="0" b="0"/>
+      </a:effectRef>
+      <a:fontRef idx="minor"/>
+    </dgm:style>
+  </dgm:styleLbl>
+  <dgm:styleLbl name="fgAcc1">
+    <dgm:scene3d>
+      <a:camera prst="orthographicFront"/>
+      <a:lightRig rig="threePt" dir="t"/>
+    </dgm:scene3d>
+    <dgm:sp3d/>
+    <dgm:txPr/>
+    <dgm:style>
+      <a:lnRef idx="2">
+        <a:scrgbClr r="0" g="0" b="0"/>
+      </a:lnRef>
+      <a:fillRef idx="1">
+        <a:scrgbClr r="0" g="0" b="0"/>
+      </a:fillRef>
+      <a:effectRef idx="0">
+        <a:scrgbClr r="0" g="0" b="0"/>
+      </a:effectRef>
+      <a:fontRef idx="minor"/>
+    </dgm:style>
+  </dgm:styleLbl>
+  <dgm:styleLbl name="conFgAcc1">
+    <dgm:scene3d>
+      <a:camera prst="orthographicFront"/>
+      <a:lightRig rig="threePt" dir="t"/>
+    </dgm:scene3d>
+    <dgm:sp3d/>
+    <dgm:txPr/>
+    <dgm:style>
+      <a:lnRef idx="2">
+        <a:scrgbClr r="0" g="0" b="0"/>
+      </a:lnRef>
+      <a:fillRef idx="1">
+        <a:scrgbClr r="0" g="0" b="0"/>
+      </a:fillRef>
+      <a:effectRef idx="0">
+        <a:scrgbClr r="0" g="0" b="0"/>
+      </a:effectRef>
+      <a:fontRef idx="minor"/>
+    </dgm:style>
+  </dgm:styleLbl>
+  <dgm:styleLbl name="alignAcc1">
+    <dgm:scene3d>
+      <a:camera prst="orthographicFront"/>
+      <a:lightRig rig="threePt" dir="t"/>
+    </dgm:scene3d>
+    <dgm:sp3d/>
+    <dgm:txPr/>
+    <dgm:style>
+      <a:lnRef idx="2">
+        <a:scrgbClr r="0" g="0" b="0"/>
+      </a:lnRef>
+      <a:fillRef idx="1">
+        <a:scrgbClr r="0" g="0" b="0"/>
+      </a:fillRef>
+      <a:effectRef idx="0">
+        <a:scrgbClr r="0" g="0" b="0"/>
+      </a:effectRef>
+      <a:fontRef idx="minor"/>
+    </dgm:style>
+  </dgm:styleLbl>
+  <dgm:styleLbl name="trAlignAcc1">
+    <dgm:scene3d>
+      <a:camera prst="orthographicFront"/>
+      <a:lightRig rig="threePt" dir="t"/>
+    </dgm:scene3d>
+    <dgm:sp3d/>
+    <dgm:txPr/>
+    <dgm:style>
+      <a:lnRef idx="1">
+        <a:scrgbClr r="0" g="0" b="0"/>
+      </a:lnRef>
+      <a:fillRef idx="1">
+        <a:scrgbClr r="0" g="0" b="0"/>
+      </a:fillRef>
+      <a:effectRef idx="0">
+        <a:scrgbClr r="0" g="0" b="0"/>
+      </a:effectRef>
+      <a:fontRef idx="minor"/>
+    </dgm:style>
+  </dgm:styleLbl>
+  <dgm:styleLbl name="bgAcc1">
+    <dgm:scene3d>
+      <a:camera prst="orthographicFront"/>
+      <a:lightRig rig="threePt" dir="t"/>
+    </dgm:scene3d>
+    <dgm:sp3d/>
+    <dgm:txPr/>
+    <dgm:style>
+      <a:lnRef idx="2">
+        <a:scrgbClr r="0" g="0" b="0"/>
+      </a:lnRef>
+      <a:fillRef idx="1">
+        <a:scrgbClr r="0" g="0" b="0"/>
+      </a:fillRef>
+      <a:effectRef idx="0">
+        <a:scrgbClr r="0" g="0" b="0"/>
+      </a:effectRef>
+      <a:fontRef idx="minor"/>
+    </dgm:style>
+  </dgm:styleLbl>
+  <dgm:styleLbl name="solidFgAcc1">
+    <dgm:scene3d>
+      <a:camera prst="orthographicFront"/>
+      <a:lightRig rig="threePt" dir="t"/>
+    </dgm:scene3d>
+    <dgm:sp3d/>
+    <dgm:txPr/>
+    <dgm:style>
+      <a:lnRef idx="2">
+        <a:scrgbClr r="0" g="0" b="0"/>
+      </a:lnRef>
+      <a:fillRef idx="1">
+        <a:scrgbClr r="0" g="0" b="0"/>
+      </a:fillRef>
+      <a:effectRef idx="0">
+        <a:scrgbClr r="0" g="0" b="0"/>
+      </a:effectRef>
+      <a:fontRef idx="minor"/>
+    </dgm:style>
+  </dgm:styleLbl>
+  <dgm:styleLbl name="solidAlignAcc1">
+    <dgm:scene3d>
+      <a:camera prst="orthographicFront"/>
+      <a:lightRig rig="threePt" dir="t"/>
+    </dgm:scene3d>
+    <dgm:sp3d/>
+    <dgm:txPr/>
+    <dgm:style>
+      <a:lnRef idx="2">
+        <a:scrgbClr r="0" g="0" b="0"/>
+      </a:lnRef>
+      <a:fillRef idx="1">
+        <a:scrgbClr r="0" g="0" b="0"/>
+      </a:fillRef>
+      <a:effectRef idx="0">
+        <a:scrgbClr r="0" g="0" b="0"/>
+      </a:effectRef>
+      <a:fontRef idx="minor"/>
+    </dgm:style>
+  </dgm:styleLbl>
+  <dgm:styleLbl name="solidBgAcc1">
+    <dgm:scene3d>
+      <a:camera prst="orthographicFront"/>
+      <a:lightRig rig="threePt" dir="t"/>
+    </dgm:scene3d>
+    <dgm:sp3d/>
+    <dgm:txPr/>
+    <dgm:style>
+      <a:lnRef idx="2">
+        <a:scrgbClr r="0" g="0" b="0"/>
+      </a:lnRef>
+      <a:fillRef idx="1">
+        <a:scrgbClr r="0" g="0" b="0"/>
+      </a:fillRef>
+      <a:effectRef idx="0">
+        <a:scrgbClr r="0" g="0" b="0"/>
+      </a:effectRef>
+      <a:fontRef idx="minor"/>
+    </dgm:style>
+  </dgm:styleLbl>
+  <dgm:styleLbl name="fgAccFollowNode1">
+    <dgm:scene3d>
+      <a:camera prst="orthographicFront"/>
+      <a:lightRig rig="threePt" dir="t"/>
+    </dgm:scene3d>
+    <dgm:sp3d/>
+    <dgm:txPr/>
+    <dgm:style>
+      <a:lnRef idx="2">
+        <a:scrgbClr r="0" g="0" b="0"/>
+      </a:lnRef>
+      <a:fillRef idx="1">
+        <a:scrgbClr r="0" g="0" b="0"/>
+      </a:fillRef>
+      <a:effectRef idx="0">
+        <a:scrgbClr r="0" g="0" b="0"/>
+      </a:effectRef>
+      <a:fontRef idx="minor"/>
+    </dgm:style>
+  </dgm:styleLbl>
+  <dgm:styleLbl name="alignAccFollowNode1">
+    <dgm:scene3d>
+      <a:camera prst="orthographicFront"/>
+      <a:lightRig rig="threePt" dir="t"/>
+    </dgm:scene3d>
+    <dgm:sp3d/>
+    <dgm:txPr/>
+    <dgm:style>
+      <a:lnRef idx="2">
+        <a:scrgbClr r="0" g="0" b="0"/>
+      </a:lnRef>
+      <a:fillRef idx="1">
+        <a:scrgbClr r="0" g="0" b="0"/>
+      </a:fillRef>
+      <a:effectRef idx="0">
+        <a:scrgbClr r="0" g="0" b="0"/>
+      </a:effectRef>
+      <a:fontRef idx="minor"/>
+    </dgm:style>
+  </dgm:styleLbl>
+  <dgm:styleLbl name="bgAccFollowNode1">
+    <dgm:scene3d>
+      <a:camera prst="orthographicFront"/>
+      <a:lightRig rig="threePt" dir="t"/>
+    </dgm:scene3d>
+    <dgm:sp3d/>
+    <dgm:txPr/>
+    <dgm:style>
+      <a:lnRef idx="2">
+        <a:scrgbClr r="0" g="0" b="0"/>
+      </a:lnRef>
+      <a:fillRef idx="1">
+        <a:scrgbClr r="0" g="0" b="0"/>
+      </a:fillRef>
+      <a:effectRef idx="0">
+        <a:scrgbClr r="0" g="0" b="0"/>
+      </a:effectRef>
+      <a:fontRef idx="minor"/>
+    </dgm:style>
+  </dgm:styleLbl>
+  <dgm:styleLbl name="fgAcc0">
+    <dgm:scene3d>
+      <a:camera prst="orthographicFront"/>
+      <a:lightRig rig="threePt" dir="t"/>
+    </dgm:scene3d>
+    <dgm:sp3d/>
+    <dgm:txPr/>
+    <dgm:style>
+      <a:lnRef idx="2">
+        <a:scrgbClr r="0" g="0" b="0"/>
+      </a:lnRef>
+      <a:fillRef idx="1">
+        <a:scrgbClr r="0" g="0" b="0"/>
+      </a:fillRef>
+      <a:effectRef idx="0">
+        <a:scrgbClr r="0" g="0" b="0"/>
+      </a:effectRef>
+      <a:fontRef idx="minor"/>
+    </dgm:style>
+  </dgm:styleLbl>
+  <dgm:styleLbl name="fgAcc2">
+    <dgm:scene3d>
+      <a:camera prst="orthographicFront"/>
+      <a:lightRig rig="threePt" dir="t"/>
+    </dgm:scene3d>
+    <dgm:sp3d/>
+    <dgm:txPr/>
+    <dgm:style>
+      <a:lnRef idx="2">
+        <a:scrgbClr r="0" g="0" b="0"/>
+      </a:lnRef>
+      <a:fillRef idx="1">
+        <a:scrgbClr r="0" g="0" b="0"/>
+      </a:fillRef>
+      <a:effectRef idx="0">
+        <a:scrgbClr r="0" g="0" b="0"/>
+      </a:effectRef>
+      <a:fontRef idx="minor"/>
+    </dgm:style>
+  </dgm:styleLbl>
+  <dgm:styleLbl name="fgAcc3">
+    <dgm:scene3d>
+      <a:camera prst="orthographicFront"/>
+      <a:lightRig rig="threePt" dir="t"/>
+    </dgm:scene3d>
+    <dgm:sp3d/>
+    <dgm:txPr/>
+    <dgm:style>
+      <a:lnRef idx="2">
+        <a:scrgbClr r="0" g="0" b="0"/>
+      </a:lnRef>
+      <a:fillRef idx="1">
+        <a:scrgbClr r="0" g="0" b="0"/>
+      </a:fillRef>
+      <a:effectRef idx="0">
+        <a:scrgbClr r="0" g="0" b="0"/>
+      </a:effectRef>
+      <a:fontRef idx="minor"/>
+    </dgm:style>
+  </dgm:styleLbl>
+  <dgm:styleLbl name="fgAcc4">
+    <dgm:scene3d>
+      <a:camera prst="orthographicFront"/>
+      <a:lightRig rig="threePt" dir="t"/>
+    </dgm:scene3d>
+    <dgm:sp3d/>
+    <dgm:txPr/>
+    <dgm:style>
+      <a:lnRef idx="2">
+        <a:scrgbClr r="0" g="0" b="0"/>
+      </a:lnRef>
+      <a:fillRef idx="1">
+        <a:scrgbClr r="0" g="0" b="0"/>
+      </a:fillRef>
+      <a:effectRef idx="0">
+        <a:scrgbClr r="0" g="0" b="0"/>
+      </a:effectRef>
+      <a:fontRef idx="minor"/>
+    </dgm:style>
+  </dgm:styleLbl>
+  <dgm:styleLbl name="bgShp">
+    <dgm:scene3d>
+      <a:camera prst="orthographicFront"/>
+      <a:lightRig rig="threePt" dir="t"/>
+    </dgm:scene3d>
+    <dgm:sp3d/>
+    <dgm:txPr/>
+    <dgm:style>
+      <a:lnRef idx="0">
+        <a:scrgbClr r="0" g="0" b="0"/>
+      </a:lnRef>
+      <a:fillRef idx="1">
+        <a:scrgbClr r="0" g="0" b="0"/>
+      </a:fillRef>
+      <a:effectRef idx="0">
+        <a:scrgbClr r="0" g="0" b="0"/>
+      </a:effectRef>
+      <a:fontRef idx="minor"/>
+    </dgm:style>
+  </dgm:styleLbl>
+  <dgm:styleLbl name="dkBgShp">
+    <dgm:scene3d>
+      <a:camera prst="orthographicFront"/>
+      <a:lightRig rig="threePt" dir="t"/>
+    </dgm:scene3d>
+    <dgm:sp3d/>
+    <dgm:txPr/>
+    <dgm:style>
+      <a:lnRef idx="0">
+        <a:scrgbClr r="0" g="0" b="0"/>
+      </a:lnRef>
+      <a:fillRef idx="1">
+        <a:scrgbClr r="0" g="0" b="0"/>
+      </a:fillRef>
+      <a:effectRef idx="0">
+        <a:scrgbClr r="0" g="0" b="0"/>
+      </a:effectRef>
+      <a:fontRef idx="minor"/>
+    </dgm:style>
+  </dgm:styleLbl>
+  <dgm:styleLbl name="trBgShp">
+    <dgm:scene3d>
+      <a:camera prst="orthographicFront"/>
+      <a:lightRig rig="threePt" dir="t"/>
+    </dgm:scene3d>
+    <dgm:sp3d/>
+    <dgm:txPr/>
+    <dgm:style>
+      <a:lnRef idx="0">
+        <a:scrgbClr r="0" g="0" b="0"/>
+      </a:lnRef>
+      <a:fillRef idx="1">
+        <a:scrgbClr r="0" g="0" b="0"/>
+      </a:fillRef>
+      <a:effectRef idx="0">
+        <a:scrgbClr r="0" g="0" b="0"/>
+      </a:effectRef>
+      <a:fontRef idx="minor"/>
+    </dgm:style>
+  </dgm:styleLbl>
+  <dgm:styleLbl name="fgShp">
+    <dgm:scene3d>
+      <a:camera prst="orthographicFront"/>
+      <a:lightRig rig="threePt" dir="t"/>
+    </dgm:scene3d>
+    <dgm:sp3d/>
+    <dgm:txPr/>
+    <dgm:style>
+      <a:lnRef idx="2">
+        <a:scrgbClr r="0" g="0" b="0"/>
+      </a:lnRef>
+      <a:fillRef idx="1">
+        <a:scrgbClr r="0" g="0" b="0"/>
+      </a:fillRef>
+      <a:effectRef idx="0">
+        <a:scrgbClr r="0" g="0" b="0"/>
+      </a:effectRef>
+      <a:fontRef idx="minor"/>
+    </dgm:style>
+  </dgm:styleLbl>
+  <dgm:styleLbl name="revTx">
+    <dgm:scene3d>
+      <a:camera prst="orthographicFront"/>
+      <a:lightRig rig="threePt" dir="t"/>
+    </dgm:scene3d>
+    <dgm:sp3d/>
+    <dgm:txPr/>
+    <dgm:style>
+      <a:lnRef idx="0">
+        <a:scrgbClr r="0" g="0" b="0"/>
+      </a:lnRef>
+      <a:fillRef idx="0">
+        <a:scrgbClr r="0" g="0" b="0"/>
+      </a:fillRef>
+      <a:effectRef idx="0">
+        <a:scrgbClr r="0" g="0" b="0"/>
+      </a:effectRef>
+      <a:fontRef idx="minor"/>
+    </dgm:style>
+  </dgm:styleLbl>
+</dgm:styleDef>
+</file>
+
 <file path=ppt/notesMasters/notesMaster1.xml><?xml version="1.0" encoding="utf-8"?>
 <p:notesMaster xmlns:a="http://schemas.openxmlformats.org/drawingml/2006/main" xmlns:r="http://schemas.openxmlformats.org/officeDocument/2006/relationships" xmlns:p="http://schemas.openxmlformats.org/presentationml/2006/main">
   <p:cSld>
@@ -245,7 +7084,7 @@
           <a:p>
             <a:fld id="{EB33411C-504C-A043-AB94-B5E6FDB9A734}" type="datetimeFigureOut">
               <a:rPr lang="en-US" smtClean="0"/>
-              <a:t>7/27/25</a:t>
+              <a:t>7/28/2025</a:t>
             </a:fld>
             <a:endParaRPr lang="en-US"/>
           </a:p>
@@ -556,7 +7395,43 @@
           <a:bodyPr/>
           <a:lstStyle/>
           <a:p>
+            <a:r>
+              <a:rPr lang="en-US" dirty="0"/>
+              <a:t>Background Overview </a:t>
+            </a:r>
+          </a:p>
+          <a:p>
+            <a:r>
+              <a:rPr lang="en-US" dirty="0"/>
+              <a:t>Mechanical Testing &amp; Material Selection:</a:t>
+            </a:r>
+          </a:p>
+          <a:p>
+            <a:r>
+              <a:rPr lang="en-US" dirty="0"/>
+              <a:t>In engineering and product development, selecting the right material is critical to ensure performance, safety, and cost-effectiveness. </a:t>
+            </a:r>
+          </a:p>
+          <a:p>
+            <a:r>
+              <a:rPr lang="en-US" dirty="0"/>
+              <a:t>Mechanical testing—such as measuring tensile strength, modulus, impact resistance, and elongation—provides quantitative data on how materials behave under different loads and conditions. These properties are essential for comparing materials and making informed choices for specific applications.</a:t>
+            </a:r>
+          </a:p>
+          <a:p>
             <a:endParaRPr lang="en-US" dirty="0"/>
+          </a:p>
+          <a:p>
+            <a:r>
+              <a:rPr lang="en-US" dirty="0"/>
+              <a:t>Ashby Plots:</a:t>
+            </a:r>
+          </a:p>
+          <a:p>
+            <a:r>
+              <a:rPr lang="en-US" dirty="0"/>
+              <a:t>Ashby plots are powerful visualization tools that map material properties against each other (e.g., strength vs. density). They help engineers quickly identify which materials meet the requirements for a given application by visualizing trade-offs and performance envelopes. For polymers, Ashby plots can reveal clusters and trends that correspond to different polymer classes.</a:t>
+            </a:r>
           </a:p>
         </p:txBody>
       </p:sp>
@@ -577,7 +7452,7 @@
           <a:p>
             <a:fld id="{182E8F20-A7B2-7E44-8A34-C457D6FC39E8}" type="slidenum">
               <a:rPr lang="en-US" smtClean="0"/>
-              <a:t>3</a:t>
+              <a:t>2</a:t>
             </a:fld>
             <a:endParaRPr lang="en-US"/>
           </a:p>
@@ -586,7 +7461,331 @@
     </p:spTree>
     <p:extLst>
       <p:ext uri="{BB962C8B-B14F-4D97-AF65-F5344CB8AC3E}">
-        <p14:creationId xmlns:p14="http://schemas.microsoft.com/office/powerpoint/2010/main" val="1402537222"/>
+        <p14:creationId xmlns:p14="http://schemas.microsoft.com/office/powerpoint/2010/main" val="2509385614"/>
+      </p:ext>
+    </p:extLst>
+  </p:cSld>
+  <p:clrMapOvr>
+    <a:masterClrMapping/>
+  </p:clrMapOvr>
+</p:notes>
+</file>
+
+<file path=ppt/notesSlides/notesSlide2.xml><?xml version="1.0" encoding="utf-8"?>
+<p:notes xmlns:a="http://schemas.openxmlformats.org/drawingml/2006/main" xmlns:r="http://schemas.openxmlformats.org/officeDocument/2006/relationships" xmlns:p="http://schemas.openxmlformats.org/presentationml/2006/main">
+  <p:cSld>
+    <p:spTree>
+      <p:nvGrpSpPr>
+        <p:cNvPr id="1" name="">
+          <a:extLst>
+            <a:ext uri="{FF2B5EF4-FFF2-40B4-BE49-F238E27FC236}">
+              <a16:creationId xmlns:a16="http://schemas.microsoft.com/office/drawing/2014/main" id="{58897629-9BE4-1EFD-9DC5-84D3589B99B6}"/>
+            </a:ext>
+          </a:extLst>
+        </p:cNvPr>
+        <p:cNvGrpSpPr/>
+        <p:nvPr/>
+      </p:nvGrpSpPr>
+      <p:grpSpPr>
+        <a:xfrm>
+          <a:off x="0" y="0"/>
+          <a:ext cx="0" cy="0"/>
+          <a:chOff x="0" y="0"/>
+          <a:chExt cx="0" cy="0"/>
+        </a:xfrm>
+      </p:grpSpPr>
+      <p:sp>
+        <p:nvSpPr>
+          <p:cNvPr id="2" name="Slide Image Placeholder 1">
+            <a:extLst>
+              <a:ext uri="{FF2B5EF4-FFF2-40B4-BE49-F238E27FC236}">
+                <a16:creationId xmlns:a16="http://schemas.microsoft.com/office/drawing/2014/main" id="{CCE0D31F-384D-D6A1-C384-6914B81E2FAA}"/>
+              </a:ext>
+            </a:extLst>
+          </p:cNvPr>
+          <p:cNvSpPr>
+            <a:spLocks noGrp="1" noRot="1" noChangeAspect="1"/>
+          </p:cNvSpPr>
+          <p:nvPr>
+            <p:ph type="sldImg"/>
+          </p:nvPr>
+        </p:nvSpPr>
+        <p:spPr/>
+      </p:sp>
+      <p:sp>
+        <p:nvSpPr>
+          <p:cNvPr id="3" name="Notes Placeholder 2">
+            <a:extLst>
+              <a:ext uri="{FF2B5EF4-FFF2-40B4-BE49-F238E27FC236}">
+                <a16:creationId xmlns:a16="http://schemas.microsoft.com/office/drawing/2014/main" id="{D072814C-B62E-0BBA-09E3-ED9AE94B978E}"/>
+              </a:ext>
+            </a:extLst>
+          </p:cNvPr>
+          <p:cNvSpPr>
+            <a:spLocks noGrp="1"/>
+          </p:cNvSpPr>
+          <p:nvPr>
+            <p:ph type="body" idx="1"/>
+          </p:nvPr>
+        </p:nvSpPr>
+        <p:spPr/>
+        <p:txBody>
+          <a:bodyPr/>
+          <a:lstStyle/>
+          <a:p>
+            <a:endParaRPr lang="en-US" dirty="0"/>
+          </a:p>
+        </p:txBody>
+      </p:sp>
+      <p:sp>
+        <p:nvSpPr>
+          <p:cNvPr id="4" name="Slide Number Placeholder 3">
+            <a:extLst>
+              <a:ext uri="{FF2B5EF4-FFF2-40B4-BE49-F238E27FC236}">
+                <a16:creationId xmlns:a16="http://schemas.microsoft.com/office/drawing/2014/main" id="{5132D98C-EF58-349B-3639-FA6A8A097D29}"/>
+              </a:ext>
+            </a:extLst>
+          </p:cNvPr>
+          <p:cNvSpPr>
+            <a:spLocks noGrp="1"/>
+          </p:cNvSpPr>
+          <p:nvPr>
+            <p:ph type="sldNum" sz="quarter" idx="5"/>
+          </p:nvPr>
+        </p:nvSpPr>
+        <p:spPr/>
+        <p:txBody>
+          <a:bodyPr/>
+          <a:lstStyle/>
+          <a:p>
+            <a:fld id="{182E8F20-A7B2-7E44-8A34-C457D6FC39E8}" type="slidenum">
+              <a:rPr lang="en-US" smtClean="0"/>
+              <a:t>3</a:t>
+            </a:fld>
+            <a:endParaRPr lang="en-US"/>
+          </a:p>
+        </p:txBody>
+      </p:sp>
+    </p:spTree>
+    <p:extLst>
+      <p:ext uri="{BB962C8B-B14F-4D97-AF65-F5344CB8AC3E}">
+        <p14:creationId xmlns:p14="http://schemas.microsoft.com/office/powerpoint/2010/main" val="629674397"/>
+      </p:ext>
+    </p:extLst>
+  </p:cSld>
+  <p:clrMapOvr>
+    <a:masterClrMapping/>
+  </p:clrMapOvr>
+</p:notes>
+</file>
+
+<file path=ppt/notesSlides/notesSlide3.xml><?xml version="1.0" encoding="utf-8"?>
+<p:notes xmlns:a="http://schemas.openxmlformats.org/drawingml/2006/main" xmlns:r="http://schemas.openxmlformats.org/officeDocument/2006/relationships" xmlns:p="http://schemas.openxmlformats.org/presentationml/2006/main">
+  <p:cSld>
+    <p:spTree>
+      <p:nvGrpSpPr>
+        <p:cNvPr id="1" name="">
+          <a:extLst>
+            <a:ext uri="{FF2B5EF4-FFF2-40B4-BE49-F238E27FC236}">
+              <a16:creationId xmlns:a16="http://schemas.microsoft.com/office/drawing/2014/main" id="{9E912504-171E-98FB-767B-21E47B90B81C}"/>
+            </a:ext>
+          </a:extLst>
+        </p:cNvPr>
+        <p:cNvGrpSpPr/>
+        <p:nvPr/>
+      </p:nvGrpSpPr>
+      <p:grpSpPr>
+        <a:xfrm>
+          <a:off x="0" y="0"/>
+          <a:ext cx="0" cy="0"/>
+          <a:chOff x="0" y="0"/>
+          <a:chExt cx="0" cy="0"/>
+        </a:xfrm>
+      </p:grpSpPr>
+      <p:sp>
+        <p:nvSpPr>
+          <p:cNvPr id="2" name="Slide Image Placeholder 1">
+            <a:extLst>
+              <a:ext uri="{FF2B5EF4-FFF2-40B4-BE49-F238E27FC236}">
+                <a16:creationId xmlns:a16="http://schemas.microsoft.com/office/drawing/2014/main" id="{76D7130C-9D05-6373-35E1-CCF53119B522}"/>
+              </a:ext>
+            </a:extLst>
+          </p:cNvPr>
+          <p:cNvSpPr>
+            <a:spLocks noGrp="1" noRot="1" noChangeAspect="1"/>
+          </p:cNvSpPr>
+          <p:nvPr>
+            <p:ph type="sldImg"/>
+          </p:nvPr>
+        </p:nvSpPr>
+        <p:spPr/>
+      </p:sp>
+      <p:sp>
+        <p:nvSpPr>
+          <p:cNvPr id="3" name="Notes Placeholder 2">
+            <a:extLst>
+              <a:ext uri="{FF2B5EF4-FFF2-40B4-BE49-F238E27FC236}">
+                <a16:creationId xmlns:a16="http://schemas.microsoft.com/office/drawing/2014/main" id="{C1A469E6-DC11-4F20-E3B5-23C31B6F413B}"/>
+              </a:ext>
+            </a:extLst>
+          </p:cNvPr>
+          <p:cNvSpPr>
+            <a:spLocks noGrp="1"/>
+          </p:cNvSpPr>
+          <p:nvPr>
+            <p:ph type="body" idx="1"/>
+          </p:nvPr>
+        </p:nvSpPr>
+        <p:spPr/>
+        <p:txBody>
+          <a:bodyPr/>
+          <a:lstStyle/>
+          <a:p>
+            <a:endParaRPr lang="en-US" dirty="0"/>
+          </a:p>
+        </p:txBody>
+      </p:sp>
+      <p:sp>
+        <p:nvSpPr>
+          <p:cNvPr id="4" name="Slide Number Placeholder 3">
+            <a:extLst>
+              <a:ext uri="{FF2B5EF4-FFF2-40B4-BE49-F238E27FC236}">
+                <a16:creationId xmlns:a16="http://schemas.microsoft.com/office/drawing/2014/main" id="{6711886E-469A-89A0-9A7C-DE342E0B2A1C}"/>
+              </a:ext>
+            </a:extLst>
+          </p:cNvPr>
+          <p:cNvSpPr>
+            <a:spLocks noGrp="1"/>
+          </p:cNvSpPr>
+          <p:nvPr>
+            <p:ph type="sldNum" sz="quarter" idx="5"/>
+          </p:nvPr>
+        </p:nvSpPr>
+        <p:spPr/>
+        <p:txBody>
+          <a:bodyPr/>
+          <a:lstStyle/>
+          <a:p>
+            <a:fld id="{182E8F20-A7B2-7E44-8A34-C457D6FC39E8}" type="slidenum">
+              <a:rPr lang="en-US" smtClean="0"/>
+              <a:t>4</a:t>
+            </a:fld>
+            <a:endParaRPr lang="en-US"/>
+          </a:p>
+        </p:txBody>
+      </p:sp>
+    </p:spTree>
+    <p:extLst>
+      <p:ext uri="{BB962C8B-B14F-4D97-AF65-F5344CB8AC3E}">
+        <p14:creationId xmlns:p14="http://schemas.microsoft.com/office/powerpoint/2010/main" val="2890494307"/>
+      </p:ext>
+    </p:extLst>
+  </p:cSld>
+  <p:clrMapOvr>
+    <a:masterClrMapping/>
+  </p:clrMapOvr>
+</p:notes>
+</file>
+
+<file path=ppt/notesSlides/notesSlide4.xml><?xml version="1.0" encoding="utf-8"?>
+<p:notes xmlns:a="http://schemas.openxmlformats.org/drawingml/2006/main" xmlns:r="http://schemas.openxmlformats.org/officeDocument/2006/relationships" xmlns:p="http://schemas.openxmlformats.org/presentationml/2006/main">
+  <p:cSld>
+    <p:spTree>
+      <p:nvGrpSpPr>
+        <p:cNvPr id="1" name="">
+          <a:extLst>
+            <a:ext uri="{FF2B5EF4-FFF2-40B4-BE49-F238E27FC236}">
+              <a16:creationId xmlns:a16="http://schemas.microsoft.com/office/drawing/2014/main" id="{E5E34C5F-0BC6-4C51-9D02-8B5B4A5315CF}"/>
+            </a:ext>
+          </a:extLst>
+        </p:cNvPr>
+        <p:cNvGrpSpPr/>
+        <p:nvPr/>
+      </p:nvGrpSpPr>
+      <p:grpSpPr>
+        <a:xfrm>
+          <a:off x="0" y="0"/>
+          <a:ext cx="0" cy="0"/>
+          <a:chOff x="0" y="0"/>
+          <a:chExt cx="0" cy="0"/>
+        </a:xfrm>
+      </p:grpSpPr>
+      <p:sp>
+        <p:nvSpPr>
+          <p:cNvPr id="2" name="Slide Image Placeholder 1">
+            <a:extLst>
+              <a:ext uri="{FF2B5EF4-FFF2-40B4-BE49-F238E27FC236}">
+                <a16:creationId xmlns:a16="http://schemas.microsoft.com/office/drawing/2014/main" id="{3A16A093-7733-A10A-26E0-35DA3FCDFD43}"/>
+              </a:ext>
+            </a:extLst>
+          </p:cNvPr>
+          <p:cNvSpPr>
+            <a:spLocks noGrp="1" noRot="1" noChangeAspect="1"/>
+          </p:cNvSpPr>
+          <p:nvPr>
+            <p:ph type="sldImg"/>
+          </p:nvPr>
+        </p:nvSpPr>
+        <p:spPr/>
+      </p:sp>
+      <p:sp>
+        <p:nvSpPr>
+          <p:cNvPr id="3" name="Notes Placeholder 2">
+            <a:extLst>
+              <a:ext uri="{FF2B5EF4-FFF2-40B4-BE49-F238E27FC236}">
+                <a16:creationId xmlns:a16="http://schemas.microsoft.com/office/drawing/2014/main" id="{4EB81702-B2F9-DD66-B8C1-40921BED3991}"/>
+              </a:ext>
+            </a:extLst>
+          </p:cNvPr>
+          <p:cNvSpPr>
+            <a:spLocks noGrp="1"/>
+          </p:cNvSpPr>
+          <p:nvPr>
+            <p:ph type="body" idx="1"/>
+          </p:nvPr>
+        </p:nvSpPr>
+        <p:spPr/>
+        <p:txBody>
+          <a:bodyPr/>
+          <a:lstStyle/>
+          <a:p>
+            <a:endParaRPr lang="en-US" dirty="0"/>
+          </a:p>
+        </p:txBody>
+      </p:sp>
+      <p:sp>
+        <p:nvSpPr>
+          <p:cNvPr id="4" name="Slide Number Placeholder 3">
+            <a:extLst>
+              <a:ext uri="{FF2B5EF4-FFF2-40B4-BE49-F238E27FC236}">
+                <a16:creationId xmlns:a16="http://schemas.microsoft.com/office/drawing/2014/main" id="{48BA5B35-59BC-1FC7-2875-32DCE9176BE9}"/>
+              </a:ext>
+            </a:extLst>
+          </p:cNvPr>
+          <p:cNvSpPr>
+            <a:spLocks noGrp="1"/>
+          </p:cNvSpPr>
+          <p:nvPr>
+            <p:ph type="sldNum" sz="quarter" idx="5"/>
+          </p:nvPr>
+        </p:nvSpPr>
+        <p:spPr/>
+        <p:txBody>
+          <a:bodyPr/>
+          <a:lstStyle/>
+          <a:p>
+            <a:fld id="{182E8F20-A7B2-7E44-8A34-C457D6FC39E8}" type="slidenum">
+              <a:rPr lang="en-US" smtClean="0"/>
+              <a:t>5</a:t>
+            </a:fld>
+            <a:endParaRPr lang="en-US"/>
+          </a:p>
+        </p:txBody>
+      </p:sp>
+    </p:spTree>
+    <p:extLst>
+      <p:ext uri="{BB962C8B-B14F-4D97-AF65-F5344CB8AC3E}">
+        <p14:creationId xmlns:p14="http://schemas.microsoft.com/office/powerpoint/2010/main" val="2032266764"/>
       </p:ext>
     </p:extLst>
   </p:cSld>
@@ -787,7 +7986,7 @@
               <a:pPr>
                 <a:defRPr/>
               </a:pPr>
-              <a:t>7/27/25</a:t>
+              <a:t>7/28/2025</a:t>
             </a:fld>
             <a:endParaRPr lang="en-US"/>
           </a:p>
@@ -983,7 +8182,7 @@
               <a:pPr>
                 <a:defRPr/>
               </a:pPr>
-              <a:t>7/27/25</a:t>
+              <a:t>7/28/2025</a:t>
             </a:fld>
             <a:endParaRPr lang="en-US"/>
           </a:p>
@@ -1188,7 +8387,7 @@
               <a:pPr>
                 <a:defRPr/>
               </a:pPr>
-              <a:t>7/27/25</a:t>
+              <a:t>7/28/2025</a:t>
             </a:fld>
             <a:endParaRPr lang="en-US"/>
           </a:p>
@@ -1385,7 +8584,7 @@
               <a:pPr>
                 <a:defRPr/>
               </a:pPr>
-              <a:t>7/27/25</a:t>
+              <a:t>7/28/2025</a:t>
             </a:fld>
             <a:endParaRPr lang="en-US"/>
           </a:p>
@@ -1658,7 +8857,7 @@
               <a:pPr>
                 <a:defRPr/>
               </a:pPr>
-              <a:t>7/27/25</a:t>
+              <a:t>7/28/2025</a:t>
             </a:fld>
             <a:endParaRPr lang="en-US"/>
           </a:p>
@@ -1972,7 +9171,7 @@
               <a:pPr>
                 <a:defRPr/>
               </a:pPr>
-              <a:t>7/27/25</a:t>
+              <a:t>7/28/2025</a:t>
             </a:fld>
             <a:endParaRPr lang="en-US"/>
           </a:p>
@@ -2295,7 +9494,7 @@
               <a:pPr>
                 <a:defRPr/>
               </a:pPr>
-              <a:t>7/27/25</a:t>
+              <a:t>7/28/2025</a:t>
             </a:fld>
             <a:endParaRPr lang="en-US"/>
           </a:p>
@@ -2439,7 +9638,7 @@
               <a:pPr>
                 <a:defRPr/>
               </a:pPr>
-              <a:t>7/27/25</a:t>
+              <a:t>7/28/2025</a:t>
             </a:fld>
             <a:endParaRPr lang="en-US"/>
           </a:p>
@@ -2561,7 +9760,7 @@
               <a:pPr>
                 <a:defRPr/>
               </a:pPr>
-              <a:t>7/27/25</a:t>
+              <a:t>7/28/2025</a:t>
             </a:fld>
             <a:endParaRPr lang="en-US"/>
           </a:p>
@@ -2863,7 +10062,7 @@
               <a:pPr>
                 <a:defRPr/>
               </a:pPr>
-              <a:t>7/27/25</a:t>
+              <a:t>7/28/2025</a:t>
             </a:fld>
             <a:endParaRPr lang="en-US"/>
           </a:p>
@@ -3150,7 +10349,7 @@
               <a:pPr>
                 <a:defRPr/>
               </a:pPr>
-              <a:t>7/27/25</a:t>
+              <a:t>7/28/2025</a:t>
             </a:fld>
             <a:endParaRPr lang="en-US"/>
           </a:p>
@@ -3274,14 +10473,14 @@
           </a:ln>
           <a:extLst>
             <a:ext uri="{909E8E84-426E-40dd-AFC4-6F175D3DCCD1}">
-              <a14:hiddenFill xmlns:a14="http://schemas.microsoft.com/office/drawing/2010/main" xmlns="">
+              <a14:hiddenFill xmlns="" xmlns:a14="http://schemas.microsoft.com/office/drawing/2010/main">
                 <a:solidFill>
                   <a:srgbClr val="FFFFFF"/>
                 </a:solidFill>
               </a14:hiddenFill>
             </a:ext>
             <a:ext uri="{91240B29-F687-4f45-9708-019B960494DF}">
-              <a14:hiddenLine xmlns:a14="http://schemas.microsoft.com/office/drawing/2010/main" xmlns="" w="9525">
+              <a14:hiddenLine xmlns="" xmlns:a14="http://schemas.microsoft.com/office/drawing/2010/main" w="9525">
                 <a:solidFill>
                   <a:srgbClr val="000000"/>
                 </a:solidFill>
@@ -3291,7 +10490,7 @@
               </a14:hiddenLine>
             </a:ext>
             <a:ext uri="{FAA26D3D-D897-4be2-8F04-BA451C77F1D7}">
-              <ma14:placeholderFlag xmlns:ma14="http://schemas.microsoft.com/office/mac/drawingml/2011/main" xmlns="" val="1"/>
+              <ma14:placeholderFlag xmlns="" xmlns:ma14="http://schemas.microsoft.com/office/mac/drawingml/2011/main" val="1"/>
             </a:ext>
           </a:extLst>
         </p:spPr>
@@ -3342,14 +10541,14 @@
           </a:ln>
           <a:extLst>
             <a:ext uri="{909E8E84-426E-40dd-AFC4-6F175D3DCCD1}">
-              <a14:hiddenFill xmlns:a14="http://schemas.microsoft.com/office/drawing/2010/main" xmlns="">
+              <a14:hiddenFill xmlns="" xmlns:a14="http://schemas.microsoft.com/office/drawing/2010/main">
                 <a:solidFill>
                   <a:srgbClr val="FFFFFF"/>
                 </a:solidFill>
               </a14:hiddenFill>
             </a:ext>
             <a:ext uri="{91240B29-F687-4f45-9708-019B960494DF}">
-              <a14:hiddenLine xmlns:a14="http://schemas.microsoft.com/office/drawing/2010/main" xmlns="" w="9525">
+              <a14:hiddenLine xmlns="" xmlns:a14="http://schemas.microsoft.com/office/drawing/2010/main" w="9525">
                 <a:solidFill>
                   <a:srgbClr val="000000"/>
                 </a:solidFill>
@@ -3359,7 +10558,7 @@
               </a14:hiddenLine>
             </a:ext>
             <a:ext uri="{FAA26D3D-D897-4be2-8F04-BA451C77F1D7}">
-              <ma14:placeholderFlag xmlns:ma14="http://schemas.microsoft.com/office/mac/drawingml/2011/main" xmlns="" val="1"/>
+              <ma14:placeholderFlag xmlns="" xmlns:ma14="http://schemas.microsoft.com/office/mac/drawingml/2011/main" val="1"/>
             </a:ext>
           </a:extLst>
         </p:spPr>
@@ -3458,7 +10657,7 @@
               <a:pPr>
                 <a:defRPr/>
               </a:pPr>
-              <a:t>7/27/25</a:t>
+              <a:t>7/28/2025</a:t>
             </a:fld>
             <a:endParaRPr lang="en-US" dirty="0"/>
           </a:p>
@@ -4104,752 +11303,7 @@
 </p:sld>
 </file>
 
-<file path=ppt/slides/slide2.xml><?xml version="1.0" encoding="utf-8"?>
-<p:sld xmlns:a="http://schemas.openxmlformats.org/drawingml/2006/main" xmlns:r="http://schemas.openxmlformats.org/officeDocument/2006/relationships" xmlns:p="http://schemas.openxmlformats.org/presentationml/2006/main">
-  <p:cSld>
-    <p:spTree>
-      <p:nvGrpSpPr>
-        <p:cNvPr id="1" name=""/>
-        <p:cNvGrpSpPr/>
-        <p:nvPr/>
-      </p:nvGrpSpPr>
-      <p:grpSpPr>
-        <a:xfrm>
-          <a:off x="0" y="0"/>
-          <a:ext cx="0" cy="0"/>
-          <a:chOff x="0" y="0"/>
-          <a:chExt cx="0" cy="0"/>
-        </a:xfrm>
-      </p:grpSpPr>
-      <p:sp>
-        <p:nvSpPr>
-          <p:cNvPr id="2" name="Title 1">
-            <a:extLst>
-              <a:ext uri="{FF2B5EF4-FFF2-40B4-BE49-F238E27FC236}">
-                <a16:creationId xmlns:a16="http://schemas.microsoft.com/office/drawing/2014/main" id="{8E938B23-386D-3993-A3BD-42EB0115D412}"/>
-              </a:ext>
-            </a:extLst>
-          </p:cNvPr>
-          <p:cNvSpPr>
-            <a:spLocks noGrp="1"/>
-          </p:cNvSpPr>
-          <p:nvPr>
-            <p:ph type="title"/>
-          </p:nvPr>
-        </p:nvSpPr>
-        <p:spPr>
-          <a:xfrm>
-            <a:off x="457200" y="450906"/>
-            <a:ext cx="8229600" cy="801290"/>
-          </a:xfrm>
-        </p:spPr>
-        <p:txBody>
-          <a:bodyPr wrap="square" anchor="ctr">
-            <a:normAutofit/>
-          </a:bodyPr>
-          <a:lstStyle/>
-          <a:p>
-            <a:pPr algn="l"/>
-            <a:r>
-              <a:rPr lang="en-US" dirty="0"/>
-              <a:t>Background</a:t>
-            </a:r>
-          </a:p>
-        </p:txBody>
-      </p:sp>
-      <p:sp>
-        <p:nvSpPr>
-          <p:cNvPr id="1031" name="Content Placeholder 2">
-            <a:extLst>
-              <a:ext uri="{FF2B5EF4-FFF2-40B4-BE49-F238E27FC236}">
-                <a16:creationId xmlns:a16="http://schemas.microsoft.com/office/drawing/2014/main" id="{53E3BE6A-CA52-CDB3-CEB2-94604EE1F23B}"/>
-              </a:ext>
-            </a:extLst>
-          </p:cNvPr>
-          <p:cNvSpPr>
-            <a:spLocks noGrp="1"/>
-          </p:cNvSpPr>
-          <p:nvPr>
-            <p:ph sz="half" idx="2"/>
-          </p:nvPr>
-        </p:nvSpPr>
-        <p:spPr>
-          <a:xfrm>
-            <a:off x="457200" y="1558397"/>
-            <a:ext cx="4040188" cy="2963466"/>
-          </a:xfrm>
-        </p:spPr>
-        <p:txBody>
-          <a:bodyPr/>
-          <a:lstStyle/>
-          <a:p>
-            <a:r>
-              <a:rPr lang="en-US" sz="1800" dirty="0"/>
-              <a:t>Classification is important for material selection.</a:t>
-            </a:r>
-          </a:p>
-          <a:p>
-            <a:r>
-              <a:rPr lang="en-US" sz="1800" dirty="0"/>
-              <a:t>Materials can be organized into many broad classes including:</a:t>
-            </a:r>
-          </a:p>
-          <a:p>
-            <a:pPr lvl="1"/>
-            <a:r>
-              <a:rPr lang="en-US" sz="1400" dirty="0"/>
-              <a:t>Metals</a:t>
-            </a:r>
-          </a:p>
-          <a:p>
-            <a:pPr lvl="1"/>
-            <a:r>
-              <a:rPr lang="en-US" sz="1400" dirty="0"/>
-              <a:t>Ceramics</a:t>
-            </a:r>
-          </a:p>
-          <a:p>
-            <a:pPr lvl="1"/>
-            <a:r>
-              <a:rPr lang="en-US" sz="1400" b="1" dirty="0"/>
-              <a:t>Polymers</a:t>
-            </a:r>
-          </a:p>
-          <a:p>
-            <a:r>
-              <a:rPr lang="en-US" sz="1800" dirty="0"/>
-              <a:t>Polymers are further organized into their subclasses (PP, PET, </a:t>
-            </a:r>
-            <a:r>
-              <a:rPr lang="en-US" sz="1800" dirty="0" err="1"/>
-              <a:t>etc</a:t>
-            </a:r>
-            <a:r>
-              <a:rPr lang="en-US" sz="1800" dirty="0"/>
-              <a:t>)</a:t>
-            </a:r>
-          </a:p>
-          <a:p>
-            <a:pPr marL="457200" lvl="1" indent="0">
-              <a:buNone/>
-            </a:pPr>
-            <a:endParaRPr lang="en-US" sz="1400" dirty="0"/>
-          </a:p>
-        </p:txBody>
-      </p:sp>
-      <p:pic>
-        <p:nvPicPr>
-          <p:cNvPr id="1026" name="Picture 2" descr="A screen shot of a graph&#10;&#10;AI-generated content may be incorrect.">
-            <a:extLst>
-              <a:ext uri="{FF2B5EF4-FFF2-40B4-BE49-F238E27FC236}">
-                <a16:creationId xmlns:a16="http://schemas.microsoft.com/office/drawing/2014/main" id="{5D2A3DF1-F126-718C-9C29-BAB1A5A13645}"/>
-              </a:ext>
-            </a:extLst>
-          </p:cNvPr>
-          <p:cNvPicPr>
-            <a:picLocks noChangeAspect="1" noChangeArrowheads="1"/>
-          </p:cNvPicPr>
-          <p:nvPr/>
-        </p:nvPicPr>
-        <p:blipFill>
-          <a:blip r:embed="rId2">
-            <a:extLst>
-              <a:ext uri="{28A0092B-C50C-407E-A947-70E740481C1C}">
-                <a14:useLocalDpi xmlns:a14="http://schemas.microsoft.com/office/drawing/2010/main" val="0"/>
-              </a:ext>
-            </a:extLst>
-          </a:blip>
-          <a:stretch>
-            <a:fillRect/>
-          </a:stretch>
-        </p:blipFill>
-        <p:spPr bwMode="auto">
-          <a:xfrm>
-            <a:off x="4645028" y="1706337"/>
-            <a:ext cx="4274979" cy="2667586"/>
-          </a:xfrm>
-          <a:prstGeom prst="rect">
-            <a:avLst/>
-          </a:prstGeom>
-          <a:solidFill>
-            <a:srgbClr val="FFFFFF"/>
-          </a:solidFill>
-          <a:extLst>
-            <a:ext uri="{909E8E84-426E-40DD-AFC4-6F175D3DCCD1}">
-              <a14:hiddenFill xmlns:a14="http://schemas.microsoft.com/office/drawing/2010/main">
-                <a:solidFill>
-                  <a:srgbClr val="FFFFFF"/>
-                </a:solidFill>
-              </a14:hiddenFill>
-            </a:ext>
-          </a:extLst>
-        </p:spPr>
-      </p:pic>
-    </p:spTree>
-    <p:extLst>
-      <p:ext uri="{BB962C8B-B14F-4D97-AF65-F5344CB8AC3E}">
-        <p14:creationId xmlns:p14="http://schemas.microsoft.com/office/powerpoint/2010/main" val="3771410558"/>
-      </p:ext>
-    </p:extLst>
-  </p:cSld>
-  <p:clrMapOvr>
-    <a:masterClrMapping/>
-  </p:clrMapOvr>
-</p:sld>
-</file>
-
-<file path=ppt/slides/slide3.xml><?xml version="1.0" encoding="utf-8"?>
-<p:sld xmlns:a="http://schemas.openxmlformats.org/drawingml/2006/main" xmlns:r="http://schemas.openxmlformats.org/officeDocument/2006/relationships" xmlns:p="http://schemas.openxmlformats.org/presentationml/2006/main">
-  <p:cSld>
-    <p:spTree>
-      <p:nvGrpSpPr>
-        <p:cNvPr id="1" name=""/>
-        <p:cNvGrpSpPr/>
-        <p:nvPr/>
-      </p:nvGrpSpPr>
-      <p:grpSpPr>
-        <a:xfrm>
-          <a:off x="0" y="0"/>
-          <a:ext cx="0" cy="0"/>
-          <a:chOff x="0" y="0"/>
-          <a:chExt cx="0" cy="0"/>
-        </a:xfrm>
-      </p:grpSpPr>
-      <p:sp>
-        <p:nvSpPr>
-          <p:cNvPr id="2" name="Title 1">
-            <a:extLst>
-              <a:ext uri="{FF2B5EF4-FFF2-40B4-BE49-F238E27FC236}">
-                <a16:creationId xmlns:a16="http://schemas.microsoft.com/office/drawing/2014/main" id="{B5283F40-FA05-E52A-231F-E3CBA42EE561}"/>
-              </a:ext>
-            </a:extLst>
-          </p:cNvPr>
-          <p:cNvSpPr>
-            <a:spLocks noGrp="1"/>
-          </p:cNvSpPr>
-          <p:nvPr>
-            <p:ph type="title"/>
-          </p:nvPr>
-        </p:nvSpPr>
-        <p:spPr/>
-        <p:txBody>
-          <a:bodyPr/>
-          <a:lstStyle/>
-          <a:p>
-            <a:r>
-              <a:rPr lang="en-US" dirty="0"/>
-              <a:t>Polymer Classification</a:t>
-            </a:r>
-          </a:p>
-        </p:txBody>
-      </p:sp>
-      <p:sp>
-        <p:nvSpPr>
-          <p:cNvPr id="3" name="Content Placeholder 2">
-            <a:extLst>
-              <a:ext uri="{FF2B5EF4-FFF2-40B4-BE49-F238E27FC236}">
-                <a16:creationId xmlns:a16="http://schemas.microsoft.com/office/drawing/2014/main" id="{EA4CAE81-E1CC-79D9-288D-80D66B482699}"/>
-              </a:ext>
-            </a:extLst>
-          </p:cNvPr>
-          <p:cNvSpPr>
-            <a:spLocks noGrp="1"/>
-          </p:cNvSpPr>
-          <p:nvPr>
-            <p:ph sz="half" idx="2"/>
-          </p:nvPr>
-        </p:nvSpPr>
-        <p:spPr>
-          <a:xfrm>
-            <a:off x="457200" y="1631156"/>
-            <a:ext cx="8058150" cy="2963466"/>
-          </a:xfrm>
-        </p:spPr>
-        <p:txBody>
-          <a:bodyPr/>
-          <a:lstStyle/>
-          <a:p>
-            <a:r>
-              <a:rPr lang="en-US" dirty="0"/>
-              <a:t>Broad: Plastics, Elastomers, Thermosets</a:t>
-            </a:r>
-          </a:p>
-          <a:p>
-            <a:r>
-              <a:rPr lang="en-US" dirty="0"/>
-              <a:t>Polymer Subclass</a:t>
-            </a:r>
-          </a:p>
-          <a:p>
-            <a:pPr lvl="1"/>
-            <a:r>
-              <a:rPr lang="en-US" dirty="0"/>
-              <a:t>Generally based on polymer composition</a:t>
-            </a:r>
-          </a:p>
-          <a:p>
-            <a:pPr lvl="1"/>
-            <a:r>
-              <a:rPr lang="en-US" dirty="0"/>
-              <a:t>High Strength: PEEK, </a:t>
-            </a:r>
-          </a:p>
-          <a:p>
-            <a:pPr lvl="1"/>
-            <a:endParaRPr lang="en-US" dirty="0"/>
-          </a:p>
-          <a:p>
-            <a:pPr lvl="1"/>
-            <a:endParaRPr lang="en-US" dirty="0"/>
-          </a:p>
-        </p:txBody>
-      </p:sp>
-    </p:spTree>
-    <p:extLst>
-      <p:ext uri="{BB962C8B-B14F-4D97-AF65-F5344CB8AC3E}">
-        <p14:creationId xmlns:p14="http://schemas.microsoft.com/office/powerpoint/2010/main" val="145782020"/>
-      </p:ext>
-    </p:extLst>
-  </p:cSld>
-  <p:clrMapOvr>
-    <a:masterClrMapping/>
-  </p:clrMapOvr>
-</p:sld>
-</file>
-
-<file path=ppt/slides/slide4.xml><?xml version="1.0" encoding="utf-8"?>
-<p:sld xmlns:a="http://schemas.openxmlformats.org/drawingml/2006/main" xmlns:r="http://schemas.openxmlformats.org/officeDocument/2006/relationships" xmlns:p="http://schemas.openxmlformats.org/presentationml/2006/main">
-  <p:cSld>
-    <p:spTree>
-      <p:nvGrpSpPr>
-        <p:cNvPr id="1" name=""/>
-        <p:cNvGrpSpPr/>
-        <p:nvPr/>
-      </p:nvGrpSpPr>
-      <p:grpSpPr>
-        <a:xfrm>
-          <a:off x="0" y="0"/>
-          <a:ext cx="0" cy="0"/>
-          <a:chOff x="0" y="0"/>
-          <a:chExt cx="0" cy="0"/>
-        </a:xfrm>
-      </p:grpSpPr>
-      <p:sp>
-        <p:nvSpPr>
-          <p:cNvPr id="2" name="Title 1">
-            <a:extLst>
-              <a:ext uri="{FF2B5EF4-FFF2-40B4-BE49-F238E27FC236}">
-                <a16:creationId xmlns:a16="http://schemas.microsoft.com/office/drawing/2014/main" id="{8B916445-D0C9-D4B0-9D03-10FDB259E3EC}"/>
-              </a:ext>
-            </a:extLst>
-          </p:cNvPr>
-          <p:cNvSpPr>
-            <a:spLocks noGrp="1"/>
-          </p:cNvSpPr>
-          <p:nvPr>
-            <p:ph type="title"/>
-          </p:nvPr>
-        </p:nvSpPr>
-        <p:spPr/>
-        <p:txBody>
-          <a:bodyPr/>
-          <a:lstStyle/>
-          <a:p>
-            <a:pPr algn="l"/>
-            <a:r>
-              <a:rPr lang="en-US" dirty="0"/>
-              <a:t>Goals</a:t>
-            </a:r>
-          </a:p>
-        </p:txBody>
-      </p:sp>
-      <p:sp>
-        <p:nvSpPr>
-          <p:cNvPr id="3" name="Content Placeholder 2">
-            <a:extLst>
-              <a:ext uri="{FF2B5EF4-FFF2-40B4-BE49-F238E27FC236}">
-                <a16:creationId xmlns:a16="http://schemas.microsoft.com/office/drawing/2014/main" id="{0C55226F-3D2E-829A-D324-B958F4B66B92}"/>
-              </a:ext>
-            </a:extLst>
-          </p:cNvPr>
-          <p:cNvSpPr>
-            <a:spLocks noGrp="1"/>
-          </p:cNvSpPr>
-          <p:nvPr>
-            <p:ph sz="half" idx="2"/>
-          </p:nvPr>
-        </p:nvSpPr>
-        <p:spPr>
-          <a:xfrm>
-            <a:off x="457197" y="1451794"/>
-            <a:ext cx="7633610" cy="2963466"/>
-          </a:xfrm>
-        </p:spPr>
-        <p:txBody>
-          <a:bodyPr/>
-          <a:lstStyle/>
-          <a:p>
-            <a:r>
-              <a:rPr lang="en-US" dirty="0"/>
-              <a:t>Create a ML model that is able to predict polymer class based on mechanical data.</a:t>
-            </a:r>
-          </a:p>
-          <a:p>
-            <a:r>
-              <a:rPr lang="en-US" dirty="0"/>
-              <a:t>Model will be trained to predict on a small subset of polymer classes, with a target of at least 5 unique classes.</a:t>
-            </a:r>
-          </a:p>
-          <a:p>
-            <a:r>
-              <a:rPr lang="en-US" dirty="0"/>
-              <a:t>Achieve at least 80% classification accuracy</a:t>
-            </a:r>
-          </a:p>
-        </p:txBody>
-      </p:sp>
-    </p:spTree>
-    <p:extLst>
-      <p:ext uri="{BB962C8B-B14F-4D97-AF65-F5344CB8AC3E}">
-        <p14:creationId xmlns:p14="http://schemas.microsoft.com/office/powerpoint/2010/main" val="1024325250"/>
-      </p:ext>
-    </p:extLst>
-  </p:cSld>
-  <p:clrMapOvr>
-    <a:masterClrMapping/>
-  </p:clrMapOvr>
-</p:sld>
-</file>
-
-<file path=ppt/slides/slide5.xml><?xml version="1.0" encoding="utf-8"?>
-<p:sld xmlns:a="http://schemas.openxmlformats.org/drawingml/2006/main" xmlns:r="http://schemas.openxmlformats.org/officeDocument/2006/relationships" xmlns:p="http://schemas.openxmlformats.org/presentationml/2006/main">
-  <p:cSld>
-    <p:spTree>
-      <p:nvGrpSpPr>
-        <p:cNvPr id="1" name=""/>
-        <p:cNvGrpSpPr/>
-        <p:nvPr/>
-      </p:nvGrpSpPr>
-      <p:grpSpPr>
-        <a:xfrm>
-          <a:off x="0" y="0"/>
-          <a:ext cx="0" cy="0"/>
-          <a:chOff x="0" y="0"/>
-          <a:chExt cx="0" cy="0"/>
-        </a:xfrm>
-      </p:grpSpPr>
-      <p:sp>
-        <p:nvSpPr>
-          <p:cNvPr id="2" name="Title 1">
-            <a:extLst>
-              <a:ext uri="{FF2B5EF4-FFF2-40B4-BE49-F238E27FC236}">
-                <a16:creationId xmlns:a16="http://schemas.microsoft.com/office/drawing/2014/main" id="{73BC15BD-992E-C9A9-41CE-9C033FE1B443}"/>
-              </a:ext>
-            </a:extLst>
-          </p:cNvPr>
-          <p:cNvSpPr>
-            <a:spLocks noGrp="1"/>
-          </p:cNvSpPr>
-          <p:nvPr>
-            <p:ph type="title"/>
-          </p:nvPr>
-        </p:nvSpPr>
-        <p:spPr>
-          <a:xfrm>
-            <a:off x="457197" y="327595"/>
-            <a:ext cx="8229600" cy="801290"/>
-          </a:xfrm>
-        </p:spPr>
-        <p:txBody>
-          <a:bodyPr/>
-          <a:lstStyle/>
-          <a:p>
-            <a:pPr algn="l"/>
-            <a:r>
-              <a:rPr lang="en-US" dirty="0"/>
-              <a:t>Data Source</a:t>
-            </a:r>
-          </a:p>
-        </p:txBody>
-      </p:sp>
-      <p:sp>
-        <p:nvSpPr>
-          <p:cNvPr id="3" name="Content Placeholder 2">
-            <a:extLst>
-              <a:ext uri="{FF2B5EF4-FFF2-40B4-BE49-F238E27FC236}">
-                <a16:creationId xmlns:a16="http://schemas.microsoft.com/office/drawing/2014/main" id="{7B5068AD-F9E3-586B-21D9-50D3CFDF5D75}"/>
-              </a:ext>
-            </a:extLst>
-          </p:cNvPr>
-          <p:cNvSpPr>
-            <a:spLocks noGrp="1"/>
-          </p:cNvSpPr>
-          <p:nvPr>
-            <p:ph sz="half" idx="2"/>
-          </p:nvPr>
-        </p:nvSpPr>
-        <p:spPr>
-          <a:xfrm>
-            <a:off x="457197" y="1128885"/>
-            <a:ext cx="7519307" cy="2963466"/>
-          </a:xfrm>
-        </p:spPr>
-        <p:txBody>
-          <a:bodyPr/>
-          <a:lstStyle/>
-          <a:p>
-            <a:r>
-              <a:rPr lang="en-US" sz="1400" dirty="0"/>
-              <a:t>UL Prospector</a:t>
-            </a:r>
-          </a:p>
-          <a:p>
-            <a:pPr lvl="1"/>
-            <a:r>
-              <a:rPr lang="en-US" sz="1400" dirty="0"/>
-              <a:t>Database containing technical data of over 100,000 polymeric materials.</a:t>
-            </a:r>
-          </a:p>
-          <a:p>
-            <a:pPr lvl="1"/>
-            <a:r>
-              <a:rPr lang="en-US" sz="1400" dirty="0"/>
-              <a:t>Data is primarily provided by the material supplier.</a:t>
-            </a:r>
-          </a:p>
-          <a:p>
-            <a:pPr lvl="1"/>
-            <a:r>
-              <a:rPr lang="en-US" sz="1400" dirty="0"/>
-              <a:t>Access is free with registration.</a:t>
-            </a:r>
-          </a:p>
-          <a:p>
-            <a:pPr lvl="1"/>
-            <a:endParaRPr lang="en-US" sz="1400" dirty="0"/>
-          </a:p>
-        </p:txBody>
-      </p:sp>
-      <p:pic>
-        <p:nvPicPr>
-          <p:cNvPr id="6" name="Picture 5" descr="A close-up of a card&#10;&#10;AI-generated content may be incorrect.">
-            <a:extLst>
-              <a:ext uri="{FF2B5EF4-FFF2-40B4-BE49-F238E27FC236}">
-                <a16:creationId xmlns:a16="http://schemas.microsoft.com/office/drawing/2014/main" id="{B85E6134-B412-20A9-B76C-7A8FA4ADBBD6}"/>
-              </a:ext>
-            </a:extLst>
-          </p:cNvPr>
-          <p:cNvPicPr>
-            <a:picLocks noChangeAspect="1"/>
-          </p:cNvPicPr>
-          <p:nvPr/>
-        </p:nvPicPr>
-        <p:blipFill>
-          <a:blip r:embed="rId2"/>
-          <a:stretch>
-            <a:fillRect/>
-          </a:stretch>
-        </p:blipFill>
-        <p:spPr>
-          <a:xfrm>
-            <a:off x="826629" y="2453645"/>
-            <a:ext cx="7000877" cy="2439996"/>
-          </a:xfrm>
-          <a:prstGeom prst="rect">
-            <a:avLst/>
-          </a:prstGeom>
-        </p:spPr>
-      </p:pic>
-    </p:spTree>
-    <p:extLst>
-      <p:ext uri="{BB962C8B-B14F-4D97-AF65-F5344CB8AC3E}">
-        <p14:creationId xmlns:p14="http://schemas.microsoft.com/office/powerpoint/2010/main" val="1802015444"/>
-      </p:ext>
-    </p:extLst>
-  </p:cSld>
-  <p:clrMapOvr>
-    <a:masterClrMapping/>
-  </p:clrMapOvr>
-</p:sld>
-</file>
-
-<file path=ppt/slides/slide6.xml><?xml version="1.0" encoding="utf-8"?>
-<p:sld xmlns:a="http://schemas.openxmlformats.org/drawingml/2006/main" xmlns:r="http://schemas.openxmlformats.org/officeDocument/2006/relationships" xmlns:p="http://schemas.openxmlformats.org/presentationml/2006/main">
-  <p:cSld>
-    <p:spTree>
-      <p:nvGrpSpPr>
-        <p:cNvPr id="1" name=""/>
-        <p:cNvGrpSpPr/>
-        <p:nvPr/>
-      </p:nvGrpSpPr>
-      <p:grpSpPr>
-        <a:xfrm>
-          <a:off x="0" y="0"/>
-          <a:ext cx="0" cy="0"/>
-          <a:chOff x="0" y="0"/>
-          <a:chExt cx="0" cy="0"/>
-        </a:xfrm>
-      </p:grpSpPr>
-      <p:sp>
-        <p:nvSpPr>
-          <p:cNvPr id="2" name="Title 1">
-            <a:extLst>
-              <a:ext uri="{FF2B5EF4-FFF2-40B4-BE49-F238E27FC236}">
-                <a16:creationId xmlns:a16="http://schemas.microsoft.com/office/drawing/2014/main" id="{E1E31DB1-1F7D-770E-DD5B-AFEC3A674426}"/>
-              </a:ext>
-            </a:extLst>
-          </p:cNvPr>
-          <p:cNvSpPr>
-            <a:spLocks noGrp="1"/>
-          </p:cNvSpPr>
-          <p:nvPr>
-            <p:ph type="title"/>
-          </p:nvPr>
-        </p:nvSpPr>
-        <p:spPr>
-          <a:xfrm>
-            <a:off x="457200" y="675085"/>
-            <a:ext cx="8229600" cy="801290"/>
-          </a:xfrm>
-        </p:spPr>
-        <p:txBody>
-          <a:bodyPr wrap="square" anchor="ctr">
-            <a:normAutofit/>
-          </a:bodyPr>
-          <a:lstStyle/>
-          <a:p>
-            <a:pPr algn="l"/>
-            <a:r>
-              <a:rPr lang="en-US" dirty="0"/>
-              <a:t>Data Preparation</a:t>
-            </a:r>
-          </a:p>
-        </p:txBody>
-      </p:sp>
-      <p:sp>
-        <p:nvSpPr>
-          <p:cNvPr id="3" name="Content Placeholder 2">
-            <a:extLst>
-              <a:ext uri="{FF2B5EF4-FFF2-40B4-BE49-F238E27FC236}">
-                <a16:creationId xmlns:a16="http://schemas.microsoft.com/office/drawing/2014/main" id="{7DAF1410-2FC5-559F-3CB6-FE7D0EDE5025}"/>
-              </a:ext>
-            </a:extLst>
-          </p:cNvPr>
-          <p:cNvSpPr>
-            <a:spLocks noGrp="1"/>
-          </p:cNvSpPr>
-          <p:nvPr>
-            <p:ph sz="half" idx="1"/>
-          </p:nvPr>
-        </p:nvSpPr>
-        <p:spPr>
-          <a:xfrm>
-            <a:off x="457200" y="1476377"/>
-            <a:ext cx="4038600" cy="3118247"/>
-          </a:xfrm>
-        </p:spPr>
-        <p:txBody>
-          <a:bodyPr wrap="square" anchor="t">
-            <a:normAutofit/>
-          </a:bodyPr>
-          <a:lstStyle/>
-          <a:p>
-            <a:r>
-              <a:rPr lang="en-US" sz="1400" dirty="0"/>
-              <a:t>Database was queried with a handful of polymer symbols (PP, ABS, </a:t>
-            </a:r>
-            <a:r>
-              <a:rPr lang="en-US" sz="1400" dirty="0" err="1"/>
-              <a:t>etc</a:t>
-            </a:r>
-            <a:r>
-              <a:rPr lang="en-US" sz="1400" dirty="0"/>
-              <a:t>) and a .csv file was generated for each</a:t>
-            </a:r>
-          </a:p>
-          <a:p>
-            <a:r>
-              <a:rPr lang="en-US" sz="1400" dirty="0"/>
-              <a:t>Raw data included blends, alloys, and composites and required extensive cleaning.</a:t>
-            </a:r>
-          </a:p>
-        </p:txBody>
-      </p:sp>
-      <p:pic>
-        <p:nvPicPr>
-          <p:cNvPr id="6" name="Picture 5" descr="A screenshot of a computer program&#10;&#10;AI-generated content may be incorrect.">
-            <a:extLst>
-              <a:ext uri="{FF2B5EF4-FFF2-40B4-BE49-F238E27FC236}">
-                <a16:creationId xmlns:a16="http://schemas.microsoft.com/office/drawing/2014/main" id="{C93E934D-6ED7-F1F9-9CF2-BEECEB5C2CD2}"/>
-              </a:ext>
-            </a:extLst>
-          </p:cNvPr>
-          <p:cNvPicPr>
-            <a:picLocks noChangeAspect="1"/>
-          </p:cNvPicPr>
-          <p:nvPr/>
-        </p:nvPicPr>
-        <p:blipFill>
-          <a:blip r:embed="rId2"/>
-          <a:stretch>
-            <a:fillRect/>
-          </a:stretch>
-        </p:blipFill>
-        <p:spPr>
-          <a:xfrm>
-            <a:off x="4648202" y="1476375"/>
-            <a:ext cx="4358675" cy="2735068"/>
-          </a:xfrm>
-          <a:prstGeom prst="rect">
-            <a:avLst/>
-          </a:prstGeom>
-          <a:noFill/>
-        </p:spPr>
-      </p:pic>
-      <p:pic>
-        <p:nvPicPr>
-          <p:cNvPr id="8" name="Picture 7" descr="A screen shot of a computer program&#10;&#10;AI-generated content may be incorrect.">
-            <a:extLst>
-              <a:ext uri="{FF2B5EF4-FFF2-40B4-BE49-F238E27FC236}">
-                <a16:creationId xmlns:a16="http://schemas.microsoft.com/office/drawing/2014/main" id="{7257E293-8420-376D-BDAF-DFB0D60210D1}"/>
-              </a:ext>
-            </a:extLst>
-          </p:cNvPr>
-          <p:cNvPicPr>
-            <a:picLocks noChangeAspect="1"/>
-          </p:cNvPicPr>
-          <p:nvPr/>
-        </p:nvPicPr>
-        <p:blipFill>
-          <a:blip r:embed="rId3"/>
-          <a:stretch>
-            <a:fillRect/>
-          </a:stretch>
-        </p:blipFill>
-        <p:spPr>
-          <a:xfrm>
-            <a:off x="628650" y="2938931"/>
-            <a:ext cx="3695700" cy="1910010"/>
-          </a:xfrm>
-          <a:prstGeom prst="rect">
-            <a:avLst/>
-          </a:prstGeom>
-        </p:spPr>
-      </p:pic>
-    </p:spTree>
-    <p:extLst>
-      <p:ext uri="{BB962C8B-B14F-4D97-AF65-F5344CB8AC3E}">
-        <p14:creationId xmlns:p14="http://schemas.microsoft.com/office/powerpoint/2010/main" val="95774579"/>
-      </p:ext>
-    </p:extLst>
-  </p:cSld>
-  <p:clrMapOvr>
-    <a:masterClrMapping/>
-  </p:clrMapOvr>
-</p:sld>
-</file>
-
-<file path=ppt/slides/slide7.xml><?xml version="1.0" encoding="utf-8"?>
+<file path=ppt/slides/slide10.xml><?xml version="1.0" encoding="utf-8"?>
 <p:sld xmlns:a="http://schemas.openxmlformats.org/drawingml/2006/main" xmlns:r="http://schemas.openxmlformats.org/officeDocument/2006/relationships" xmlns:p="http://schemas.openxmlformats.org/presentationml/2006/main">
   <p:cSld>
     <p:spTree>
@@ -5098,7 +11552,7 @@
 </p:sld>
 </file>
 
-<file path=ppt/slides/slide8.xml><?xml version="1.0" encoding="utf-8"?>
+<file path=ppt/slides/slide11.xml><?xml version="1.0" encoding="utf-8"?>
 <p:sld xmlns:a="http://schemas.openxmlformats.org/drawingml/2006/main" xmlns:r="http://schemas.openxmlformats.org/officeDocument/2006/relationships" xmlns:p="http://schemas.openxmlformats.org/presentationml/2006/main">
   <p:cSld>
     <p:spTree>
@@ -5211,6 +11665,1608 @@
     <p:extLst>
       <p:ext uri="{BB962C8B-B14F-4D97-AF65-F5344CB8AC3E}">
         <p14:creationId xmlns:p14="http://schemas.microsoft.com/office/powerpoint/2010/main" val="3021325742"/>
+      </p:ext>
+    </p:extLst>
+  </p:cSld>
+  <p:clrMapOvr>
+    <a:masterClrMapping/>
+  </p:clrMapOvr>
+</p:sld>
+</file>
+
+<file path=ppt/slides/slide2.xml><?xml version="1.0" encoding="utf-8"?>
+<p:sld xmlns:a="http://schemas.openxmlformats.org/drawingml/2006/main" xmlns:r="http://schemas.openxmlformats.org/officeDocument/2006/relationships" xmlns:p="http://schemas.openxmlformats.org/presentationml/2006/main">
+  <p:cSld>
+    <p:spTree>
+      <p:nvGrpSpPr>
+        <p:cNvPr id="1" name=""/>
+        <p:cNvGrpSpPr/>
+        <p:nvPr/>
+      </p:nvGrpSpPr>
+      <p:grpSpPr>
+        <a:xfrm>
+          <a:off x="0" y="0"/>
+          <a:ext cx="0" cy="0"/>
+          <a:chOff x="0" y="0"/>
+          <a:chExt cx="0" cy="0"/>
+        </a:xfrm>
+      </p:grpSpPr>
+      <p:sp>
+        <p:nvSpPr>
+          <p:cNvPr id="2" name="Title 1">
+            <a:extLst>
+              <a:ext uri="{FF2B5EF4-FFF2-40B4-BE49-F238E27FC236}">
+                <a16:creationId xmlns:a16="http://schemas.microsoft.com/office/drawing/2014/main" id="{94097CE0-92E1-7F93-DA73-B9BBF54E096F}"/>
+              </a:ext>
+            </a:extLst>
+          </p:cNvPr>
+          <p:cNvSpPr>
+            <a:spLocks noGrp="1"/>
+          </p:cNvSpPr>
+          <p:nvPr>
+            <p:ph type="title"/>
+          </p:nvPr>
+        </p:nvSpPr>
+        <p:spPr>
+          <a:xfrm>
+            <a:off x="457203" y="548878"/>
+            <a:ext cx="8229600" cy="801290"/>
+          </a:xfrm>
+        </p:spPr>
+        <p:txBody>
+          <a:bodyPr/>
+          <a:lstStyle/>
+          <a:p>
+            <a:pPr algn="l"/>
+            <a:r>
+              <a:rPr lang="en-US" sz="2400" dirty="0"/>
+              <a:t>Background</a:t>
+            </a:r>
+            <a:br>
+              <a:rPr lang="en-US" sz="2400" dirty="0"/>
+            </a:br>
+            <a:r>
+              <a:rPr lang="en-US" sz="2400" dirty="0"/>
+              <a:t>Polymer Mechanical Testing &amp; Material Selection</a:t>
+            </a:r>
+          </a:p>
+        </p:txBody>
+      </p:sp>
+      <p:graphicFrame>
+        <p:nvGraphicFramePr>
+          <p:cNvPr id="5" name="Content Placeholder 4">
+            <a:extLst>
+              <a:ext uri="{FF2B5EF4-FFF2-40B4-BE49-F238E27FC236}">
+                <a16:creationId xmlns:a16="http://schemas.microsoft.com/office/drawing/2014/main" id="{4BE36334-92FD-6484-9860-7F69660477AE}"/>
+              </a:ext>
+            </a:extLst>
+          </p:cNvPr>
+          <p:cNvGraphicFramePr>
+            <a:graphicFrameLocks noGrp="1"/>
+          </p:cNvGraphicFramePr>
+          <p:nvPr>
+            <p:ph sz="half" idx="2"/>
+            <p:extLst>
+              <p:ext uri="{D42A27DB-BD31-4B8C-83A1-F6EECF244321}">
+                <p14:modId xmlns:p14="http://schemas.microsoft.com/office/powerpoint/2010/main" val="488472026"/>
+              </p:ext>
+            </p:extLst>
+          </p:nvPr>
+        </p:nvGraphicFramePr>
+        <p:xfrm>
+          <a:off x="2023537" y="1041401"/>
+          <a:ext cx="4876795" cy="3107266"/>
+        </p:xfrm>
+        <a:graphic>
+          <a:graphicData uri="http://schemas.openxmlformats.org/drawingml/2006/diagram">
+            <dgm:relIds xmlns:dgm="http://schemas.openxmlformats.org/drawingml/2006/diagram" xmlns:r="http://schemas.openxmlformats.org/officeDocument/2006/relationships" r:dm="rId3" r:lo="rId4" r:qs="rId5" r:cs="rId6"/>
+          </a:graphicData>
+        </a:graphic>
+      </p:graphicFrame>
+    </p:spTree>
+    <p:extLst>
+      <p:ext uri="{BB962C8B-B14F-4D97-AF65-F5344CB8AC3E}">
+        <p14:creationId xmlns:p14="http://schemas.microsoft.com/office/powerpoint/2010/main" val="3863278162"/>
+      </p:ext>
+    </p:extLst>
+  </p:cSld>
+  <p:clrMapOvr>
+    <a:masterClrMapping/>
+  </p:clrMapOvr>
+</p:sld>
+</file>
+
+<file path=ppt/slides/slide3.xml><?xml version="1.0" encoding="utf-8"?>
+<p:sld xmlns:a="http://schemas.openxmlformats.org/drawingml/2006/main" xmlns:r="http://schemas.openxmlformats.org/officeDocument/2006/relationships" xmlns:p="http://schemas.openxmlformats.org/presentationml/2006/main">
+  <p:cSld>
+    <p:spTree>
+      <p:nvGrpSpPr>
+        <p:cNvPr id="1" name="">
+          <a:extLst>
+            <a:ext uri="{FF2B5EF4-FFF2-40B4-BE49-F238E27FC236}">
+              <a16:creationId xmlns:a16="http://schemas.microsoft.com/office/drawing/2014/main" id="{278CFCAA-3932-20F4-D057-A5741C5C91E6}"/>
+            </a:ext>
+          </a:extLst>
+        </p:cNvPr>
+        <p:cNvGrpSpPr/>
+        <p:nvPr/>
+      </p:nvGrpSpPr>
+      <p:grpSpPr>
+        <a:xfrm>
+          <a:off x="0" y="0"/>
+          <a:ext cx="0" cy="0"/>
+          <a:chOff x="0" y="0"/>
+          <a:chExt cx="0" cy="0"/>
+        </a:xfrm>
+      </p:grpSpPr>
+      <p:sp>
+        <p:nvSpPr>
+          <p:cNvPr id="2" name="Title 1">
+            <a:extLst>
+              <a:ext uri="{FF2B5EF4-FFF2-40B4-BE49-F238E27FC236}">
+                <a16:creationId xmlns:a16="http://schemas.microsoft.com/office/drawing/2014/main" id="{E42D5A86-B2A1-7653-0E6F-A7E3056E951C}"/>
+              </a:ext>
+            </a:extLst>
+          </p:cNvPr>
+          <p:cNvSpPr>
+            <a:spLocks noGrp="1"/>
+          </p:cNvSpPr>
+          <p:nvPr>
+            <p:ph type="title"/>
+          </p:nvPr>
+        </p:nvSpPr>
+        <p:spPr>
+          <a:xfrm>
+            <a:off x="457203" y="548878"/>
+            <a:ext cx="8229600" cy="801290"/>
+          </a:xfrm>
+        </p:spPr>
+        <p:txBody>
+          <a:bodyPr/>
+          <a:lstStyle/>
+          <a:p>
+            <a:pPr algn="l"/>
+            <a:r>
+              <a:rPr lang="en-US" sz="2400" dirty="0"/>
+              <a:t>Background</a:t>
+            </a:r>
+            <a:br>
+              <a:rPr lang="en-US" sz="2400" dirty="0"/>
+            </a:br>
+            <a:r>
+              <a:rPr lang="en-US" sz="2400" dirty="0"/>
+              <a:t>Polymer Mechanical Testing &amp; Material Selection</a:t>
+            </a:r>
+          </a:p>
+        </p:txBody>
+      </p:sp>
+      <p:graphicFrame>
+        <p:nvGraphicFramePr>
+          <p:cNvPr id="5" name="Content Placeholder 4">
+            <a:extLst>
+              <a:ext uri="{FF2B5EF4-FFF2-40B4-BE49-F238E27FC236}">
+                <a16:creationId xmlns:a16="http://schemas.microsoft.com/office/drawing/2014/main" id="{29F7B15B-4F90-4CF5-1C96-B5A6D7ED48DE}"/>
+              </a:ext>
+            </a:extLst>
+          </p:cNvPr>
+          <p:cNvGraphicFramePr>
+            <a:graphicFrameLocks noGrp="1"/>
+          </p:cNvGraphicFramePr>
+          <p:nvPr>
+            <p:ph sz="half" idx="2"/>
+            <p:extLst>
+              <p:ext uri="{D42A27DB-BD31-4B8C-83A1-F6EECF244321}">
+                <p14:modId xmlns:p14="http://schemas.microsoft.com/office/powerpoint/2010/main" val="1127990202"/>
+              </p:ext>
+            </p:extLst>
+          </p:nvPr>
+        </p:nvGraphicFramePr>
+        <p:xfrm>
+          <a:off x="238765" y="925048"/>
+          <a:ext cx="4746898" cy="3229502"/>
+        </p:xfrm>
+        <a:graphic>
+          <a:graphicData uri="http://schemas.openxmlformats.org/drawingml/2006/diagram">
+            <dgm:relIds xmlns:dgm="http://schemas.openxmlformats.org/drawingml/2006/diagram" xmlns:r="http://schemas.openxmlformats.org/officeDocument/2006/relationships" r:dm="rId3" r:lo="rId4" r:qs="rId5" r:cs="rId6"/>
+          </a:graphicData>
+        </a:graphic>
+      </p:graphicFrame>
+      <p:pic>
+        <p:nvPicPr>
+          <p:cNvPr id="1028" name="Picture 4" descr="Mechanical test types typically used on plant stems. Example references are also 89 provided which readers can access to explore methods and protocols. 90">
+            <a:extLst>
+              <a:ext uri="{FF2B5EF4-FFF2-40B4-BE49-F238E27FC236}">
+                <a16:creationId xmlns:a16="http://schemas.microsoft.com/office/drawing/2014/main" id="{88B888D9-06AE-D61D-A466-79AF5F585EE8}"/>
+              </a:ext>
+            </a:extLst>
+          </p:cNvPr>
+          <p:cNvPicPr>
+            <a:picLocks noChangeAspect="1" noChangeArrowheads="1"/>
+          </p:cNvPicPr>
+          <p:nvPr/>
+        </p:nvPicPr>
+        <p:blipFill>
+          <a:blip r:embed="rId8">
+            <a:extLst>
+              <a:ext uri="{28A0092B-C50C-407E-A947-70E740481C1C}">
+                <a14:useLocalDpi xmlns:a14="http://schemas.microsoft.com/office/drawing/2010/main" val="0"/>
+              </a:ext>
+            </a:extLst>
+          </a:blip>
+          <a:srcRect/>
+          <a:stretch>
+            <a:fillRect/>
+          </a:stretch>
+        </p:blipFill>
+        <p:spPr bwMode="auto">
+          <a:xfrm>
+            <a:off x="5687198" y="1461221"/>
+            <a:ext cx="2999605" cy="3056201"/>
+          </a:xfrm>
+          <a:prstGeom prst="rect">
+            <a:avLst/>
+          </a:prstGeom>
+          <a:noFill/>
+          <a:extLst>
+            <a:ext uri="{909E8E84-426E-40DD-AFC4-6F175D3DCCD1}">
+              <a14:hiddenFill xmlns:a14="http://schemas.microsoft.com/office/drawing/2010/main">
+                <a:solidFill>
+                  <a:srgbClr val="FFFFFF"/>
+                </a:solidFill>
+              </a14:hiddenFill>
+            </a:ext>
+          </a:extLst>
+        </p:spPr>
+      </p:pic>
+      <p:sp>
+        <p:nvSpPr>
+          <p:cNvPr id="6" name="TextBox 5">
+            <a:extLst>
+              <a:ext uri="{FF2B5EF4-FFF2-40B4-BE49-F238E27FC236}">
+                <a16:creationId xmlns:a16="http://schemas.microsoft.com/office/drawing/2014/main" id="{98B521F0-99BA-A8DB-56F9-29DBFB1CD2B6}"/>
+              </a:ext>
+            </a:extLst>
+          </p:cNvPr>
+          <p:cNvSpPr txBox="1"/>
+          <p:nvPr/>
+        </p:nvSpPr>
+        <p:spPr>
+          <a:xfrm>
+            <a:off x="4943825" y="4628476"/>
+            <a:ext cx="4512730" cy="215444"/>
+          </a:xfrm>
+          <a:prstGeom prst="rect">
+            <a:avLst/>
+          </a:prstGeom>
+          <a:noFill/>
+        </p:spPr>
+        <p:txBody>
+          <a:bodyPr wrap="square" rtlCol="0">
+            <a:spAutoFit/>
+          </a:bodyPr>
+          <a:lstStyle/>
+          <a:p>
+            <a:r>
+              <a:rPr lang="en-US" sz="800" dirty="0">
+                <a:hlinkClick r:id="rId9"/>
+              </a:rPr>
+              <a:t>Mechanical test types typically used on plant stems. Example references... | Download Table</a:t>
+            </a:r>
+            <a:r>
+              <a:rPr lang="en-US" sz="800" dirty="0"/>
+              <a:t> </a:t>
+            </a:r>
+          </a:p>
+        </p:txBody>
+      </p:sp>
+    </p:spTree>
+    <p:extLst>
+      <p:ext uri="{BB962C8B-B14F-4D97-AF65-F5344CB8AC3E}">
+        <p14:creationId xmlns:p14="http://schemas.microsoft.com/office/powerpoint/2010/main" val="1063110822"/>
+      </p:ext>
+    </p:extLst>
+  </p:cSld>
+  <p:clrMapOvr>
+    <a:masterClrMapping/>
+  </p:clrMapOvr>
+</p:sld>
+</file>
+
+<file path=ppt/slides/slide4.xml><?xml version="1.0" encoding="utf-8"?>
+<p:sld xmlns:a="http://schemas.openxmlformats.org/drawingml/2006/main" xmlns:r="http://schemas.openxmlformats.org/officeDocument/2006/relationships" xmlns:p="http://schemas.openxmlformats.org/presentationml/2006/main">
+  <p:cSld>
+    <p:spTree>
+      <p:nvGrpSpPr>
+        <p:cNvPr id="1" name="">
+          <a:extLst>
+            <a:ext uri="{FF2B5EF4-FFF2-40B4-BE49-F238E27FC236}">
+              <a16:creationId xmlns:a16="http://schemas.microsoft.com/office/drawing/2014/main" id="{116B0A69-6F9D-82B0-09E5-3985F8683853}"/>
+            </a:ext>
+          </a:extLst>
+        </p:cNvPr>
+        <p:cNvGrpSpPr/>
+        <p:nvPr/>
+      </p:nvGrpSpPr>
+      <p:grpSpPr>
+        <a:xfrm>
+          <a:off x="0" y="0"/>
+          <a:ext cx="0" cy="0"/>
+          <a:chOff x="0" y="0"/>
+          <a:chExt cx="0" cy="0"/>
+        </a:xfrm>
+      </p:grpSpPr>
+      <p:sp>
+        <p:nvSpPr>
+          <p:cNvPr id="2" name="Title 1">
+            <a:extLst>
+              <a:ext uri="{FF2B5EF4-FFF2-40B4-BE49-F238E27FC236}">
+                <a16:creationId xmlns:a16="http://schemas.microsoft.com/office/drawing/2014/main" id="{C0359300-2EEA-0B4E-C339-C3191F3C7D3C}"/>
+              </a:ext>
+            </a:extLst>
+          </p:cNvPr>
+          <p:cNvSpPr>
+            <a:spLocks noGrp="1"/>
+          </p:cNvSpPr>
+          <p:nvPr>
+            <p:ph type="title"/>
+          </p:nvPr>
+        </p:nvSpPr>
+        <p:spPr>
+          <a:xfrm>
+            <a:off x="457203" y="548878"/>
+            <a:ext cx="8229600" cy="801290"/>
+          </a:xfrm>
+        </p:spPr>
+        <p:txBody>
+          <a:bodyPr/>
+          <a:lstStyle/>
+          <a:p>
+            <a:pPr algn="l"/>
+            <a:r>
+              <a:rPr lang="en-US" sz="2400" dirty="0"/>
+              <a:t>Background</a:t>
+            </a:r>
+            <a:br>
+              <a:rPr lang="en-US" sz="2400" dirty="0"/>
+            </a:br>
+            <a:r>
+              <a:rPr lang="en-US" sz="2400" dirty="0"/>
+              <a:t>Material Selection &amp; Classification</a:t>
+            </a:r>
+          </a:p>
+        </p:txBody>
+      </p:sp>
+      <p:sp>
+        <p:nvSpPr>
+          <p:cNvPr id="6" name="TextBox 5">
+            <a:extLst>
+              <a:ext uri="{FF2B5EF4-FFF2-40B4-BE49-F238E27FC236}">
+                <a16:creationId xmlns:a16="http://schemas.microsoft.com/office/drawing/2014/main" id="{5E828984-930A-A48B-799A-1C7CB7A72F9D}"/>
+              </a:ext>
+            </a:extLst>
+          </p:cNvPr>
+          <p:cNvSpPr txBox="1"/>
+          <p:nvPr/>
+        </p:nvSpPr>
+        <p:spPr>
+          <a:xfrm>
+            <a:off x="6310945" y="1439067"/>
+            <a:ext cx="1186042" cy="369332"/>
+          </a:xfrm>
+          <a:prstGeom prst="rect">
+            <a:avLst/>
+          </a:prstGeom>
+          <a:noFill/>
+        </p:spPr>
+        <p:txBody>
+          <a:bodyPr wrap="square" rtlCol="0">
+            <a:spAutoFit/>
+          </a:bodyPr>
+          <a:lstStyle/>
+          <a:p>
+            <a:r>
+              <a:rPr lang="en-US" dirty="0"/>
+              <a:t>Ashby Plot</a:t>
+            </a:r>
+          </a:p>
+        </p:txBody>
+      </p:sp>
+      <p:pic>
+        <p:nvPicPr>
+          <p:cNvPr id="2050" name="Picture 2">
+            <a:extLst>
+              <a:ext uri="{FF2B5EF4-FFF2-40B4-BE49-F238E27FC236}">
+                <a16:creationId xmlns:a16="http://schemas.microsoft.com/office/drawing/2014/main" id="{DB008BDE-27BB-5D98-7A82-BAE28F5A1DA6}"/>
+              </a:ext>
+            </a:extLst>
+          </p:cNvPr>
+          <p:cNvPicPr>
+            <a:picLocks noChangeAspect="1" noChangeArrowheads="1"/>
+          </p:cNvPicPr>
+          <p:nvPr/>
+        </p:nvPicPr>
+        <p:blipFill>
+          <a:blip r:embed="rId3">
+            <a:extLst>
+              <a:ext uri="{28A0092B-C50C-407E-A947-70E740481C1C}">
+                <a14:useLocalDpi xmlns:a14="http://schemas.microsoft.com/office/drawing/2010/main" val="0"/>
+              </a:ext>
+            </a:extLst>
+          </a:blip>
+          <a:srcRect/>
+          <a:stretch>
+            <a:fillRect/>
+          </a:stretch>
+        </p:blipFill>
+        <p:spPr bwMode="auto">
+          <a:xfrm>
+            <a:off x="5437718" y="1783312"/>
+            <a:ext cx="3062816" cy="2837609"/>
+          </a:xfrm>
+          <a:prstGeom prst="rect">
+            <a:avLst/>
+          </a:prstGeom>
+          <a:noFill/>
+          <a:extLst>
+            <a:ext uri="{909E8E84-426E-40DD-AFC4-6F175D3DCCD1}">
+              <a14:hiddenFill xmlns:a14="http://schemas.microsoft.com/office/drawing/2010/main">
+                <a:solidFill>
+                  <a:srgbClr val="FFFFFF"/>
+                </a:solidFill>
+              </a14:hiddenFill>
+            </a:ext>
+          </a:extLst>
+        </p:spPr>
+      </p:pic>
+      <p:sp>
+        <p:nvSpPr>
+          <p:cNvPr id="3" name="TextBox 2">
+            <a:extLst>
+              <a:ext uri="{FF2B5EF4-FFF2-40B4-BE49-F238E27FC236}">
+                <a16:creationId xmlns:a16="http://schemas.microsoft.com/office/drawing/2014/main" id="{484F36F5-478A-E42E-5ADA-C343A1EAD01F}"/>
+              </a:ext>
+            </a:extLst>
+          </p:cNvPr>
+          <p:cNvSpPr txBox="1"/>
+          <p:nvPr/>
+        </p:nvSpPr>
+        <p:spPr>
+          <a:xfrm>
+            <a:off x="5321302" y="4620921"/>
+            <a:ext cx="4512730" cy="215444"/>
+          </a:xfrm>
+          <a:prstGeom prst="rect">
+            <a:avLst/>
+          </a:prstGeom>
+          <a:noFill/>
+        </p:spPr>
+        <p:txBody>
+          <a:bodyPr wrap="square" rtlCol="0">
+            <a:spAutoFit/>
+          </a:bodyPr>
+          <a:lstStyle/>
+          <a:p>
+            <a:r>
+              <a:rPr lang="en-US" sz="800" dirty="0">
+                <a:hlinkClick r:id="rId4"/>
+              </a:rPr>
+              <a:t>http://www-g.eng.cam.ac.uk/125/noflash/now/mfs/tutorial/non_IE/charts.html</a:t>
+            </a:r>
+            <a:endParaRPr lang="en-US" sz="800" dirty="0"/>
+          </a:p>
+        </p:txBody>
+      </p:sp>
+      <p:sp>
+        <p:nvSpPr>
+          <p:cNvPr id="7" name="Content Placeholder 6">
+            <a:extLst>
+              <a:ext uri="{FF2B5EF4-FFF2-40B4-BE49-F238E27FC236}">
+                <a16:creationId xmlns:a16="http://schemas.microsoft.com/office/drawing/2014/main" id="{EAECFE88-C8DE-A262-EE76-84AF5A933F69}"/>
+              </a:ext>
+            </a:extLst>
+          </p:cNvPr>
+          <p:cNvSpPr>
+            <a:spLocks noGrp="1"/>
+          </p:cNvSpPr>
+          <p:nvPr>
+            <p:ph sz="half" idx="2"/>
+          </p:nvPr>
+        </p:nvSpPr>
+        <p:spPr>
+          <a:xfrm>
+            <a:off x="457203" y="1347257"/>
+            <a:ext cx="4040188" cy="2963466"/>
+          </a:xfrm>
+        </p:spPr>
+        <p:txBody>
+          <a:bodyPr/>
+          <a:lstStyle/>
+          <a:p>
+            <a:r>
+              <a:rPr lang="en-US" sz="1600" dirty="0"/>
+              <a:t>Materials can be placed in broad classes based on composition and properties.</a:t>
+            </a:r>
+          </a:p>
+          <a:p>
+            <a:r>
+              <a:rPr lang="en-US" sz="1600" dirty="0"/>
+              <a:t>Materials can be </a:t>
+            </a:r>
+            <a:r>
+              <a:rPr lang="en-US" sz="1600" b="1" dirty="0"/>
+              <a:t>further</a:t>
+            </a:r>
+            <a:r>
+              <a:rPr lang="en-US" sz="1600" dirty="0"/>
+              <a:t> divided into subclasses.</a:t>
+            </a:r>
+          </a:p>
+          <a:p>
+            <a:r>
+              <a:rPr lang="en-US" sz="1600" dirty="0"/>
+              <a:t>Polymers are generally classified by their polymer family (composition of repeat unit).</a:t>
+            </a:r>
+          </a:p>
+          <a:p>
+            <a:endParaRPr lang="en-US" sz="1600" dirty="0"/>
+          </a:p>
+        </p:txBody>
+      </p:sp>
+      <p:pic>
+        <p:nvPicPr>
+          <p:cNvPr id="2054" name="Picture 6" descr="Formula of polypropylene (short version) [11]. | Download Scientific ...">
+            <a:extLst>
+              <a:ext uri="{FF2B5EF4-FFF2-40B4-BE49-F238E27FC236}">
+                <a16:creationId xmlns:a16="http://schemas.microsoft.com/office/drawing/2014/main" id="{DFF0E8FE-E00F-59EC-FC40-99630E436459}"/>
+              </a:ext>
+            </a:extLst>
+          </p:cNvPr>
+          <p:cNvPicPr>
+            <a:picLocks noChangeAspect="1" noChangeArrowheads="1"/>
+          </p:cNvPicPr>
+          <p:nvPr/>
+        </p:nvPicPr>
+        <p:blipFill rotWithShape="1">
+          <a:blip r:embed="rId5">
+            <a:extLst>
+              <a:ext uri="{28A0092B-C50C-407E-A947-70E740481C1C}">
+                <a14:useLocalDpi xmlns:a14="http://schemas.microsoft.com/office/drawing/2010/main" val="0"/>
+              </a:ext>
+            </a:extLst>
+          </a:blip>
+          <a:srcRect t="31086"/>
+          <a:stretch>
+            <a:fillRect/>
+          </a:stretch>
+        </p:blipFill>
+        <p:spPr bwMode="auto">
+          <a:xfrm>
+            <a:off x="381000" y="3593250"/>
+            <a:ext cx="2330003" cy="1001372"/>
+          </a:xfrm>
+          <a:prstGeom prst="rect">
+            <a:avLst/>
+          </a:prstGeom>
+          <a:noFill/>
+          <a:extLst>
+            <a:ext uri="{909E8E84-426E-40DD-AFC4-6F175D3DCCD1}">
+              <a14:hiddenFill xmlns:a14="http://schemas.microsoft.com/office/drawing/2010/main">
+                <a:solidFill>
+                  <a:srgbClr val="FFFFFF"/>
+                </a:solidFill>
+              </a14:hiddenFill>
+            </a:ext>
+          </a:extLst>
+        </p:spPr>
+      </p:pic>
+      <p:pic>
+        <p:nvPicPr>
+          <p:cNvPr id="2056" name="Picture 8" descr="Chemical formula and structure of PolyCarbonate | Download Scientific ...">
+            <a:extLst>
+              <a:ext uri="{FF2B5EF4-FFF2-40B4-BE49-F238E27FC236}">
+                <a16:creationId xmlns:a16="http://schemas.microsoft.com/office/drawing/2014/main" id="{7AD37546-4DA4-4107-C2D4-FE17A2C2BEA0}"/>
+              </a:ext>
+            </a:extLst>
+          </p:cNvPr>
+          <p:cNvPicPr>
+            <a:picLocks noChangeAspect="1" noChangeArrowheads="1"/>
+          </p:cNvPicPr>
+          <p:nvPr/>
+        </p:nvPicPr>
+        <p:blipFill>
+          <a:blip r:embed="rId6">
+            <a:extLst>
+              <a:ext uri="{28A0092B-C50C-407E-A947-70E740481C1C}">
+                <a14:useLocalDpi xmlns:a14="http://schemas.microsoft.com/office/drawing/2010/main" val="0"/>
+              </a:ext>
+            </a:extLst>
+          </a:blip>
+          <a:srcRect/>
+          <a:stretch>
+            <a:fillRect/>
+          </a:stretch>
+        </p:blipFill>
+        <p:spPr bwMode="auto">
+          <a:xfrm>
+            <a:off x="2711003" y="3657797"/>
+            <a:ext cx="2187128" cy="872278"/>
+          </a:xfrm>
+          <a:prstGeom prst="rect">
+            <a:avLst/>
+          </a:prstGeom>
+          <a:noFill/>
+          <a:extLst>
+            <a:ext uri="{909E8E84-426E-40DD-AFC4-6F175D3DCCD1}">
+              <a14:hiddenFill xmlns:a14="http://schemas.microsoft.com/office/drawing/2010/main">
+                <a:solidFill>
+                  <a:srgbClr val="FFFFFF"/>
+                </a:solidFill>
+              </a14:hiddenFill>
+            </a:ext>
+          </a:extLst>
+        </p:spPr>
+      </p:pic>
+    </p:spTree>
+    <p:extLst>
+      <p:ext uri="{BB962C8B-B14F-4D97-AF65-F5344CB8AC3E}">
+        <p14:creationId xmlns:p14="http://schemas.microsoft.com/office/powerpoint/2010/main" val="2191771199"/>
+      </p:ext>
+    </p:extLst>
+  </p:cSld>
+  <p:clrMapOvr>
+    <a:masterClrMapping/>
+  </p:clrMapOvr>
+</p:sld>
+</file>
+
+<file path=ppt/slides/slide5.xml><?xml version="1.0" encoding="utf-8"?>
+<p:sld xmlns:a="http://schemas.openxmlformats.org/drawingml/2006/main" xmlns:r="http://schemas.openxmlformats.org/officeDocument/2006/relationships" xmlns:p="http://schemas.openxmlformats.org/presentationml/2006/main">
+  <p:cSld>
+    <p:spTree>
+      <p:nvGrpSpPr>
+        <p:cNvPr id="1" name="">
+          <a:extLst>
+            <a:ext uri="{FF2B5EF4-FFF2-40B4-BE49-F238E27FC236}">
+              <a16:creationId xmlns:a16="http://schemas.microsoft.com/office/drawing/2014/main" id="{84E1E5D4-9943-3F8A-2241-C341F30B85F7}"/>
+            </a:ext>
+          </a:extLst>
+        </p:cNvPr>
+        <p:cNvGrpSpPr/>
+        <p:nvPr/>
+      </p:nvGrpSpPr>
+      <p:grpSpPr>
+        <a:xfrm>
+          <a:off x="0" y="0"/>
+          <a:ext cx="0" cy="0"/>
+          <a:chOff x="0" y="0"/>
+          <a:chExt cx="0" cy="0"/>
+        </a:xfrm>
+      </p:grpSpPr>
+      <p:sp>
+        <p:nvSpPr>
+          <p:cNvPr id="2" name="Title 1">
+            <a:extLst>
+              <a:ext uri="{FF2B5EF4-FFF2-40B4-BE49-F238E27FC236}">
+                <a16:creationId xmlns:a16="http://schemas.microsoft.com/office/drawing/2014/main" id="{50100A31-A551-3031-6631-D4DEB1FD65CB}"/>
+              </a:ext>
+            </a:extLst>
+          </p:cNvPr>
+          <p:cNvSpPr>
+            <a:spLocks noGrp="1"/>
+          </p:cNvSpPr>
+          <p:nvPr>
+            <p:ph type="title"/>
+          </p:nvPr>
+        </p:nvSpPr>
+        <p:spPr>
+          <a:xfrm>
+            <a:off x="457203" y="548878"/>
+            <a:ext cx="8229600" cy="801290"/>
+          </a:xfrm>
+        </p:spPr>
+        <p:txBody>
+          <a:bodyPr/>
+          <a:lstStyle/>
+          <a:p>
+            <a:pPr algn="l"/>
+            <a:r>
+              <a:rPr lang="en-US" sz="2400" dirty="0"/>
+              <a:t>Background</a:t>
+            </a:r>
+            <a:br>
+              <a:rPr lang="en-US" sz="2400" dirty="0"/>
+            </a:br>
+            <a:r>
+              <a:rPr lang="en-US" sz="2400" dirty="0"/>
+              <a:t>Polymer Subclasses</a:t>
+            </a:r>
+          </a:p>
+        </p:txBody>
+      </p:sp>
+      <p:sp>
+        <p:nvSpPr>
+          <p:cNvPr id="7" name="Content Placeholder 6">
+            <a:extLst>
+              <a:ext uri="{FF2B5EF4-FFF2-40B4-BE49-F238E27FC236}">
+                <a16:creationId xmlns:a16="http://schemas.microsoft.com/office/drawing/2014/main" id="{FCF53169-D3A3-E948-77B4-6B0A03475927}"/>
+              </a:ext>
+            </a:extLst>
+          </p:cNvPr>
+          <p:cNvSpPr>
+            <a:spLocks noGrp="1"/>
+          </p:cNvSpPr>
+          <p:nvPr>
+            <p:ph sz="half" idx="2"/>
+          </p:nvPr>
+        </p:nvSpPr>
+        <p:spPr>
+          <a:xfrm>
+            <a:off x="457203" y="1347257"/>
+            <a:ext cx="4040188" cy="2963466"/>
+          </a:xfrm>
+        </p:spPr>
+        <p:txBody>
+          <a:bodyPr/>
+          <a:lstStyle/>
+          <a:p>
+            <a:r>
+              <a:rPr lang="en-US" sz="1600" dirty="0"/>
+              <a:t>Polymers are generally classified by their polymer family (composition of repeat unit).</a:t>
+            </a:r>
+          </a:p>
+          <a:p>
+            <a:endParaRPr lang="en-US" sz="1600" dirty="0"/>
+          </a:p>
+        </p:txBody>
+      </p:sp>
+      <p:pic>
+        <p:nvPicPr>
+          <p:cNvPr id="2054" name="Picture 6" descr="Formula of polypropylene (short version) [11]. | Download Scientific ...">
+            <a:extLst>
+              <a:ext uri="{FF2B5EF4-FFF2-40B4-BE49-F238E27FC236}">
+                <a16:creationId xmlns:a16="http://schemas.microsoft.com/office/drawing/2014/main" id="{48AB1D26-A5A3-3E47-FEFA-B24656153CFF}"/>
+              </a:ext>
+            </a:extLst>
+          </p:cNvPr>
+          <p:cNvPicPr>
+            <a:picLocks noChangeAspect="1" noChangeArrowheads="1"/>
+          </p:cNvPicPr>
+          <p:nvPr/>
+        </p:nvPicPr>
+        <p:blipFill rotWithShape="1">
+          <a:blip r:embed="rId3">
+            <a:extLst>
+              <a:ext uri="{28A0092B-C50C-407E-A947-70E740481C1C}">
+                <a14:useLocalDpi xmlns:a14="http://schemas.microsoft.com/office/drawing/2010/main" val="0"/>
+              </a:ext>
+            </a:extLst>
+          </a:blip>
+          <a:srcRect t="31086"/>
+          <a:stretch>
+            <a:fillRect/>
+          </a:stretch>
+        </p:blipFill>
+        <p:spPr bwMode="auto">
+          <a:xfrm>
+            <a:off x="457203" y="2893537"/>
+            <a:ext cx="2330003" cy="1001372"/>
+          </a:xfrm>
+          <a:prstGeom prst="rect">
+            <a:avLst/>
+          </a:prstGeom>
+          <a:noFill/>
+          <a:extLst>
+            <a:ext uri="{909E8E84-426E-40DD-AFC4-6F175D3DCCD1}">
+              <a14:hiddenFill xmlns:a14="http://schemas.microsoft.com/office/drawing/2010/main">
+                <a:solidFill>
+                  <a:srgbClr val="FFFFFF"/>
+                </a:solidFill>
+              </a14:hiddenFill>
+            </a:ext>
+          </a:extLst>
+        </p:spPr>
+      </p:pic>
+      <p:sp>
+        <p:nvSpPr>
+          <p:cNvPr id="4" name="TextBox 3">
+            <a:extLst>
+              <a:ext uri="{FF2B5EF4-FFF2-40B4-BE49-F238E27FC236}">
+                <a16:creationId xmlns:a16="http://schemas.microsoft.com/office/drawing/2014/main" id="{1EFA94E1-66A9-D1E0-7D78-F63C589667B8}"/>
+              </a:ext>
+            </a:extLst>
+          </p:cNvPr>
+          <p:cNvSpPr txBox="1"/>
+          <p:nvPr/>
+        </p:nvSpPr>
+        <p:spPr>
+          <a:xfrm>
+            <a:off x="869686" y="2370317"/>
+            <a:ext cx="1318415" cy="523220"/>
+          </a:xfrm>
+          <a:prstGeom prst="rect">
+            <a:avLst/>
+          </a:prstGeom>
+          <a:noFill/>
+        </p:spPr>
+        <p:txBody>
+          <a:bodyPr wrap="square" rtlCol="0">
+            <a:spAutoFit/>
+          </a:bodyPr>
+          <a:lstStyle/>
+          <a:p>
+            <a:pPr algn="ctr"/>
+            <a:r>
+              <a:rPr lang="en-US" sz="1400" dirty="0"/>
+              <a:t>Polypropylene</a:t>
+            </a:r>
+          </a:p>
+          <a:p>
+            <a:pPr algn="ctr"/>
+            <a:r>
+              <a:rPr lang="en-US" sz="1400" dirty="0"/>
+              <a:t>[PP]</a:t>
+            </a:r>
+          </a:p>
+        </p:txBody>
+      </p:sp>
+      <p:pic>
+        <p:nvPicPr>
+          <p:cNvPr id="3076" name="Picture 4" descr="Poly(methyl methacrylate) – scipoly.com">
+            <a:extLst>
+              <a:ext uri="{FF2B5EF4-FFF2-40B4-BE49-F238E27FC236}">
+                <a16:creationId xmlns:a16="http://schemas.microsoft.com/office/drawing/2014/main" id="{6739107B-0F6A-D964-0FE9-622A8A96F7D7}"/>
+              </a:ext>
+            </a:extLst>
+          </p:cNvPr>
+          <p:cNvPicPr>
+            <a:picLocks noChangeAspect="1" noChangeArrowheads="1"/>
+          </p:cNvPicPr>
+          <p:nvPr/>
+        </p:nvPicPr>
+        <p:blipFill>
+          <a:blip r:embed="rId4">
+            <a:extLst>
+              <a:ext uri="{28A0092B-C50C-407E-A947-70E740481C1C}">
+                <a14:useLocalDpi xmlns:a14="http://schemas.microsoft.com/office/drawing/2010/main" val="0"/>
+              </a:ext>
+            </a:extLst>
+          </a:blip>
+          <a:srcRect/>
+          <a:stretch>
+            <a:fillRect/>
+          </a:stretch>
+        </p:blipFill>
+        <p:spPr bwMode="auto">
+          <a:xfrm>
+            <a:off x="3919000" y="2764443"/>
+            <a:ext cx="1305999" cy="1305999"/>
+          </a:xfrm>
+          <a:prstGeom prst="rect">
+            <a:avLst/>
+          </a:prstGeom>
+          <a:noFill/>
+          <a:extLst>
+            <a:ext uri="{909E8E84-426E-40DD-AFC4-6F175D3DCCD1}">
+              <a14:hiddenFill xmlns:a14="http://schemas.microsoft.com/office/drawing/2010/main">
+                <a:solidFill>
+                  <a:srgbClr val="FFFFFF"/>
+                </a:solidFill>
+              </a14:hiddenFill>
+            </a:ext>
+          </a:extLst>
+        </p:spPr>
+      </p:pic>
+      <p:sp>
+        <p:nvSpPr>
+          <p:cNvPr id="8" name="TextBox 7">
+            <a:extLst>
+              <a:ext uri="{FF2B5EF4-FFF2-40B4-BE49-F238E27FC236}">
+                <a16:creationId xmlns:a16="http://schemas.microsoft.com/office/drawing/2014/main" id="{CF51EA0E-0B85-7471-44F5-552A15240485}"/>
+              </a:ext>
+            </a:extLst>
+          </p:cNvPr>
+          <p:cNvSpPr txBox="1"/>
+          <p:nvPr/>
+        </p:nvSpPr>
+        <p:spPr>
+          <a:xfrm>
+            <a:off x="3341064" y="2241223"/>
+            <a:ext cx="2461869" cy="523220"/>
+          </a:xfrm>
+          <a:prstGeom prst="rect">
+            <a:avLst/>
+          </a:prstGeom>
+          <a:noFill/>
+        </p:spPr>
+        <p:txBody>
+          <a:bodyPr wrap="square" rtlCol="0">
+            <a:spAutoFit/>
+          </a:bodyPr>
+          <a:lstStyle/>
+          <a:p>
+            <a:pPr algn="ctr"/>
+            <a:r>
+              <a:rPr lang="en-US" sz="1400" dirty="0"/>
+              <a:t>Poly(methyl methacrylate) [PMMA]</a:t>
+            </a:r>
+          </a:p>
+        </p:txBody>
+      </p:sp>
+      <p:pic>
+        <p:nvPicPr>
+          <p:cNvPr id="9" name="Picture 8" descr="Chemical formula and structure of PolyCarbonate | Download Scientific ...">
+            <a:extLst>
+              <a:ext uri="{FF2B5EF4-FFF2-40B4-BE49-F238E27FC236}">
+                <a16:creationId xmlns:a16="http://schemas.microsoft.com/office/drawing/2014/main" id="{E28F6966-B0A3-0BFD-E6CD-1D3DC6E6BBA4}"/>
+              </a:ext>
+            </a:extLst>
+          </p:cNvPr>
+          <p:cNvPicPr>
+            <a:picLocks noChangeAspect="1" noChangeArrowheads="1"/>
+          </p:cNvPicPr>
+          <p:nvPr/>
+        </p:nvPicPr>
+        <p:blipFill>
+          <a:blip r:embed="rId5">
+            <a:extLst>
+              <a:ext uri="{28A0092B-C50C-407E-A947-70E740481C1C}">
+                <a14:useLocalDpi xmlns:a14="http://schemas.microsoft.com/office/drawing/2010/main" val="0"/>
+              </a:ext>
+            </a:extLst>
+          </a:blip>
+          <a:srcRect/>
+          <a:stretch>
+            <a:fillRect/>
+          </a:stretch>
+        </p:blipFill>
+        <p:spPr bwMode="auto">
+          <a:xfrm>
+            <a:off x="6120559" y="2893537"/>
+            <a:ext cx="2187128" cy="872278"/>
+          </a:xfrm>
+          <a:prstGeom prst="rect">
+            <a:avLst/>
+          </a:prstGeom>
+          <a:noFill/>
+          <a:extLst>
+            <a:ext uri="{909E8E84-426E-40DD-AFC4-6F175D3DCCD1}">
+              <a14:hiddenFill xmlns:a14="http://schemas.microsoft.com/office/drawing/2010/main">
+                <a:solidFill>
+                  <a:srgbClr val="FFFFFF"/>
+                </a:solidFill>
+              </a14:hiddenFill>
+            </a:ext>
+          </a:extLst>
+        </p:spPr>
+      </p:pic>
+      <p:sp>
+        <p:nvSpPr>
+          <p:cNvPr id="10" name="TextBox 9">
+            <a:extLst>
+              <a:ext uri="{FF2B5EF4-FFF2-40B4-BE49-F238E27FC236}">
+                <a16:creationId xmlns:a16="http://schemas.microsoft.com/office/drawing/2014/main" id="{67464E45-B9C6-2E7F-5266-8FDE5B2ED3FF}"/>
+              </a:ext>
+            </a:extLst>
+          </p:cNvPr>
+          <p:cNvSpPr txBox="1"/>
+          <p:nvPr/>
+        </p:nvSpPr>
+        <p:spPr>
+          <a:xfrm>
+            <a:off x="6120559" y="2304557"/>
+            <a:ext cx="2187128" cy="523220"/>
+          </a:xfrm>
+          <a:prstGeom prst="rect">
+            <a:avLst/>
+          </a:prstGeom>
+          <a:noFill/>
+        </p:spPr>
+        <p:txBody>
+          <a:bodyPr wrap="square" rtlCol="0">
+            <a:spAutoFit/>
+          </a:bodyPr>
+          <a:lstStyle/>
+          <a:p>
+            <a:pPr algn="ctr"/>
+            <a:r>
+              <a:rPr lang="en-US" sz="1400" dirty="0"/>
+              <a:t>Polycarbonate</a:t>
+            </a:r>
+          </a:p>
+          <a:p>
+            <a:pPr algn="ctr"/>
+            <a:r>
+              <a:rPr lang="en-US" sz="1400" dirty="0"/>
+              <a:t>[PC]</a:t>
+            </a:r>
+          </a:p>
+        </p:txBody>
+      </p:sp>
+    </p:spTree>
+    <p:extLst>
+      <p:ext uri="{BB962C8B-B14F-4D97-AF65-F5344CB8AC3E}">
+        <p14:creationId xmlns:p14="http://schemas.microsoft.com/office/powerpoint/2010/main" val="3730094534"/>
+      </p:ext>
+    </p:extLst>
+  </p:cSld>
+  <p:clrMapOvr>
+    <a:masterClrMapping/>
+  </p:clrMapOvr>
+</p:sld>
+</file>
+
+<file path=ppt/slides/slide6.xml><?xml version="1.0" encoding="utf-8"?>
+<p:sld xmlns:a="http://schemas.openxmlformats.org/drawingml/2006/main" xmlns:r="http://schemas.openxmlformats.org/officeDocument/2006/relationships" xmlns:p="http://schemas.openxmlformats.org/presentationml/2006/main">
+  <p:cSld>
+    <p:spTree>
+      <p:nvGrpSpPr>
+        <p:cNvPr id="1" name=""/>
+        <p:cNvGrpSpPr/>
+        <p:nvPr/>
+      </p:nvGrpSpPr>
+      <p:grpSpPr>
+        <a:xfrm>
+          <a:off x="0" y="0"/>
+          <a:ext cx="0" cy="0"/>
+          <a:chOff x="0" y="0"/>
+          <a:chExt cx="0" cy="0"/>
+        </a:xfrm>
+      </p:grpSpPr>
+      <p:sp>
+        <p:nvSpPr>
+          <p:cNvPr id="2" name="Title 1">
+            <a:extLst>
+              <a:ext uri="{FF2B5EF4-FFF2-40B4-BE49-F238E27FC236}">
+                <a16:creationId xmlns:a16="http://schemas.microsoft.com/office/drawing/2014/main" id="{A79F9390-07CF-83B8-A68F-45541735777A}"/>
+              </a:ext>
+            </a:extLst>
+          </p:cNvPr>
+          <p:cNvSpPr>
+            <a:spLocks noGrp="1"/>
+          </p:cNvSpPr>
+          <p:nvPr>
+            <p:ph type="title"/>
+          </p:nvPr>
+        </p:nvSpPr>
+        <p:spPr/>
+        <p:txBody>
+          <a:bodyPr/>
+          <a:lstStyle/>
+          <a:p>
+            <a:pPr algn="l"/>
+            <a:r>
+              <a:rPr lang="en-US" dirty="0"/>
+              <a:t>Problem Statement</a:t>
+            </a:r>
+          </a:p>
+        </p:txBody>
+      </p:sp>
+      <p:sp>
+        <p:nvSpPr>
+          <p:cNvPr id="3" name="Content Placeholder 2">
+            <a:extLst>
+              <a:ext uri="{FF2B5EF4-FFF2-40B4-BE49-F238E27FC236}">
+                <a16:creationId xmlns:a16="http://schemas.microsoft.com/office/drawing/2014/main" id="{3EBF8000-772D-B55C-8921-CBBF3BC03CB6}"/>
+              </a:ext>
+            </a:extLst>
+          </p:cNvPr>
+          <p:cNvSpPr>
+            <a:spLocks noGrp="1"/>
+          </p:cNvSpPr>
+          <p:nvPr>
+            <p:ph sz="half" idx="2"/>
+          </p:nvPr>
+        </p:nvSpPr>
+        <p:spPr>
+          <a:xfrm>
+            <a:off x="291664" y="1330264"/>
+            <a:ext cx="5799668" cy="3605803"/>
+          </a:xfrm>
+        </p:spPr>
+        <p:txBody>
+          <a:bodyPr/>
+          <a:lstStyle/>
+          <a:p>
+            <a:r>
+              <a:rPr lang="en-US" sz="1800" dirty="0"/>
+              <a:t>Polymer subclasses offer a quick way to reference polymers with similar physical and mechanical properties.</a:t>
+            </a:r>
+          </a:p>
+          <a:p>
+            <a:r>
+              <a:rPr lang="en-US" sz="1800" dirty="0"/>
+              <a:t>Occasionally in R&amp;D, the composition or subclass of a polymeric material may be unknown.</a:t>
+            </a:r>
+          </a:p>
+          <a:p>
+            <a:r>
+              <a:rPr lang="en-US" sz="1800" dirty="0"/>
+              <a:t>There is still a desire to group unknown materials together, particularly in a material database.</a:t>
+            </a:r>
+          </a:p>
+          <a:p>
+            <a:r>
+              <a:rPr lang="en-US" sz="1800" dirty="0"/>
+              <a:t>Manually determining subclass can be tedious or impractical.</a:t>
+            </a:r>
+          </a:p>
+          <a:p>
+            <a:r>
+              <a:rPr lang="en-US" sz="1800" b="1" dirty="0"/>
+              <a:t>There is a need for an automated assignment of polymer subclass for the purpose of database organization.</a:t>
+            </a:r>
+          </a:p>
+          <a:p>
+            <a:endParaRPr lang="en-US" dirty="0"/>
+          </a:p>
+        </p:txBody>
+      </p:sp>
+      <p:pic>
+        <p:nvPicPr>
+          <p:cNvPr id="6" name="Picture 5">
+            <a:extLst>
+              <a:ext uri="{FF2B5EF4-FFF2-40B4-BE49-F238E27FC236}">
+                <a16:creationId xmlns:a16="http://schemas.microsoft.com/office/drawing/2014/main" id="{6B49B6AA-9243-EAE2-FD2D-76EEC5470876}"/>
+              </a:ext>
+            </a:extLst>
+          </p:cNvPr>
+          <p:cNvPicPr>
+            <a:picLocks noChangeAspect="1"/>
+          </p:cNvPicPr>
+          <p:nvPr/>
+        </p:nvPicPr>
+        <p:blipFill>
+          <a:blip r:embed="rId2"/>
+          <a:stretch>
+            <a:fillRect/>
+          </a:stretch>
+        </p:blipFill>
+        <p:spPr>
+          <a:xfrm>
+            <a:off x="6091332" y="1451794"/>
+            <a:ext cx="2477514" cy="2720408"/>
+          </a:xfrm>
+          <a:prstGeom prst="rect">
+            <a:avLst/>
+          </a:prstGeom>
+        </p:spPr>
+      </p:pic>
+    </p:spTree>
+    <p:extLst>
+      <p:ext uri="{BB962C8B-B14F-4D97-AF65-F5344CB8AC3E}">
+        <p14:creationId xmlns:p14="http://schemas.microsoft.com/office/powerpoint/2010/main" val="3135459254"/>
+      </p:ext>
+    </p:extLst>
+  </p:cSld>
+  <p:clrMapOvr>
+    <a:masterClrMapping/>
+  </p:clrMapOvr>
+</p:sld>
+</file>
+
+<file path=ppt/slides/slide7.xml><?xml version="1.0" encoding="utf-8"?>
+<p:sld xmlns:a="http://schemas.openxmlformats.org/drawingml/2006/main" xmlns:r="http://schemas.openxmlformats.org/officeDocument/2006/relationships" xmlns:p="http://schemas.openxmlformats.org/presentationml/2006/main">
+  <p:cSld>
+    <p:spTree>
+      <p:nvGrpSpPr>
+        <p:cNvPr id="1" name=""/>
+        <p:cNvGrpSpPr/>
+        <p:nvPr/>
+      </p:nvGrpSpPr>
+      <p:grpSpPr>
+        <a:xfrm>
+          <a:off x="0" y="0"/>
+          <a:ext cx="0" cy="0"/>
+          <a:chOff x="0" y="0"/>
+          <a:chExt cx="0" cy="0"/>
+        </a:xfrm>
+      </p:grpSpPr>
+      <p:sp>
+        <p:nvSpPr>
+          <p:cNvPr id="2" name="Title 1">
+            <a:extLst>
+              <a:ext uri="{FF2B5EF4-FFF2-40B4-BE49-F238E27FC236}">
+                <a16:creationId xmlns:a16="http://schemas.microsoft.com/office/drawing/2014/main" id="{8B916445-D0C9-D4B0-9D03-10FDB259E3EC}"/>
+              </a:ext>
+            </a:extLst>
+          </p:cNvPr>
+          <p:cNvSpPr>
+            <a:spLocks noGrp="1"/>
+          </p:cNvSpPr>
+          <p:nvPr>
+            <p:ph type="title"/>
+          </p:nvPr>
+        </p:nvSpPr>
+        <p:spPr/>
+        <p:txBody>
+          <a:bodyPr/>
+          <a:lstStyle/>
+          <a:p>
+            <a:pPr algn="l"/>
+            <a:r>
+              <a:rPr lang="en-US" dirty="0"/>
+              <a:t>Goals</a:t>
+            </a:r>
+          </a:p>
+        </p:txBody>
+      </p:sp>
+      <p:sp>
+        <p:nvSpPr>
+          <p:cNvPr id="3" name="Content Placeholder 2">
+            <a:extLst>
+              <a:ext uri="{FF2B5EF4-FFF2-40B4-BE49-F238E27FC236}">
+                <a16:creationId xmlns:a16="http://schemas.microsoft.com/office/drawing/2014/main" id="{0C55226F-3D2E-829A-D324-B958F4B66B92}"/>
+              </a:ext>
+            </a:extLst>
+          </p:cNvPr>
+          <p:cNvSpPr>
+            <a:spLocks noGrp="1"/>
+          </p:cNvSpPr>
+          <p:nvPr>
+            <p:ph sz="half" idx="2"/>
+          </p:nvPr>
+        </p:nvSpPr>
+        <p:spPr>
+          <a:xfrm>
+            <a:off x="457197" y="1451794"/>
+            <a:ext cx="7633610" cy="2963466"/>
+          </a:xfrm>
+        </p:spPr>
+        <p:txBody>
+          <a:bodyPr/>
+          <a:lstStyle/>
+          <a:p>
+            <a:r>
+              <a:rPr lang="en-US" dirty="0"/>
+              <a:t>Create a ML model that can predict polymer subclass based on mechanical data.</a:t>
+            </a:r>
+          </a:p>
+          <a:p>
+            <a:r>
+              <a:rPr lang="en-US" dirty="0"/>
+              <a:t>Model will be trained to predict on a small subset of polymer classes, with a target of at least 5 unique classes.</a:t>
+            </a:r>
+          </a:p>
+          <a:p>
+            <a:r>
+              <a:rPr lang="en-US" dirty="0"/>
+              <a:t>Achieve at least 80% classification accuracy</a:t>
+            </a:r>
+          </a:p>
+        </p:txBody>
+      </p:sp>
+    </p:spTree>
+    <p:extLst>
+      <p:ext uri="{BB962C8B-B14F-4D97-AF65-F5344CB8AC3E}">
+        <p14:creationId xmlns:p14="http://schemas.microsoft.com/office/powerpoint/2010/main" val="1024325250"/>
+      </p:ext>
+    </p:extLst>
+  </p:cSld>
+  <p:clrMapOvr>
+    <a:masterClrMapping/>
+  </p:clrMapOvr>
+</p:sld>
+</file>
+
+<file path=ppt/slides/slide8.xml><?xml version="1.0" encoding="utf-8"?>
+<p:sld xmlns:a="http://schemas.openxmlformats.org/drawingml/2006/main" xmlns:r="http://schemas.openxmlformats.org/officeDocument/2006/relationships" xmlns:p="http://schemas.openxmlformats.org/presentationml/2006/main">
+  <p:cSld>
+    <p:spTree>
+      <p:nvGrpSpPr>
+        <p:cNvPr id="1" name=""/>
+        <p:cNvGrpSpPr/>
+        <p:nvPr/>
+      </p:nvGrpSpPr>
+      <p:grpSpPr>
+        <a:xfrm>
+          <a:off x="0" y="0"/>
+          <a:ext cx="0" cy="0"/>
+          <a:chOff x="0" y="0"/>
+          <a:chExt cx="0" cy="0"/>
+        </a:xfrm>
+      </p:grpSpPr>
+      <p:sp>
+        <p:nvSpPr>
+          <p:cNvPr id="2" name="Title 1">
+            <a:extLst>
+              <a:ext uri="{FF2B5EF4-FFF2-40B4-BE49-F238E27FC236}">
+                <a16:creationId xmlns:a16="http://schemas.microsoft.com/office/drawing/2014/main" id="{73BC15BD-992E-C9A9-41CE-9C033FE1B443}"/>
+              </a:ext>
+            </a:extLst>
+          </p:cNvPr>
+          <p:cNvSpPr>
+            <a:spLocks noGrp="1"/>
+          </p:cNvSpPr>
+          <p:nvPr>
+            <p:ph type="title"/>
+          </p:nvPr>
+        </p:nvSpPr>
+        <p:spPr>
+          <a:xfrm>
+            <a:off x="457197" y="327595"/>
+            <a:ext cx="8229600" cy="801290"/>
+          </a:xfrm>
+        </p:spPr>
+        <p:txBody>
+          <a:bodyPr/>
+          <a:lstStyle/>
+          <a:p>
+            <a:pPr algn="l"/>
+            <a:r>
+              <a:rPr lang="en-US" dirty="0"/>
+              <a:t>Data Source</a:t>
+            </a:r>
+          </a:p>
+        </p:txBody>
+      </p:sp>
+      <p:sp>
+        <p:nvSpPr>
+          <p:cNvPr id="3" name="Content Placeholder 2">
+            <a:extLst>
+              <a:ext uri="{FF2B5EF4-FFF2-40B4-BE49-F238E27FC236}">
+                <a16:creationId xmlns:a16="http://schemas.microsoft.com/office/drawing/2014/main" id="{7B5068AD-F9E3-586B-21D9-50D3CFDF5D75}"/>
+              </a:ext>
+            </a:extLst>
+          </p:cNvPr>
+          <p:cNvSpPr>
+            <a:spLocks noGrp="1"/>
+          </p:cNvSpPr>
+          <p:nvPr>
+            <p:ph sz="half" idx="2"/>
+          </p:nvPr>
+        </p:nvSpPr>
+        <p:spPr>
+          <a:xfrm>
+            <a:off x="457197" y="1128885"/>
+            <a:ext cx="7519307" cy="2963466"/>
+          </a:xfrm>
+        </p:spPr>
+        <p:txBody>
+          <a:bodyPr/>
+          <a:lstStyle/>
+          <a:p>
+            <a:r>
+              <a:rPr lang="en-US" sz="1400" dirty="0"/>
+              <a:t>UL Prospector</a:t>
+            </a:r>
+          </a:p>
+          <a:p>
+            <a:pPr lvl="1"/>
+            <a:r>
+              <a:rPr lang="en-US" sz="1400" dirty="0"/>
+              <a:t>Database containing technical data of over 100,000 polymeric materials.</a:t>
+            </a:r>
+          </a:p>
+          <a:p>
+            <a:pPr lvl="1"/>
+            <a:r>
+              <a:rPr lang="en-US" sz="1400" dirty="0"/>
+              <a:t>Data is primarily provided by the material supplier.</a:t>
+            </a:r>
+          </a:p>
+          <a:p>
+            <a:pPr lvl="1"/>
+            <a:r>
+              <a:rPr lang="en-US" sz="1400" dirty="0"/>
+              <a:t>Access is free with registration.</a:t>
+            </a:r>
+          </a:p>
+          <a:p>
+            <a:pPr lvl="1"/>
+            <a:endParaRPr lang="en-US" sz="1400" dirty="0"/>
+          </a:p>
+        </p:txBody>
+      </p:sp>
+      <p:pic>
+        <p:nvPicPr>
+          <p:cNvPr id="6" name="Picture 5" descr="A close-up of a card&#10;&#10;AI-generated content may be incorrect.">
+            <a:extLst>
+              <a:ext uri="{FF2B5EF4-FFF2-40B4-BE49-F238E27FC236}">
+                <a16:creationId xmlns:a16="http://schemas.microsoft.com/office/drawing/2014/main" id="{B85E6134-B412-20A9-B76C-7A8FA4ADBBD6}"/>
+              </a:ext>
+            </a:extLst>
+          </p:cNvPr>
+          <p:cNvPicPr>
+            <a:picLocks noChangeAspect="1"/>
+          </p:cNvPicPr>
+          <p:nvPr/>
+        </p:nvPicPr>
+        <p:blipFill>
+          <a:blip r:embed="rId2"/>
+          <a:stretch>
+            <a:fillRect/>
+          </a:stretch>
+        </p:blipFill>
+        <p:spPr>
+          <a:xfrm>
+            <a:off x="826629" y="2453645"/>
+            <a:ext cx="7000877" cy="2439996"/>
+          </a:xfrm>
+          <a:prstGeom prst="rect">
+            <a:avLst/>
+          </a:prstGeom>
+        </p:spPr>
+      </p:pic>
+    </p:spTree>
+    <p:extLst>
+      <p:ext uri="{BB962C8B-B14F-4D97-AF65-F5344CB8AC3E}">
+        <p14:creationId xmlns:p14="http://schemas.microsoft.com/office/powerpoint/2010/main" val="1802015444"/>
+      </p:ext>
+    </p:extLst>
+  </p:cSld>
+  <p:clrMapOvr>
+    <a:masterClrMapping/>
+  </p:clrMapOvr>
+</p:sld>
+</file>
+
+<file path=ppt/slides/slide9.xml><?xml version="1.0" encoding="utf-8"?>
+<p:sld xmlns:a="http://schemas.openxmlformats.org/drawingml/2006/main" xmlns:r="http://schemas.openxmlformats.org/officeDocument/2006/relationships" xmlns:p="http://schemas.openxmlformats.org/presentationml/2006/main">
+  <p:cSld>
+    <p:spTree>
+      <p:nvGrpSpPr>
+        <p:cNvPr id="1" name=""/>
+        <p:cNvGrpSpPr/>
+        <p:nvPr/>
+      </p:nvGrpSpPr>
+      <p:grpSpPr>
+        <a:xfrm>
+          <a:off x="0" y="0"/>
+          <a:ext cx="0" cy="0"/>
+          <a:chOff x="0" y="0"/>
+          <a:chExt cx="0" cy="0"/>
+        </a:xfrm>
+      </p:grpSpPr>
+      <p:sp>
+        <p:nvSpPr>
+          <p:cNvPr id="2" name="Title 1">
+            <a:extLst>
+              <a:ext uri="{FF2B5EF4-FFF2-40B4-BE49-F238E27FC236}">
+                <a16:creationId xmlns:a16="http://schemas.microsoft.com/office/drawing/2014/main" id="{E1E31DB1-1F7D-770E-DD5B-AFEC3A674426}"/>
+              </a:ext>
+            </a:extLst>
+          </p:cNvPr>
+          <p:cNvSpPr>
+            <a:spLocks noGrp="1"/>
+          </p:cNvSpPr>
+          <p:nvPr>
+            <p:ph type="title"/>
+          </p:nvPr>
+        </p:nvSpPr>
+        <p:spPr>
+          <a:xfrm>
+            <a:off x="457200" y="675085"/>
+            <a:ext cx="8229600" cy="801290"/>
+          </a:xfrm>
+        </p:spPr>
+        <p:txBody>
+          <a:bodyPr wrap="square" anchor="ctr">
+            <a:normAutofit/>
+          </a:bodyPr>
+          <a:lstStyle/>
+          <a:p>
+            <a:pPr algn="l"/>
+            <a:r>
+              <a:rPr lang="en-US" dirty="0"/>
+              <a:t>Data Preparation</a:t>
+            </a:r>
+          </a:p>
+        </p:txBody>
+      </p:sp>
+      <p:sp>
+        <p:nvSpPr>
+          <p:cNvPr id="3" name="Content Placeholder 2">
+            <a:extLst>
+              <a:ext uri="{FF2B5EF4-FFF2-40B4-BE49-F238E27FC236}">
+                <a16:creationId xmlns:a16="http://schemas.microsoft.com/office/drawing/2014/main" id="{7DAF1410-2FC5-559F-3CB6-FE7D0EDE5025}"/>
+              </a:ext>
+            </a:extLst>
+          </p:cNvPr>
+          <p:cNvSpPr>
+            <a:spLocks noGrp="1"/>
+          </p:cNvSpPr>
+          <p:nvPr>
+            <p:ph sz="half" idx="1"/>
+          </p:nvPr>
+        </p:nvSpPr>
+        <p:spPr>
+          <a:xfrm>
+            <a:off x="457200" y="1476377"/>
+            <a:ext cx="4038600" cy="3118247"/>
+          </a:xfrm>
+        </p:spPr>
+        <p:txBody>
+          <a:bodyPr wrap="square" anchor="t">
+            <a:normAutofit/>
+          </a:bodyPr>
+          <a:lstStyle/>
+          <a:p>
+            <a:r>
+              <a:rPr lang="en-US" sz="1400" dirty="0"/>
+              <a:t>Database was queried with a handful of polymer symbols (PP, ABS, </a:t>
+            </a:r>
+            <a:r>
+              <a:rPr lang="en-US" sz="1400" dirty="0" err="1"/>
+              <a:t>etc</a:t>
+            </a:r>
+            <a:r>
+              <a:rPr lang="en-US" sz="1400" dirty="0"/>
+              <a:t>) and a .csv file was generated for each</a:t>
+            </a:r>
+          </a:p>
+          <a:p>
+            <a:r>
+              <a:rPr lang="en-US" sz="1400" dirty="0"/>
+              <a:t>Raw data included blends, alloys, and composites and required extensive cleaning.</a:t>
+            </a:r>
+          </a:p>
+        </p:txBody>
+      </p:sp>
+      <p:pic>
+        <p:nvPicPr>
+          <p:cNvPr id="6" name="Picture 5" descr="A screenshot of a computer program&#10;&#10;AI-generated content may be incorrect.">
+            <a:extLst>
+              <a:ext uri="{FF2B5EF4-FFF2-40B4-BE49-F238E27FC236}">
+                <a16:creationId xmlns:a16="http://schemas.microsoft.com/office/drawing/2014/main" id="{C93E934D-6ED7-F1F9-9CF2-BEECEB5C2CD2}"/>
+              </a:ext>
+            </a:extLst>
+          </p:cNvPr>
+          <p:cNvPicPr>
+            <a:picLocks noChangeAspect="1"/>
+          </p:cNvPicPr>
+          <p:nvPr/>
+        </p:nvPicPr>
+        <p:blipFill>
+          <a:blip r:embed="rId2"/>
+          <a:stretch>
+            <a:fillRect/>
+          </a:stretch>
+        </p:blipFill>
+        <p:spPr>
+          <a:xfrm>
+            <a:off x="4648202" y="1476375"/>
+            <a:ext cx="4358675" cy="2735068"/>
+          </a:xfrm>
+          <a:prstGeom prst="rect">
+            <a:avLst/>
+          </a:prstGeom>
+          <a:noFill/>
+        </p:spPr>
+      </p:pic>
+      <p:pic>
+        <p:nvPicPr>
+          <p:cNvPr id="8" name="Picture 7" descr="A screen shot of a computer program&#10;&#10;AI-generated content may be incorrect.">
+            <a:extLst>
+              <a:ext uri="{FF2B5EF4-FFF2-40B4-BE49-F238E27FC236}">
+                <a16:creationId xmlns:a16="http://schemas.microsoft.com/office/drawing/2014/main" id="{7257E293-8420-376D-BDAF-DFB0D60210D1}"/>
+              </a:ext>
+            </a:extLst>
+          </p:cNvPr>
+          <p:cNvPicPr>
+            <a:picLocks noChangeAspect="1"/>
+          </p:cNvPicPr>
+          <p:nvPr/>
+        </p:nvPicPr>
+        <p:blipFill>
+          <a:blip r:embed="rId3"/>
+          <a:stretch>
+            <a:fillRect/>
+          </a:stretch>
+        </p:blipFill>
+        <p:spPr>
+          <a:xfrm>
+            <a:off x="628650" y="2938931"/>
+            <a:ext cx="3695700" cy="1910010"/>
+          </a:xfrm>
+          <a:prstGeom prst="rect">
+            <a:avLst/>
+          </a:prstGeom>
+        </p:spPr>
+      </p:pic>
+    </p:spTree>
+    <p:extLst>
+      <p:ext uri="{BB962C8B-B14F-4D97-AF65-F5344CB8AC3E}">
+        <p14:creationId xmlns:p14="http://schemas.microsoft.com/office/powerpoint/2010/main" val="95774579"/>
       </p:ext>
     </p:extLst>
   </p:cSld>
@@ -5853,4 +13909,10 @@
     </a:ext>
   </a:extLst>
 </a:theme>
+</file>
+
+<file path=docMetadata/LabelInfo.xml><?xml version="1.0" encoding="utf-8"?>
+<clbl:labelList xmlns:clbl="http://schemas.microsoft.com/office/2020/mipLabelMetadata">
+  <clbl:label id="{feff7bc7-36fc-428c-8646-00723cb074ab}" enabled="1" method="Privileged" siteId="{94c3e67c-9e2d-4800-a6b7-635d97882165}" removed="0"/>
+</clbl:labelList>
 </file>